--- a/COMP 494 Example Final Project Presentation.pptx
+++ b/COMP 494 Example Final Project Presentation.pptx
@@ -1,61 +1,66 @@
 
 <file path=ppt/presentation.xml><?xml version="1.0" encoding="utf-8"?>
-<p:presentation xmlns:a="http://schemas.openxmlformats.org/drawingml/2006/main" xmlns:r="http://schemas.openxmlformats.org/officeDocument/2006/relationships" xmlns:mc="http://schemas.openxmlformats.org/markup-compatibility/2006" xmlns:mv="urn:schemas-microsoft-com:mac:vml" xmlns:p="http://schemas.openxmlformats.org/presentationml/2006/main" xmlns:c="http://schemas.openxmlformats.org/drawingml/2006/chart" xmlns:dgm="http://schemas.openxmlformats.org/drawingml/2006/diagram" xmlns:o="urn:schemas-microsoft-com:office:office" xmlns:v="urn:schemas-microsoft-com:vml" xmlns:pvml="urn:schemas-microsoft-com:office:powerpoint" xmlns:com="http://schemas.openxmlformats.org/drawingml/2006/compatibility" xmlns:p14="http://schemas.microsoft.com/office/powerpoint/2010/main" xmlns:p15="http://schemas.microsoft.com/office/powerpoint/2012/main" xmlns:ahyp="http://schemas.microsoft.com/office/drawing/2018/hyperlinkcolor" autoCompressPictures="0" embedTrueTypeFonts="1" strictFirstAndLastChars="0" saveSubsetFonts="1">
+<p:presentation xmlns:a="http://schemas.openxmlformats.org/drawingml/2006/main" xmlns:r="http://schemas.openxmlformats.org/officeDocument/2006/relationships" xmlns:p="http://schemas.openxmlformats.org/presentationml/2006/main" strictFirstAndLastChars="0" embedTrueTypeFonts="1" saveSubsetFonts="1" autoCompressPictures="0">
   <p:sldMasterIdLst>
-    <p:sldMasterId id="2147483659" r:id="rId4"/>
+    <p:sldMasterId id="2147483659" r:id="rId1"/>
   </p:sldMasterIdLst>
   <p:notesMasterIdLst>
-    <p:notesMasterId r:id="rId5"/>
+    <p:notesMasterId r:id="rId27"/>
   </p:notesMasterIdLst>
   <p:sldIdLst>
-    <p:sldId id="256" r:id="rId6"/>
-    <p:sldId id="257" r:id="rId7"/>
-    <p:sldId id="258" r:id="rId8"/>
-    <p:sldId id="259" r:id="rId9"/>
-    <p:sldId id="260" r:id="rId10"/>
-    <p:sldId id="261" r:id="rId11"/>
-    <p:sldId id="262" r:id="rId12"/>
-    <p:sldId id="263" r:id="rId13"/>
-    <p:sldId id="264" r:id="rId14"/>
-    <p:sldId id="265" r:id="rId15"/>
-    <p:sldId id="266" r:id="rId16"/>
-    <p:sldId id="267" r:id="rId17"/>
-    <p:sldId id="268" r:id="rId18"/>
-    <p:sldId id="269" r:id="rId19"/>
-    <p:sldId id="270" r:id="rId20"/>
-    <p:sldId id="271" r:id="rId21"/>
-    <p:sldId id="272" r:id="rId22"/>
-    <p:sldId id="273" r:id="rId23"/>
-    <p:sldId id="274" r:id="rId24"/>
-    <p:sldId id="275" r:id="rId25"/>
+    <p:sldId id="256" r:id="rId2"/>
+    <p:sldId id="257" r:id="rId3"/>
+    <p:sldId id="258" r:id="rId4"/>
+    <p:sldId id="259" r:id="rId5"/>
+    <p:sldId id="260" r:id="rId6"/>
+    <p:sldId id="261" r:id="rId7"/>
+    <p:sldId id="262" r:id="rId8"/>
+    <p:sldId id="263" r:id="rId9"/>
+    <p:sldId id="264" r:id="rId10"/>
+    <p:sldId id="265" r:id="rId11"/>
+    <p:sldId id="266" r:id="rId12"/>
+    <p:sldId id="267" r:id="rId13"/>
+    <p:sldId id="268" r:id="rId14"/>
+    <p:sldId id="276" r:id="rId15"/>
+    <p:sldId id="277" r:id="rId16"/>
+    <p:sldId id="269" r:id="rId17"/>
+    <p:sldId id="270" r:id="rId18"/>
+    <p:sldId id="278" r:id="rId19"/>
+    <p:sldId id="279" r:id="rId20"/>
+    <p:sldId id="281" r:id="rId21"/>
+    <p:sldId id="280" r:id="rId22"/>
+    <p:sldId id="272" r:id="rId23"/>
+    <p:sldId id="273" r:id="rId24"/>
+    <p:sldId id="274" r:id="rId25"/>
+    <p:sldId id="275" r:id="rId26"/>
   </p:sldIdLst>
-  <p:sldSz cy="5143500" cx="9144000"/>
+  <p:sldSz cx="9144000" cy="5143500" type="screen16x9"/>
   <p:notesSz cx="6858000" cy="9144000"/>
   <p:embeddedFontLst>
     <p:embeddedFont>
-      <p:font typeface="Raleway"/>
-      <p:regular r:id="rId26"/>
-      <p:bold r:id="rId27"/>
-      <p:italic r:id="rId28"/>
-      <p:boldItalic r:id="rId29"/>
+      <p:font typeface="Helvetica Neue" panose="02000503000000020004" pitchFamily="2" charset="0"/>
+      <p:regular r:id="rId28"/>
+      <p:bold r:id="rId29"/>
+      <p:italic r:id="rId30"/>
+      <p:boldItalic r:id="rId31"/>
     </p:embeddedFont>
     <p:embeddedFont>
-      <p:font typeface="Lato"/>
-      <p:regular r:id="rId30"/>
-      <p:bold r:id="rId31"/>
-      <p:italic r:id="rId32"/>
-      <p:boldItalic r:id="rId33"/>
+      <p:font typeface="Lato" panose="020F0502020204030203" pitchFamily="34" charset="0"/>
+      <p:regular r:id="rId32"/>
+      <p:bold r:id="rId33"/>
+      <p:italic r:id="rId34"/>
+      <p:boldItalic r:id="rId35"/>
     </p:embeddedFont>
     <p:embeddedFont>
-      <p:font typeface="Helvetica Neue"/>
-      <p:regular r:id="rId34"/>
-      <p:bold r:id="rId35"/>
-      <p:italic r:id="rId36"/>
-      <p:boldItalic r:id="rId37"/>
+      <p:font typeface="Raleway" pitchFamily="2" charset="77"/>
+      <p:regular r:id="rId36"/>
+      <p:bold r:id="rId37"/>
+      <p:italic r:id="rId38"/>
+      <p:boldItalic r:id="rId39"/>
     </p:embeddedFont>
   </p:embeddedFontLst>
   <p:defaultTextStyle>
-    <a:defPPr lvl="0" marR="0" rtl="0" algn="l">
+    <a:defPPr marR="0" lvl="0" algn="l" rtl="0">
       <a:lnSpc>
         <a:spcPct val="100000"/>
       </a:lnSpc>
@@ -66,7 +71,7 @@
         <a:spcPts val="0"/>
       </a:spcAft>
     </a:defPPr>
-    <a:lvl1pPr lvl="0" marR="0" rtl="0" algn="l">
+    <a:lvl1pPr marR="0" lvl="0" algn="l" rtl="0">
       <a:lnSpc>
         <a:spcPct val="100000"/>
       </a:lnSpc>
@@ -80,7 +85,7 @@
         <a:srgbClr val="000000"/>
       </a:buClr>
       <a:buFont typeface="Arial"/>
-      <a:defRPr b="0" i="0" sz="1400" u="none" cap="none" strike="noStrike">
+      <a:defRPr sz="1400" b="0" i="0" u="none" strike="noStrike" cap="none">
         <a:solidFill>
           <a:srgbClr val="000000"/>
         </a:solidFill>
@@ -90,7 +95,7 @@
         <a:sym typeface="Arial"/>
       </a:defRPr>
     </a:lvl1pPr>
-    <a:lvl2pPr lvl="1" marR="0" rtl="0" algn="l">
+    <a:lvl2pPr marR="0" lvl="1" algn="l" rtl="0">
       <a:lnSpc>
         <a:spcPct val="100000"/>
       </a:lnSpc>
@@ -104,7 +109,7 @@
         <a:srgbClr val="000000"/>
       </a:buClr>
       <a:buFont typeface="Arial"/>
-      <a:defRPr b="0" i="0" sz="1400" u="none" cap="none" strike="noStrike">
+      <a:defRPr sz="1400" b="0" i="0" u="none" strike="noStrike" cap="none">
         <a:solidFill>
           <a:srgbClr val="000000"/>
         </a:solidFill>
@@ -114,7 +119,7 @@
         <a:sym typeface="Arial"/>
       </a:defRPr>
     </a:lvl2pPr>
-    <a:lvl3pPr lvl="2" marR="0" rtl="0" algn="l">
+    <a:lvl3pPr marR="0" lvl="2" algn="l" rtl="0">
       <a:lnSpc>
         <a:spcPct val="100000"/>
       </a:lnSpc>
@@ -128,7 +133,7 @@
         <a:srgbClr val="000000"/>
       </a:buClr>
       <a:buFont typeface="Arial"/>
-      <a:defRPr b="0" i="0" sz="1400" u="none" cap="none" strike="noStrike">
+      <a:defRPr sz="1400" b="0" i="0" u="none" strike="noStrike" cap="none">
         <a:solidFill>
           <a:srgbClr val="000000"/>
         </a:solidFill>
@@ -138,7 +143,7 @@
         <a:sym typeface="Arial"/>
       </a:defRPr>
     </a:lvl3pPr>
-    <a:lvl4pPr lvl="3" marR="0" rtl="0" algn="l">
+    <a:lvl4pPr marR="0" lvl="3" algn="l" rtl="0">
       <a:lnSpc>
         <a:spcPct val="100000"/>
       </a:lnSpc>
@@ -152,7 +157,7 @@
         <a:srgbClr val="000000"/>
       </a:buClr>
       <a:buFont typeface="Arial"/>
-      <a:defRPr b="0" i="0" sz="1400" u="none" cap="none" strike="noStrike">
+      <a:defRPr sz="1400" b="0" i="0" u="none" strike="noStrike" cap="none">
         <a:solidFill>
           <a:srgbClr val="000000"/>
         </a:solidFill>
@@ -162,7 +167,7 @@
         <a:sym typeface="Arial"/>
       </a:defRPr>
     </a:lvl4pPr>
-    <a:lvl5pPr lvl="4" marR="0" rtl="0" algn="l">
+    <a:lvl5pPr marR="0" lvl="4" algn="l" rtl="0">
       <a:lnSpc>
         <a:spcPct val="100000"/>
       </a:lnSpc>
@@ -176,7 +181,7 @@
         <a:srgbClr val="000000"/>
       </a:buClr>
       <a:buFont typeface="Arial"/>
-      <a:defRPr b="0" i="0" sz="1400" u="none" cap="none" strike="noStrike">
+      <a:defRPr sz="1400" b="0" i="0" u="none" strike="noStrike" cap="none">
         <a:solidFill>
           <a:srgbClr val="000000"/>
         </a:solidFill>
@@ -186,7 +191,7 @@
         <a:sym typeface="Arial"/>
       </a:defRPr>
     </a:lvl5pPr>
-    <a:lvl6pPr lvl="5" marR="0" rtl="0" algn="l">
+    <a:lvl6pPr marR="0" lvl="5" algn="l" rtl="0">
       <a:lnSpc>
         <a:spcPct val="100000"/>
       </a:lnSpc>
@@ -200,7 +205,7 @@
         <a:srgbClr val="000000"/>
       </a:buClr>
       <a:buFont typeface="Arial"/>
-      <a:defRPr b="0" i="0" sz="1400" u="none" cap="none" strike="noStrike">
+      <a:defRPr sz="1400" b="0" i="0" u="none" strike="noStrike" cap="none">
         <a:solidFill>
           <a:srgbClr val="000000"/>
         </a:solidFill>
@@ -210,7 +215,7 @@
         <a:sym typeface="Arial"/>
       </a:defRPr>
     </a:lvl6pPr>
-    <a:lvl7pPr lvl="6" marR="0" rtl="0" algn="l">
+    <a:lvl7pPr marR="0" lvl="6" algn="l" rtl="0">
       <a:lnSpc>
         <a:spcPct val="100000"/>
       </a:lnSpc>
@@ -224,7 +229,7 @@
         <a:srgbClr val="000000"/>
       </a:buClr>
       <a:buFont typeface="Arial"/>
-      <a:defRPr b="0" i="0" sz="1400" u="none" cap="none" strike="noStrike">
+      <a:defRPr sz="1400" b="0" i="0" u="none" strike="noStrike" cap="none">
         <a:solidFill>
           <a:srgbClr val="000000"/>
         </a:solidFill>
@@ -234,7 +239,7 @@
         <a:sym typeface="Arial"/>
       </a:defRPr>
     </a:lvl7pPr>
-    <a:lvl8pPr lvl="7" marR="0" rtl="0" algn="l">
+    <a:lvl8pPr marR="0" lvl="7" algn="l" rtl="0">
       <a:lnSpc>
         <a:spcPct val="100000"/>
       </a:lnSpc>
@@ -248,7 +253,7 @@
         <a:srgbClr val="000000"/>
       </a:buClr>
       <a:buFont typeface="Arial"/>
-      <a:defRPr b="0" i="0" sz="1400" u="none" cap="none" strike="noStrike">
+      <a:defRPr sz="1400" b="0" i="0" u="none" strike="noStrike" cap="none">
         <a:solidFill>
           <a:srgbClr val="000000"/>
         </a:solidFill>
@@ -258,7 +263,7 @@
         <a:sym typeface="Arial"/>
       </a:defRPr>
     </a:lvl8pPr>
-    <a:lvl9pPr lvl="8" marR="0" rtl="0" algn="l">
+    <a:lvl9pPr marR="0" lvl="8" algn="l" rtl="0">
       <a:lnSpc>
         <a:spcPct val="100000"/>
       </a:lnSpc>
@@ -272,7 +277,7 @@
         <a:srgbClr val="000000"/>
       </a:buClr>
       <a:buFont typeface="Arial"/>
-      <a:defRPr b="0" i="0" sz="1400" u="none" cap="none" strike="noStrike">
+      <a:defRPr sz="1400" b="0" i="0" u="none" strike="noStrike" cap="none">
         <a:solidFill>
           <a:srgbClr val="000000"/>
         </a:solidFill>
@@ -285,7 +290,7 @@
   </p:defaultTextStyle>
   <p:extLst>
     <p:ext uri="{EFAFB233-063F-42B5-8137-9DF3F51BA10A}">
-      <p15:sldGuideLst>
+      <p15:sldGuideLst xmlns:p15="http://schemas.microsoft.com/office/powerpoint/2012/main">
         <p15:guide id="1" orient="horz" pos="1620">
           <p15:clr>
             <a:srgbClr val="A4A3A4"/>
@@ -303,11 +308,16 @@
 </file>
 
 <file path=ppt/notesMasters/notesMaster1.xml><?xml version="1.0" encoding="utf-8"?>
-<p:notesMaster xmlns:a="http://schemas.openxmlformats.org/drawingml/2006/main" xmlns:r="http://schemas.openxmlformats.org/officeDocument/2006/relationships" xmlns:mc="http://schemas.openxmlformats.org/markup-compatibility/2006" xmlns:mv="urn:schemas-microsoft-com:mac:vml" xmlns:p="http://schemas.openxmlformats.org/presentationml/2006/main" xmlns:c="http://schemas.openxmlformats.org/drawingml/2006/chart" xmlns:dgm="http://schemas.openxmlformats.org/drawingml/2006/diagram" xmlns:o="urn:schemas-microsoft-com:office:office" xmlns:v="urn:schemas-microsoft-com:vml" xmlns:pvml="urn:schemas-microsoft-com:office:powerpoint" xmlns:com="http://schemas.openxmlformats.org/drawingml/2006/compatibility" xmlns:p14="http://schemas.microsoft.com/office/powerpoint/2010/main" xmlns:p15="http://schemas.microsoft.com/office/powerpoint/2012/main" xmlns:ahyp="http://schemas.microsoft.com/office/drawing/2018/hyperlinkcolor">
+<p:notesMaster xmlns:a="http://schemas.openxmlformats.org/drawingml/2006/main" xmlns:r="http://schemas.openxmlformats.org/officeDocument/2006/relationships" xmlns:p="http://schemas.openxmlformats.org/presentationml/2006/main">
   <p:cSld>
+    <p:bg>
+      <p:bgRef idx="1001">
+        <a:schemeClr val="bg1"/>
+      </p:bgRef>
+    </p:bg>
     <p:spTree>
       <p:nvGrpSpPr>
-        <p:cNvPr id="2" name="Shape 2"/>
+        <p:cNvPr id="1" name="Shape 2"/>
         <p:cNvGrpSpPr/>
         <p:nvPr/>
       </p:nvGrpSpPr>
@@ -322,9 +332,11 @@
       <p:sp>
         <p:nvSpPr>
           <p:cNvPr id="3" name="Google Shape;3;n"/>
-          <p:cNvSpPr/>
+          <p:cNvSpPr>
+            <a:spLocks noGrp="1" noRot="1" noChangeAspect="1"/>
+          </p:cNvSpPr>
           <p:nvPr>
-            <p:ph idx="2" type="sldImg"/>
+            <p:ph type="sldImg" idx="2"/>
           </p:nvPr>
         </p:nvSpPr>
         <p:spPr>
@@ -333,9 +345,13 @@
             <a:ext cx="6096075" cy="3429000"/>
           </a:xfrm>
           <a:custGeom>
-            <a:rect b="b" l="l" r="r" t="t"/>
+            <a:avLst/>
+            <a:gdLst/>
+            <a:ahLst/>
+            <a:cxnLst/>
+            <a:rect l="l" t="t" r="r" b="b"/>
             <a:pathLst>
-              <a:path extrusionOk="0" h="120000" w="120000">
+              <a:path w="120000" h="120000" extrusionOk="0">
                 <a:moveTo>
                   <a:pt x="0" y="0"/>
                 </a:moveTo>
@@ -353,23 +369,25 @@
             </a:pathLst>
           </a:custGeom>
           <a:noFill/>
-          <a:ln cap="flat" cmpd="sng" w="9525">
+          <a:ln w="9525" cap="flat" cmpd="sng">
             <a:solidFill>
               <a:srgbClr val="000000"/>
             </a:solidFill>
             <a:prstDash val="solid"/>
             <a:round/>
-            <a:headEnd len="sm" w="sm" type="none"/>
-            <a:tailEnd len="sm" w="sm" type="none"/>
+            <a:headEnd type="none" w="sm" len="sm"/>
+            <a:tailEnd type="none" w="sm" len="sm"/>
           </a:ln>
         </p:spPr>
       </p:sp>
       <p:sp>
         <p:nvSpPr>
           <p:cNvPr id="4" name="Google Shape;4;n"/>
-          <p:cNvSpPr txBox="1"/>
+          <p:cNvSpPr txBox="1">
+            <a:spLocks noGrp="1"/>
+          </p:cNvSpPr>
           <p:nvPr>
-            <p:ph idx="1" type="body"/>
+            <p:ph type="body" idx="1"/>
           </p:nvPr>
         </p:nvSpPr>
         <p:spPr>
@@ -386,11 +404,11 @@
           </a:ln>
         </p:spPr>
         <p:txBody>
-          <a:bodyPr anchorCtr="0" anchor="t" bIns="91425" lIns="91425" spcFirstLastPara="1" rIns="91425" wrap="square" tIns="91425">
+          <a:bodyPr spcFirstLastPara="1" wrap="square" lIns="91425" tIns="91425" rIns="91425" bIns="91425" anchor="t" anchorCtr="0">
             <a:noAutofit/>
           </a:bodyPr>
           <a:lstStyle>
-            <a:lvl1pPr indent="-298450" lvl="0" marL="457200">
+            <a:lvl1pPr marL="457200" lvl="0" indent="-298450">
               <a:spcBef>
                 <a:spcPts val="0"/>
               </a:spcBef>
@@ -401,7 +419,7 @@
               <a:buChar char="●"/>
               <a:defRPr sz="1100"/>
             </a:lvl1pPr>
-            <a:lvl2pPr indent="-298450" lvl="1" marL="914400">
+            <a:lvl2pPr marL="914400" lvl="1" indent="-298450">
               <a:spcBef>
                 <a:spcPts val="0"/>
               </a:spcBef>
@@ -412,7 +430,7 @@
               <a:buChar char="○"/>
               <a:defRPr sz="1100"/>
             </a:lvl2pPr>
-            <a:lvl3pPr indent="-298450" lvl="2" marL="1371600">
+            <a:lvl3pPr marL="1371600" lvl="2" indent="-298450">
               <a:spcBef>
                 <a:spcPts val="0"/>
               </a:spcBef>
@@ -423,7 +441,7 @@
               <a:buChar char="■"/>
               <a:defRPr sz="1100"/>
             </a:lvl3pPr>
-            <a:lvl4pPr indent="-298450" lvl="3" marL="1828800">
+            <a:lvl4pPr marL="1828800" lvl="3" indent="-298450">
               <a:spcBef>
                 <a:spcPts val="0"/>
               </a:spcBef>
@@ -434,7 +452,7 @@
               <a:buChar char="●"/>
               <a:defRPr sz="1100"/>
             </a:lvl4pPr>
-            <a:lvl5pPr indent="-298450" lvl="4" marL="2286000">
+            <a:lvl5pPr marL="2286000" lvl="4" indent="-298450">
               <a:spcBef>
                 <a:spcPts val="0"/>
               </a:spcBef>
@@ -445,7 +463,7 @@
               <a:buChar char="○"/>
               <a:defRPr sz="1100"/>
             </a:lvl5pPr>
-            <a:lvl6pPr indent="-298450" lvl="5" marL="2743200">
+            <a:lvl6pPr marL="2743200" lvl="5" indent="-298450">
               <a:spcBef>
                 <a:spcPts val="0"/>
               </a:spcBef>
@@ -456,7 +474,7 @@
               <a:buChar char="■"/>
               <a:defRPr sz="1100"/>
             </a:lvl6pPr>
-            <a:lvl7pPr indent="-298450" lvl="6" marL="3200400">
+            <a:lvl7pPr marL="3200400" lvl="6" indent="-298450">
               <a:spcBef>
                 <a:spcPts val="0"/>
               </a:spcBef>
@@ -467,7 +485,7 @@
               <a:buChar char="●"/>
               <a:defRPr sz="1100"/>
             </a:lvl7pPr>
-            <a:lvl8pPr indent="-298450" lvl="7" marL="3657600">
+            <a:lvl8pPr marL="3657600" lvl="7" indent="-298450">
               <a:spcBef>
                 <a:spcPts val="0"/>
               </a:spcBef>
@@ -478,7 +496,7 @@
               <a:buChar char="○"/>
               <a:defRPr sz="1100"/>
             </a:lvl8pPr>
-            <a:lvl9pPr indent="-298450" lvl="8" marL="4114800">
+            <a:lvl9pPr marL="4114800" lvl="8" indent="-298450">
               <a:spcBef>
                 <a:spcPts val="0"/>
               </a:spcBef>
@@ -490,14 +508,16 @@
               <a:defRPr sz="1100"/>
             </a:lvl9pPr>
           </a:lstStyle>
-          <a:p/>
+          <a:p>
+            <a:endParaRPr/>
+          </a:p>
         </p:txBody>
       </p:sp>
     </p:spTree>
   </p:cSld>
-  <p:clrMap accent1="accent1" accent2="accent2" accent3="accent3" accent4="accent4" accent5="accent5" accent6="accent6" bg1="lt1" bg2="dk2" tx1="dk1" tx2="lt2" folHlink="folHlink" hlink="hlink"/>
+  <p:clrMap bg1="lt1" tx1="dk1" bg2="dk2" tx2="lt2" accent1="accent1" accent2="accent2" accent3="accent3" accent4="accent4" accent5="accent5" accent6="accent6" hlink="hlink" folHlink="folHlink"/>
   <p:notesStyle>
-    <a:defPPr lvl="0" marR="0" rtl="0" algn="l">
+    <a:defPPr marR="0" lvl="0" algn="l" rtl="0">
       <a:lnSpc>
         <a:spcPct val="100000"/>
       </a:lnSpc>
@@ -508,7 +528,7 @@
         <a:spcPts val="0"/>
       </a:spcAft>
     </a:defPPr>
-    <a:lvl1pPr lvl="0" marR="0" rtl="0" algn="l">
+    <a:lvl1pPr marR="0" lvl="0" algn="l" rtl="0">
       <a:lnSpc>
         <a:spcPct val="100000"/>
       </a:lnSpc>
@@ -522,7 +542,7 @@
         <a:srgbClr val="000000"/>
       </a:buClr>
       <a:buFont typeface="Arial"/>
-      <a:defRPr b="0" i="0" sz="1400" u="none" cap="none" strike="noStrike">
+      <a:defRPr sz="1400" b="0" i="0" u="none" strike="noStrike" cap="none">
         <a:solidFill>
           <a:srgbClr val="000000"/>
         </a:solidFill>
@@ -532,7 +552,7 @@
         <a:sym typeface="Arial"/>
       </a:defRPr>
     </a:lvl1pPr>
-    <a:lvl2pPr lvl="1" marR="0" rtl="0" algn="l">
+    <a:lvl2pPr marR="0" lvl="1" algn="l" rtl="0">
       <a:lnSpc>
         <a:spcPct val="100000"/>
       </a:lnSpc>
@@ -546,7 +566,7 @@
         <a:srgbClr val="000000"/>
       </a:buClr>
       <a:buFont typeface="Arial"/>
-      <a:defRPr b="0" i="0" sz="1400" u="none" cap="none" strike="noStrike">
+      <a:defRPr sz="1400" b="0" i="0" u="none" strike="noStrike" cap="none">
         <a:solidFill>
           <a:srgbClr val="000000"/>
         </a:solidFill>
@@ -556,7 +576,7 @@
         <a:sym typeface="Arial"/>
       </a:defRPr>
     </a:lvl2pPr>
-    <a:lvl3pPr lvl="2" marR="0" rtl="0" algn="l">
+    <a:lvl3pPr marR="0" lvl="2" algn="l" rtl="0">
       <a:lnSpc>
         <a:spcPct val="100000"/>
       </a:lnSpc>
@@ -570,7 +590,7 @@
         <a:srgbClr val="000000"/>
       </a:buClr>
       <a:buFont typeface="Arial"/>
-      <a:defRPr b="0" i="0" sz="1400" u="none" cap="none" strike="noStrike">
+      <a:defRPr sz="1400" b="0" i="0" u="none" strike="noStrike" cap="none">
         <a:solidFill>
           <a:srgbClr val="000000"/>
         </a:solidFill>
@@ -580,7 +600,7 @@
         <a:sym typeface="Arial"/>
       </a:defRPr>
     </a:lvl3pPr>
-    <a:lvl4pPr lvl="3" marR="0" rtl="0" algn="l">
+    <a:lvl4pPr marR="0" lvl="3" algn="l" rtl="0">
       <a:lnSpc>
         <a:spcPct val="100000"/>
       </a:lnSpc>
@@ -594,7 +614,7 @@
         <a:srgbClr val="000000"/>
       </a:buClr>
       <a:buFont typeface="Arial"/>
-      <a:defRPr b="0" i="0" sz="1400" u="none" cap="none" strike="noStrike">
+      <a:defRPr sz="1400" b="0" i="0" u="none" strike="noStrike" cap="none">
         <a:solidFill>
           <a:srgbClr val="000000"/>
         </a:solidFill>
@@ -604,7 +624,7 @@
         <a:sym typeface="Arial"/>
       </a:defRPr>
     </a:lvl4pPr>
-    <a:lvl5pPr lvl="4" marR="0" rtl="0" algn="l">
+    <a:lvl5pPr marR="0" lvl="4" algn="l" rtl="0">
       <a:lnSpc>
         <a:spcPct val="100000"/>
       </a:lnSpc>
@@ -618,7 +638,7 @@
         <a:srgbClr val="000000"/>
       </a:buClr>
       <a:buFont typeface="Arial"/>
-      <a:defRPr b="0" i="0" sz="1400" u="none" cap="none" strike="noStrike">
+      <a:defRPr sz="1400" b="0" i="0" u="none" strike="noStrike" cap="none">
         <a:solidFill>
           <a:srgbClr val="000000"/>
         </a:solidFill>
@@ -628,7 +648,7 @@
         <a:sym typeface="Arial"/>
       </a:defRPr>
     </a:lvl5pPr>
-    <a:lvl6pPr lvl="5" marR="0" rtl="0" algn="l">
+    <a:lvl6pPr marR="0" lvl="5" algn="l" rtl="0">
       <a:lnSpc>
         <a:spcPct val="100000"/>
       </a:lnSpc>
@@ -642,7 +662,7 @@
         <a:srgbClr val="000000"/>
       </a:buClr>
       <a:buFont typeface="Arial"/>
-      <a:defRPr b="0" i="0" sz="1400" u="none" cap="none" strike="noStrike">
+      <a:defRPr sz="1400" b="0" i="0" u="none" strike="noStrike" cap="none">
         <a:solidFill>
           <a:srgbClr val="000000"/>
         </a:solidFill>
@@ -652,7 +672,7 @@
         <a:sym typeface="Arial"/>
       </a:defRPr>
     </a:lvl6pPr>
-    <a:lvl7pPr lvl="6" marR="0" rtl="0" algn="l">
+    <a:lvl7pPr marR="0" lvl="6" algn="l" rtl="0">
       <a:lnSpc>
         <a:spcPct val="100000"/>
       </a:lnSpc>
@@ -666,7 +686,7 @@
         <a:srgbClr val="000000"/>
       </a:buClr>
       <a:buFont typeface="Arial"/>
-      <a:defRPr b="0" i="0" sz="1400" u="none" cap="none" strike="noStrike">
+      <a:defRPr sz="1400" b="0" i="0" u="none" strike="noStrike" cap="none">
         <a:solidFill>
           <a:srgbClr val="000000"/>
         </a:solidFill>
@@ -676,7 +696,7 @@
         <a:sym typeface="Arial"/>
       </a:defRPr>
     </a:lvl7pPr>
-    <a:lvl8pPr lvl="7" marR="0" rtl="0" algn="l">
+    <a:lvl8pPr marR="0" lvl="7" algn="l" rtl="0">
       <a:lnSpc>
         <a:spcPct val="100000"/>
       </a:lnSpc>
@@ -690,7 +710,7 @@
         <a:srgbClr val="000000"/>
       </a:buClr>
       <a:buFont typeface="Arial"/>
-      <a:defRPr b="0" i="0" sz="1400" u="none" cap="none" strike="noStrike">
+      <a:defRPr sz="1400" b="0" i="0" u="none" strike="noStrike" cap="none">
         <a:solidFill>
           <a:srgbClr val="000000"/>
         </a:solidFill>
@@ -700,7 +720,7 @@
         <a:sym typeface="Arial"/>
       </a:defRPr>
     </a:lvl8pPr>
-    <a:lvl9pPr lvl="8" marR="0" rtl="0" algn="l">
+    <a:lvl9pPr marR="0" lvl="8" algn="l" rtl="0">
       <a:lnSpc>
         <a:spcPct val="100000"/>
       </a:lnSpc>
@@ -714,7 +734,7 @@
         <a:srgbClr val="000000"/>
       </a:buClr>
       <a:buFont typeface="Arial"/>
-      <a:defRPr b="0" i="0" sz="1400" u="none" cap="none" strike="noStrike">
+      <a:defRPr sz="1400" b="0" i="0" u="none" strike="noStrike" cap="none">
         <a:solidFill>
           <a:srgbClr val="000000"/>
         </a:solidFill>
@@ -729,11 +749,11 @@
 </file>
 
 <file path=ppt/notesSlides/notesSlide1.xml><?xml version="1.0" encoding="utf-8"?>
-<p:notes xmlns:a="http://schemas.openxmlformats.org/drawingml/2006/main" xmlns:r="http://schemas.openxmlformats.org/officeDocument/2006/relationships" xmlns:mc="http://schemas.openxmlformats.org/markup-compatibility/2006" xmlns:mv="urn:schemas-microsoft-com:mac:vml" xmlns:p="http://schemas.openxmlformats.org/presentationml/2006/main" xmlns:c="http://schemas.openxmlformats.org/drawingml/2006/chart" xmlns:dgm="http://schemas.openxmlformats.org/drawingml/2006/diagram" xmlns:o="urn:schemas-microsoft-com:office:office" xmlns:v="urn:schemas-microsoft-com:vml" xmlns:pvml="urn:schemas-microsoft-com:office:powerpoint" xmlns:com="http://schemas.openxmlformats.org/drawingml/2006/compatibility" xmlns:p14="http://schemas.microsoft.com/office/powerpoint/2010/main" xmlns:p15="http://schemas.microsoft.com/office/powerpoint/2012/main" xmlns:ahyp="http://schemas.microsoft.com/office/drawing/2018/hyperlinkcolor" showMasterPhAnim="0" showMasterSp="0">
+<p:notes xmlns:a="http://schemas.openxmlformats.org/drawingml/2006/main" xmlns:r="http://schemas.openxmlformats.org/officeDocument/2006/relationships" xmlns:p="http://schemas.openxmlformats.org/presentationml/2006/main" showMasterSp="0" showMasterPhAnim="0">
   <p:cSld>
     <p:spTree>
       <p:nvGrpSpPr>
-        <p:cNvPr id="82" name="Shape 82"/>
+        <p:cNvPr id="1" name="Shape 82"/>
         <p:cNvGrpSpPr/>
         <p:nvPr/>
       </p:nvGrpSpPr>
@@ -748,20 +768,26 @@
       <p:sp>
         <p:nvSpPr>
           <p:cNvPr id="83" name="Google Shape;83;p:notes"/>
-          <p:cNvSpPr/>
+          <p:cNvSpPr>
+            <a:spLocks noGrp="1" noRot="1" noChangeAspect="1"/>
+          </p:cNvSpPr>
           <p:nvPr>
-            <p:ph idx="2" type="sldImg"/>
+            <p:ph type="sldImg" idx="2"/>
           </p:nvPr>
         </p:nvSpPr>
         <p:spPr>
           <a:xfrm>
-            <a:off x="381300" y="685800"/>
-            <a:ext cx="6096075" cy="3429000"/>
+            <a:off x="381000" y="685800"/>
+            <a:ext cx="6096000" cy="3429000"/>
           </a:xfrm>
           <a:custGeom>
-            <a:rect b="b" l="l" r="r" t="t"/>
+            <a:avLst/>
+            <a:gdLst/>
+            <a:ahLst/>
+            <a:cxnLst/>
+            <a:rect l="l" t="t" r="r" b="b"/>
             <a:pathLst>
-              <a:path extrusionOk="0" h="120000" w="120000">
+              <a:path w="120000" h="120000" extrusionOk="0">
                 <a:moveTo>
                   <a:pt x="0" y="0"/>
                 </a:moveTo>
@@ -783,9 +809,11 @@
       <p:sp>
         <p:nvSpPr>
           <p:cNvPr id="84" name="Google Shape;84;p:notes"/>
-          <p:cNvSpPr txBox="1"/>
+          <p:cNvSpPr txBox="1">
+            <a:spLocks noGrp="1"/>
+          </p:cNvSpPr>
           <p:nvPr>
-            <p:ph idx="1" type="body"/>
+            <p:ph type="body" idx="1"/>
           </p:nvPr>
         </p:nvSpPr>
         <p:spPr>
@@ -798,12 +826,12 @@
           </a:prstGeom>
         </p:spPr>
         <p:txBody>
-          <a:bodyPr anchorCtr="0" anchor="t" bIns="91425" lIns="91425" spcFirstLastPara="1" rIns="91425" wrap="square" tIns="91425">
+          <a:bodyPr spcFirstLastPara="1" wrap="square" lIns="91425" tIns="91425" rIns="91425" bIns="91425" anchor="t" anchorCtr="0">
             <a:noAutofit/>
           </a:bodyPr>
           <a:lstStyle/>
           <a:p>
-            <a:pPr indent="0" lvl="0" marL="0" rtl="0" algn="l">
+            <a:pPr marL="0" lvl="0" indent="0" algn="l" rtl="0">
               <a:spcBef>
                 <a:spcPts val="0"/>
               </a:spcBef>
@@ -812,9 +840,6 @@
               </a:spcAft>
               <a:buNone/>
             </a:pPr>
-            <a:r>
-              <a:t/>
-            </a:r>
             <a:endParaRPr/>
           </a:p>
         </p:txBody>
@@ -828,11 +853,11 @@
 </file>
 
 <file path=ppt/notesSlides/notesSlide10.xml><?xml version="1.0" encoding="utf-8"?>
-<p:notes xmlns:a="http://schemas.openxmlformats.org/drawingml/2006/main" xmlns:r="http://schemas.openxmlformats.org/officeDocument/2006/relationships" xmlns:mc="http://schemas.openxmlformats.org/markup-compatibility/2006" xmlns:mv="urn:schemas-microsoft-com:mac:vml" xmlns:p="http://schemas.openxmlformats.org/presentationml/2006/main" xmlns:c="http://schemas.openxmlformats.org/drawingml/2006/chart" xmlns:dgm="http://schemas.openxmlformats.org/drawingml/2006/diagram" xmlns:o="urn:schemas-microsoft-com:office:office" xmlns:v="urn:schemas-microsoft-com:vml" xmlns:pvml="urn:schemas-microsoft-com:office:powerpoint" xmlns:com="http://schemas.openxmlformats.org/drawingml/2006/compatibility" xmlns:p14="http://schemas.microsoft.com/office/powerpoint/2010/main" xmlns:p15="http://schemas.microsoft.com/office/powerpoint/2012/main" xmlns:ahyp="http://schemas.microsoft.com/office/drawing/2018/hyperlinkcolor" showMasterPhAnim="0" showMasterSp="0">
+<p:notes xmlns:a="http://schemas.openxmlformats.org/drawingml/2006/main" xmlns:r="http://schemas.openxmlformats.org/officeDocument/2006/relationships" xmlns:p="http://schemas.openxmlformats.org/presentationml/2006/main" showMasterSp="0" showMasterPhAnim="0">
   <p:cSld>
     <p:spTree>
       <p:nvGrpSpPr>
-        <p:cNvPr id="137" name="Shape 137"/>
+        <p:cNvPr id="1" name="Shape 137"/>
         <p:cNvGrpSpPr/>
         <p:nvPr/>
       </p:nvGrpSpPr>
@@ -847,9 +872,11 @@
       <p:sp>
         <p:nvSpPr>
           <p:cNvPr id="138" name="Google Shape;138;g11b6477ecb2_0_120:notes"/>
-          <p:cNvSpPr/>
+          <p:cNvSpPr>
+            <a:spLocks noGrp="1" noRot="1" noChangeAspect="1"/>
+          </p:cNvSpPr>
           <p:nvPr>
-            <p:ph idx="2" type="sldImg"/>
+            <p:ph type="sldImg" idx="2"/>
           </p:nvPr>
         </p:nvSpPr>
         <p:spPr>
@@ -858,9 +885,13 @@
             <a:ext cx="6096000" cy="3429000"/>
           </a:xfrm>
           <a:custGeom>
-            <a:rect b="b" l="l" r="r" t="t"/>
+            <a:avLst/>
+            <a:gdLst/>
+            <a:ahLst/>
+            <a:cxnLst/>
+            <a:rect l="l" t="t" r="r" b="b"/>
             <a:pathLst>
-              <a:path extrusionOk="0" h="120000" w="120000">
+              <a:path w="120000" h="120000" extrusionOk="0">
                 <a:moveTo>
                   <a:pt x="0" y="0"/>
                 </a:moveTo>
@@ -882,9 +913,11 @@
       <p:sp>
         <p:nvSpPr>
           <p:cNvPr id="139" name="Google Shape;139;g11b6477ecb2_0_120:notes"/>
-          <p:cNvSpPr txBox="1"/>
+          <p:cNvSpPr txBox="1">
+            <a:spLocks noGrp="1"/>
+          </p:cNvSpPr>
           <p:nvPr>
-            <p:ph idx="1" type="body"/>
+            <p:ph type="body" idx="1"/>
           </p:nvPr>
         </p:nvSpPr>
         <p:spPr>
@@ -897,12 +930,12 @@
           </a:prstGeom>
         </p:spPr>
         <p:txBody>
-          <a:bodyPr anchorCtr="0" anchor="t" bIns="91425" lIns="91425" spcFirstLastPara="1" rIns="91425" wrap="square" tIns="91425">
+          <a:bodyPr spcFirstLastPara="1" wrap="square" lIns="91425" tIns="91425" rIns="91425" bIns="91425" anchor="t" anchorCtr="0">
             <a:noAutofit/>
           </a:bodyPr>
           <a:lstStyle/>
           <a:p>
-            <a:pPr indent="0" lvl="0" marL="0" rtl="0" algn="l">
+            <a:pPr marL="0" lvl="0" indent="0" algn="l" rtl="0">
               <a:spcBef>
                 <a:spcPts val="0"/>
               </a:spcBef>
@@ -911,9 +944,6 @@
               </a:spcAft>
               <a:buNone/>
             </a:pPr>
-            <a:r>
-              <a:t/>
-            </a:r>
             <a:endParaRPr/>
           </a:p>
         </p:txBody>
@@ -927,11 +957,11 @@
 </file>
 
 <file path=ppt/notesSlides/notesSlide11.xml><?xml version="1.0" encoding="utf-8"?>
-<p:notes xmlns:a="http://schemas.openxmlformats.org/drawingml/2006/main" xmlns:r="http://schemas.openxmlformats.org/officeDocument/2006/relationships" xmlns:mc="http://schemas.openxmlformats.org/markup-compatibility/2006" xmlns:mv="urn:schemas-microsoft-com:mac:vml" xmlns:p="http://schemas.openxmlformats.org/presentationml/2006/main" xmlns:c="http://schemas.openxmlformats.org/drawingml/2006/chart" xmlns:dgm="http://schemas.openxmlformats.org/drawingml/2006/diagram" xmlns:o="urn:schemas-microsoft-com:office:office" xmlns:v="urn:schemas-microsoft-com:vml" xmlns:pvml="urn:schemas-microsoft-com:office:powerpoint" xmlns:com="http://schemas.openxmlformats.org/drawingml/2006/compatibility" xmlns:p14="http://schemas.microsoft.com/office/powerpoint/2010/main" xmlns:p15="http://schemas.microsoft.com/office/powerpoint/2012/main" xmlns:ahyp="http://schemas.microsoft.com/office/drawing/2018/hyperlinkcolor" showMasterPhAnim="0" showMasterSp="0">
+<p:notes xmlns:a="http://schemas.openxmlformats.org/drawingml/2006/main" xmlns:r="http://schemas.openxmlformats.org/officeDocument/2006/relationships" xmlns:p="http://schemas.openxmlformats.org/presentationml/2006/main" showMasterSp="0" showMasterPhAnim="0">
   <p:cSld>
     <p:spTree>
       <p:nvGrpSpPr>
-        <p:cNvPr id="145" name="Shape 145"/>
+        <p:cNvPr id="1" name="Shape 145"/>
         <p:cNvGrpSpPr/>
         <p:nvPr/>
       </p:nvGrpSpPr>
@@ -946,9 +976,11 @@
       <p:sp>
         <p:nvSpPr>
           <p:cNvPr id="146" name="Google Shape;146;g11b6477ecb2_0_150:notes"/>
-          <p:cNvSpPr/>
+          <p:cNvSpPr>
+            <a:spLocks noGrp="1" noRot="1" noChangeAspect="1"/>
+          </p:cNvSpPr>
           <p:nvPr>
-            <p:ph idx="2" type="sldImg"/>
+            <p:ph type="sldImg" idx="2"/>
           </p:nvPr>
         </p:nvSpPr>
         <p:spPr>
@@ -957,9 +989,13 @@
             <a:ext cx="6096000" cy="3429000"/>
           </a:xfrm>
           <a:custGeom>
-            <a:rect b="b" l="l" r="r" t="t"/>
+            <a:avLst/>
+            <a:gdLst/>
+            <a:ahLst/>
+            <a:cxnLst/>
+            <a:rect l="l" t="t" r="r" b="b"/>
             <a:pathLst>
-              <a:path extrusionOk="0" h="120000" w="120000">
+              <a:path w="120000" h="120000" extrusionOk="0">
                 <a:moveTo>
                   <a:pt x="0" y="0"/>
                 </a:moveTo>
@@ -981,9 +1017,11 @@
       <p:sp>
         <p:nvSpPr>
           <p:cNvPr id="147" name="Google Shape;147;g11b6477ecb2_0_150:notes"/>
-          <p:cNvSpPr txBox="1"/>
+          <p:cNvSpPr txBox="1">
+            <a:spLocks noGrp="1"/>
+          </p:cNvSpPr>
           <p:nvPr>
-            <p:ph idx="1" type="body"/>
+            <p:ph type="body" idx="1"/>
           </p:nvPr>
         </p:nvSpPr>
         <p:spPr>
@@ -996,12 +1034,12 @@
           </a:prstGeom>
         </p:spPr>
         <p:txBody>
-          <a:bodyPr anchorCtr="0" anchor="t" bIns="91425" lIns="91425" spcFirstLastPara="1" rIns="91425" wrap="square" tIns="91425">
+          <a:bodyPr spcFirstLastPara="1" wrap="square" lIns="91425" tIns="91425" rIns="91425" bIns="91425" anchor="t" anchorCtr="0">
             <a:noAutofit/>
           </a:bodyPr>
           <a:lstStyle/>
           <a:p>
-            <a:pPr indent="0" lvl="0" marL="0" rtl="0" algn="l">
+            <a:pPr marL="0" lvl="0" indent="0" algn="l" rtl="0">
               <a:spcBef>
                 <a:spcPts val="0"/>
               </a:spcBef>
@@ -1010,9 +1048,6 @@
               </a:spcAft>
               <a:buNone/>
             </a:pPr>
-            <a:r>
-              <a:t/>
-            </a:r>
             <a:endParaRPr/>
           </a:p>
         </p:txBody>
@@ -1026,11 +1061,11 @@
 </file>
 
 <file path=ppt/notesSlides/notesSlide12.xml><?xml version="1.0" encoding="utf-8"?>
-<p:notes xmlns:a="http://schemas.openxmlformats.org/drawingml/2006/main" xmlns:r="http://schemas.openxmlformats.org/officeDocument/2006/relationships" xmlns:mc="http://schemas.openxmlformats.org/markup-compatibility/2006" xmlns:mv="urn:schemas-microsoft-com:mac:vml" xmlns:p="http://schemas.openxmlformats.org/presentationml/2006/main" xmlns:c="http://schemas.openxmlformats.org/drawingml/2006/chart" xmlns:dgm="http://schemas.openxmlformats.org/drawingml/2006/diagram" xmlns:o="urn:schemas-microsoft-com:office:office" xmlns:v="urn:schemas-microsoft-com:vml" xmlns:pvml="urn:schemas-microsoft-com:office:powerpoint" xmlns:com="http://schemas.openxmlformats.org/drawingml/2006/compatibility" xmlns:p14="http://schemas.microsoft.com/office/powerpoint/2010/main" xmlns:p15="http://schemas.microsoft.com/office/powerpoint/2012/main" xmlns:ahyp="http://schemas.microsoft.com/office/drawing/2018/hyperlinkcolor" showMasterPhAnim="0" showMasterSp="0">
+<p:notes xmlns:a="http://schemas.openxmlformats.org/drawingml/2006/main" xmlns:r="http://schemas.openxmlformats.org/officeDocument/2006/relationships" xmlns:p="http://schemas.openxmlformats.org/presentationml/2006/main" showMasterSp="0" showMasterPhAnim="0">
   <p:cSld>
     <p:spTree>
       <p:nvGrpSpPr>
-        <p:cNvPr id="151" name="Shape 151"/>
+        <p:cNvPr id="1" name="Shape 151"/>
         <p:cNvGrpSpPr/>
         <p:nvPr/>
       </p:nvGrpSpPr>
@@ -1045,9 +1080,11 @@
       <p:sp>
         <p:nvSpPr>
           <p:cNvPr id="152" name="Google Shape;152;g11b6477ecb2_0_115:notes"/>
-          <p:cNvSpPr/>
+          <p:cNvSpPr>
+            <a:spLocks noGrp="1" noRot="1" noChangeAspect="1"/>
+          </p:cNvSpPr>
           <p:nvPr>
-            <p:ph idx="2" type="sldImg"/>
+            <p:ph type="sldImg" idx="2"/>
           </p:nvPr>
         </p:nvSpPr>
         <p:spPr>
@@ -1056,9 +1093,13 @@
             <a:ext cx="6096000" cy="3429000"/>
           </a:xfrm>
           <a:custGeom>
-            <a:rect b="b" l="l" r="r" t="t"/>
+            <a:avLst/>
+            <a:gdLst/>
+            <a:ahLst/>
+            <a:cxnLst/>
+            <a:rect l="l" t="t" r="r" b="b"/>
             <a:pathLst>
-              <a:path extrusionOk="0" h="120000" w="120000">
+              <a:path w="120000" h="120000" extrusionOk="0">
                 <a:moveTo>
                   <a:pt x="0" y="0"/>
                 </a:moveTo>
@@ -1080,9 +1121,11 @@
       <p:sp>
         <p:nvSpPr>
           <p:cNvPr id="153" name="Google Shape;153;g11b6477ecb2_0_115:notes"/>
-          <p:cNvSpPr txBox="1"/>
+          <p:cNvSpPr txBox="1">
+            <a:spLocks noGrp="1"/>
+          </p:cNvSpPr>
           <p:nvPr>
-            <p:ph idx="1" type="body"/>
+            <p:ph type="body" idx="1"/>
           </p:nvPr>
         </p:nvSpPr>
         <p:spPr>
@@ -1095,12 +1138,12 @@
           </a:prstGeom>
         </p:spPr>
         <p:txBody>
-          <a:bodyPr anchorCtr="0" anchor="t" bIns="91425" lIns="91425" spcFirstLastPara="1" rIns="91425" wrap="square" tIns="91425">
+          <a:bodyPr spcFirstLastPara="1" wrap="square" lIns="91425" tIns="91425" rIns="91425" bIns="91425" anchor="t" anchorCtr="0">
             <a:noAutofit/>
           </a:bodyPr>
           <a:lstStyle/>
           <a:p>
-            <a:pPr indent="0" lvl="0" marL="0" rtl="0" algn="l">
+            <a:pPr marL="0" lvl="0" indent="0" algn="l" rtl="0">
               <a:spcBef>
                 <a:spcPts val="0"/>
               </a:spcBef>
@@ -1109,9 +1152,6 @@
               </a:spcAft>
               <a:buNone/>
             </a:pPr>
-            <a:r>
-              <a:t/>
-            </a:r>
             <a:endParaRPr/>
           </a:p>
         </p:txBody>
@@ -1125,11 +1165,11 @@
 </file>
 
 <file path=ppt/notesSlides/notesSlide13.xml><?xml version="1.0" encoding="utf-8"?>
-<p:notes xmlns:a="http://schemas.openxmlformats.org/drawingml/2006/main" xmlns:r="http://schemas.openxmlformats.org/officeDocument/2006/relationships" xmlns:mc="http://schemas.openxmlformats.org/markup-compatibility/2006" xmlns:mv="urn:schemas-microsoft-com:mac:vml" xmlns:p="http://schemas.openxmlformats.org/presentationml/2006/main" xmlns:c="http://schemas.openxmlformats.org/drawingml/2006/chart" xmlns:dgm="http://schemas.openxmlformats.org/drawingml/2006/diagram" xmlns:o="urn:schemas-microsoft-com:office:office" xmlns:v="urn:schemas-microsoft-com:vml" xmlns:pvml="urn:schemas-microsoft-com:office:powerpoint" xmlns:com="http://schemas.openxmlformats.org/drawingml/2006/compatibility" xmlns:p14="http://schemas.microsoft.com/office/powerpoint/2010/main" xmlns:p15="http://schemas.microsoft.com/office/powerpoint/2012/main" xmlns:ahyp="http://schemas.microsoft.com/office/drawing/2018/hyperlinkcolor" showMasterPhAnim="0" showMasterSp="0">
+<p:notes xmlns:a="http://schemas.openxmlformats.org/drawingml/2006/main" xmlns:r="http://schemas.openxmlformats.org/officeDocument/2006/relationships" xmlns:p="http://schemas.openxmlformats.org/presentationml/2006/main" showMasterSp="0" showMasterPhAnim="0">
   <p:cSld>
     <p:spTree>
       <p:nvGrpSpPr>
-        <p:cNvPr id="158" name="Shape 158"/>
+        <p:cNvPr id="1" name="Shape 158"/>
         <p:cNvGrpSpPr/>
         <p:nvPr/>
       </p:nvGrpSpPr>
@@ -1144,9 +1184,11 @@
       <p:sp>
         <p:nvSpPr>
           <p:cNvPr id="159" name="Google Shape;159;g11b6477ecb2_0_129:notes"/>
-          <p:cNvSpPr/>
+          <p:cNvSpPr>
+            <a:spLocks noGrp="1" noRot="1" noChangeAspect="1"/>
+          </p:cNvSpPr>
           <p:nvPr>
-            <p:ph idx="2" type="sldImg"/>
+            <p:ph type="sldImg" idx="2"/>
           </p:nvPr>
         </p:nvSpPr>
         <p:spPr>
@@ -1155,9 +1197,13 @@
             <a:ext cx="6096000" cy="3429000"/>
           </a:xfrm>
           <a:custGeom>
-            <a:rect b="b" l="l" r="r" t="t"/>
+            <a:avLst/>
+            <a:gdLst/>
+            <a:ahLst/>
+            <a:cxnLst/>
+            <a:rect l="l" t="t" r="r" b="b"/>
             <a:pathLst>
-              <a:path extrusionOk="0" h="120000" w="120000">
+              <a:path w="120000" h="120000" extrusionOk="0">
                 <a:moveTo>
                   <a:pt x="0" y="0"/>
                 </a:moveTo>
@@ -1179,9 +1225,11 @@
       <p:sp>
         <p:nvSpPr>
           <p:cNvPr id="160" name="Google Shape;160;g11b6477ecb2_0_129:notes"/>
-          <p:cNvSpPr txBox="1"/>
+          <p:cNvSpPr txBox="1">
+            <a:spLocks noGrp="1"/>
+          </p:cNvSpPr>
           <p:nvPr>
-            <p:ph idx="1" type="body"/>
+            <p:ph type="body" idx="1"/>
           </p:nvPr>
         </p:nvSpPr>
         <p:spPr>
@@ -1194,12 +1242,12 @@
           </a:prstGeom>
         </p:spPr>
         <p:txBody>
-          <a:bodyPr anchorCtr="0" anchor="t" bIns="91425" lIns="91425" spcFirstLastPara="1" rIns="91425" wrap="square" tIns="91425">
+          <a:bodyPr spcFirstLastPara="1" wrap="square" lIns="91425" tIns="91425" rIns="91425" bIns="91425" anchor="t" anchorCtr="0">
             <a:noAutofit/>
           </a:bodyPr>
           <a:lstStyle/>
           <a:p>
-            <a:pPr indent="0" lvl="0" marL="0" rtl="0" algn="l">
+            <a:pPr marL="0" lvl="0" indent="0" algn="l" rtl="0">
               <a:spcBef>
                 <a:spcPts val="0"/>
               </a:spcBef>
@@ -1208,9 +1256,6 @@
               </a:spcAft>
               <a:buNone/>
             </a:pPr>
-            <a:r>
-              <a:t/>
-            </a:r>
             <a:endParaRPr/>
           </a:p>
         </p:txBody>
@@ -1224,11 +1269,11 @@
 </file>
 
 <file path=ppt/notesSlides/notesSlide14.xml><?xml version="1.0" encoding="utf-8"?>
-<p:notes xmlns:a="http://schemas.openxmlformats.org/drawingml/2006/main" xmlns:r="http://schemas.openxmlformats.org/officeDocument/2006/relationships" xmlns:mc="http://schemas.openxmlformats.org/markup-compatibility/2006" xmlns:mv="urn:schemas-microsoft-com:mac:vml" xmlns:p="http://schemas.openxmlformats.org/presentationml/2006/main" xmlns:c="http://schemas.openxmlformats.org/drawingml/2006/chart" xmlns:dgm="http://schemas.openxmlformats.org/drawingml/2006/diagram" xmlns:o="urn:schemas-microsoft-com:office:office" xmlns:v="urn:schemas-microsoft-com:vml" xmlns:pvml="urn:schemas-microsoft-com:office:powerpoint" xmlns:com="http://schemas.openxmlformats.org/drawingml/2006/compatibility" xmlns:p14="http://schemas.microsoft.com/office/powerpoint/2010/main" xmlns:p15="http://schemas.microsoft.com/office/powerpoint/2012/main" xmlns:ahyp="http://schemas.microsoft.com/office/drawing/2018/hyperlinkcolor" showMasterPhAnim="0" showMasterSp="0">
+<p:notes xmlns:a="http://schemas.openxmlformats.org/drawingml/2006/main" xmlns:r="http://schemas.openxmlformats.org/officeDocument/2006/relationships" xmlns:p="http://schemas.openxmlformats.org/presentationml/2006/main" showMasterSp="0" showMasterPhAnim="0">
   <p:cSld>
     <p:spTree>
       <p:nvGrpSpPr>
-        <p:cNvPr id="165" name="Shape 165"/>
+        <p:cNvPr id="1" name="Shape 165"/>
         <p:cNvGrpSpPr/>
         <p:nvPr/>
       </p:nvGrpSpPr>
@@ -1243,9 +1288,11 @@
       <p:sp>
         <p:nvSpPr>
           <p:cNvPr id="166" name="Google Shape;166;g11b6477ecb2_0_155:notes"/>
-          <p:cNvSpPr/>
+          <p:cNvSpPr>
+            <a:spLocks noGrp="1" noRot="1" noChangeAspect="1"/>
+          </p:cNvSpPr>
           <p:nvPr>
-            <p:ph idx="2" type="sldImg"/>
+            <p:ph type="sldImg" idx="2"/>
           </p:nvPr>
         </p:nvSpPr>
         <p:spPr>
@@ -1254,9 +1301,13 @@
             <a:ext cx="6096000" cy="3429000"/>
           </a:xfrm>
           <a:custGeom>
-            <a:rect b="b" l="l" r="r" t="t"/>
+            <a:avLst/>
+            <a:gdLst/>
+            <a:ahLst/>
+            <a:cxnLst/>
+            <a:rect l="l" t="t" r="r" b="b"/>
             <a:pathLst>
-              <a:path extrusionOk="0" h="120000" w="120000">
+              <a:path w="120000" h="120000" extrusionOk="0">
                 <a:moveTo>
                   <a:pt x="0" y="0"/>
                 </a:moveTo>
@@ -1278,9 +1329,11 @@
       <p:sp>
         <p:nvSpPr>
           <p:cNvPr id="167" name="Google Shape;167;g11b6477ecb2_0_155:notes"/>
-          <p:cNvSpPr txBox="1"/>
+          <p:cNvSpPr txBox="1">
+            <a:spLocks noGrp="1"/>
+          </p:cNvSpPr>
           <p:nvPr>
-            <p:ph idx="1" type="body"/>
+            <p:ph type="body" idx="1"/>
           </p:nvPr>
         </p:nvSpPr>
         <p:spPr>
@@ -1293,12 +1346,12 @@
           </a:prstGeom>
         </p:spPr>
         <p:txBody>
-          <a:bodyPr anchorCtr="0" anchor="t" bIns="91425" lIns="91425" spcFirstLastPara="1" rIns="91425" wrap="square" tIns="91425">
+          <a:bodyPr spcFirstLastPara="1" wrap="square" lIns="91425" tIns="91425" rIns="91425" bIns="91425" anchor="t" anchorCtr="0">
             <a:noAutofit/>
           </a:bodyPr>
           <a:lstStyle/>
           <a:p>
-            <a:pPr indent="0" lvl="0" marL="0" rtl="0" algn="l">
+            <a:pPr marL="0" lvl="0" indent="0" algn="l" rtl="0">
               <a:spcBef>
                 <a:spcPts val="0"/>
               </a:spcBef>
@@ -1307,9 +1360,6 @@
               </a:spcAft>
               <a:buNone/>
             </a:pPr>
-            <a:r>
-              <a:t/>
-            </a:r>
             <a:endParaRPr/>
           </a:p>
         </p:txBody>
@@ -1323,11 +1373,11 @@
 </file>
 
 <file path=ppt/notesSlides/notesSlide15.xml><?xml version="1.0" encoding="utf-8"?>
-<p:notes xmlns:a="http://schemas.openxmlformats.org/drawingml/2006/main" xmlns:r="http://schemas.openxmlformats.org/officeDocument/2006/relationships" xmlns:mc="http://schemas.openxmlformats.org/markup-compatibility/2006" xmlns:mv="urn:schemas-microsoft-com:mac:vml" xmlns:p="http://schemas.openxmlformats.org/presentationml/2006/main" xmlns:c="http://schemas.openxmlformats.org/drawingml/2006/chart" xmlns:dgm="http://schemas.openxmlformats.org/drawingml/2006/diagram" xmlns:o="urn:schemas-microsoft-com:office:office" xmlns:v="urn:schemas-microsoft-com:vml" xmlns:pvml="urn:schemas-microsoft-com:office:powerpoint" xmlns:com="http://schemas.openxmlformats.org/drawingml/2006/compatibility" xmlns:p14="http://schemas.microsoft.com/office/powerpoint/2010/main" xmlns:p15="http://schemas.microsoft.com/office/powerpoint/2012/main" xmlns:ahyp="http://schemas.microsoft.com/office/drawing/2018/hyperlinkcolor" showMasterPhAnim="0" showMasterSp="0">
+<p:notes xmlns:a="http://schemas.openxmlformats.org/drawingml/2006/main" xmlns:r="http://schemas.openxmlformats.org/officeDocument/2006/relationships" xmlns:p="http://schemas.openxmlformats.org/presentationml/2006/main" showMasterSp="0" showMasterPhAnim="0">
   <p:cSld>
     <p:spTree>
       <p:nvGrpSpPr>
-        <p:cNvPr id="171" name="Shape 171"/>
+        <p:cNvPr id="1" name="Shape 171"/>
         <p:cNvGrpSpPr/>
         <p:nvPr/>
       </p:nvGrpSpPr>
@@ -1342,20 +1392,26 @@
       <p:sp>
         <p:nvSpPr>
           <p:cNvPr id="172" name="Google Shape;172;g11b6477ecb2_0_165:notes"/>
-          <p:cNvSpPr/>
+          <p:cNvSpPr>
+            <a:spLocks noGrp="1" noRot="1" noChangeAspect="1"/>
+          </p:cNvSpPr>
           <p:nvPr>
-            <p:ph idx="2" type="sldImg"/>
+            <p:ph type="sldImg" idx="2"/>
           </p:nvPr>
         </p:nvSpPr>
         <p:spPr>
           <a:xfrm>
-            <a:off x="381300" y="685800"/>
+            <a:off x="381000" y="685800"/>
             <a:ext cx="6096000" cy="3429000"/>
           </a:xfrm>
           <a:custGeom>
-            <a:rect b="b" l="l" r="r" t="t"/>
+            <a:avLst/>
+            <a:gdLst/>
+            <a:ahLst/>
+            <a:cxnLst/>
+            <a:rect l="l" t="t" r="r" b="b"/>
             <a:pathLst>
-              <a:path extrusionOk="0" h="120000" w="120000">
+              <a:path w="120000" h="120000" extrusionOk="0">
                 <a:moveTo>
                   <a:pt x="0" y="0"/>
                 </a:moveTo>
@@ -1377,9 +1433,11 @@
       <p:sp>
         <p:nvSpPr>
           <p:cNvPr id="173" name="Google Shape;173;g11b6477ecb2_0_165:notes"/>
-          <p:cNvSpPr txBox="1"/>
+          <p:cNvSpPr txBox="1">
+            <a:spLocks noGrp="1"/>
+          </p:cNvSpPr>
           <p:nvPr>
-            <p:ph idx="1" type="body"/>
+            <p:ph type="body" idx="1"/>
           </p:nvPr>
         </p:nvSpPr>
         <p:spPr>
@@ -1392,12 +1450,12 @@
           </a:prstGeom>
         </p:spPr>
         <p:txBody>
-          <a:bodyPr anchorCtr="0" anchor="t" bIns="91425" lIns="91425" spcFirstLastPara="1" rIns="91425" wrap="square" tIns="91425">
+          <a:bodyPr spcFirstLastPara="1" wrap="square" lIns="91425" tIns="91425" rIns="91425" bIns="91425" anchor="t" anchorCtr="0">
             <a:noAutofit/>
           </a:bodyPr>
           <a:lstStyle/>
           <a:p>
-            <a:pPr indent="0" lvl="0" marL="0" rtl="0" algn="l">
+            <a:pPr marL="0" lvl="0" indent="0" algn="l" rtl="0">
               <a:spcBef>
                 <a:spcPts val="0"/>
               </a:spcBef>
@@ -1406,9 +1464,6 @@
               </a:spcAft>
               <a:buNone/>
             </a:pPr>
-            <a:r>
-              <a:t/>
-            </a:r>
             <a:endParaRPr/>
           </a:p>
         </p:txBody>
@@ -1422,11 +1477,17 @@
 </file>
 
 <file path=ppt/notesSlides/notesSlide16.xml><?xml version="1.0" encoding="utf-8"?>
-<p:notes xmlns:a="http://schemas.openxmlformats.org/drawingml/2006/main" xmlns:r="http://schemas.openxmlformats.org/officeDocument/2006/relationships" xmlns:mc="http://schemas.openxmlformats.org/markup-compatibility/2006" xmlns:mv="urn:schemas-microsoft-com:mac:vml" xmlns:p="http://schemas.openxmlformats.org/presentationml/2006/main" xmlns:c="http://schemas.openxmlformats.org/drawingml/2006/chart" xmlns:dgm="http://schemas.openxmlformats.org/drawingml/2006/diagram" xmlns:o="urn:schemas-microsoft-com:office:office" xmlns:v="urn:schemas-microsoft-com:vml" xmlns:pvml="urn:schemas-microsoft-com:office:powerpoint" xmlns:com="http://schemas.openxmlformats.org/drawingml/2006/compatibility" xmlns:p14="http://schemas.microsoft.com/office/powerpoint/2010/main" xmlns:p15="http://schemas.microsoft.com/office/powerpoint/2012/main" xmlns:ahyp="http://schemas.microsoft.com/office/drawing/2018/hyperlinkcolor" showMasterPhAnim="0" showMasterSp="0">
+<p:notes xmlns:a="http://schemas.openxmlformats.org/drawingml/2006/main" xmlns:r="http://schemas.openxmlformats.org/officeDocument/2006/relationships" xmlns:p="http://schemas.openxmlformats.org/presentationml/2006/main" showMasterSp="0" showMasterPhAnim="0">
   <p:cSld>
     <p:spTree>
       <p:nvGrpSpPr>
-        <p:cNvPr id="177" name="Shape 177"/>
+        <p:cNvPr id="1" name="Shape 171">
+          <a:extLst>
+            <a:ext uri="{FF2B5EF4-FFF2-40B4-BE49-F238E27FC236}">
+              <a16:creationId xmlns:a16="http://schemas.microsoft.com/office/drawing/2014/main" id="{D5FE7ECD-6C37-5355-10F0-4DE54632553A}"/>
+            </a:ext>
+          </a:extLst>
+        </p:cNvPr>
         <p:cNvGrpSpPr/>
         <p:nvPr/>
       </p:nvGrpSpPr>
@@ -1440,21 +1501,33 @@
       </p:grpSpPr>
       <p:sp>
         <p:nvSpPr>
-          <p:cNvPr id="178" name="Google Shape;178;g11b6477ecb2_0_170:notes"/>
-          <p:cNvSpPr/>
+          <p:cNvPr id="172" name="Google Shape;172;g11b6477ecb2_0_165:notes">
+            <a:extLst>
+              <a:ext uri="{FF2B5EF4-FFF2-40B4-BE49-F238E27FC236}">
+                <a16:creationId xmlns:a16="http://schemas.microsoft.com/office/drawing/2014/main" id="{7D50DBEB-E52D-4B39-7374-B1F4C64DF277}"/>
+              </a:ext>
+            </a:extLst>
+          </p:cNvPr>
+          <p:cNvSpPr>
+            <a:spLocks noGrp="1" noRot="1" noChangeAspect="1"/>
+          </p:cNvSpPr>
           <p:nvPr>
-            <p:ph idx="2" type="sldImg"/>
+            <p:ph type="sldImg" idx="2"/>
           </p:nvPr>
         </p:nvSpPr>
         <p:spPr>
           <a:xfrm>
-            <a:off x="381300" y="685800"/>
+            <a:off x="381000" y="685800"/>
             <a:ext cx="6096000" cy="3429000"/>
           </a:xfrm>
           <a:custGeom>
-            <a:rect b="b" l="l" r="r" t="t"/>
+            <a:avLst/>
+            <a:gdLst/>
+            <a:ahLst/>
+            <a:cxnLst/>
+            <a:rect l="l" t="t" r="r" b="b"/>
             <a:pathLst>
-              <a:path extrusionOk="0" h="120000" w="120000">
+              <a:path w="120000" h="120000" extrusionOk="0">
                 <a:moveTo>
                   <a:pt x="0" y="0"/>
                 </a:moveTo>
@@ -1475,10 +1548,18 @@
       </p:sp>
       <p:sp>
         <p:nvSpPr>
-          <p:cNvPr id="179" name="Google Shape;179;g11b6477ecb2_0_170:notes"/>
-          <p:cNvSpPr txBox="1"/>
+          <p:cNvPr id="173" name="Google Shape;173;g11b6477ecb2_0_165:notes">
+            <a:extLst>
+              <a:ext uri="{FF2B5EF4-FFF2-40B4-BE49-F238E27FC236}">
+                <a16:creationId xmlns:a16="http://schemas.microsoft.com/office/drawing/2014/main" id="{AE44F749-8FFE-9EB7-25E7-97BCFB55B8D6}"/>
+              </a:ext>
+            </a:extLst>
+          </p:cNvPr>
+          <p:cNvSpPr txBox="1">
+            <a:spLocks noGrp="1"/>
+          </p:cNvSpPr>
           <p:nvPr>
-            <p:ph idx="1" type="body"/>
+            <p:ph type="body" idx="1"/>
           </p:nvPr>
         </p:nvSpPr>
         <p:spPr>
@@ -1491,12 +1572,12 @@
           </a:prstGeom>
         </p:spPr>
         <p:txBody>
-          <a:bodyPr anchorCtr="0" anchor="t" bIns="91425" lIns="91425" spcFirstLastPara="1" rIns="91425" wrap="square" tIns="91425">
+          <a:bodyPr spcFirstLastPara="1" wrap="square" lIns="91425" tIns="91425" rIns="91425" bIns="91425" anchor="t" anchorCtr="0">
             <a:noAutofit/>
           </a:bodyPr>
           <a:lstStyle/>
           <a:p>
-            <a:pPr indent="0" lvl="0" marL="0" rtl="0" algn="l">
+            <a:pPr marL="0" lvl="0" indent="0" algn="l" rtl="0">
               <a:spcBef>
                 <a:spcPts val="0"/>
               </a:spcBef>
@@ -1505,14 +1586,16 @@
               </a:spcAft>
               <a:buNone/>
             </a:pPr>
-            <a:r>
-              <a:t/>
-            </a:r>
             <a:endParaRPr/>
           </a:p>
         </p:txBody>
       </p:sp>
     </p:spTree>
+    <p:extLst>
+      <p:ext uri="{BB962C8B-B14F-4D97-AF65-F5344CB8AC3E}">
+        <p14:creationId xmlns:p14="http://schemas.microsoft.com/office/powerpoint/2010/main" val="3634836591"/>
+      </p:ext>
+    </p:extLst>
   </p:cSld>
   <p:clrMapOvr>
     <a:masterClrMapping/>
@@ -1521,11 +1604,17 @@
 </file>
 
 <file path=ppt/notesSlides/notesSlide17.xml><?xml version="1.0" encoding="utf-8"?>
-<p:notes xmlns:a="http://schemas.openxmlformats.org/drawingml/2006/main" xmlns:r="http://schemas.openxmlformats.org/officeDocument/2006/relationships" xmlns:mc="http://schemas.openxmlformats.org/markup-compatibility/2006" xmlns:mv="urn:schemas-microsoft-com:mac:vml" xmlns:p="http://schemas.openxmlformats.org/presentationml/2006/main" xmlns:c="http://schemas.openxmlformats.org/drawingml/2006/chart" xmlns:dgm="http://schemas.openxmlformats.org/drawingml/2006/diagram" xmlns:o="urn:schemas-microsoft-com:office:office" xmlns:v="urn:schemas-microsoft-com:vml" xmlns:pvml="urn:schemas-microsoft-com:office:powerpoint" xmlns:com="http://schemas.openxmlformats.org/drawingml/2006/compatibility" xmlns:p14="http://schemas.microsoft.com/office/powerpoint/2010/main" xmlns:p15="http://schemas.microsoft.com/office/powerpoint/2012/main" xmlns:ahyp="http://schemas.microsoft.com/office/drawing/2018/hyperlinkcolor" showMasterPhAnim="0" showMasterSp="0">
+<p:notes xmlns:a="http://schemas.openxmlformats.org/drawingml/2006/main" xmlns:r="http://schemas.openxmlformats.org/officeDocument/2006/relationships" xmlns:p="http://schemas.openxmlformats.org/presentationml/2006/main" showMasterSp="0" showMasterPhAnim="0">
   <p:cSld>
     <p:spTree>
       <p:nvGrpSpPr>
-        <p:cNvPr id="183" name="Shape 183"/>
+        <p:cNvPr id="1" name="Shape 171">
+          <a:extLst>
+            <a:ext uri="{FF2B5EF4-FFF2-40B4-BE49-F238E27FC236}">
+              <a16:creationId xmlns:a16="http://schemas.microsoft.com/office/drawing/2014/main" id="{A8AA640B-C44E-6A06-1266-7EFB0E58A906}"/>
+            </a:ext>
+          </a:extLst>
+        </p:cNvPr>
         <p:cNvGrpSpPr/>
         <p:nvPr/>
       </p:nvGrpSpPr>
@@ -1539,21 +1628,33 @@
       </p:grpSpPr>
       <p:sp>
         <p:nvSpPr>
-          <p:cNvPr id="184" name="Google Shape;184;g11b6477ecb2_0_179:notes"/>
-          <p:cNvSpPr/>
+          <p:cNvPr id="172" name="Google Shape;172;g11b6477ecb2_0_165:notes">
+            <a:extLst>
+              <a:ext uri="{FF2B5EF4-FFF2-40B4-BE49-F238E27FC236}">
+                <a16:creationId xmlns:a16="http://schemas.microsoft.com/office/drawing/2014/main" id="{BEF6E82A-E176-459B-01FF-0C61489EC5F1}"/>
+              </a:ext>
+            </a:extLst>
+          </p:cNvPr>
+          <p:cNvSpPr>
+            <a:spLocks noGrp="1" noRot="1" noChangeAspect="1"/>
+          </p:cNvSpPr>
           <p:nvPr>
-            <p:ph idx="2" type="sldImg"/>
+            <p:ph type="sldImg" idx="2"/>
           </p:nvPr>
         </p:nvSpPr>
         <p:spPr>
           <a:xfrm>
-            <a:off x="381300" y="685800"/>
+            <a:off x="381000" y="685800"/>
             <a:ext cx="6096000" cy="3429000"/>
           </a:xfrm>
           <a:custGeom>
-            <a:rect b="b" l="l" r="r" t="t"/>
+            <a:avLst/>
+            <a:gdLst/>
+            <a:ahLst/>
+            <a:cxnLst/>
+            <a:rect l="l" t="t" r="r" b="b"/>
             <a:pathLst>
-              <a:path extrusionOk="0" h="120000" w="120000">
+              <a:path w="120000" h="120000" extrusionOk="0">
                 <a:moveTo>
                   <a:pt x="0" y="0"/>
                 </a:moveTo>
@@ -1574,10 +1675,18 @@
       </p:sp>
       <p:sp>
         <p:nvSpPr>
-          <p:cNvPr id="185" name="Google Shape;185;g11b6477ecb2_0_179:notes"/>
-          <p:cNvSpPr txBox="1"/>
+          <p:cNvPr id="173" name="Google Shape;173;g11b6477ecb2_0_165:notes">
+            <a:extLst>
+              <a:ext uri="{FF2B5EF4-FFF2-40B4-BE49-F238E27FC236}">
+                <a16:creationId xmlns:a16="http://schemas.microsoft.com/office/drawing/2014/main" id="{0618B622-D424-3D78-503C-8A3EEB56D89D}"/>
+              </a:ext>
+            </a:extLst>
+          </p:cNvPr>
+          <p:cNvSpPr txBox="1">
+            <a:spLocks noGrp="1"/>
+          </p:cNvSpPr>
           <p:nvPr>
-            <p:ph idx="1" type="body"/>
+            <p:ph type="body" idx="1"/>
           </p:nvPr>
         </p:nvSpPr>
         <p:spPr>
@@ -1590,12 +1699,12 @@
           </a:prstGeom>
         </p:spPr>
         <p:txBody>
-          <a:bodyPr anchorCtr="0" anchor="t" bIns="91425" lIns="91425" spcFirstLastPara="1" rIns="91425" wrap="square" tIns="91425">
+          <a:bodyPr spcFirstLastPara="1" wrap="square" lIns="91425" tIns="91425" rIns="91425" bIns="91425" anchor="t" anchorCtr="0">
             <a:noAutofit/>
           </a:bodyPr>
           <a:lstStyle/>
           <a:p>
-            <a:pPr indent="0" lvl="0" marL="0" rtl="0" algn="l">
+            <a:pPr marL="0" lvl="0" indent="0" algn="l" rtl="0">
               <a:spcBef>
                 <a:spcPts val="0"/>
               </a:spcBef>
@@ -1604,14 +1713,16 @@
               </a:spcAft>
               <a:buNone/>
             </a:pPr>
-            <a:r>
-              <a:t/>
-            </a:r>
             <a:endParaRPr/>
           </a:p>
         </p:txBody>
       </p:sp>
     </p:spTree>
+    <p:extLst>
+      <p:ext uri="{BB962C8B-B14F-4D97-AF65-F5344CB8AC3E}">
+        <p14:creationId xmlns:p14="http://schemas.microsoft.com/office/powerpoint/2010/main" val="250219701"/>
+      </p:ext>
+    </p:extLst>
   </p:cSld>
   <p:clrMapOvr>
     <a:masterClrMapping/>
@@ -1620,11 +1731,17 @@
 </file>
 
 <file path=ppt/notesSlides/notesSlide18.xml><?xml version="1.0" encoding="utf-8"?>
-<p:notes xmlns:a="http://schemas.openxmlformats.org/drawingml/2006/main" xmlns:r="http://schemas.openxmlformats.org/officeDocument/2006/relationships" xmlns:mc="http://schemas.openxmlformats.org/markup-compatibility/2006" xmlns:mv="urn:schemas-microsoft-com:mac:vml" xmlns:p="http://schemas.openxmlformats.org/presentationml/2006/main" xmlns:c="http://schemas.openxmlformats.org/drawingml/2006/chart" xmlns:dgm="http://schemas.openxmlformats.org/drawingml/2006/diagram" xmlns:o="urn:schemas-microsoft-com:office:office" xmlns:v="urn:schemas-microsoft-com:vml" xmlns:pvml="urn:schemas-microsoft-com:office:powerpoint" xmlns:com="http://schemas.openxmlformats.org/drawingml/2006/compatibility" xmlns:p14="http://schemas.microsoft.com/office/powerpoint/2010/main" xmlns:p15="http://schemas.microsoft.com/office/powerpoint/2012/main" xmlns:ahyp="http://schemas.microsoft.com/office/drawing/2018/hyperlinkcolor" showMasterPhAnim="0" showMasterSp="0">
+<p:notes xmlns:a="http://schemas.openxmlformats.org/drawingml/2006/main" xmlns:r="http://schemas.openxmlformats.org/officeDocument/2006/relationships" xmlns:p="http://schemas.openxmlformats.org/presentationml/2006/main" showMasterSp="0" showMasterPhAnim="0">
   <p:cSld>
     <p:spTree>
       <p:nvGrpSpPr>
-        <p:cNvPr id="189" name="Shape 189"/>
+        <p:cNvPr id="1" name="Shape 171">
+          <a:extLst>
+            <a:ext uri="{FF2B5EF4-FFF2-40B4-BE49-F238E27FC236}">
+              <a16:creationId xmlns:a16="http://schemas.microsoft.com/office/drawing/2014/main" id="{45E284DB-F6A8-415B-89BC-CF1937063D80}"/>
+            </a:ext>
+          </a:extLst>
+        </p:cNvPr>
         <p:cNvGrpSpPr/>
         <p:nvPr/>
       </p:nvGrpSpPr>
@@ -1638,21 +1755,33 @@
       </p:grpSpPr>
       <p:sp>
         <p:nvSpPr>
-          <p:cNvPr id="190" name="Google Shape;190;g11b6477ecb2_0_191:notes"/>
-          <p:cNvSpPr/>
+          <p:cNvPr id="172" name="Google Shape;172;g11b6477ecb2_0_165:notes">
+            <a:extLst>
+              <a:ext uri="{FF2B5EF4-FFF2-40B4-BE49-F238E27FC236}">
+                <a16:creationId xmlns:a16="http://schemas.microsoft.com/office/drawing/2014/main" id="{A5D6A28F-7579-56B1-A555-EDD5AF9BE20A}"/>
+              </a:ext>
+            </a:extLst>
+          </p:cNvPr>
+          <p:cNvSpPr>
+            <a:spLocks noGrp="1" noRot="1" noChangeAspect="1"/>
+          </p:cNvSpPr>
           <p:nvPr>
-            <p:ph idx="2" type="sldImg"/>
+            <p:ph type="sldImg" idx="2"/>
           </p:nvPr>
         </p:nvSpPr>
         <p:spPr>
           <a:xfrm>
-            <a:off x="381300" y="685800"/>
+            <a:off x="381000" y="685800"/>
             <a:ext cx="6096000" cy="3429000"/>
           </a:xfrm>
           <a:custGeom>
-            <a:rect b="b" l="l" r="r" t="t"/>
+            <a:avLst/>
+            <a:gdLst/>
+            <a:ahLst/>
+            <a:cxnLst/>
+            <a:rect l="l" t="t" r="r" b="b"/>
             <a:pathLst>
-              <a:path extrusionOk="0" h="120000" w="120000">
+              <a:path w="120000" h="120000" extrusionOk="0">
                 <a:moveTo>
                   <a:pt x="0" y="0"/>
                 </a:moveTo>
@@ -1673,10 +1802,18 @@
       </p:sp>
       <p:sp>
         <p:nvSpPr>
-          <p:cNvPr id="191" name="Google Shape;191;g11b6477ecb2_0_191:notes"/>
-          <p:cNvSpPr txBox="1"/>
+          <p:cNvPr id="173" name="Google Shape;173;g11b6477ecb2_0_165:notes">
+            <a:extLst>
+              <a:ext uri="{FF2B5EF4-FFF2-40B4-BE49-F238E27FC236}">
+                <a16:creationId xmlns:a16="http://schemas.microsoft.com/office/drawing/2014/main" id="{1267C59B-2FD9-13BC-C617-49A9FE7D5C14}"/>
+              </a:ext>
+            </a:extLst>
+          </p:cNvPr>
+          <p:cNvSpPr txBox="1">
+            <a:spLocks noGrp="1"/>
+          </p:cNvSpPr>
           <p:nvPr>
-            <p:ph idx="1" type="body"/>
+            <p:ph type="body" idx="1"/>
           </p:nvPr>
         </p:nvSpPr>
         <p:spPr>
@@ -1689,12 +1826,12 @@
           </a:prstGeom>
         </p:spPr>
         <p:txBody>
-          <a:bodyPr anchorCtr="0" anchor="t" bIns="91425" lIns="91425" spcFirstLastPara="1" rIns="91425" wrap="square" tIns="91425">
+          <a:bodyPr spcFirstLastPara="1" wrap="square" lIns="91425" tIns="91425" rIns="91425" bIns="91425" anchor="t" anchorCtr="0">
             <a:noAutofit/>
           </a:bodyPr>
           <a:lstStyle/>
           <a:p>
-            <a:pPr indent="0" lvl="0" marL="0" rtl="0" algn="l">
+            <a:pPr marL="0" lvl="0" indent="0" algn="l" rtl="0">
               <a:spcBef>
                 <a:spcPts val="0"/>
               </a:spcBef>
@@ -1703,14 +1840,16 @@
               </a:spcAft>
               <a:buNone/>
             </a:pPr>
-            <a:r>
-              <a:t/>
-            </a:r>
             <a:endParaRPr/>
           </a:p>
         </p:txBody>
       </p:sp>
     </p:spTree>
+    <p:extLst>
+      <p:ext uri="{BB962C8B-B14F-4D97-AF65-F5344CB8AC3E}">
+        <p14:creationId xmlns:p14="http://schemas.microsoft.com/office/powerpoint/2010/main" val="2723292059"/>
+      </p:ext>
+    </p:extLst>
   </p:cSld>
   <p:clrMapOvr>
     <a:masterClrMapping/>
@@ -1719,11 +1858,17 @@
 </file>
 
 <file path=ppt/notesSlides/notesSlide19.xml><?xml version="1.0" encoding="utf-8"?>
-<p:notes xmlns:a="http://schemas.openxmlformats.org/drawingml/2006/main" xmlns:r="http://schemas.openxmlformats.org/officeDocument/2006/relationships" xmlns:mc="http://schemas.openxmlformats.org/markup-compatibility/2006" xmlns:mv="urn:schemas-microsoft-com:mac:vml" xmlns:p="http://schemas.openxmlformats.org/presentationml/2006/main" xmlns:c="http://schemas.openxmlformats.org/drawingml/2006/chart" xmlns:dgm="http://schemas.openxmlformats.org/drawingml/2006/diagram" xmlns:o="urn:schemas-microsoft-com:office:office" xmlns:v="urn:schemas-microsoft-com:vml" xmlns:pvml="urn:schemas-microsoft-com:office:powerpoint" xmlns:com="http://schemas.openxmlformats.org/drawingml/2006/compatibility" xmlns:p14="http://schemas.microsoft.com/office/powerpoint/2010/main" xmlns:p15="http://schemas.microsoft.com/office/powerpoint/2012/main" xmlns:ahyp="http://schemas.microsoft.com/office/drawing/2018/hyperlinkcolor" showMasterPhAnim="0" showMasterSp="0">
+<p:notes xmlns:a="http://schemas.openxmlformats.org/drawingml/2006/main" xmlns:r="http://schemas.openxmlformats.org/officeDocument/2006/relationships" xmlns:p="http://schemas.openxmlformats.org/presentationml/2006/main" showMasterSp="0" showMasterPhAnim="0">
   <p:cSld>
     <p:spTree>
       <p:nvGrpSpPr>
-        <p:cNvPr id="195" name="Shape 195"/>
+        <p:cNvPr id="1" name="Shape 171">
+          <a:extLst>
+            <a:ext uri="{FF2B5EF4-FFF2-40B4-BE49-F238E27FC236}">
+              <a16:creationId xmlns:a16="http://schemas.microsoft.com/office/drawing/2014/main" id="{4D769C47-3D62-E7AB-864E-FBB79E81DC4E}"/>
+            </a:ext>
+          </a:extLst>
+        </p:cNvPr>
         <p:cNvGrpSpPr/>
         <p:nvPr/>
       </p:nvGrpSpPr>
@@ -1737,21 +1882,33 @@
       </p:grpSpPr>
       <p:sp>
         <p:nvSpPr>
-          <p:cNvPr id="196" name="Google Shape;196;g11b6477ecb2_0_196:notes"/>
-          <p:cNvSpPr/>
+          <p:cNvPr id="172" name="Google Shape;172;g11b6477ecb2_0_165:notes">
+            <a:extLst>
+              <a:ext uri="{FF2B5EF4-FFF2-40B4-BE49-F238E27FC236}">
+                <a16:creationId xmlns:a16="http://schemas.microsoft.com/office/drawing/2014/main" id="{3C109A4E-DF41-3F6D-CDEE-862AD1CACE4A}"/>
+              </a:ext>
+            </a:extLst>
+          </p:cNvPr>
+          <p:cNvSpPr>
+            <a:spLocks noGrp="1" noRot="1" noChangeAspect="1"/>
+          </p:cNvSpPr>
           <p:nvPr>
-            <p:ph idx="2" type="sldImg"/>
+            <p:ph type="sldImg" idx="2"/>
           </p:nvPr>
         </p:nvSpPr>
         <p:spPr>
           <a:xfrm>
-            <a:off x="381300" y="685800"/>
+            <a:off x="381000" y="685800"/>
             <a:ext cx="6096000" cy="3429000"/>
           </a:xfrm>
           <a:custGeom>
-            <a:rect b="b" l="l" r="r" t="t"/>
+            <a:avLst/>
+            <a:gdLst/>
+            <a:ahLst/>
+            <a:cxnLst/>
+            <a:rect l="l" t="t" r="r" b="b"/>
             <a:pathLst>
-              <a:path extrusionOk="0" h="120000" w="120000">
+              <a:path w="120000" h="120000" extrusionOk="0">
                 <a:moveTo>
                   <a:pt x="0" y="0"/>
                 </a:moveTo>
@@ -1772,10 +1929,18 @@
       </p:sp>
       <p:sp>
         <p:nvSpPr>
-          <p:cNvPr id="197" name="Google Shape;197;g11b6477ecb2_0_196:notes"/>
-          <p:cNvSpPr txBox="1"/>
+          <p:cNvPr id="173" name="Google Shape;173;g11b6477ecb2_0_165:notes">
+            <a:extLst>
+              <a:ext uri="{FF2B5EF4-FFF2-40B4-BE49-F238E27FC236}">
+                <a16:creationId xmlns:a16="http://schemas.microsoft.com/office/drawing/2014/main" id="{62B53C52-5CD1-ACB0-B522-BB63E6953F74}"/>
+              </a:ext>
+            </a:extLst>
+          </p:cNvPr>
+          <p:cNvSpPr txBox="1">
+            <a:spLocks noGrp="1"/>
+          </p:cNvSpPr>
           <p:nvPr>
-            <p:ph idx="1" type="body"/>
+            <p:ph type="body" idx="1"/>
           </p:nvPr>
         </p:nvSpPr>
         <p:spPr>
@@ -1788,12 +1953,12 @@
           </a:prstGeom>
         </p:spPr>
         <p:txBody>
-          <a:bodyPr anchorCtr="0" anchor="t" bIns="91425" lIns="91425" spcFirstLastPara="1" rIns="91425" wrap="square" tIns="91425">
+          <a:bodyPr spcFirstLastPara="1" wrap="square" lIns="91425" tIns="91425" rIns="91425" bIns="91425" anchor="t" anchorCtr="0">
             <a:noAutofit/>
           </a:bodyPr>
           <a:lstStyle/>
           <a:p>
-            <a:pPr indent="0" lvl="0" marL="0" rtl="0" algn="l">
+            <a:pPr marL="0" lvl="0" indent="0" algn="l" rtl="0">
               <a:spcBef>
                 <a:spcPts val="0"/>
               </a:spcBef>
@@ -1802,14 +1967,16 @@
               </a:spcAft>
               <a:buNone/>
             </a:pPr>
-            <a:r>
-              <a:t/>
-            </a:r>
             <a:endParaRPr/>
           </a:p>
         </p:txBody>
       </p:sp>
     </p:spTree>
+    <p:extLst>
+      <p:ext uri="{BB962C8B-B14F-4D97-AF65-F5344CB8AC3E}">
+        <p14:creationId xmlns:p14="http://schemas.microsoft.com/office/powerpoint/2010/main" val="3341527389"/>
+      </p:ext>
+    </p:extLst>
   </p:cSld>
   <p:clrMapOvr>
     <a:masterClrMapping/>
@@ -1818,11 +1985,11 @@
 </file>
 
 <file path=ppt/notesSlides/notesSlide2.xml><?xml version="1.0" encoding="utf-8"?>
-<p:notes xmlns:a="http://schemas.openxmlformats.org/drawingml/2006/main" xmlns:r="http://schemas.openxmlformats.org/officeDocument/2006/relationships" xmlns:mc="http://schemas.openxmlformats.org/markup-compatibility/2006" xmlns:mv="urn:schemas-microsoft-com:mac:vml" xmlns:p="http://schemas.openxmlformats.org/presentationml/2006/main" xmlns:c="http://schemas.openxmlformats.org/drawingml/2006/chart" xmlns:dgm="http://schemas.openxmlformats.org/drawingml/2006/diagram" xmlns:o="urn:schemas-microsoft-com:office:office" xmlns:v="urn:schemas-microsoft-com:vml" xmlns:pvml="urn:schemas-microsoft-com:office:powerpoint" xmlns:com="http://schemas.openxmlformats.org/drawingml/2006/compatibility" xmlns:p14="http://schemas.microsoft.com/office/powerpoint/2010/main" xmlns:p15="http://schemas.microsoft.com/office/powerpoint/2012/main" xmlns:ahyp="http://schemas.microsoft.com/office/drawing/2018/hyperlinkcolor" showMasterPhAnim="0" showMasterSp="0">
+<p:notes xmlns:a="http://schemas.openxmlformats.org/drawingml/2006/main" xmlns:r="http://schemas.openxmlformats.org/officeDocument/2006/relationships" xmlns:p="http://schemas.openxmlformats.org/presentationml/2006/main" showMasterSp="0" showMasterPhAnim="0">
   <p:cSld>
     <p:spTree>
       <p:nvGrpSpPr>
-        <p:cNvPr id="88" name="Shape 88"/>
+        <p:cNvPr id="1" name="Shape 88"/>
         <p:cNvGrpSpPr/>
         <p:nvPr/>
       </p:nvGrpSpPr>
@@ -1837,9 +2004,11 @@
       <p:sp>
         <p:nvSpPr>
           <p:cNvPr id="89" name="Google Shape;89;g11b6477ecb2_0_77:notes"/>
-          <p:cNvSpPr/>
+          <p:cNvSpPr>
+            <a:spLocks noGrp="1" noRot="1" noChangeAspect="1"/>
+          </p:cNvSpPr>
           <p:nvPr>
-            <p:ph idx="2" type="sldImg"/>
+            <p:ph type="sldImg" idx="2"/>
           </p:nvPr>
         </p:nvSpPr>
         <p:spPr>
@@ -1848,9 +2017,13 @@
             <a:ext cx="6096000" cy="3429000"/>
           </a:xfrm>
           <a:custGeom>
-            <a:rect b="b" l="l" r="r" t="t"/>
+            <a:avLst/>
+            <a:gdLst/>
+            <a:ahLst/>
+            <a:cxnLst/>
+            <a:rect l="l" t="t" r="r" b="b"/>
             <a:pathLst>
-              <a:path extrusionOk="0" h="120000" w="120000">
+              <a:path w="120000" h="120000" extrusionOk="0">
                 <a:moveTo>
                   <a:pt x="0" y="0"/>
                 </a:moveTo>
@@ -1872,9 +2045,11 @@
       <p:sp>
         <p:nvSpPr>
           <p:cNvPr id="90" name="Google Shape;90;g11b6477ecb2_0_77:notes"/>
-          <p:cNvSpPr txBox="1"/>
+          <p:cNvSpPr txBox="1">
+            <a:spLocks noGrp="1"/>
+          </p:cNvSpPr>
           <p:nvPr>
-            <p:ph idx="1" type="body"/>
+            <p:ph type="body" idx="1"/>
           </p:nvPr>
         </p:nvSpPr>
         <p:spPr>
@@ -1887,12 +2062,12 @@
           </a:prstGeom>
         </p:spPr>
         <p:txBody>
-          <a:bodyPr anchorCtr="0" anchor="t" bIns="91425" lIns="91425" spcFirstLastPara="1" rIns="91425" wrap="square" tIns="91425">
+          <a:bodyPr spcFirstLastPara="1" wrap="square" lIns="91425" tIns="91425" rIns="91425" bIns="91425" anchor="t" anchorCtr="0">
             <a:noAutofit/>
           </a:bodyPr>
           <a:lstStyle/>
           <a:p>
-            <a:pPr indent="0" lvl="0" marL="0" rtl="0" algn="l">
+            <a:pPr marL="0" lvl="0" indent="0" algn="l" rtl="0">
               <a:spcBef>
                 <a:spcPts val="0"/>
               </a:spcBef>
@@ -1901,9 +2076,6 @@
               </a:spcAft>
               <a:buNone/>
             </a:pPr>
-            <a:r>
-              <a:t/>
-            </a:r>
             <a:endParaRPr/>
           </a:p>
         </p:txBody>
@@ -1917,11 +2089,11 @@
 </file>
 
 <file path=ppt/notesSlides/notesSlide20.xml><?xml version="1.0" encoding="utf-8"?>
-<p:notes xmlns:a="http://schemas.openxmlformats.org/drawingml/2006/main" xmlns:r="http://schemas.openxmlformats.org/officeDocument/2006/relationships" xmlns:mc="http://schemas.openxmlformats.org/markup-compatibility/2006" xmlns:mv="urn:schemas-microsoft-com:mac:vml" xmlns:p="http://schemas.openxmlformats.org/presentationml/2006/main" xmlns:c="http://schemas.openxmlformats.org/drawingml/2006/chart" xmlns:dgm="http://schemas.openxmlformats.org/drawingml/2006/diagram" xmlns:o="urn:schemas-microsoft-com:office:office" xmlns:v="urn:schemas-microsoft-com:vml" xmlns:pvml="urn:schemas-microsoft-com:office:powerpoint" xmlns:com="http://schemas.openxmlformats.org/drawingml/2006/compatibility" xmlns:p14="http://schemas.microsoft.com/office/powerpoint/2010/main" xmlns:p15="http://schemas.microsoft.com/office/powerpoint/2012/main" xmlns:ahyp="http://schemas.microsoft.com/office/drawing/2018/hyperlinkcolor" showMasterPhAnim="0" showMasterSp="0">
+<p:notes xmlns:a="http://schemas.openxmlformats.org/drawingml/2006/main" xmlns:r="http://schemas.openxmlformats.org/officeDocument/2006/relationships" xmlns:p="http://schemas.openxmlformats.org/presentationml/2006/main" showMasterSp="0" showMasterPhAnim="0">
   <p:cSld>
     <p:spTree>
       <p:nvGrpSpPr>
-        <p:cNvPr id="201" name="Shape 201"/>
+        <p:cNvPr id="1" name="Shape 183"/>
         <p:cNvGrpSpPr/>
         <p:nvPr/>
       </p:nvGrpSpPr>
@@ -1935,21 +2107,27 @@
       </p:grpSpPr>
       <p:sp>
         <p:nvSpPr>
-          <p:cNvPr id="202" name="Google Shape;202;g11b6477ecb2_0_185:notes"/>
-          <p:cNvSpPr/>
+          <p:cNvPr id="184" name="Google Shape;184;g11b6477ecb2_0_179:notes"/>
+          <p:cNvSpPr>
+            <a:spLocks noGrp="1" noRot="1" noChangeAspect="1"/>
+          </p:cNvSpPr>
           <p:nvPr>
-            <p:ph idx="2" type="sldImg"/>
+            <p:ph type="sldImg" idx="2"/>
           </p:nvPr>
         </p:nvSpPr>
         <p:spPr>
           <a:xfrm>
-            <a:off x="381300" y="685800"/>
+            <a:off x="381000" y="685800"/>
             <a:ext cx="6096000" cy="3429000"/>
           </a:xfrm>
           <a:custGeom>
-            <a:rect b="b" l="l" r="r" t="t"/>
+            <a:avLst/>
+            <a:gdLst/>
+            <a:ahLst/>
+            <a:cxnLst/>
+            <a:rect l="l" t="t" r="r" b="b"/>
             <a:pathLst>
-              <a:path extrusionOk="0" h="120000" w="120000">
+              <a:path w="120000" h="120000" extrusionOk="0">
                 <a:moveTo>
                   <a:pt x="0" y="0"/>
                 </a:moveTo>
@@ -1970,10 +2148,12 @@
       </p:sp>
       <p:sp>
         <p:nvSpPr>
-          <p:cNvPr id="203" name="Google Shape;203;g11b6477ecb2_0_185:notes"/>
-          <p:cNvSpPr txBox="1"/>
+          <p:cNvPr id="185" name="Google Shape;185;g11b6477ecb2_0_179:notes"/>
+          <p:cNvSpPr txBox="1">
+            <a:spLocks noGrp="1"/>
+          </p:cNvSpPr>
           <p:nvPr>
-            <p:ph idx="1" type="body"/>
+            <p:ph type="body" idx="1"/>
           </p:nvPr>
         </p:nvSpPr>
         <p:spPr>
@@ -1986,12 +2166,12 @@
           </a:prstGeom>
         </p:spPr>
         <p:txBody>
-          <a:bodyPr anchorCtr="0" anchor="t" bIns="91425" lIns="91425" spcFirstLastPara="1" rIns="91425" wrap="square" tIns="91425">
+          <a:bodyPr spcFirstLastPara="1" wrap="square" lIns="91425" tIns="91425" rIns="91425" bIns="91425" anchor="t" anchorCtr="0">
             <a:noAutofit/>
           </a:bodyPr>
           <a:lstStyle/>
           <a:p>
-            <a:pPr indent="0" lvl="0" marL="0" rtl="0" algn="l">
+            <a:pPr marL="0" lvl="0" indent="0" algn="l" rtl="0">
               <a:spcBef>
                 <a:spcPts val="0"/>
               </a:spcBef>
@@ -2000,9 +2180,6 @@
               </a:spcAft>
               <a:buNone/>
             </a:pPr>
-            <a:r>
-              <a:t/>
-            </a:r>
             <a:endParaRPr/>
           </a:p>
         </p:txBody>
@@ -2015,12 +2192,12 @@
 </p:notes>
 </file>
 
-<file path=ppt/notesSlides/notesSlide3.xml><?xml version="1.0" encoding="utf-8"?>
-<p:notes xmlns:a="http://schemas.openxmlformats.org/drawingml/2006/main" xmlns:r="http://schemas.openxmlformats.org/officeDocument/2006/relationships" xmlns:mc="http://schemas.openxmlformats.org/markup-compatibility/2006" xmlns:mv="urn:schemas-microsoft-com:mac:vml" xmlns:p="http://schemas.openxmlformats.org/presentationml/2006/main" xmlns:c="http://schemas.openxmlformats.org/drawingml/2006/chart" xmlns:dgm="http://schemas.openxmlformats.org/drawingml/2006/diagram" xmlns:o="urn:schemas-microsoft-com:office:office" xmlns:v="urn:schemas-microsoft-com:vml" xmlns:pvml="urn:schemas-microsoft-com:office:powerpoint" xmlns:com="http://schemas.openxmlformats.org/drawingml/2006/compatibility" xmlns:p14="http://schemas.microsoft.com/office/powerpoint/2010/main" xmlns:p15="http://schemas.microsoft.com/office/powerpoint/2012/main" xmlns:ahyp="http://schemas.microsoft.com/office/drawing/2018/hyperlinkcolor" showMasterPhAnim="0" showMasterSp="0">
+<file path=ppt/notesSlides/notesSlide21.xml><?xml version="1.0" encoding="utf-8"?>
+<p:notes xmlns:a="http://schemas.openxmlformats.org/drawingml/2006/main" xmlns:r="http://schemas.openxmlformats.org/officeDocument/2006/relationships" xmlns:p="http://schemas.openxmlformats.org/presentationml/2006/main" showMasterSp="0" showMasterPhAnim="0">
   <p:cSld>
     <p:spTree>
       <p:nvGrpSpPr>
-        <p:cNvPr id="94" name="Shape 94"/>
+        <p:cNvPr id="1" name="Shape 189"/>
         <p:cNvGrpSpPr/>
         <p:nvPr/>
       </p:nvGrpSpPr>
@@ -2034,10 +2211,12 @@
       </p:grpSpPr>
       <p:sp>
         <p:nvSpPr>
-          <p:cNvPr id="95" name="Google Shape;95;g11b6477ecb2_0_140:notes"/>
-          <p:cNvSpPr/>
+          <p:cNvPr id="190" name="Google Shape;190;g11b6477ecb2_0_191:notes"/>
+          <p:cNvSpPr>
+            <a:spLocks noGrp="1" noRot="1" noChangeAspect="1"/>
+          </p:cNvSpPr>
           <p:nvPr>
-            <p:ph idx="2" type="sldImg"/>
+            <p:ph type="sldImg" idx="2"/>
           </p:nvPr>
         </p:nvSpPr>
         <p:spPr>
@@ -2046,9 +2225,13 @@
             <a:ext cx="6096000" cy="3429000"/>
           </a:xfrm>
           <a:custGeom>
-            <a:rect b="b" l="l" r="r" t="t"/>
+            <a:avLst/>
+            <a:gdLst/>
+            <a:ahLst/>
+            <a:cxnLst/>
+            <a:rect l="l" t="t" r="r" b="b"/>
             <a:pathLst>
-              <a:path extrusionOk="0" h="120000" w="120000">
+              <a:path w="120000" h="120000" extrusionOk="0">
                 <a:moveTo>
                   <a:pt x="0" y="0"/>
                 </a:moveTo>
@@ -2069,10 +2252,12 @@
       </p:sp>
       <p:sp>
         <p:nvSpPr>
-          <p:cNvPr id="96" name="Google Shape;96;g11b6477ecb2_0_140:notes"/>
-          <p:cNvSpPr txBox="1"/>
+          <p:cNvPr id="191" name="Google Shape;191;g11b6477ecb2_0_191:notes"/>
+          <p:cNvSpPr txBox="1">
+            <a:spLocks noGrp="1"/>
+          </p:cNvSpPr>
           <p:nvPr>
-            <p:ph idx="1" type="body"/>
+            <p:ph type="body" idx="1"/>
           </p:nvPr>
         </p:nvSpPr>
         <p:spPr>
@@ -2085,12 +2270,12 @@
           </a:prstGeom>
         </p:spPr>
         <p:txBody>
-          <a:bodyPr anchorCtr="0" anchor="t" bIns="91425" lIns="91425" spcFirstLastPara="1" rIns="91425" wrap="square" tIns="91425">
+          <a:bodyPr spcFirstLastPara="1" wrap="square" lIns="91425" tIns="91425" rIns="91425" bIns="91425" anchor="t" anchorCtr="0">
             <a:noAutofit/>
           </a:bodyPr>
           <a:lstStyle/>
           <a:p>
-            <a:pPr indent="0" lvl="0" marL="0" rtl="0" algn="l">
+            <a:pPr marL="0" lvl="0" indent="0" algn="l" rtl="0">
               <a:spcBef>
                 <a:spcPts val="0"/>
               </a:spcBef>
@@ -2099,9 +2284,6 @@
               </a:spcAft>
               <a:buNone/>
             </a:pPr>
-            <a:r>
-              <a:t/>
-            </a:r>
             <a:endParaRPr/>
           </a:p>
         </p:txBody>
@@ -2114,12 +2296,12 @@
 </p:notes>
 </file>
 
-<file path=ppt/notesSlides/notesSlide4.xml><?xml version="1.0" encoding="utf-8"?>
-<p:notes xmlns:a="http://schemas.openxmlformats.org/drawingml/2006/main" xmlns:r="http://schemas.openxmlformats.org/officeDocument/2006/relationships" xmlns:mc="http://schemas.openxmlformats.org/markup-compatibility/2006" xmlns:mv="urn:schemas-microsoft-com:mac:vml" xmlns:p="http://schemas.openxmlformats.org/presentationml/2006/main" xmlns:c="http://schemas.openxmlformats.org/drawingml/2006/chart" xmlns:dgm="http://schemas.openxmlformats.org/drawingml/2006/diagram" xmlns:o="urn:schemas-microsoft-com:office:office" xmlns:v="urn:schemas-microsoft-com:vml" xmlns:pvml="urn:schemas-microsoft-com:office:powerpoint" xmlns:com="http://schemas.openxmlformats.org/drawingml/2006/compatibility" xmlns:p14="http://schemas.microsoft.com/office/powerpoint/2010/main" xmlns:p15="http://schemas.microsoft.com/office/powerpoint/2012/main" xmlns:ahyp="http://schemas.microsoft.com/office/drawing/2018/hyperlinkcolor" showMasterPhAnim="0" showMasterSp="0">
+<file path=ppt/notesSlides/notesSlide22.xml><?xml version="1.0" encoding="utf-8"?>
+<p:notes xmlns:a="http://schemas.openxmlformats.org/drawingml/2006/main" xmlns:r="http://schemas.openxmlformats.org/officeDocument/2006/relationships" xmlns:p="http://schemas.openxmlformats.org/presentationml/2006/main" showMasterSp="0" showMasterPhAnim="0">
   <p:cSld>
     <p:spTree>
       <p:nvGrpSpPr>
-        <p:cNvPr id="100" name="Shape 100"/>
+        <p:cNvPr id="1" name="Shape 195"/>
         <p:cNvGrpSpPr/>
         <p:nvPr/>
       </p:nvGrpSpPr>
@@ -2133,10 +2315,12 @@
       </p:grpSpPr>
       <p:sp>
         <p:nvSpPr>
-          <p:cNvPr id="101" name="Google Shape;101;g11b6477ecb2_0_83:notes"/>
-          <p:cNvSpPr/>
+          <p:cNvPr id="196" name="Google Shape;196;g11b6477ecb2_0_196:notes"/>
+          <p:cNvSpPr>
+            <a:spLocks noGrp="1" noRot="1" noChangeAspect="1"/>
+          </p:cNvSpPr>
           <p:nvPr>
-            <p:ph idx="2" type="sldImg"/>
+            <p:ph type="sldImg" idx="2"/>
           </p:nvPr>
         </p:nvSpPr>
         <p:spPr>
@@ -2145,9 +2329,13 @@
             <a:ext cx="6096000" cy="3429000"/>
           </a:xfrm>
           <a:custGeom>
-            <a:rect b="b" l="l" r="r" t="t"/>
+            <a:avLst/>
+            <a:gdLst/>
+            <a:ahLst/>
+            <a:cxnLst/>
+            <a:rect l="l" t="t" r="r" b="b"/>
             <a:pathLst>
-              <a:path extrusionOk="0" h="120000" w="120000">
+              <a:path w="120000" h="120000" extrusionOk="0">
                 <a:moveTo>
                   <a:pt x="0" y="0"/>
                 </a:moveTo>
@@ -2168,10 +2356,12 @@
       </p:sp>
       <p:sp>
         <p:nvSpPr>
-          <p:cNvPr id="102" name="Google Shape;102;g11b6477ecb2_0_83:notes"/>
-          <p:cNvSpPr txBox="1"/>
+          <p:cNvPr id="197" name="Google Shape;197;g11b6477ecb2_0_196:notes"/>
+          <p:cNvSpPr txBox="1">
+            <a:spLocks noGrp="1"/>
+          </p:cNvSpPr>
           <p:nvPr>
-            <p:ph idx="1" type="body"/>
+            <p:ph type="body" idx="1"/>
           </p:nvPr>
         </p:nvSpPr>
         <p:spPr>
@@ -2184,12 +2374,12 @@
           </a:prstGeom>
         </p:spPr>
         <p:txBody>
-          <a:bodyPr anchorCtr="0" anchor="t" bIns="91425" lIns="91425" spcFirstLastPara="1" rIns="91425" wrap="square" tIns="91425">
+          <a:bodyPr spcFirstLastPara="1" wrap="square" lIns="91425" tIns="91425" rIns="91425" bIns="91425" anchor="t" anchorCtr="0">
             <a:noAutofit/>
           </a:bodyPr>
           <a:lstStyle/>
           <a:p>
-            <a:pPr indent="0" lvl="0" marL="0" rtl="0" algn="l">
+            <a:pPr marL="0" lvl="0" indent="0" algn="l" rtl="0">
               <a:spcBef>
                 <a:spcPts val="0"/>
               </a:spcBef>
@@ -2198,9 +2388,6 @@
               </a:spcAft>
               <a:buNone/>
             </a:pPr>
-            <a:r>
-              <a:t/>
-            </a:r>
             <a:endParaRPr/>
           </a:p>
         </p:txBody>
@@ -2213,12 +2400,12 @@
 </p:notes>
 </file>
 
-<file path=ppt/notesSlides/notesSlide5.xml><?xml version="1.0" encoding="utf-8"?>
-<p:notes xmlns:a="http://schemas.openxmlformats.org/drawingml/2006/main" xmlns:r="http://schemas.openxmlformats.org/officeDocument/2006/relationships" xmlns:mc="http://schemas.openxmlformats.org/markup-compatibility/2006" xmlns:mv="urn:schemas-microsoft-com:mac:vml" xmlns:p="http://schemas.openxmlformats.org/presentationml/2006/main" xmlns:c="http://schemas.openxmlformats.org/drawingml/2006/chart" xmlns:dgm="http://schemas.openxmlformats.org/drawingml/2006/diagram" xmlns:o="urn:schemas-microsoft-com:office:office" xmlns:v="urn:schemas-microsoft-com:vml" xmlns:pvml="urn:schemas-microsoft-com:office:powerpoint" xmlns:com="http://schemas.openxmlformats.org/drawingml/2006/compatibility" xmlns:p14="http://schemas.microsoft.com/office/powerpoint/2010/main" xmlns:p15="http://schemas.microsoft.com/office/powerpoint/2012/main" xmlns:ahyp="http://schemas.microsoft.com/office/drawing/2018/hyperlinkcolor" showMasterPhAnim="0" showMasterSp="0">
+<file path=ppt/notesSlides/notesSlide23.xml><?xml version="1.0" encoding="utf-8"?>
+<p:notes xmlns:a="http://schemas.openxmlformats.org/drawingml/2006/main" xmlns:r="http://schemas.openxmlformats.org/officeDocument/2006/relationships" xmlns:p="http://schemas.openxmlformats.org/presentationml/2006/main" showMasterSp="0" showMasterPhAnim="0">
   <p:cSld>
     <p:spTree>
       <p:nvGrpSpPr>
-        <p:cNvPr id="106" name="Shape 106"/>
+        <p:cNvPr id="1" name="Shape 201"/>
         <p:cNvGrpSpPr/>
         <p:nvPr/>
       </p:nvGrpSpPr>
@@ -2232,10 +2419,12 @@
       </p:grpSpPr>
       <p:sp>
         <p:nvSpPr>
-          <p:cNvPr id="107" name="Google Shape;107;g11b6477ecb2_0_145:notes"/>
-          <p:cNvSpPr/>
+          <p:cNvPr id="202" name="Google Shape;202;g11b6477ecb2_0_185:notes"/>
+          <p:cNvSpPr>
+            <a:spLocks noGrp="1" noRot="1" noChangeAspect="1"/>
+          </p:cNvSpPr>
           <p:nvPr>
-            <p:ph idx="2" type="sldImg"/>
+            <p:ph type="sldImg" idx="2"/>
           </p:nvPr>
         </p:nvSpPr>
         <p:spPr>
@@ -2244,9 +2433,13 @@
             <a:ext cx="6096000" cy="3429000"/>
           </a:xfrm>
           <a:custGeom>
-            <a:rect b="b" l="l" r="r" t="t"/>
+            <a:avLst/>
+            <a:gdLst/>
+            <a:ahLst/>
+            <a:cxnLst/>
+            <a:rect l="l" t="t" r="r" b="b"/>
             <a:pathLst>
-              <a:path extrusionOk="0" h="120000" w="120000">
+              <a:path w="120000" h="120000" extrusionOk="0">
                 <a:moveTo>
                   <a:pt x="0" y="0"/>
                 </a:moveTo>
@@ -2267,10 +2460,12 @@
       </p:sp>
       <p:sp>
         <p:nvSpPr>
-          <p:cNvPr id="108" name="Google Shape;108;g11b6477ecb2_0_145:notes"/>
-          <p:cNvSpPr txBox="1"/>
+          <p:cNvPr id="203" name="Google Shape;203;g11b6477ecb2_0_185:notes"/>
+          <p:cNvSpPr txBox="1">
+            <a:spLocks noGrp="1"/>
+          </p:cNvSpPr>
           <p:nvPr>
-            <p:ph idx="1" type="body"/>
+            <p:ph type="body" idx="1"/>
           </p:nvPr>
         </p:nvSpPr>
         <p:spPr>
@@ -2283,12 +2478,12 @@
           </a:prstGeom>
         </p:spPr>
         <p:txBody>
-          <a:bodyPr anchorCtr="0" anchor="t" bIns="91425" lIns="91425" spcFirstLastPara="1" rIns="91425" wrap="square" tIns="91425">
+          <a:bodyPr spcFirstLastPara="1" wrap="square" lIns="91425" tIns="91425" rIns="91425" bIns="91425" anchor="t" anchorCtr="0">
             <a:noAutofit/>
           </a:bodyPr>
           <a:lstStyle/>
           <a:p>
-            <a:pPr indent="0" lvl="0" marL="0" rtl="0" algn="l">
+            <a:pPr marL="0" lvl="0" indent="0" algn="l" rtl="0">
               <a:spcBef>
                 <a:spcPts val="0"/>
               </a:spcBef>
@@ -2297,9 +2492,6 @@
               </a:spcAft>
               <a:buNone/>
             </a:pPr>
-            <a:r>
-              <a:t/>
-            </a:r>
             <a:endParaRPr/>
           </a:p>
         </p:txBody>
@@ -2312,12 +2504,12 @@
 </p:notes>
 </file>
 
-<file path=ppt/notesSlides/notesSlide6.xml><?xml version="1.0" encoding="utf-8"?>
-<p:notes xmlns:a="http://schemas.openxmlformats.org/drawingml/2006/main" xmlns:r="http://schemas.openxmlformats.org/officeDocument/2006/relationships" xmlns:mc="http://schemas.openxmlformats.org/markup-compatibility/2006" xmlns:mv="urn:schemas-microsoft-com:mac:vml" xmlns:p="http://schemas.openxmlformats.org/presentationml/2006/main" xmlns:c="http://schemas.openxmlformats.org/drawingml/2006/chart" xmlns:dgm="http://schemas.openxmlformats.org/drawingml/2006/diagram" xmlns:o="urn:schemas-microsoft-com:office:office" xmlns:v="urn:schemas-microsoft-com:vml" xmlns:pvml="urn:schemas-microsoft-com:office:powerpoint" xmlns:com="http://schemas.openxmlformats.org/drawingml/2006/compatibility" xmlns:p14="http://schemas.microsoft.com/office/powerpoint/2010/main" xmlns:p15="http://schemas.microsoft.com/office/powerpoint/2012/main" xmlns:ahyp="http://schemas.microsoft.com/office/drawing/2018/hyperlinkcolor" showMasterPhAnim="0" showMasterSp="0">
+<file path=ppt/notesSlides/notesSlide3.xml><?xml version="1.0" encoding="utf-8"?>
+<p:notes xmlns:a="http://schemas.openxmlformats.org/drawingml/2006/main" xmlns:r="http://schemas.openxmlformats.org/officeDocument/2006/relationships" xmlns:p="http://schemas.openxmlformats.org/presentationml/2006/main" showMasterSp="0" showMasterPhAnim="0">
   <p:cSld>
     <p:spTree>
       <p:nvGrpSpPr>
-        <p:cNvPr id="112" name="Shape 112"/>
+        <p:cNvPr id="1" name="Shape 94"/>
         <p:cNvGrpSpPr/>
         <p:nvPr/>
       </p:nvGrpSpPr>
@@ -2331,10 +2523,12 @@
       </p:grpSpPr>
       <p:sp>
         <p:nvSpPr>
-          <p:cNvPr id="113" name="Google Shape;113;g11b6477ecb2_0_90:notes"/>
-          <p:cNvSpPr/>
+          <p:cNvPr id="95" name="Google Shape;95;g11b6477ecb2_0_140:notes"/>
+          <p:cNvSpPr>
+            <a:spLocks noGrp="1" noRot="1" noChangeAspect="1"/>
+          </p:cNvSpPr>
           <p:nvPr>
-            <p:ph idx="2" type="sldImg"/>
+            <p:ph type="sldImg" idx="2"/>
           </p:nvPr>
         </p:nvSpPr>
         <p:spPr>
@@ -2343,9 +2537,13 @@
             <a:ext cx="6096000" cy="3429000"/>
           </a:xfrm>
           <a:custGeom>
-            <a:rect b="b" l="l" r="r" t="t"/>
+            <a:avLst/>
+            <a:gdLst/>
+            <a:ahLst/>
+            <a:cxnLst/>
+            <a:rect l="l" t="t" r="r" b="b"/>
             <a:pathLst>
-              <a:path extrusionOk="0" h="120000" w="120000">
+              <a:path w="120000" h="120000" extrusionOk="0">
                 <a:moveTo>
                   <a:pt x="0" y="0"/>
                 </a:moveTo>
@@ -2366,10 +2564,12 @@
       </p:sp>
       <p:sp>
         <p:nvSpPr>
-          <p:cNvPr id="114" name="Google Shape;114;g11b6477ecb2_0_90:notes"/>
-          <p:cNvSpPr txBox="1"/>
+          <p:cNvPr id="96" name="Google Shape;96;g11b6477ecb2_0_140:notes"/>
+          <p:cNvSpPr txBox="1">
+            <a:spLocks noGrp="1"/>
+          </p:cNvSpPr>
           <p:nvPr>
-            <p:ph idx="1" type="body"/>
+            <p:ph type="body" idx="1"/>
           </p:nvPr>
         </p:nvSpPr>
         <p:spPr>
@@ -2382,12 +2582,12 @@
           </a:prstGeom>
         </p:spPr>
         <p:txBody>
-          <a:bodyPr anchorCtr="0" anchor="t" bIns="91425" lIns="91425" spcFirstLastPara="1" rIns="91425" wrap="square" tIns="91425">
+          <a:bodyPr spcFirstLastPara="1" wrap="square" lIns="91425" tIns="91425" rIns="91425" bIns="91425" anchor="t" anchorCtr="0">
             <a:noAutofit/>
           </a:bodyPr>
           <a:lstStyle/>
           <a:p>
-            <a:pPr indent="0" lvl="0" marL="0" rtl="0" algn="l">
+            <a:pPr marL="0" lvl="0" indent="0" algn="l" rtl="0">
               <a:spcBef>
                 <a:spcPts val="0"/>
               </a:spcBef>
@@ -2396,9 +2596,6 @@
               </a:spcAft>
               <a:buNone/>
             </a:pPr>
-            <a:r>
-              <a:t/>
-            </a:r>
             <a:endParaRPr/>
           </a:p>
         </p:txBody>
@@ -2411,12 +2608,12 @@
 </p:notes>
 </file>
 
-<file path=ppt/notesSlides/notesSlide7.xml><?xml version="1.0" encoding="utf-8"?>
-<p:notes xmlns:a="http://schemas.openxmlformats.org/drawingml/2006/main" xmlns:r="http://schemas.openxmlformats.org/officeDocument/2006/relationships" xmlns:mc="http://schemas.openxmlformats.org/markup-compatibility/2006" xmlns:mv="urn:schemas-microsoft-com:mac:vml" xmlns:p="http://schemas.openxmlformats.org/presentationml/2006/main" xmlns:c="http://schemas.openxmlformats.org/drawingml/2006/chart" xmlns:dgm="http://schemas.openxmlformats.org/drawingml/2006/diagram" xmlns:o="urn:schemas-microsoft-com:office:office" xmlns:v="urn:schemas-microsoft-com:vml" xmlns:pvml="urn:schemas-microsoft-com:office:powerpoint" xmlns:com="http://schemas.openxmlformats.org/drawingml/2006/compatibility" xmlns:p14="http://schemas.microsoft.com/office/powerpoint/2010/main" xmlns:p15="http://schemas.microsoft.com/office/powerpoint/2012/main" xmlns:ahyp="http://schemas.microsoft.com/office/drawing/2018/hyperlinkcolor" showMasterPhAnim="0" showMasterSp="0">
+<file path=ppt/notesSlides/notesSlide4.xml><?xml version="1.0" encoding="utf-8"?>
+<p:notes xmlns:a="http://schemas.openxmlformats.org/drawingml/2006/main" xmlns:r="http://schemas.openxmlformats.org/officeDocument/2006/relationships" xmlns:p="http://schemas.openxmlformats.org/presentationml/2006/main" showMasterSp="0" showMasterPhAnim="0">
   <p:cSld>
     <p:spTree>
       <p:nvGrpSpPr>
-        <p:cNvPr id="118" name="Shape 118"/>
+        <p:cNvPr id="1" name="Shape 100"/>
         <p:cNvGrpSpPr/>
         <p:nvPr/>
       </p:nvGrpSpPr>
@@ -2430,21 +2627,27 @@
       </p:grpSpPr>
       <p:sp>
         <p:nvSpPr>
-          <p:cNvPr id="119" name="Google Shape;119;g11b6477ecb2_0_96:notes"/>
-          <p:cNvSpPr/>
+          <p:cNvPr id="101" name="Google Shape;101;g11b6477ecb2_0_83:notes"/>
+          <p:cNvSpPr>
+            <a:spLocks noGrp="1" noRot="1" noChangeAspect="1"/>
+          </p:cNvSpPr>
           <p:nvPr>
-            <p:ph idx="2" type="sldImg"/>
+            <p:ph type="sldImg" idx="2"/>
           </p:nvPr>
         </p:nvSpPr>
         <p:spPr>
           <a:xfrm>
-            <a:off x="381300" y="685800"/>
+            <a:off x="381000" y="685800"/>
             <a:ext cx="6096000" cy="3429000"/>
           </a:xfrm>
           <a:custGeom>
-            <a:rect b="b" l="l" r="r" t="t"/>
+            <a:avLst/>
+            <a:gdLst/>
+            <a:ahLst/>
+            <a:cxnLst/>
+            <a:rect l="l" t="t" r="r" b="b"/>
             <a:pathLst>
-              <a:path extrusionOk="0" h="120000" w="120000">
+              <a:path w="120000" h="120000" extrusionOk="0">
                 <a:moveTo>
                   <a:pt x="0" y="0"/>
                 </a:moveTo>
@@ -2465,10 +2668,12 @@
       </p:sp>
       <p:sp>
         <p:nvSpPr>
-          <p:cNvPr id="120" name="Google Shape;120;g11b6477ecb2_0_96:notes"/>
-          <p:cNvSpPr txBox="1"/>
+          <p:cNvPr id="102" name="Google Shape;102;g11b6477ecb2_0_83:notes"/>
+          <p:cNvSpPr txBox="1">
+            <a:spLocks noGrp="1"/>
+          </p:cNvSpPr>
           <p:nvPr>
-            <p:ph idx="1" type="body"/>
+            <p:ph type="body" idx="1"/>
           </p:nvPr>
         </p:nvSpPr>
         <p:spPr>
@@ -2481,12 +2686,12 @@
           </a:prstGeom>
         </p:spPr>
         <p:txBody>
-          <a:bodyPr anchorCtr="0" anchor="t" bIns="91425" lIns="91425" spcFirstLastPara="1" rIns="91425" wrap="square" tIns="91425">
+          <a:bodyPr spcFirstLastPara="1" wrap="square" lIns="91425" tIns="91425" rIns="91425" bIns="91425" anchor="t" anchorCtr="0">
             <a:noAutofit/>
           </a:bodyPr>
           <a:lstStyle/>
           <a:p>
-            <a:pPr indent="0" lvl="0" marL="0" rtl="0" algn="l">
+            <a:pPr marL="0" lvl="0" indent="0" algn="l" rtl="0">
               <a:spcBef>
                 <a:spcPts val="0"/>
               </a:spcBef>
@@ -2495,9 +2700,6 @@
               </a:spcAft>
               <a:buNone/>
             </a:pPr>
-            <a:r>
-              <a:t/>
-            </a:r>
             <a:endParaRPr/>
           </a:p>
         </p:txBody>
@@ -2510,12 +2712,12 @@
 </p:notes>
 </file>
 
-<file path=ppt/notesSlides/notesSlide8.xml><?xml version="1.0" encoding="utf-8"?>
-<p:notes xmlns:a="http://schemas.openxmlformats.org/drawingml/2006/main" xmlns:r="http://schemas.openxmlformats.org/officeDocument/2006/relationships" xmlns:mc="http://schemas.openxmlformats.org/markup-compatibility/2006" xmlns:mv="urn:schemas-microsoft-com:mac:vml" xmlns:p="http://schemas.openxmlformats.org/presentationml/2006/main" xmlns:c="http://schemas.openxmlformats.org/drawingml/2006/chart" xmlns:dgm="http://schemas.openxmlformats.org/drawingml/2006/diagram" xmlns:o="urn:schemas-microsoft-com:office:office" xmlns:v="urn:schemas-microsoft-com:vml" xmlns:pvml="urn:schemas-microsoft-com:office:powerpoint" xmlns:com="http://schemas.openxmlformats.org/drawingml/2006/compatibility" xmlns:p14="http://schemas.microsoft.com/office/powerpoint/2010/main" xmlns:p15="http://schemas.microsoft.com/office/powerpoint/2012/main" xmlns:ahyp="http://schemas.microsoft.com/office/drawing/2018/hyperlinkcolor" showMasterPhAnim="0" showMasterSp="0">
+<file path=ppt/notesSlides/notesSlide5.xml><?xml version="1.0" encoding="utf-8"?>
+<p:notes xmlns:a="http://schemas.openxmlformats.org/drawingml/2006/main" xmlns:r="http://schemas.openxmlformats.org/officeDocument/2006/relationships" xmlns:p="http://schemas.openxmlformats.org/presentationml/2006/main" showMasterSp="0" showMasterPhAnim="0">
   <p:cSld>
     <p:spTree>
       <p:nvGrpSpPr>
-        <p:cNvPr id="124" name="Shape 124"/>
+        <p:cNvPr id="1" name="Shape 106"/>
         <p:cNvGrpSpPr/>
         <p:nvPr/>
       </p:nvGrpSpPr>
@@ -2529,10 +2731,12 @@
       </p:grpSpPr>
       <p:sp>
         <p:nvSpPr>
-          <p:cNvPr id="125" name="Google Shape;125;g11b6477ecb2_0_103:notes"/>
-          <p:cNvSpPr/>
+          <p:cNvPr id="107" name="Google Shape;107;g11b6477ecb2_0_145:notes"/>
+          <p:cNvSpPr>
+            <a:spLocks noGrp="1" noRot="1" noChangeAspect="1"/>
+          </p:cNvSpPr>
           <p:nvPr>
-            <p:ph idx="2" type="sldImg"/>
+            <p:ph type="sldImg" idx="2"/>
           </p:nvPr>
         </p:nvSpPr>
         <p:spPr>
@@ -2541,9 +2745,13 @@
             <a:ext cx="6096000" cy="3429000"/>
           </a:xfrm>
           <a:custGeom>
-            <a:rect b="b" l="l" r="r" t="t"/>
+            <a:avLst/>
+            <a:gdLst/>
+            <a:ahLst/>
+            <a:cxnLst/>
+            <a:rect l="l" t="t" r="r" b="b"/>
             <a:pathLst>
-              <a:path extrusionOk="0" h="120000" w="120000">
+              <a:path w="120000" h="120000" extrusionOk="0">
                 <a:moveTo>
                   <a:pt x="0" y="0"/>
                 </a:moveTo>
@@ -2564,10 +2772,12 @@
       </p:sp>
       <p:sp>
         <p:nvSpPr>
-          <p:cNvPr id="126" name="Google Shape;126;g11b6477ecb2_0_103:notes"/>
-          <p:cNvSpPr txBox="1"/>
+          <p:cNvPr id="108" name="Google Shape;108;g11b6477ecb2_0_145:notes"/>
+          <p:cNvSpPr txBox="1">
+            <a:spLocks noGrp="1"/>
+          </p:cNvSpPr>
           <p:nvPr>
-            <p:ph idx="1" type="body"/>
+            <p:ph type="body" idx="1"/>
           </p:nvPr>
         </p:nvSpPr>
         <p:spPr>
@@ -2580,12 +2790,12 @@
           </a:prstGeom>
         </p:spPr>
         <p:txBody>
-          <a:bodyPr anchorCtr="0" anchor="t" bIns="91425" lIns="91425" spcFirstLastPara="1" rIns="91425" wrap="square" tIns="91425">
+          <a:bodyPr spcFirstLastPara="1" wrap="square" lIns="91425" tIns="91425" rIns="91425" bIns="91425" anchor="t" anchorCtr="0">
             <a:noAutofit/>
           </a:bodyPr>
           <a:lstStyle/>
           <a:p>
-            <a:pPr indent="0" lvl="0" marL="0" rtl="0" algn="l">
+            <a:pPr marL="0" lvl="0" indent="0" algn="l" rtl="0">
               <a:spcBef>
                 <a:spcPts val="0"/>
               </a:spcBef>
@@ -2594,9 +2804,6 @@
               </a:spcAft>
               <a:buNone/>
             </a:pPr>
-            <a:r>
-              <a:t/>
-            </a:r>
             <a:endParaRPr/>
           </a:p>
         </p:txBody>
@@ -2609,12 +2816,12 @@
 </p:notes>
 </file>
 
-<file path=ppt/notesSlides/notesSlide9.xml><?xml version="1.0" encoding="utf-8"?>
-<p:notes xmlns:a="http://schemas.openxmlformats.org/drawingml/2006/main" xmlns:r="http://schemas.openxmlformats.org/officeDocument/2006/relationships" xmlns:mc="http://schemas.openxmlformats.org/markup-compatibility/2006" xmlns:mv="urn:schemas-microsoft-com:mac:vml" xmlns:p="http://schemas.openxmlformats.org/presentationml/2006/main" xmlns:c="http://schemas.openxmlformats.org/drawingml/2006/chart" xmlns:dgm="http://schemas.openxmlformats.org/drawingml/2006/diagram" xmlns:o="urn:schemas-microsoft-com:office:office" xmlns:v="urn:schemas-microsoft-com:vml" xmlns:pvml="urn:schemas-microsoft-com:office:powerpoint" xmlns:com="http://schemas.openxmlformats.org/drawingml/2006/compatibility" xmlns:p14="http://schemas.microsoft.com/office/powerpoint/2010/main" xmlns:p15="http://schemas.microsoft.com/office/powerpoint/2012/main" xmlns:ahyp="http://schemas.microsoft.com/office/drawing/2018/hyperlinkcolor" showMasterPhAnim="0" showMasterSp="0">
+<file path=ppt/notesSlides/notesSlide6.xml><?xml version="1.0" encoding="utf-8"?>
+<p:notes xmlns:a="http://schemas.openxmlformats.org/drawingml/2006/main" xmlns:r="http://schemas.openxmlformats.org/officeDocument/2006/relationships" xmlns:p="http://schemas.openxmlformats.org/presentationml/2006/main" showMasterSp="0" showMasterPhAnim="0">
   <p:cSld>
     <p:spTree>
       <p:nvGrpSpPr>
-        <p:cNvPr id="130" name="Shape 130"/>
+        <p:cNvPr id="1" name="Shape 112"/>
         <p:cNvGrpSpPr/>
         <p:nvPr/>
       </p:nvGrpSpPr>
@@ -2628,10 +2835,12 @@
       </p:grpSpPr>
       <p:sp>
         <p:nvSpPr>
-          <p:cNvPr id="131" name="Google Shape;131;g11b6477ecb2_0_108:notes"/>
-          <p:cNvSpPr/>
+          <p:cNvPr id="113" name="Google Shape;113;g11b6477ecb2_0_90:notes"/>
+          <p:cNvSpPr>
+            <a:spLocks noGrp="1" noRot="1" noChangeAspect="1"/>
+          </p:cNvSpPr>
           <p:nvPr>
-            <p:ph idx="2" type="sldImg"/>
+            <p:ph type="sldImg" idx="2"/>
           </p:nvPr>
         </p:nvSpPr>
         <p:spPr>
@@ -2640,9 +2849,13 @@
             <a:ext cx="6096000" cy="3429000"/>
           </a:xfrm>
           <a:custGeom>
-            <a:rect b="b" l="l" r="r" t="t"/>
+            <a:avLst/>
+            <a:gdLst/>
+            <a:ahLst/>
+            <a:cxnLst/>
+            <a:rect l="l" t="t" r="r" b="b"/>
             <a:pathLst>
-              <a:path extrusionOk="0" h="120000" w="120000">
+              <a:path w="120000" h="120000" extrusionOk="0">
                 <a:moveTo>
                   <a:pt x="0" y="0"/>
                 </a:moveTo>
@@ -2663,10 +2876,12 @@
       </p:sp>
       <p:sp>
         <p:nvSpPr>
-          <p:cNvPr id="132" name="Google Shape;132;g11b6477ecb2_0_108:notes"/>
-          <p:cNvSpPr txBox="1"/>
+          <p:cNvPr id="114" name="Google Shape;114;g11b6477ecb2_0_90:notes"/>
+          <p:cNvSpPr txBox="1">
+            <a:spLocks noGrp="1"/>
+          </p:cNvSpPr>
           <p:nvPr>
-            <p:ph idx="1" type="body"/>
+            <p:ph type="body" idx="1"/>
           </p:nvPr>
         </p:nvSpPr>
         <p:spPr>
@@ -2679,12 +2894,12 @@
           </a:prstGeom>
         </p:spPr>
         <p:txBody>
-          <a:bodyPr anchorCtr="0" anchor="t" bIns="91425" lIns="91425" spcFirstLastPara="1" rIns="91425" wrap="square" tIns="91425">
+          <a:bodyPr spcFirstLastPara="1" wrap="square" lIns="91425" tIns="91425" rIns="91425" bIns="91425" anchor="t" anchorCtr="0">
             <a:noAutofit/>
           </a:bodyPr>
           <a:lstStyle/>
           <a:p>
-            <a:pPr indent="0" lvl="0" marL="0" rtl="0" algn="l">
+            <a:pPr marL="0" lvl="0" indent="0" algn="l" rtl="0">
               <a:spcBef>
                 <a:spcPts val="0"/>
               </a:spcBef>
@@ -2693,9 +2908,318 @@
               </a:spcAft>
               <a:buNone/>
             </a:pPr>
-            <a:r>
-              <a:t/>
-            </a:r>
+            <a:endParaRPr/>
+          </a:p>
+        </p:txBody>
+      </p:sp>
+    </p:spTree>
+  </p:cSld>
+  <p:clrMapOvr>
+    <a:masterClrMapping/>
+  </p:clrMapOvr>
+</p:notes>
+</file>
+
+<file path=ppt/notesSlides/notesSlide7.xml><?xml version="1.0" encoding="utf-8"?>
+<p:notes xmlns:a="http://schemas.openxmlformats.org/drawingml/2006/main" xmlns:r="http://schemas.openxmlformats.org/officeDocument/2006/relationships" xmlns:p="http://schemas.openxmlformats.org/presentationml/2006/main" showMasterSp="0" showMasterPhAnim="0">
+  <p:cSld>
+    <p:spTree>
+      <p:nvGrpSpPr>
+        <p:cNvPr id="1" name="Shape 118"/>
+        <p:cNvGrpSpPr/>
+        <p:nvPr/>
+      </p:nvGrpSpPr>
+      <p:grpSpPr>
+        <a:xfrm>
+          <a:off x="0" y="0"/>
+          <a:ext cx="0" cy="0"/>
+          <a:chOff x="0" y="0"/>
+          <a:chExt cx="0" cy="0"/>
+        </a:xfrm>
+      </p:grpSpPr>
+      <p:sp>
+        <p:nvSpPr>
+          <p:cNvPr id="119" name="Google Shape;119;g11b6477ecb2_0_96:notes"/>
+          <p:cNvSpPr>
+            <a:spLocks noGrp="1" noRot="1" noChangeAspect="1"/>
+          </p:cNvSpPr>
+          <p:nvPr>
+            <p:ph type="sldImg" idx="2"/>
+          </p:nvPr>
+        </p:nvSpPr>
+        <p:spPr>
+          <a:xfrm>
+            <a:off x="381300" y="685800"/>
+            <a:ext cx="6096000" cy="3429000"/>
+          </a:xfrm>
+          <a:custGeom>
+            <a:avLst/>
+            <a:gdLst/>
+            <a:ahLst/>
+            <a:cxnLst/>
+            <a:rect l="l" t="t" r="r" b="b"/>
+            <a:pathLst>
+              <a:path w="120000" h="120000" extrusionOk="0">
+                <a:moveTo>
+                  <a:pt x="0" y="0"/>
+                </a:moveTo>
+                <a:lnTo>
+                  <a:pt x="120000" y="0"/>
+                </a:lnTo>
+                <a:lnTo>
+                  <a:pt x="120000" y="120000"/>
+                </a:lnTo>
+                <a:lnTo>
+                  <a:pt x="0" y="120000"/>
+                </a:lnTo>
+                <a:close/>
+              </a:path>
+            </a:pathLst>
+          </a:custGeom>
+        </p:spPr>
+      </p:sp>
+      <p:sp>
+        <p:nvSpPr>
+          <p:cNvPr id="120" name="Google Shape;120;g11b6477ecb2_0_96:notes"/>
+          <p:cNvSpPr txBox="1">
+            <a:spLocks noGrp="1"/>
+          </p:cNvSpPr>
+          <p:nvPr>
+            <p:ph type="body" idx="1"/>
+          </p:nvPr>
+        </p:nvSpPr>
+        <p:spPr>
+          <a:xfrm>
+            <a:off x="685800" y="4343400"/>
+            <a:ext cx="5486400" cy="4114800"/>
+          </a:xfrm>
+          <a:prstGeom prst="rect">
+            <a:avLst/>
+          </a:prstGeom>
+        </p:spPr>
+        <p:txBody>
+          <a:bodyPr spcFirstLastPara="1" wrap="square" lIns="91425" tIns="91425" rIns="91425" bIns="91425" anchor="t" anchorCtr="0">
+            <a:noAutofit/>
+          </a:bodyPr>
+          <a:lstStyle/>
+          <a:p>
+            <a:pPr marL="0" lvl="0" indent="0" algn="l" rtl="0">
+              <a:spcBef>
+                <a:spcPts val="0"/>
+              </a:spcBef>
+              <a:spcAft>
+                <a:spcPts val="0"/>
+              </a:spcAft>
+              <a:buNone/>
+            </a:pPr>
+            <a:endParaRPr/>
+          </a:p>
+        </p:txBody>
+      </p:sp>
+    </p:spTree>
+  </p:cSld>
+  <p:clrMapOvr>
+    <a:masterClrMapping/>
+  </p:clrMapOvr>
+</p:notes>
+</file>
+
+<file path=ppt/notesSlides/notesSlide8.xml><?xml version="1.0" encoding="utf-8"?>
+<p:notes xmlns:a="http://schemas.openxmlformats.org/drawingml/2006/main" xmlns:r="http://schemas.openxmlformats.org/officeDocument/2006/relationships" xmlns:p="http://schemas.openxmlformats.org/presentationml/2006/main" showMasterSp="0" showMasterPhAnim="0">
+  <p:cSld>
+    <p:spTree>
+      <p:nvGrpSpPr>
+        <p:cNvPr id="1" name="Shape 124"/>
+        <p:cNvGrpSpPr/>
+        <p:nvPr/>
+      </p:nvGrpSpPr>
+      <p:grpSpPr>
+        <a:xfrm>
+          <a:off x="0" y="0"/>
+          <a:ext cx="0" cy="0"/>
+          <a:chOff x="0" y="0"/>
+          <a:chExt cx="0" cy="0"/>
+        </a:xfrm>
+      </p:grpSpPr>
+      <p:sp>
+        <p:nvSpPr>
+          <p:cNvPr id="125" name="Google Shape;125;g11b6477ecb2_0_103:notes"/>
+          <p:cNvSpPr>
+            <a:spLocks noGrp="1" noRot="1" noChangeAspect="1"/>
+          </p:cNvSpPr>
+          <p:nvPr>
+            <p:ph type="sldImg" idx="2"/>
+          </p:nvPr>
+        </p:nvSpPr>
+        <p:spPr>
+          <a:xfrm>
+            <a:off x="381300" y="685800"/>
+            <a:ext cx="6096000" cy="3429000"/>
+          </a:xfrm>
+          <a:custGeom>
+            <a:avLst/>
+            <a:gdLst/>
+            <a:ahLst/>
+            <a:cxnLst/>
+            <a:rect l="l" t="t" r="r" b="b"/>
+            <a:pathLst>
+              <a:path w="120000" h="120000" extrusionOk="0">
+                <a:moveTo>
+                  <a:pt x="0" y="0"/>
+                </a:moveTo>
+                <a:lnTo>
+                  <a:pt x="120000" y="0"/>
+                </a:lnTo>
+                <a:lnTo>
+                  <a:pt x="120000" y="120000"/>
+                </a:lnTo>
+                <a:lnTo>
+                  <a:pt x="0" y="120000"/>
+                </a:lnTo>
+                <a:close/>
+              </a:path>
+            </a:pathLst>
+          </a:custGeom>
+        </p:spPr>
+      </p:sp>
+      <p:sp>
+        <p:nvSpPr>
+          <p:cNvPr id="126" name="Google Shape;126;g11b6477ecb2_0_103:notes"/>
+          <p:cNvSpPr txBox="1">
+            <a:spLocks noGrp="1"/>
+          </p:cNvSpPr>
+          <p:nvPr>
+            <p:ph type="body" idx="1"/>
+          </p:nvPr>
+        </p:nvSpPr>
+        <p:spPr>
+          <a:xfrm>
+            <a:off x="685800" y="4343400"/>
+            <a:ext cx="5486400" cy="4114800"/>
+          </a:xfrm>
+          <a:prstGeom prst="rect">
+            <a:avLst/>
+          </a:prstGeom>
+        </p:spPr>
+        <p:txBody>
+          <a:bodyPr spcFirstLastPara="1" wrap="square" lIns="91425" tIns="91425" rIns="91425" bIns="91425" anchor="t" anchorCtr="0">
+            <a:noAutofit/>
+          </a:bodyPr>
+          <a:lstStyle/>
+          <a:p>
+            <a:pPr marL="0" lvl="0" indent="0" algn="l" rtl="0">
+              <a:spcBef>
+                <a:spcPts val="0"/>
+              </a:spcBef>
+              <a:spcAft>
+                <a:spcPts val="0"/>
+              </a:spcAft>
+              <a:buNone/>
+            </a:pPr>
+            <a:endParaRPr/>
+          </a:p>
+        </p:txBody>
+      </p:sp>
+    </p:spTree>
+  </p:cSld>
+  <p:clrMapOvr>
+    <a:masterClrMapping/>
+  </p:clrMapOvr>
+</p:notes>
+</file>
+
+<file path=ppt/notesSlides/notesSlide9.xml><?xml version="1.0" encoding="utf-8"?>
+<p:notes xmlns:a="http://schemas.openxmlformats.org/drawingml/2006/main" xmlns:r="http://schemas.openxmlformats.org/officeDocument/2006/relationships" xmlns:p="http://schemas.openxmlformats.org/presentationml/2006/main" showMasterSp="0" showMasterPhAnim="0">
+  <p:cSld>
+    <p:spTree>
+      <p:nvGrpSpPr>
+        <p:cNvPr id="1" name="Shape 130"/>
+        <p:cNvGrpSpPr/>
+        <p:nvPr/>
+      </p:nvGrpSpPr>
+      <p:grpSpPr>
+        <a:xfrm>
+          <a:off x="0" y="0"/>
+          <a:ext cx="0" cy="0"/>
+          <a:chOff x="0" y="0"/>
+          <a:chExt cx="0" cy="0"/>
+        </a:xfrm>
+      </p:grpSpPr>
+      <p:sp>
+        <p:nvSpPr>
+          <p:cNvPr id="131" name="Google Shape;131;g11b6477ecb2_0_108:notes"/>
+          <p:cNvSpPr>
+            <a:spLocks noGrp="1" noRot="1" noChangeAspect="1"/>
+          </p:cNvSpPr>
+          <p:nvPr>
+            <p:ph type="sldImg" idx="2"/>
+          </p:nvPr>
+        </p:nvSpPr>
+        <p:spPr>
+          <a:xfrm>
+            <a:off x="381300" y="685800"/>
+            <a:ext cx="6096000" cy="3429000"/>
+          </a:xfrm>
+          <a:custGeom>
+            <a:avLst/>
+            <a:gdLst/>
+            <a:ahLst/>
+            <a:cxnLst/>
+            <a:rect l="l" t="t" r="r" b="b"/>
+            <a:pathLst>
+              <a:path w="120000" h="120000" extrusionOk="0">
+                <a:moveTo>
+                  <a:pt x="0" y="0"/>
+                </a:moveTo>
+                <a:lnTo>
+                  <a:pt x="120000" y="0"/>
+                </a:lnTo>
+                <a:lnTo>
+                  <a:pt x="120000" y="120000"/>
+                </a:lnTo>
+                <a:lnTo>
+                  <a:pt x="0" y="120000"/>
+                </a:lnTo>
+                <a:close/>
+              </a:path>
+            </a:pathLst>
+          </a:custGeom>
+        </p:spPr>
+      </p:sp>
+      <p:sp>
+        <p:nvSpPr>
+          <p:cNvPr id="132" name="Google Shape;132;g11b6477ecb2_0_108:notes"/>
+          <p:cNvSpPr txBox="1">
+            <a:spLocks noGrp="1"/>
+          </p:cNvSpPr>
+          <p:nvPr>
+            <p:ph type="body" idx="1"/>
+          </p:nvPr>
+        </p:nvSpPr>
+        <p:spPr>
+          <a:xfrm>
+            <a:off x="685800" y="4343400"/>
+            <a:ext cx="5486400" cy="4114800"/>
+          </a:xfrm>
+          <a:prstGeom prst="rect">
+            <a:avLst/>
+          </a:prstGeom>
+        </p:spPr>
+        <p:txBody>
+          <a:bodyPr spcFirstLastPara="1" wrap="square" lIns="91425" tIns="91425" rIns="91425" bIns="91425" anchor="t" anchorCtr="0">
+            <a:noAutofit/>
+          </a:bodyPr>
+          <a:lstStyle/>
+          <a:p>
+            <a:pPr marL="0" lvl="0" indent="0" algn="l" rtl="0">
+              <a:spcBef>
+                <a:spcPts val="0"/>
+              </a:spcBef>
+              <a:spcAft>
+                <a:spcPts val="0"/>
+              </a:spcAft>
+              <a:buNone/>
+            </a:pPr>
             <a:endParaRPr/>
           </a:p>
         </p:txBody>
@@ -2709,18 +3233,19 @@
 </file>
 
 <file path=ppt/slideLayouts/slideLayout1.xml><?xml version="1.0" encoding="utf-8"?>
-<p:sldLayout xmlns:a="http://schemas.openxmlformats.org/drawingml/2006/main" xmlns:r="http://schemas.openxmlformats.org/officeDocument/2006/relationships" xmlns:mc="http://schemas.openxmlformats.org/markup-compatibility/2006" xmlns:mv="urn:schemas-microsoft-com:mac:vml" xmlns:p="http://schemas.openxmlformats.org/presentationml/2006/main" xmlns:c="http://schemas.openxmlformats.org/drawingml/2006/chart" xmlns:dgm="http://schemas.openxmlformats.org/drawingml/2006/diagram" xmlns:o="urn:schemas-microsoft-com:office:office" xmlns:v="urn:schemas-microsoft-com:vml" xmlns:pvml="urn:schemas-microsoft-com:office:powerpoint" xmlns:com="http://schemas.openxmlformats.org/drawingml/2006/compatibility" xmlns:p14="http://schemas.microsoft.com/office/powerpoint/2010/main" xmlns:p15="http://schemas.microsoft.com/office/powerpoint/2012/main" xmlns:ahyp="http://schemas.microsoft.com/office/drawing/2018/hyperlinkcolor" matchingName="Title slide" type="title">
+<p:sldLayout xmlns:a="http://schemas.openxmlformats.org/drawingml/2006/main" xmlns:r="http://schemas.openxmlformats.org/officeDocument/2006/relationships" xmlns:p="http://schemas.openxmlformats.org/presentationml/2006/main" matchingName="Title slide" type="title">
   <p:cSld name="TITLE">
     <p:bg>
       <p:bgPr>
         <a:solidFill>
           <a:schemeClr val="lt2"/>
         </a:solidFill>
+        <a:effectLst/>
       </p:bgPr>
     </p:bg>
     <p:spTree>
       <p:nvGrpSpPr>
-        <p:cNvPr id="9" name="Shape 9"/>
+        <p:cNvPr id="1" name="Shape 9"/>
         <p:cNvGrpSpPr/>
         <p:nvPr/>
       </p:nvGrpSpPr>
@@ -2754,12 +3279,12 @@
           </a:ln>
         </p:spPr>
         <p:txBody>
-          <a:bodyPr anchorCtr="0" anchor="ctr" bIns="91425" lIns="91425" spcFirstLastPara="1" rIns="91425" wrap="square" tIns="91425">
+          <a:bodyPr spcFirstLastPara="1" wrap="square" lIns="91425" tIns="91425" rIns="91425" bIns="91425" anchor="ctr" anchorCtr="0">
             <a:noAutofit/>
           </a:bodyPr>
           <a:lstStyle/>
           <a:p>
-            <a:pPr indent="0" lvl="0" marL="0" rtl="0" algn="l">
+            <a:pPr marL="0" lvl="0" indent="0" algn="l" rtl="0">
               <a:spcBef>
                 <a:spcPts val="0"/>
               </a:spcBef>
@@ -2768,9 +3293,6 @@
               </a:spcAft>
               <a:buNone/>
             </a:pPr>
-            <a:r>
-              <a:t/>
-            </a:r>
             <a:endParaRPr/>
           </a:p>
         </p:txBody>
@@ -2811,12 +3333,12 @@
             </a:ln>
           </p:spPr>
           <p:txBody>
-            <a:bodyPr anchorCtr="0" anchor="ctr" bIns="91425" lIns="91425" spcFirstLastPara="1" rIns="91425" wrap="square" tIns="91425">
+            <a:bodyPr spcFirstLastPara="1" wrap="square" lIns="91425" tIns="91425" rIns="91425" bIns="91425" anchor="ctr" anchorCtr="0">
               <a:noAutofit/>
             </a:bodyPr>
             <a:lstStyle/>
             <a:p>
-              <a:pPr indent="0" lvl="0" marL="0" rtl="0" algn="l">
+              <a:pPr marL="0" lvl="0" indent="0" algn="l" rtl="0">
                 <a:spcBef>
                   <a:spcPts val="0"/>
                 </a:spcBef>
@@ -2825,9 +3347,6 @@
                 </a:spcAft>
                 <a:buNone/>
               </a:pPr>
-              <a:r>
-                <a:t/>
-              </a:r>
               <a:endParaRPr/>
             </a:p>
           </p:txBody>
@@ -2854,12 +3373,12 @@
             </a:ln>
           </p:spPr>
           <p:txBody>
-            <a:bodyPr anchorCtr="0" anchor="ctr" bIns="91425" lIns="91425" spcFirstLastPara="1" rIns="91425" wrap="square" tIns="91425">
+            <a:bodyPr spcFirstLastPara="1" wrap="square" lIns="91425" tIns="91425" rIns="91425" bIns="91425" anchor="ctr" anchorCtr="0">
               <a:noAutofit/>
             </a:bodyPr>
             <a:lstStyle/>
             <a:p>
-              <a:pPr indent="0" lvl="0" marL="0" rtl="0" algn="l">
+              <a:pPr marL="0" lvl="0" indent="0" algn="l" rtl="0">
                 <a:spcBef>
                   <a:spcPts val="0"/>
                 </a:spcBef>
@@ -2868,9 +3387,6 @@
                 </a:spcAft>
                 <a:buNone/>
               </a:pPr>
-              <a:r>
-                <a:t/>
-              </a:r>
               <a:endParaRPr/>
             </a:p>
           </p:txBody>
@@ -2879,7 +3395,9 @@
       <p:sp>
         <p:nvSpPr>
           <p:cNvPr id="14" name="Google Shape;14;p2"/>
-          <p:cNvSpPr txBox="1"/>
+          <p:cNvSpPr txBox="1">
+            <a:spLocks noGrp="1"/>
+          </p:cNvSpPr>
           <p:nvPr>
             <p:ph type="ctrTitle"/>
           </p:nvPr>
@@ -2894,7 +3412,7 @@
           </a:prstGeom>
         </p:spPr>
         <p:txBody>
-          <a:bodyPr anchorCtr="0" anchor="t" bIns="91425" lIns="91425" spcFirstLastPara="1" rIns="91425" wrap="square" tIns="91425">
+          <a:bodyPr spcFirstLastPara="1" wrap="square" lIns="91425" tIns="91425" rIns="91425" bIns="91425" anchor="t" anchorCtr="0">
             <a:normAutofit/>
           </a:bodyPr>
           <a:lstStyle>
@@ -2998,15 +3516,19 @@
               <a:defRPr sz="4200"/>
             </a:lvl9pPr>
           </a:lstStyle>
-          <a:p/>
+          <a:p>
+            <a:endParaRPr/>
+          </a:p>
         </p:txBody>
       </p:sp>
       <p:sp>
         <p:nvSpPr>
           <p:cNvPr id="15" name="Google Shape;15;p2"/>
-          <p:cNvSpPr txBox="1"/>
+          <p:cNvSpPr txBox="1">
+            <a:spLocks noGrp="1"/>
+          </p:cNvSpPr>
           <p:nvPr>
-            <p:ph idx="1" type="subTitle"/>
+            <p:ph type="subTitle" idx="1"/>
           </p:nvPr>
         </p:nvSpPr>
         <p:spPr>
@@ -3019,7 +3541,7 @@
           </a:prstGeom>
         </p:spPr>
         <p:txBody>
-          <a:bodyPr anchorCtr="0" anchor="t" bIns="91425" lIns="91425" spcFirstLastPara="1" rIns="91425" wrap="square" tIns="91425">
+          <a:bodyPr spcFirstLastPara="1" wrap="square" lIns="91425" tIns="91425" rIns="91425" bIns="91425" anchor="t" anchorCtr="0">
             <a:normAutofit/>
           </a:bodyPr>
           <a:lstStyle>
@@ -3150,15 +3672,19 @@
               <a:defRPr sz="1600"/>
             </a:lvl9pPr>
           </a:lstStyle>
-          <a:p/>
+          <a:p>
+            <a:endParaRPr/>
+          </a:p>
         </p:txBody>
       </p:sp>
       <p:sp>
         <p:nvSpPr>
           <p:cNvPr id="16" name="Google Shape;16;p2"/>
-          <p:cNvSpPr txBox="1"/>
+          <p:cNvSpPr txBox="1">
+            <a:spLocks noGrp="1"/>
+          </p:cNvSpPr>
           <p:nvPr>
-            <p:ph idx="12" type="sldNum"/>
+            <p:ph type="sldNum" idx="12"/>
           </p:nvPr>
         </p:nvSpPr>
         <p:spPr>
@@ -3171,7 +3697,7 @@
           </a:prstGeom>
         </p:spPr>
         <p:txBody>
-          <a:bodyPr anchorCtr="0" anchor="ctr" bIns="91425" lIns="91425" spcFirstLastPara="1" rIns="91425" wrap="square" tIns="91425">
+          <a:bodyPr spcFirstLastPara="1" wrap="square" lIns="91425" tIns="91425" rIns="91425" bIns="91425" anchor="ctr" anchorCtr="0">
             <a:normAutofit/>
           </a:bodyPr>
           <a:lstStyle>
@@ -3213,7 +3739,7 @@
             </a:lvl9pPr>
           </a:lstStyle>
           <a:p>
-            <a:pPr indent="0" lvl="0" marL="0" rtl="0" algn="r">
+            <a:pPr marL="0" lvl="0" indent="0" algn="r" rtl="0">
               <a:spcBef>
                 <a:spcPts val="0"/>
               </a:spcBef>
@@ -3239,18 +3765,19 @@
 </file>
 
 <file path=ppt/slideLayouts/slideLayout10.xml><?xml version="1.0" encoding="utf-8"?>
-<p:sldLayout xmlns:a="http://schemas.openxmlformats.org/drawingml/2006/main" xmlns:r="http://schemas.openxmlformats.org/officeDocument/2006/relationships" xmlns:mc="http://schemas.openxmlformats.org/markup-compatibility/2006" xmlns:mv="urn:schemas-microsoft-com:mac:vml" xmlns:p="http://schemas.openxmlformats.org/presentationml/2006/main" xmlns:c="http://schemas.openxmlformats.org/drawingml/2006/chart" xmlns:dgm="http://schemas.openxmlformats.org/drawingml/2006/diagram" xmlns:o="urn:schemas-microsoft-com:office:office" xmlns:v="urn:schemas-microsoft-com:vml" xmlns:pvml="urn:schemas-microsoft-com:office:powerpoint" xmlns:com="http://schemas.openxmlformats.org/drawingml/2006/compatibility" xmlns:p14="http://schemas.microsoft.com/office/powerpoint/2010/main" xmlns:p15="http://schemas.microsoft.com/office/powerpoint/2012/main" xmlns:ahyp="http://schemas.microsoft.com/office/drawing/2018/hyperlinkcolor" matchingName="Big number">
+<p:sldLayout xmlns:a="http://schemas.openxmlformats.org/drawingml/2006/main" xmlns:r="http://schemas.openxmlformats.org/officeDocument/2006/relationships" xmlns:p="http://schemas.openxmlformats.org/presentationml/2006/main" matchingName="Big number">
   <p:cSld name="BIG_NUMBER">
     <p:bg>
       <p:bgPr>
         <a:solidFill>
           <a:schemeClr val="dk1"/>
         </a:solidFill>
+        <a:effectLst/>
       </p:bgPr>
     </p:bg>
     <p:spTree>
       <p:nvGrpSpPr>
-        <p:cNvPr id="73" name="Shape 73"/>
+        <p:cNvPr id="1" name="Shape 73"/>
         <p:cNvGrpSpPr/>
         <p:nvPr/>
       </p:nvGrpSpPr>
@@ -3298,12 +3825,12 @@
             </a:ln>
           </p:spPr>
           <p:txBody>
-            <a:bodyPr anchorCtr="0" anchor="ctr" bIns="91425" lIns="91425" spcFirstLastPara="1" rIns="91425" wrap="square" tIns="91425">
+            <a:bodyPr spcFirstLastPara="1" wrap="square" lIns="91425" tIns="91425" rIns="91425" bIns="91425" anchor="ctr" anchorCtr="0">
               <a:noAutofit/>
             </a:bodyPr>
             <a:lstStyle/>
             <a:p>
-              <a:pPr indent="0" lvl="0" marL="0" rtl="0" algn="l">
+              <a:pPr marL="0" lvl="0" indent="0" algn="l" rtl="0">
                 <a:spcBef>
                   <a:spcPts val="0"/>
                 </a:spcBef>
@@ -3312,9 +3839,6 @@
                 </a:spcAft>
                 <a:buNone/>
               </a:pPr>
-              <a:r>
-                <a:t/>
-              </a:r>
               <a:endParaRPr/>
             </a:p>
           </p:txBody>
@@ -3341,12 +3865,12 @@
             </a:ln>
           </p:spPr>
           <p:txBody>
-            <a:bodyPr anchorCtr="0" anchor="ctr" bIns="91425" lIns="91425" spcFirstLastPara="1" rIns="91425" wrap="square" tIns="91425">
+            <a:bodyPr spcFirstLastPara="1" wrap="square" lIns="91425" tIns="91425" rIns="91425" bIns="91425" anchor="ctr" anchorCtr="0">
               <a:noAutofit/>
             </a:bodyPr>
             <a:lstStyle/>
             <a:p>
-              <a:pPr indent="0" lvl="0" marL="0" rtl="0" algn="l">
+              <a:pPr marL="0" lvl="0" indent="0" algn="l" rtl="0">
                 <a:spcBef>
                   <a:spcPts val="0"/>
                 </a:spcBef>
@@ -3355,9 +3879,6 @@
                 </a:spcAft>
                 <a:buNone/>
               </a:pPr>
-              <a:r>
-                <a:t/>
-              </a:r>
               <a:endParaRPr/>
             </a:p>
           </p:txBody>
@@ -3366,9 +3887,11 @@
       <p:sp>
         <p:nvSpPr>
           <p:cNvPr id="77" name="Google Shape;77;p11"/>
-          <p:cNvSpPr txBox="1"/>
+          <p:cNvSpPr txBox="1">
+            <a:spLocks noGrp="1"/>
+          </p:cNvSpPr>
           <p:nvPr>
-            <p:ph hasCustomPrompt="1" type="title"/>
+            <p:ph type="title" hasCustomPrompt="1"/>
           </p:nvPr>
         </p:nvSpPr>
         <p:spPr>
@@ -3381,7 +3904,7 @@
           </a:prstGeom>
         </p:spPr>
         <p:txBody>
-          <a:bodyPr anchorCtr="0" anchor="t" bIns="91425" lIns="91425" spcFirstLastPara="1" rIns="91425" wrap="square" tIns="91425">
+          <a:bodyPr spcFirstLastPara="1" wrap="square" lIns="91425" tIns="91425" rIns="91425" bIns="91425" anchor="t" anchorCtr="0">
             <a:normAutofit/>
           </a:bodyPr>
           <a:lstStyle>
@@ -3558,9 +4081,11 @@
       <p:sp>
         <p:nvSpPr>
           <p:cNvPr id="78" name="Google Shape;78;p11"/>
-          <p:cNvSpPr txBox="1"/>
+          <p:cNvSpPr txBox="1">
+            <a:spLocks noGrp="1"/>
+          </p:cNvSpPr>
           <p:nvPr>
-            <p:ph idx="1" type="body"/>
+            <p:ph type="body" idx="1"/>
           </p:nvPr>
         </p:nvSpPr>
         <p:spPr>
@@ -3573,11 +4098,11 @@
           </a:prstGeom>
         </p:spPr>
         <p:txBody>
-          <a:bodyPr anchorCtr="0" anchor="t" bIns="91425" lIns="91425" spcFirstLastPara="1" rIns="91425" wrap="square" tIns="91425">
+          <a:bodyPr spcFirstLastPara="1" wrap="square" lIns="91425" tIns="91425" rIns="91425" bIns="91425" anchor="t" anchorCtr="0">
             <a:normAutofit/>
           </a:bodyPr>
           <a:lstStyle>
-            <a:lvl1pPr indent="-311150" lvl="0" marL="457200">
+            <a:lvl1pPr marL="457200" lvl="0" indent="-311150">
               <a:spcBef>
                 <a:spcPts val="0"/>
               </a:spcBef>
@@ -3595,7 +4120,7 @@
                 </a:solidFill>
               </a:defRPr>
             </a:lvl1pPr>
-            <a:lvl2pPr indent="-298450" lvl="1" marL="914400">
+            <a:lvl2pPr marL="914400" lvl="1" indent="-298450">
               <a:spcBef>
                 <a:spcPts val="0"/>
               </a:spcBef>
@@ -3613,7 +4138,7 @@
                 </a:solidFill>
               </a:defRPr>
             </a:lvl2pPr>
-            <a:lvl3pPr indent="-298450" lvl="2" marL="1371600">
+            <a:lvl3pPr marL="1371600" lvl="2" indent="-298450">
               <a:spcBef>
                 <a:spcPts val="0"/>
               </a:spcBef>
@@ -3631,7 +4156,7 @@
                 </a:solidFill>
               </a:defRPr>
             </a:lvl3pPr>
-            <a:lvl4pPr indent="-298450" lvl="3" marL="1828800">
+            <a:lvl4pPr marL="1828800" lvl="3" indent="-298450">
               <a:spcBef>
                 <a:spcPts val="0"/>
               </a:spcBef>
@@ -3649,7 +4174,7 @@
                 </a:solidFill>
               </a:defRPr>
             </a:lvl4pPr>
-            <a:lvl5pPr indent="-298450" lvl="4" marL="2286000">
+            <a:lvl5pPr marL="2286000" lvl="4" indent="-298450">
               <a:spcBef>
                 <a:spcPts val="0"/>
               </a:spcBef>
@@ -3667,7 +4192,7 @@
                 </a:solidFill>
               </a:defRPr>
             </a:lvl5pPr>
-            <a:lvl6pPr indent="-298450" lvl="5" marL="2743200">
+            <a:lvl6pPr marL="2743200" lvl="5" indent="-298450">
               <a:spcBef>
                 <a:spcPts val="0"/>
               </a:spcBef>
@@ -3685,7 +4210,7 @@
                 </a:solidFill>
               </a:defRPr>
             </a:lvl6pPr>
-            <a:lvl7pPr indent="-298450" lvl="6" marL="3200400">
+            <a:lvl7pPr marL="3200400" lvl="6" indent="-298450">
               <a:spcBef>
                 <a:spcPts val="0"/>
               </a:spcBef>
@@ -3703,7 +4228,7 @@
                 </a:solidFill>
               </a:defRPr>
             </a:lvl7pPr>
-            <a:lvl8pPr indent="-298450" lvl="7" marL="3657600">
+            <a:lvl8pPr marL="3657600" lvl="7" indent="-298450">
               <a:spcBef>
                 <a:spcPts val="0"/>
               </a:spcBef>
@@ -3721,7 +4246,7 @@
                 </a:solidFill>
               </a:defRPr>
             </a:lvl8pPr>
-            <a:lvl9pPr indent="-298450" lvl="8" marL="4114800">
+            <a:lvl9pPr marL="4114800" lvl="8" indent="-298450">
               <a:spcBef>
                 <a:spcPts val="0"/>
               </a:spcBef>
@@ -3740,15 +4265,19 @@
               </a:defRPr>
             </a:lvl9pPr>
           </a:lstStyle>
-          <a:p/>
+          <a:p>
+            <a:endParaRPr/>
+          </a:p>
         </p:txBody>
       </p:sp>
       <p:sp>
         <p:nvSpPr>
           <p:cNvPr id="79" name="Google Shape;79;p11"/>
-          <p:cNvSpPr txBox="1"/>
+          <p:cNvSpPr txBox="1">
+            <a:spLocks noGrp="1"/>
+          </p:cNvSpPr>
           <p:nvPr>
-            <p:ph idx="12" type="sldNum"/>
+            <p:ph type="sldNum" idx="12"/>
           </p:nvPr>
         </p:nvSpPr>
         <p:spPr>
@@ -3761,7 +4290,7 @@
           </a:prstGeom>
         </p:spPr>
         <p:txBody>
-          <a:bodyPr anchorCtr="0" anchor="ctr" bIns="91425" lIns="91425" spcFirstLastPara="1" rIns="91425" wrap="square" tIns="91425">
+          <a:bodyPr spcFirstLastPara="1" wrap="square" lIns="91425" tIns="91425" rIns="91425" bIns="91425" anchor="ctr" anchorCtr="0">
             <a:normAutofit/>
           </a:bodyPr>
           <a:lstStyle>
@@ -3839,7 +4368,7 @@
             </a:lvl9pPr>
           </a:lstStyle>
           <a:p>
-            <a:pPr indent="0" lvl="0" marL="0" rtl="0" algn="r">
+            <a:pPr marL="0" lvl="0" indent="0" algn="r" rtl="0">
               <a:spcBef>
                 <a:spcPts val="0"/>
               </a:spcBef>
@@ -3865,11 +4394,11 @@
 </file>
 
 <file path=ppt/slideLayouts/slideLayout11.xml><?xml version="1.0" encoding="utf-8"?>
-<p:sldLayout xmlns:a="http://schemas.openxmlformats.org/drawingml/2006/main" xmlns:r="http://schemas.openxmlformats.org/officeDocument/2006/relationships" xmlns:mc="http://schemas.openxmlformats.org/markup-compatibility/2006" xmlns:mv="urn:schemas-microsoft-com:mac:vml" xmlns:p="http://schemas.openxmlformats.org/presentationml/2006/main" xmlns:c="http://schemas.openxmlformats.org/drawingml/2006/chart" xmlns:dgm="http://schemas.openxmlformats.org/drawingml/2006/diagram" xmlns:o="urn:schemas-microsoft-com:office:office" xmlns:v="urn:schemas-microsoft-com:vml" xmlns:pvml="urn:schemas-microsoft-com:office:powerpoint" xmlns:com="http://schemas.openxmlformats.org/drawingml/2006/compatibility" xmlns:p14="http://schemas.microsoft.com/office/powerpoint/2010/main" xmlns:p15="http://schemas.microsoft.com/office/powerpoint/2012/main" xmlns:ahyp="http://schemas.microsoft.com/office/drawing/2018/hyperlinkcolor" matchingName="Blank" type="blank">
+<p:sldLayout xmlns:a="http://schemas.openxmlformats.org/drawingml/2006/main" xmlns:r="http://schemas.openxmlformats.org/officeDocument/2006/relationships" xmlns:p="http://schemas.openxmlformats.org/presentationml/2006/main" matchingName="Blank" type="blank">
   <p:cSld name="BLANK">
     <p:spTree>
       <p:nvGrpSpPr>
-        <p:cNvPr id="80" name="Shape 80"/>
+        <p:cNvPr id="1" name="Shape 80"/>
         <p:cNvGrpSpPr/>
         <p:nvPr/>
       </p:nvGrpSpPr>
@@ -3884,9 +4413,11 @@
       <p:sp>
         <p:nvSpPr>
           <p:cNvPr id="81" name="Google Shape;81;p12"/>
-          <p:cNvSpPr txBox="1"/>
+          <p:cNvSpPr txBox="1">
+            <a:spLocks noGrp="1"/>
+          </p:cNvSpPr>
           <p:nvPr>
-            <p:ph idx="12" type="sldNum"/>
+            <p:ph type="sldNum" idx="12"/>
           </p:nvPr>
         </p:nvSpPr>
         <p:spPr>
@@ -3899,7 +4430,7 @@
           </a:prstGeom>
         </p:spPr>
         <p:txBody>
-          <a:bodyPr anchorCtr="0" anchor="ctr" bIns="91425" lIns="91425" spcFirstLastPara="1" rIns="91425" wrap="square" tIns="91425">
+          <a:bodyPr spcFirstLastPara="1" wrap="square" lIns="91425" tIns="91425" rIns="91425" bIns="91425" anchor="ctr" anchorCtr="0">
             <a:normAutofit/>
           </a:bodyPr>
           <a:lstStyle>
@@ -3941,7 +4472,7 @@
             </a:lvl9pPr>
           </a:lstStyle>
           <a:p>
-            <a:pPr indent="0" lvl="0" marL="0" rtl="0" algn="r">
+            <a:pPr marL="0" lvl="0" indent="0" algn="r" rtl="0">
               <a:spcBef>
                 <a:spcPts val="0"/>
               </a:spcBef>
@@ -3967,18 +4498,19 @@
 </file>
 
 <file path=ppt/slideLayouts/slideLayout2.xml><?xml version="1.0" encoding="utf-8"?>
-<p:sldLayout xmlns:a="http://schemas.openxmlformats.org/drawingml/2006/main" xmlns:r="http://schemas.openxmlformats.org/officeDocument/2006/relationships" xmlns:mc="http://schemas.openxmlformats.org/markup-compatibility/2006" xmlns:mv="urn:schemas-microsoft-com:mac:vml" xmlns:p="http://schemas.openxmlformats.org/presentationml/2006/main" xmlns:c="http://schemas.openxmlformats.org/drawingml/2006/chart" xmlns:dgm="http://schemas.openxmlformats.org/drawingml/2006/diagram" xmlns:o="urn:schemas-microsoft-com:office:office" xmlns:v="urn:schemas-microsoft-com:vml" xmlns:pvml="urn:schemas-microsoft-com:office:powerpoint" xmlns:com="http://schemas.openxmlformats.org/drawingml/2006/compatibility" xmlns:p14="http://schemas.microsoft.com/office/powerpoint/2010/main" xmlns:p15="http://schemas.microsoft.com/office/powerpoint/2012/main" xmlns:ahyp="http://schemas.microsoft.com/office/drawing/2018/hyperlinkcolor" matchingName="Section header" type="secHead">
+<p:sldLayout xmlns:a="http://schemas.openxmlformats.org/drawingml/2006/main" xmlns:r="http://schemas.openxmlformats.org/officeDocument/2006/relationships" xmlns:p="http://schemas.openxmlformats.org/presentationml/2006/main" matchingName="Section header" type="secHead">
   <p:cSld name="SECTION_HEADER">
     <p:bg>
       <p:bgPr>
         <a:solidFill>
           <a:schemeClr val="dk1"/>
         </a:solidFill>
+        <a:effectLst/>
       </p:bgPr>
     </p:bg>
     <p:spTree>
       <p:nvGrpSpPr>
-        <p:cNvPr id="17" name="Shape 17"/>
+        <p:cNvPr id="1" name="Shape 17"/>
         <p:cNvGrpSpPr/>
         <p:nvPr/>
       </p:nvGrpSpPr>
@@ -4026,12 +4558,12 @@
             </a:ln>
           </p:spPr>
           <p:txBody>
-            <a:bodyPr anchorCtr="0" anchor="ctr" bIns="91425" lIns="91425" spcFirstLastPara="1" rIns="91425" wrap="square" tIns="91425">
+            <a:bodyPr spcFirstLastPara="1" wrap="square" lIns="91425" tIns="91425" rIns="91425" bIns="91425" anchor="ctr" anchorCtr="0">
               <a:noAutofit/>
             </a:bodyPr>
             <a:lstStyle/>
             <a:p>
-              <a:pPr indent="0" lvl="0" marL="0" rtl="0" algn="l">
+              <a:pPr marL="0" lvl="0" indent="0" algn="l" rtl="0">
                 <a:spcBef>
                   <a:spcPts val="0"/>
                 </a:spcBef>
@@ -4040,9 +4572,6 @@
                 </a:spcAft>
                 <a:buNone/>
               </a:pPr>
-              <a:r>
-                <a:t/>
-              </a:r>
               <a:endParaRPr/>
             </a:p>
           </p:txBody>
@@ -4069,12 +4598,12 @@
             </a:ln>
           </p:spPr>
           <p:txBody>
-            <a:bodyPr anchorCtr="0" anchor="ctr" bIns="91425" lIns="91425" spcFirstLastPara="1" rIns="91425" wrap="square" tIns="91425">
+            <a:bodyPr spcFirstLastPara="1" wrap="square" lIns="91425" tIns="91425" rIns="91425" bIns="91425" anchor="ctr" anchorCtr="0">
               <a:noAutofit/>
             </a:bodyPr>
             <a:lstStyle/>
             <a:p>
-              <a:pPr indent="0" lvl="0" marL="0" rtl="0" algn="l">
+              <a:pPr marL="0" lvl="0" indent="0" algn="l" rtl="0">
                 <a:spcBef>
                   <a:spcPts val="0"/>
                 </a:spcBef>
@@ -4083,9 +4612,6 @@
                 </a:spcAft>
                 <a:buNone/>
               </a:pPr>
-              <a:r>
-                <a:t/>
-              </a:r>
               <a:endParaRPr/>
             </a:p>
           </p:txBody>
@@ -4094,7 +4620,9 @@
       <p:sp>
         <p:nvSpPr>
           <p:cNvPr id="21" name="Google Shape;21;p3"/>
-          <p:cNvSpPr txBox="1"/>
+          <p:cNvSpPr txBox="1">
+            <a:spLocks noGrp="1"/>
+          </p:cNvSpPr>
           <p:nvPr>
             <p:ph type="title"/>
           </p:nvPr>
@@ -4109,7 +4637,7 @@
           </a:prstGeom>
         </p:spPr>
         <p:txBody>
-          <a:bodyPr anchorCtr="0" anchor="t" bIns="91425" lIns="91425" spcFirstLastPara="1" rIns="91425" wrap="square" tIns="91425">
+          <a:bodyPr spcFirstLastPara="1" wrap="square" lIns="91425" tIns="91425" rIns="91425" bIns="91425" anchor="t" anchorCtr="0">
             <a:normAutofit/>
           </a:bodyPr>
           <a:lstStyle>
@@ -4276,15 +4804,19 @@
               </a:defRPr>
             </a:lvl9pPr>
           </a:lstStyle>
-          <a:p/>
+          <a:p>
+            <a:endParaRPr/>
+          </a:p>
         </p:txBody>
       </p:sp>
       <p:sp>
         <p:nvSpPr>
           <p:cNvPr id="22" name="Google Shape;22;p3"/>
-          <p:cNvSpPr txBox="1"/>
+          <p:cNvSpPr txBox="1">
+            <a:spLocks noGrp="1"/>
+          </p:cNvSpPr>
           <p:nvPr>
-            <p:ph idx="12" type="sldNum"/>
+            <p:ph type="sldNum" idx="12"/>
           </p:nvPr>
         </p:nvSpPr>
         <p:spPr>
@@ -4297,7 +4829,7 @@
           </a:prstGeom>
         </p:spPr>
         <p:txBody>
-          <a:bodyPr anchorCtr="0" anchor="ctr" bIns="91425" lIns="91425" spcFirstLastPara="1" rIns="91425" wrap="square" tIns="91425">
+          <a:bodyPr spcFirstLastPara="1" wrap="square" lIns="91425" tIns="91425" rIns="91425" bIns="91425" anchor="ctr" anchorCtr="0">
             <a:normAutofit/>
           </a:bodyPr>
           <a:lstStyle>
@@ -4375,7 +4907,7 @@
             </a:lvl9pPr>
           </a:lstStyle>
           <a:p>
-            <a:pPr indent="0" lvl="0" marL="0" rtl="0" algn="r">
+            <a:pPr marL="0" lvl="0" indent="0" algn="r" rtl="0">
               <a:spcBef>
                 <a:spcPts val="0"/>
               </a:spcBef>
@@ -4401,11 +4933,11 @@
 </file>
 
 <file path=ppt/slideLayouts/slideLayout3.xml><?xml version="1.0" encoding="utf-8"?>
-<p:sldLayout xmlns:a="http://schemas.openxmlformats.org/drawingml/2006/main" xmlns:r="http://schemas.openxmlformats.org/officeDocument/2006/relationships" xmlns:mc="http://schemas.openxmlformats.org/markup-compatibility/2006" xmlns:mv="urn:schemas-microsoft-com:mac:vml" xmlns:p="http://schemas.openxmlformats.org/presentationml/2006/main" xmlns:c="http://schemas.openxmlformats.org/drawingml/2006/chart" xmlns:dgm="http://schemas.openxmlformats.org/drawingml/2006/diagram" xmlns:o="urn:schemas-microsoft-com:office:office" xmlns:v="urn:schemas-microsoft-com:vml" xmlns:pvml="urn:schemas-microsoft-com:office:powerpoint" xmlns:com="http://schemas.openxmlformats.org/drawingml/2006/compatibility" xmlns:p14="http://schemas.microsoft.com/office/powerpoint/2010/main" xmlns:p15="http://schemas.microsoft.com/office/powerpoint/2012/main" xmlns:ahyp="http://schemas.microsoft.com/office/drawing/2018/hyperlinkcolor" matchingName="Title and body" type="tx">
+<p:sldLayout xmlns:a="http://schemas.openxmlformats.org/drawingml/2006/main" xmlns:r="http://schemas.openxmlformats.org/officeDocument/2006/relationships" xmlns:p="http://schemas.openxmlformats.org/presentationml/2006/main" matchingName="Title and body" type="tx">
   <p:cSld name="TITLE_AND_BODY">
     <p:spTree>
       <p:nvGrpSpPr>
-        <p:cNvPr id="23" name="Shape 23"/>
+        <p:cNvPr id="1" name="Shape 23"/>
         <p:cNvGrpSpPr/>
         <p:nvPr/>
       </p:nvGrpSpPr>
@@ -4439,12 +4971,12 @@
           </a:ln>
         </p:spPr>
         <p:txBody>
-          <a:bodyPr anchorCtr="0" anchor="ctr" bIns="91425" lIns="91425" spcFirstLastPara="1" rIns="91425" wrap="square" tIns="91425">
+          <a:bodyPr spcFirstLastPara="1" wrap="square" lIns="91425" tIns="91425" rIns="91425" bIns="91425" anchor="ctr" anchorCtr="0">
             <a:noAutofit/>
           </a:bodyPr>
           <a:lstStyle/>
           <a:p>
-            <a:pPr indent="0" lvl="0" marL="0" rtl="0" algn="l">
+            <a:pPr marL="0" lvl="0" indent="0" algn="l" rtl="0">
               <a:spcBef>
                 <a:spcPts val="0"/>
               </a:spcBef>
@@ -4453,9 +4985,6 @@
               </a:spcAft>
               <a:buNone/>
             </a:pPr>
-            <a:r>
-              <a:t/>
-            </a:r>
             <a:endParaRPr/>
           </a:p>
         </p:txBody>
@@ -4496,12 +5025,12 @@
             </a:ln>
           </p:spPr>
           <p:txBody>
-            <a:bodyPr anchorCtr="0" anchor="ctr" bIns="91425" lIns="91425" spcFirstLastPara="1" rIns="91425" wrap="square" tIns="91425">
+            <a:bodyPr spcFirstLastPara="1" wrap="square" lIns="91425" tIns="91425" rIns="91425" bIns="91425" anchor="ctr" anchorCtr="0">
               <a:noAutofit/>
             </a:bodyPr>
             <a:lstStyle/>
             <a:p>
-              <a:pPr indent="0" lvl="0" marL="0" rtl="0" algn="l">
+              <a:pPr marL="0" lvl="0" indent="0" algn="l" rtl="0">
                 <a:spcBef>
                   <a:spcPts val="0"/>
                 </a:spcBef>
@@ -4510,9 +5039,6 @@
                 </a:spcAft>
                 <a:buNone/>
               </a:pPr>
-              <a:r>
-                <a:t/>
-              </a:r>
               <a:endParaRPr/>
             </a:p>
           </p:txBody>
@@ -4539,12 +5065,12 @@
             </a:ln>
           </p:spPr>
           <p:txBody>
-            <a:bodyPr anchorCtr="0" anchor="ctr" bIns="91425" lIns="91425" spcFirstLastPara="1" rIns="91425" wrap="square" tIns="91425">
+            <a:bodyPr spcFirstLastPara="1" wrap="square" lIns="91425" tIns="91425" rIns="91425" bIns="91425" anchor="ctr" anchorCtr="0">
               <a:noAutofit/>
             </a:bodyPr>
             <a:lstStyle/>
             <a:p>
-              <a:pPr indent="0" lvl="0" marL="0" rtl="0" algn="l">
+              <a:pPr marL="0" lvl="0" indent="0" algn="l" rtl="0">
                 <a:spcBef>
                   <a:spcPts val="0"/>
                 </a:spcBef>
@@ -4553,9 +5079,6 @@
                 </a:spcAft>
                 <a:buNone/>
               </a:pPr>
-              <a:r>
-                <a:t/>
-              </a:r>
               <a:endParaRPr/>
             </a:p>
           </p:txBody>
@@ -4564,7 +5087,9 @@
       <p:sp>
         <p:nvSpPr>
           <p:cNvPr id="28" name="Google Shape;28;p4"/>
-          <p:cNvSpPr txBox="1"/>
+          <p:cNvSpPr txBox="1">
+            <a:spLocks noGrp="1"/>
+          </p:cNvSpPr>
           <p:nvPr>
             <p:ph type="title"/>
           </p:nvPr>
@@ -4579,7 +5104,7 @@
           </a:prstGeom>
         </p:spPr>
         <p:txBody>
-          <a:bodyPr anchorCtr="0" anchor="t" bIns="91425" lIns="91425" spcFirstLastPara="1" rIns="91425" wrap="square" tIns="91425">
+          <a:bodyPr spcFirstLastPara="1" wrap="square" lIns="91425" tIns="91425" rIns="91425" bIns="91425" anchor="t" anchorCtr="0">
             <a:normAutofit/>
           </a:bodyPr>
           <a:lstStyle>
@@ -4683,15 +5208,19 @@
               <a:defRPr sz="2600"/>
             </a:lvl9pPr>
           </a:lstStyle>
-          <a:p/>
+          <a:p>
+            <a:endParaRPr/>
+          </a:p>
         </p:txBody>
       </p:sp>
       <p:sp>
         <p:nvSpPr>
           <p:cNvPr id="29" name="Google Shape;29;p4"/>
-          <p:cNvSpPr txBox="1"/>
+          <p:cNvSpPr txBox="1">
+            <a:spLocks noGrp="1"/>
+          </p:cNvSpPr>
           <p:nvPr>
-            <p:ph idx="1" type="body"/>
+            <p:ph type="body" idx="1"/>
           </p:nvPr>
         </p:nvSpPr>
         <p:spPr>
@@ -4704,11 +5233,11 @@
           </a:prstGeom>
         </p:spPr>
         <p:txBody>
-          <a:bodyPr anchorCtr="0" anchor="t" bIns="91425" lIns="91425" spcFirstLastPara="1" rIns="91425" wrap="square" tIns="91425">
+          <a:bodyPr spcFirstLastPara="1" wrap="square" lIns="91425" tIns="91425" rIns="91425" bIns="91425" anchor="t" anchorCtr="0">
             <a:normAutofit/>
           </a:bodyPr>
           <a:lstStyle>
-            <a:lvl1pPr indent="-311150" lvl="0" marL="457200">
+            <a:lvl1pPr marL="457200" lvl="0" indent="-311150">
               <a:spcBef>
                 <a:spcPts val="0"/>
               </a:spcBef>
@@ -4719,7 +5248,7 @@
               <a:buChar char="●"/>
               <a:defRPr/>
             </a:lvl1pPr>
-            <a:lvl2pPr indent="-298450" lvl="1" marL="914400">
+            <a:lvl2pPr marL="914400" lvl="1" indent="-298450">
               <a:spcBef>
                 <a:spcPts val="0"/>
               </a:spcBef>
@@ -4730,7 +5259,7 @@
               <a:buChar char="○"/>
               <a:defRPr/>
             </a:lvl2pPr>
-            <a:lvl3pPr indent="-298450" lvl="2" marL="1371600">
+            <a:lvl3pPr marL="1371600" lvl="2" indent="-298450">
               <a:spcBef>
                 <a:spcPts val="0"/>
               </a:spcBef>
@@ -4741,7 +5270,7 @@
               <a:buChar char="■"/>
               <a:defRPr/>
             </a:lvl3pPr>
-            <a:lvl4pPr indent="-298450" lvl="3" marL="1828800">
+            <a:lvl4pPr marL="1828800" lvl="3" indent="-298450">
               <a:spcBef>
                 <a:spcPts val="0"/>
               </a:spcBef>
@@ -4752,7 +5281,7 @@
               <a:buChar char="●"/>
               <a:defRPr/>
             </a:lvl4pPr>
-            <a:lvl5pPr indent="-298450" lvl="4" marL="2286000">
+            <a:lvl5pPr marL="2286000" lvl="4" indent="-298450">
               <a:spcBef>
                 <a:spcPts val="0"/>
               </a:spcBef>
@@ -4763,7 +5292,7 @@
               <a:buChar char="○"/>
               <a:defRPr/>
             </a:lvl5pPr>
-            <a:lvl6pPr indent="-298450" lvl="5" marL="2743200">
+            <a:lvl6pPr marL="2743200" lvl="5" indent="-298450">
               <a:spcBef>
                 <a:spcPts val="0"/>
               </a:spcBef>
@@ -4774,7 +5303,7 @@
               <a:buChar char="■"/>
               <a:defRPr/>
             </a:lvl6pPr>
-            <a:lvl7pPr indent="-298450" lvl="6" marL="3200400">
+            <a:lvl7pPr marL="3200400" lvl="6" indent="-298450">
               <a:spcBef>
                 <a:spcPts val="0"/>
               </a:spcBef>
@@ -4785,7 +5314,7 @@
               <a:buChar char="●"/>
               <a:defRPr/>
             </a:lvl7pPr>
-            <a:lvl8pPr indent="-298450" lvl="7" marL="3657600">
+            <a:lvl8pPr marL="3657600" lvl="7" indent="-298450">
               <a:spcBef>
                 <a:spcPts val="0"/>
               </a:spcBef>
@@ -4796,7 +5325,7 @@
               <a:buChar char="○"/>
               <a:defRPr/>
             </a:lvl8pPr>
-            <a:lvl9pPr indent="-298450" lvl="8" marL="4114800">
+            <a:lvl9pPr marL="4114800" lvl="8" indent="-298450">
               <a:spcBef>
                 <a:spcPts val="0"/>
               </a:spcBef>
@@ -4808,15 +5337,19 @@
               <a:defRPr/>
             </a:lvl9pPr>
           </a:lstStyle>
-          <a:p/>
+          <a:p>
+            <a:endParaRPr/>
+          </a:p>
         </p:txBody>
       </p:sp>
       <p:sp>
         <p:nvSpPr>
           <p:cNvPr id="30" name="Google Shape;30;p4"/>
-          <p:cNvSpPr txBox="1"/>
+          <p:cNvSpPr txBox="1">
+            <a:spLocks noGrp="1"/>
+          </p:cNvSpPr>
           <p:nvPr>
-            <p:ph idx="12" type="sldNum"/>
+            <p:ph type="sldNum" idx="12"/>
           </p:nvPr>
         </p:nvSpPr>
         <p:spPr>
@@ -4829,7 +5362,7 @@
           </a:prstGeom>
         </p:spPr>
         <p:txBody>
-          <a:bodyPr anchorCtr="0" anchor="ctr" bIns="91425" lIns="91425" spcFirstLastPara="1" rIns="91425" wrap="square" tIns="91425">
+          <a:bodyPr spcFirstLastPara="1" wrap="square" lIns="91425" tIns="91425" rIns="91425" bIns="91425" anchor="ctr" anchorCtr="0">
             <a:normAutofit/>
           </a:bodyPr>
           <a:lstStyle>
@@ -4871,7 +5404,7 @@
             </a:lvl9pPr>
           </a:lstStyle>
           <a:p>
-            <a:pPr indent="0" lvl="0" marL="0" rtl="0" algn="r">
+            <a:pPr marL="0" lvl="0" indent="0" algn="r" rtl="0">
               <a:spcBef>
                 <a:spcPts val="0"/>
               </a:spcBef>
@@ -4897,11 +5430,11 @@
 </file>
 
 <file path=ppt/slideLayouts/slideLayout4.xml><?xml version="1.0" encoding="utf-8"?>
-<p:sldLayout xmlns:a="http://schemas.openxmlformats.org/drawingml/2006/main" xmlns:r="http://schemas.openxmlformats.org/officeDocument/2006/relationships" xmlns:mc="http://schemas.openxmlformats.org/markup-compatibility/2006" xmlns:mv="urn:schemas-microsoft-com:mac:vml" xmlns:p="http://schemas.openxmlformats.org/presentationml/2006/main" xmlns:c="http://schemas.openxmlformats.org/drawingml/2006/chart" xmlns:dgm="http://schemas.openxmlformats.org/drawingml/2006/diagram" xmlns:o="urn:schemas-microsoft-com:office:office" xmlns:v="urn:schemas-microsoft-com:vml" xmlns:pvml="urn:schemas-microsoft-com:office:powerpoint" xmlns:com="http://schemas.openxmlformats.org/drawingml/2006/compatibility" xmlns:p14="http://schemas.microsoft.com/office/powerpoint/2010/main" xmlns:p15="http://schemas.microsoft.com/office/powerpoint/2012/main" xmlns:ahyp="http://schemas.microsoft.com/office/drawing/2018/hyperlinkcolor" matchingName="Title and two columns" type="twoColTx">
+<p:sldLayout xmlns:a="http://schemas.openxmlformats.org/drawingml/2006/main" xmlns:r="http://schemas.openxmlformats.org/officeDocument/2006/relationships" xmlns:p="http://schemas.openxmlformats.org/presentationml/2006/main" matchingName="Title and two columns" type="twoColTx">
   <p:cSld name="TITLE_AND_TWO_COLUMNS">
     <p:spTree>
       <p:nvGrpSpPr>
-        <p:cNvPr id="31" name="Shape 31"/>
+        <p:cNvPr id="1" name="Shape 31"/>
         <p:cNvGrpSpPr/>
         <p:nvPr/>
       </p:nvGrpSpPr>
@@ -4935,12 +5468,12 @@
           </a:ln>
         </p:spPr>
         <p:txBody>
-          <a:bodyPr anchorCtr="0" anchor="ctr" bIns="91425" lIns="91425" spcFirstLastPara="1" rIns="91425" wrap="square" tIns="91425">
+          <a:bodyPr spcFirstLastPara="1" wrap="square" lIns="91425" tIns="91425" rIns="91425" bIns="91425" anchor="ctr" anchorCtr="0">
             <a:noAutofit/>
           </a:bodyPr>
           <a:lstStyle/>
           <a:p>
-            <a:pPr indent="0" lvl="0" marL="0" rtl="0" algn="l">
+            <a:pPr marL="0" lvl="0" indent="0" algn="l" rtl="0">
               <a:spcBef>
                 <a:spcPts val="0"/>
               </a:spcBef>
@@ -4949,9 +5482,6 @@
               </a:spcAft>
               <a:buNone/>
             </a:pPr>
-            <a:r>
-              <a:t/>
-            </a:r>
             <a:endParaRPr/>
           </a:p>
         </p:txBody>
@@ -4992,12 +5522,12 @@
             </a:ln>
           </p:spPr>
           <p:txBody>
-            <a:bodyPr anchorCtr="0" anchor="ctr" bIns="91425" lIns="91425" spcFirstLastPara="1" rIns="91425" wrap="square" tIns="91425">
+            <a:bodyPr spcFirstLastPara="1" wrap="square" lIns="91425" tIns="91425" rIns="91425" bIns="91425" anchor="ctr" anchorCtr="0">
               <a:noAutofit/>
             </a:bodyPr>
             <a:lstStyle/>
             <a:p>
-              <a:pPr indent="0" lvl="0" marL="0" rtl="0" algn="l">
+              <a:pPr marL="0" lvl="0" indent="0" algn="l" rtl="0">
                 <a:spcBef>
                   <a:spcPts val="0"/>
                 </a:spcBef>
@@ -5006,9 +5536,6 @@
                 </a:spcAft>
                 <a:buNone/>
               </a:pPr>
-              <a:r>
-                <a:t/>
-              </a:r>
               <a:endParaRPr/>
             </a:p>
           </p:txBody>
@@ -5035,12 +5562,12 @@
             </a:ln>
           </p:spPr>
           <p:txBody>
-            <a:bodyPr anchorCtr="0" anchor="ctr" bIns="91425" lIns="91425" spcFirstLastPara="1" rIns="91425" wrap="square" tIns="91425">
+            <a:bodyPr spcFirstLastPara="1" wrap="square" lIns="91425" tIns="91425" rIns="91425" bIns="91425" anchor="ctr" anchorCtr="0">
               <a:noAutofit/>
             </a:bodyPr>
             <a:lstStyle/>
             <a:p>
-              <a:pPr indent="0" lvl="0" marL="0" rtl="0" algn="l">
+              <a:pPr marL="0" lvl="0" indent="0" algn="l" rtl="0">
                 <a:spcBef>
                   <a:spcPts val="0"/>
                 </a:spcBef>
@@ -5049,9 +5576,6 @@
                 </a:spcAft>
                 <a:buNone/>
               </a:pPr>
-              <a:r>
-                <a:t/>
-              </a:r>
               <a:endParaRPr/>
             </a:p>
           </p:txBody>
@@ -5060,7 +5584,9 @@
       <p:sp>
         <p:nvSpPr>
           <p:cNvPr id="36" name="Google Shape;36;p5"/>
-          <p:cNvSpPr txBox="1"/>
+          <p:cNvSpPr txBox="1">
+            <a:spLocks noGrp="1"/>
+          </p:cNvSpPr>
           <p:nvPr>
             <p:ph type="title"/>
           </p:nvPr>
@@ -5075,7 +5601,7 @@
           </a:prstGeom>
         </p:spPr>
         <p:txBody>
-          <a:bodyPr anchorCtr="0" anchor="t" bIns="91425" lIns="91425" spcFirstLastPara="1" rIns="91425" wrap="square" tIns="91425">
+          <a:bodyPr spcFirstLastPara="1" wrap="square" lIns="91425" tIns="91425" rIns="91425" bIns="91425" anchor="t" anchorCtr="0">
             <a:normAutofit/>
           </a:bodyPr>
           <a:lstStyle>
@@ -5179,15 +5705,19 @@
               <a:defRPr sz="2600"/>
             </a:lvl9pPr>
           </a:lstStyle>
-          <a:p/>
+          <a:p>
+            <a:endParaRPr/>
+          </a:p>
         </p:txBody>
       </p:sp>
       <p:sp>
         <p:nvSpPr>
           <p:cNvPr id="37" name="Google Shape;37;p5"/>
-          <p:cNvSpPr txBox="1"/>
+          <p:cNvSpPr txBox="1">
+            <a:spLocks noGrp="1"/>
+          </p:cNvSpPr>
           <p:nvPr>
-            <p:ph idx="1" type="body"/>
+            <p:ph type="body" idx="1"/>
           </p:nvPr>
         </p:nvSpPr>
         <p:spPr>
@@ -5200,11 +5730,11 @@
           </a:prstGeom>
         </p:spPr>
         <p:txBody>
-          <a:bodyPr anchorCtr="0" anchor="t" bIns="91425" lIns="91425" spcFirstLastPara="1" rIns="91425" wrap="square" tIns="91425">
+          <a:bodyPr spcFirstLastPara="1" wrap="square" lIns="91425" tIns="91425" rIns="91425" bIns="91425" anchor="t" anchorCtr="0">
             <a:normAutofit/>
           </a:bodyPr>
           <a:lstStyle>
-            <a:lvl1pPr indent="-311150" lvl="0" marL="457200">
+            <a:lvl1pPr marL="457200" lvl="0" indent="-311150">
               <a:spcBef>
                 <a:spcPts val="0"/>
               </a:spcBef>
@@ -5215,7 +5745,7 @@
               <a:buChar char="●"/>
               <a:defRPr/>
             </a:lvl1pPr>
-            <a:lvl2pPr indent="-298450" lvl="1" marL="914400">
+            <a:lvl2pPr marL="914400" lvl="1" indent="-298450">
               <a:spcBef>
                 <a:spcPts val="0"/>
               </a:spcBef>
@@ -5226,7 +5756,7 @@
               <a:buChar char="○"/>
               <a:defRPr/>
             </a:lvl2pPr>
-            <a:lvl3pPr indent="-298450" lvl="2" marL="1371600">
+            <a:lvl3pPr marL="1371600" lvl="2" indent="-298450">
               <a:spcBef>
                 <a:spcPts val="0"/>
               </a:spcBef>
@@ -5237,7 +5767,7 @@
               <a:buChar char="■"/>
               <a:defRPr/>
             </a:lvl3pPr>
-            <a:lvl4pPr indent="-298450" lvl="3" marL="1828800">
+            <a:lvl4pPr marL="1828800" lvl="3" indent="-298450">
               <a:spcBef>
                 <a:spcPts val="0"/>
               </a:spcBef>
@@ -5248,7 +5778,7 @@
               <a:buChar char="●"/>
               <a:defRPr/>
             </a:lvl4pPr>
-            <a:lvl5pPr indent="-298450" lvl="4" marL="2286000">
+            <a:lvl5pPr marL="2286000" lvl="4" indent="-298450">
               <a:spcBef>
                 <a:spcPts val="0"/>
               </a:spcBef>
@@ -5259,7 +5789,7 @@
               <a:buChar char="○"/>
               <a:defRPr/>
             </a:lvl5pPr>
-            <a:lvl6pPr indent="-298450" lvl="5" marL="2743200">
+            <a:lvl6pPr marL="2743200" lvl="5" indent="-298450">
               <a:spcBef>
                 <a:spcPts val="0"/>
               </a:spcBef>
@@ -5270,7 +5800,7 @@
               <a:buChar char="■"/>
               <a:defRPr/>
             </a:lvl6pPr>
-            <a:lvl7pPr indent="-298450" lvl="6" marL="3200400">
+            <a:lvl7pPr marL="3200400" lvl="6" indent="-298450">
               <a:spcBef>
                 <a:spcPts val="0"/>
               </a:spcBef>
@@ -5281,7 +5811,7 @@
               <a:buChar char="●"/>
               <a:defRPr/>
             </a:lvl7pPr>
-            <a:lvl8pPr indent="-298450" lvl="7" marL="3657600">
+            <a:lvl8pPr marL="3657600" lvl="7" indent="-298450">
               <a:spcBef>
                 <a:spcPts val="0"/>
               </a:spcBef>
@@ -5292,7 +5822,7 @@
               <a:buChar char="○"/>
               <a:defRPr/>
             </a:lvl8pPr>
-            <a:lvl9pPr indent="-298450" lvl="8" marL="4114800">
+            <a:lvl9pPr marL="4114800" lvl="8" indent="-298450">
               <a:spcBef>
                 <a:spcPts val="0"/>
               </a:spcBef>
@@ -5304,15 +5834,19 @@
               <a:defRPr/>
             </a:lvl9pPr>
           </a:lstStyle>
-          <a:p/>
+          <a:p>
+            <a:endParaRPr/>
+          </a:p>
         </p:txBody>
       </p:sp>
       <p:sp>
         <p:nvSpPr>
           <p:cNvPr id="38" name="Google Shape;38;p5"/>
-          <p:cNvSpPr txBox="1"/>
+          <p:cNvSpPr txBox="1">
+            <a:spLocks noGrp="1"/>
+          </p:cNvSpPr>
           <p:nvPr>
-            <p:ph idx="2" type="body"/>
+            <p:ph type="body" idx="2"/>
           </p:nvPr>
         </p:nvSpPr>
         <p:spPr>
@@ -5325,11 +5859,11 @@
           </a:prstGeom>
         </p:spPr>
         <p:txBody>
-          <a:bodyPr anchorCtr="0" anchor="t" bIns="91425" lIns="91425" spcFirstLastPara="1" rIns="91425" wrap="square" tIns="91425">
+          <a:bodyPr spcFirstLastPara="1" wrap="square" lIns="91425" tIns="91425" rIns="91425" bIns="91425" anchor="t" anchorCtr="0">
             <a:normAutofit/>
           </a:bodyPr>
           <a:lstStyle>
-            <a:lvl1pPr indent="-311150" lvl="0" marL="457200">
+            <a:lvl1pPr marL="457200" lvl="0" indent="-311150">
               <a:spcBef>
                 <a:spcPts val="0"/>
               </a:spcBef>
@@ -5340,7 +5874,7 @@
               <a:buChar char="●"/>
               <a:defRPr/>
             </a:lvl1pPr>
-            <a:lvl2pPr indent="-298450" lvl="1" marL="914400">
+            <a:lvl2pPr marL="914400" lvl="1" indent="-298450">
               <a:spcBef>
                 <a:spcPts val="0"/>
               </a:spcBef>
@@ -5351,7 +5885,7 @@
               <a:buChar char="○"/>
               <a:defRPr/>
             </a:lvl2pPr>
-            <a:lvl3pPr indent="-298450" lvl="2" marL="1371600">
+            <a:lvl3pPr marL="1371600" lvl="2" indent="-298450">
               <a:spcBef>
                 <a:spcPts val="0"/>
               </a:spcBef>
@@ -5362,7 +5896,7 @@
               <a:buChar char="■"/>
               <a:defRPr/>
             </a:lvl3pPr>
-            <a:lvl4pPr indent="-298450" lvl="3" marL="1828800">
+            <a:lvl4pPr marL="1828800" lvl="3" indent="-298450">
               <a:spcBef>
                 <a:spcPts val="0"/>
               </a:spcBef>
@@ -5373,7 +5907,7 @@
               <a:buChar char="●"/>
               <a:defRPr/>
             </a:lvl4pPr>
-            <a:lvl5pPr indent="-298450" lvl="4" marL="2286000">
+            <a:lvl5pPr marL="2286000" lvl="4" indent="-298450">
               <a:spcBef>
                 <a:spcPts val="0"/>
               </a:spcBef>
@@ -5384,7 +5918,7 @@
               <a:buChar char="○"/>
               <a:defRPr/>
             </a:lvl5pPr>
-            <a:lvl6pPr indent="-298450" lvl="5" marL="2743200">
+            <a:lvl6pPr marL="2743200" lvl="5" indent="-298450">
               <a:spcBef>
                 <a:spcPts val="0"/>
               </a:spcBef>
@@ -5395,7 +5929,7 @@
               <a:buChar char="■"/>
               <a:defRPr/>
             </a:lvl6pPr>
-            <a:lvl7pPr indent="-298450" lvl="6" marL="3200400">
+            <a:lvl7pPr marL="3200400" lvl="6" indent="-298450">
               <a:spcBef>
                 <a:spcPts val="0"/>
               </a:spcBef>
@@ -5406,7 +5940,7 @@
               <a:buChar char="●"/>
               <a:defRPr/>
             </a:lvl7pPr>
-            <a:lvl8pPr indent="-298450" lvl="7" marL="3657600">
+            <a:lvl8pPr marL="3657600" lvl="7" indent="-298450">
               <a:spcBef>
                 <a:spcPts val="0"/>
               </a:spcBef>
@@ -5417,7 +5951,7 @@
               <a:buChar char="○"/>
               <a:defRPr/>
             </a:lvl8pPr>
-            <a:lvl9pPr indent="-298450" lvl="8" marL="4114800">
+            <a:lvl9pPr marL="4114800" lvl="8" indent="-298450">
               <a:spcBef>
                 <a:spcPts val="0"/>
               </a:spcBef>
@@ -5429,15 +5963,19 @@
               <a:defRPr/>
             </a:lvl9pPr>
           </a:lstStyle>
-          <a:p/>
+          <a:p>
+            <a:endParaRPr/>
+          </a:p>
         </p:txBody>
       </p:sp>
       <p:sp>
         <p:nvSpPr>
           <p:cNvPr id="39" name="Google Shape;39;p5"/>
-          <p:cNvSpPr txBox="1"/>
+          <p:cNvSpPr txBox="1">
+            <a:spLocks noGrp="1"/>
+          </p:cNvSpPr>
           <p:nvPr>
-            <p:ph idx="12" type="sldNum"/>
+            <p:ph type="sldNum" idx="12"/>
           </p:nvPr>
         </p:nvSpPr>
         <p:spPr>
@@ -5450,7 +5988,7 @@
           </a:prstGeom>
         </p:spPr>
         <p:txBody>
-          <a:bodyPr anchorCtr="0" anchor="ctr" bIns="91425" lIns="91425" spcFirstLastPara="1" rIns="91425" wrap="square" tIns="91425">
+          <a:bodyPr spcFirstLastPara="1" wrap="square" lIns="91425" tIns="91425" rIns="91425" bIns="91425" anchor="ctr" anchorCtr="0">
             <a:normAutofit/>
           </a:bodyPr>
           <a:lstStyle>
@@ -5492,7 +6030,7 @@
             </a:lvl9pPr>
           </a:lstStyle>
           <a:p>
-            <a:pPr indent="0" lvl="0" marL="0" rtl="0" algn="r">
+            <a:pPr marL="0" lvl="0" indent="0" algn="r" rtl="0">
               <a:spcBef>
                 <a:spcPts val="0"/>
               </a:spcBef>
@@ -5518,11 +6056,11 @@
 </file>
 
 <file path=ppt/slideLayouts/slideLayout5.xml><?xml version="1.0" encoding="utf-8"?>
-<p:sldLayout xmlns:a="http://schemas.openxmlformats.org/drawingml/2006/main" xmlns:r="http://schemas.openxmlformats.org/officeDocument/2006/relationships" xmlns:mc="http://schemas.openxmlformats.org/markup-compatibility/2006" xmlns:mv="urn:schemas-microsoft-com:mac:vml" xmlns:p="http://schemas.openxmlformats.org/presentationml/2006/main" xmlns:c="http://schemas.openxmlformats.org/drawingml/2006/chart" xmlns:dgm="http://schemas.openxmlformats.org/drawingml/2006/diagram" xmlns:o="urn:schemas-microsoft-com:office:office" xmlns:v="urn:schemas-microsoft-com:vml" xmlns:pvml="urn:schemas-microsoft-com:office:powerpoint" xmlns:com="http://schemas.openxmlformats.org/drawingml/2006/compatibility" xmlns:p14="http://schemas.microsoft.com/office/powerpoint/2010/main" xmlns:p15="http://schemas.microsoft.com/office/powerpoint/2012/main" xmlns:ahyp="http://schemas.microsoft.com/office/drawing/2018/hyperlinkcolor" matchingName="Title only" type="titleOnly">
+<p:sldLayout xmlns:a="http://schemas.openxmlformats.org/drawingml/2006/main" xmlns:r="http://schemas.openxmlformats.org/officeDocument/2006/relationships" xmlns:p="http://schemas.openxmlformats.org/presentationml/2006/main" matchingName="Title only" type="titleOnly">
   <p:cSld name="TITLE_ONLY">
     <p:spTree>
       <p:nvGrpSpPr>
-        <p:cNvPr id="40" name="Shape 40"/>
+        <p:cNvPr id="1" name="Shape 40"/>
         <p:cNvGrpSpPr/>
         <p:nvPr/>
       </p:nvGrpSpPr>
@@ -5556,12 +6094,12 @@
           </a:ln>
         </p:spPr>
         <p:txBody>
-          <a:bodyPr anchorCtr="0" anchor="ctr" bIns="91425" lIns="91425" spcFirstLastPara="1" rIns="91425" wrap="square" tIns="91425">
+          <a:bodyPr spcFirstLastPara="1" wrap="square" lIns="91425" tIns="91425" rIns="91425" bIns="91425" anchor="ctr" anchorCtr="0">
             <a:noAutofit/>
           </a:bodyPr>
           <a:lstStyle/>
           <a:p>
-            <a:pPr indent="0" lvl="0" marL="0" rtl="0" algn="l">
+            <a:pPr marL="0" lvl="0" indent="0" algn="l" rtl="0">
               <a:spcBef>
                 <a:spcPts val="0"/>
               </a:spcBef>
@@ -5570,9 +6108,6 @@
               </a:spcAft>
               <a:buNone/>
             </a:pPr>
-            <a:r>
-              <a:t/>
-            </a:r>
             <a:endParaRPr/>
           </a:p>
         </p:txBody>
@@ -5613,12 +6148,12 @@
             </a:ln>
           </p:spPr>
           <p:txBody>
-            <a:bodyPr anchorCtr="0" anchor="ctr" bIns="91425" lIns="91425" spcFirstLastPara="1" rIns="91425" wrap="square" tIns="91425">
+            <a:bodyPr spcFirstLastPara="1" wrap="square" lIns="91425" tIns="91425" rIns="91425" bIns="91425" anchor="ctr" anchorCtr="0">
               <a:noAutofit/>
             </a:bodyPr>
             <a:lstStyle/>
             <a:p>
-              <a:pPr indent="0" lvl="0" marL="0" rtl="0" algn="l">
+              <a:pPr marL="0" lvl="0" indent="0" algn="l" rtl="0">
                 <a:spcBef>
                   <a:spcPts val="0"/>
                 </a:spcBef>
@@ -5627,9 +6162,6 @@
                 </a:spcAft>
                 <a:buNone/>
               </a:pPr>
-              <a:r>
-                <a:t/>
-              </a:r>
               <a:endParaRPr/>
             </a:p>
           </p:txBody>
@@ -5656,12 +6188,12 @@
             </a:ln>
           </p:spPr>
           <p:txBody>
-            <a:bodyPr anchorCtr="0" anchor="ctr" bIns="91425" lIns="91425" spcFirstLastPara="1" rIns="91425" wrap="square" tIns="91425">
+            <a:bodyPr spcFirstLastPara="1" wrap="square" lIns="91425" tIns="91425" rIns="91425" bIns="91425" anchor="ctr" anchorCtr="0">
               <a:noAutofit/>
             </a:bodyPr>
             <a:lstStyle/>
             <a:p>
-              <a:pPr indent="0" lvl="0" marL="0" rtl="0" algn="l">
+              <a:pPr marL="0" lvl="0" indent="0" algn="l" rtl="0">
                 <a:spcBef>
                   <a:spcPts val="0"/>
                 </a:spcBef>
@@ -5670,9 +6202,6 @@
                 </a:spcAft>
                 <a:buNone/>
               </a:pPr>
-              <a:r>
-                <a:t/>
-              </a:r>
               <a:endParaRPr/>
             </a:p>
           </p:txBody>
@@ -5681,7 +6210,9 @@
       <p:sp>
         <p:nvSpPr>
           <p:cNvPr id="45" name="Google Shape;45;p6"/>
-          <p:cNvSpPr txBox="1"/>
+          <p:cNvSpPr txBox="1">
+            <a:spLocks noGrp="1"/>
+          </p:cNvSpPr>
           <p:nvPr>
             <p:ph type="title"/>
           </p:nvPr>
@@ -5696,7 +6227,7 @@
           </a:prstGeom>
         </p:spPr>
         <p:txBody>
-          <a:bodyPr anchorCtr="0" anchor="t" bIns="91425" lIns="91425" spcFirstLastPara="1" rIns="91425" wrap="square" tIns="91425">
+          <a:bodyPr spcFirstLastPara="1" wrap="square" lIns="91425" tIns="91425" rIns="91425" bIns="91425" anchor="t" anchorCtr="0">
             <a:normAutofit/>
           </a:bodyPr>
           <a:lstStyle>
@@ -5800,15 +6331,19 @@
               <a:defRPr sz="2600"/>
             </a:lvl9pPr>
           </a:lstStyle>
-          <a:p/>
+          <a:p>
+            <a:endParaRPr/>
+          </a:p>
         </p:txBody>
       </p:sp>
       <p:sp>
         <p:nvSpPr>
           <p:cNvPr id="46" name="Google Shape;46;p6"/>
-          <p:cNvSpPr txBox="1"/>
+          <p:cNvSpPr txBox="1">
+            <a:spLocks noGrp="1"/>
+          </p:cNvSpPr>
           <p:nvPr>
-            <p:ph idx="12" type="sldNum"/>
+            <p:ph type="sldNum" idx="12"/>
           </p:nvPr>
         </p:nvSpPr>
         <p:spPr>
@@ -5821,7 +6356,7 @@
           </a:prstGeom>
         </p:spPr>
         <p:txBody>
-          <a:bodyPr anchorCtr="0" anchor="ctr" bIns="91425" lIns="91425" spcFirstLastPara="1" rIns="91425" wrap="square" tIns="91425">
+          <a:bodyPr spcFirstLastPara="1" wrap="square" lIns="91425" tIns="91425" rIns="91425" bIns="91425" anchor="ctr" anchorCtr="0">
             <a:normAutofit/>
           </a:bodyPr>
           <a:lstStyle>
@@ -5863,7 +6398,7 @@
             </a:lvl9pPr>
           </a:lstStyle>
           <a:p>
-            <a:pPr indent="0" lvl="0" marL="0" rtl="0" algn="r">
+            <a:pPr marL="0" lvl="0" indent="0" algn="r" rtl="0">
               <a:spcBef>
                 <a:spcPts val="0"/>
               </a:spcBef>
@@ -5889,11 +6424,11 @@
 </file>
 
 <file path=ppt/slideLayouts/slideLayout6.xml><?xml version="1.0" encoding="utf-8"?>
-<p:sldLayout xmlns:a="http://schemas.openxmlformats.org/drawingml/2006/main" xmlns:r="http://schemas.openxmlformats.org/officeDocument/2006/relationships" xmlns:mc="http://schemas.openxmlformats.org/markup-compatibility/2006" xmlns:mv="urn:schemas-microsoft-com:mac:vml" xmlns:p="http://schemas.openxmlformats.org/presentationml/2006/main" xmlns:c="http://schemas.openxmlformats.org/drawingml/2006/chart" xmlns:dgm="http://schemas.openxmlformats.org/drawingml/2006/diagram" xmlns:o="urn:schemas-microsoft-com:office:office" xmlns:v="urn:schemas-microsoft-com:vml" xmlns:pvml="urn:schemas-microsoft-com:office:powerpoint" xmlns:com="http://schemas.openxmlformats.org/drawingml/2006/compatibility" xmlns:p14="http://schemas.microsoft.com/office/powerpoint/2010/main" xmlns:p15="http://schemas.microsoft.com/office/powerpoint/2012/main" xmlns:ahyp="http://schemas.microsoft.com/office/drawing/2018/hyperlinkcolor" matchingName="One column text">
+<p:sldLayout xmlns:a="http://schemas.openxmlformats.org/drawingml/2006/main" xmlns:r="http://schemas.openxmlformats.org/officeDocument/2006/relationships" xmlns:p="http://schemas.openxmlformats.org/presentationml/2006/main" matchingName="One column text">
   <p:cSld name="ONE_COLUMN_TEXT">
     <p:spTree>
       <p:nvGrpSpPr>
-        <p:cNvPr id="47" name="Shape 47"/>
+        <p:cNvPr id="1" name="Shape 47"/>
         <p:cNvGrpSpPr/>
         <p:nvPr/>
       </p:nvGrpSpPr>
@@ -5927,12 +6462,12 @@
           </a:ln>
         </p:spPr>
         <p:txBody>
-          <a:bodyPr anchorCtr="0" anchor="ctr" bIns="91425" lIns="91425" spcFirstLastPara="1" rIns="91425" wrap="square" tIns="91425">
+          <a:bodyPr spcFirstLastPara="1" wrap="square" lIns="91425" tIns="91425" rIns="91425" bIns="91425" anchor="ctr" anchorCtr="0">
             <a:noAutofit/>
           </a:bodyPr>
           <a:lstStyle/>
           <a:p>
-            <a:pPr indent="0" lvl="0" marL="0" rtl="0" algn="l">
+            <a:pPr marL="0" lvl="0" indent="0" algn="l" rtl="0">
               <a:spcBef>
                 <a:spcPts val="0"/>
               </a:spcBef>
@@ -5941,9 +6476,6 @@
               </a:spcAft>
               <a:buNone/>
             </a:pPr>
-            <a:r>
-              <a:t/>
-            </a:r>
             <a:endParaRPr/>
           </a:p>
         </p:txBody>
@@ -5984,12 +6516,12 @@
             </a:ln>
           </p:spPr>
           <p:txBody>
-            <a:bodyPr anchorCtr="0" anchor="ctr" bIns="91425" lIns="91425" spcFirstLastPara="1" rIns="91425" wrap="square" tIns="91425">
+            <a:bodyPr spcFirstLastPara="1" wrap="square" lIns="91425" tIns="91425" rIns="91425" bIns="91425" anchor="ctr" anchorCtr="0">
               <a:noAutofit/>
             </a:bodyPr>
             <a:lstStyle/>
             <a:p>
-              <a:pPr indent="0" lvl="0" marL="0" rtl="0" algn="l">
+              <a:pPr marL="0" lvl="0" indent="0" algn="l" rtl="0">
                 <a:spcBef>
                   <a:spcPts val="0"/>
                 </a:spcBef>
@@ -5998,9 +6530,6 @@
                 </a:spcAft>
                 <a:buNone/>
               </a:pPr>
-              <a:r>
-                <a:t/>
-              </a:r>
               <a:endParaRPr/>
             </a:p>
           </p:txBody>
@@ -6027,12 +6556,12 @@
             </a:ln>
           </p:spPr>
           <p:txBody>
-            <a:bodyPr anchorCtr="0" anchor="ctr" bIns="91425" lIns="91425" spcFirstLastPara="1" rIns="91425" wrap="square" tIns="91425">
+            <a:bodyPr spcFirstLastPara="1" wrap="square" lIns="91425" tIns="91425" rIns="91425" bIns="91425" anchor="ctr" anchorCtr="0">
               <a:noAutofit/>
             </a:bodyPr>
             <a:lstStyle/>
             <a:p>
-              <a:pPr indent="0" lvl="0" marL="0" rtl="0" algn="l">
+              <a:pPr marL="0" lvl="0" indent="0" algn="l" rtl="0">
                 <a:spcBef>
                   <a:spcPts val="0"/>
                 </a:spcBef>
@@ -6041,9 +6570,6 @@
                 </a:spcAft>
                 <a:buNone/>
               </a:pPr>
-              <a:r>
-                <a:t/>
-              </a:r>
               <a:endParaRPr/>
             </a:p>
           </p:txBody>
@@ -6052,7 +6578,9 @@
       <p:sp>
         <p:nvSpPr>
           <p:cNvPr id="52" name="Google Shape;52;p7"/>
-          <p:cNvSpPr txBox="1"/>
+          <p:cNvSpPr txBox="1">
+            <a:spLocks noGrp="1"/>
+          </p:cNvSpPr>
           <p:nvPr>
             <p:ph type="title"/>
           </p:nvPr>
@@ -6067,7 +6595,7 @@
           </a:prstGeom>
         </p:spPr>
         <p:txBody>
-          <a:bodyPr anchorCtr="0" anchor="t" bIns="91425" lIns="91425" spcFirstLastPara="1" rIns="91425" wrap="square" tIns="91425">
+          <a:bodyPr spcFirstLastPara="1" wrap="square" lIns="91425" tIns="91425" rIns="91425" bIns="91425" anchor="t" anchorCtr="0">
             <a:normAutofit/>
           </a:bodyPr>
           <a:lstStyle>
@@ -6171,15 +6699,19 @@
               <a:defRPr sz="2600"/>
             </a:lvl9pPr>
           </a:lstStyle>
-          <a:p/>
+          <a:p>
+            <a:endParaRPr/>
+          </a:p>
         </p:txBody>
       </p:sp>
       <p:sp>
         <p:nvSpPr>
           <p:cNvPr id="53" name="Google Shape;53;p7"/>
-          <p:cNvSpPr txBox="1"/>
+          <p:cNvSpPr txBox="1">
+            <a:spLocks noGrp="1"/>
+          </p:cNvSpPr>
           <p:nvPr>
-            <p:ph idx="1" type="body"/>
+            <p:ph type="body" idx="1"/>
           </p:nvPr>
         </p:nvSpPr>
         <p:spPr>
@@ -6192,11 +6724,11 @@
           </a:prstGeom>
         </p:spPr>
         <p:txBody>
-          <a:bodyPr anchorCtr="0" anchor="t" bIns="91425" lIns="91425" spcFirstLastPara="1" rIns="91425" wrap="square" tIns="91425">
+          <a:bodyPr spcFirstLastPara="1" wrap="square" lIns="91425" tIns="91425" rIns="91425" bIns="91425" anchor="t" anchorCtr="0">
             <a:normAutofit/>
           </a:bodyPr>
           <a:lstStyle>
-            <a:lvl1pPr indent="-311150" lvl="0" marL="457200">
+            <a:lvl1pPr marL="457200" lvl="0" indent="-311150">
               <a:spcBef>
                 <a:spcPts val="0"/>
               </a:spcBef>
@@ -6207,7 +6739,7 @@
               <a:buChar char="●"/>
               <a:defRPr/>
             </a:lvl1pPr>
-            <a:lvl2pPr indent="-298450" lvl="1" marL="914400">
+            <a:lvl2pPr marL="914400" lvl="1" indent="-298450">
               <a:spcBef>
                 <a:spcPts val="0"/>
               </a:spcBef>
@@ -6218,7 +6750,7 @@
               <a:buChar char="○"/>
               <a:defRPr/>
             </a:lvl2pPr>
-            <a:lvl3pPr indent="-298450" lvl="2" marL="1371600">
+            <a:lvl3pPr marL="1371600" lvl="2" indent="-298450">
               <a:spcBef>
                 <a:spcPts val="0"/>
               </a:spcBef>
@@ -6229,7 +6761,7 @@
               <a:buChar char="■"/>
               <a:defRPr/>
             </a:lvl3pPr>
-            <a:lvl4pPr indent="-298450" lvl="3" marL="1828800">
+            <a:lvl4pPr marL="1828800" lvl="3" indent="-298450">
               <a:spcBef>
                 <a:spcPts val="0"/>
               </a:spcBef>
@@ -6240,7 +6772,7 @@
               <a:buChar char="●"/>
               <a:defRPr/>
             </a:lvl4pPr>
-            <a:lvl5pPr indent="-298450" lvl="4" marL="2286000">
+            <a:lvl5pPr marL="2286000" lvl="4" indent="-298450">
               <a:spcBef>
                 <a:spcPts val="0"/>
               </a:spcBef>
@@ -6251,7 +6783,7 @@
               <a:buChar char="○"/>
               <a:defRPr/>
             </a:lvl5pPr>
-            <a:lvl6pPr indent="-298450" lvl="5" marL="2743200">
+            <a:lvl6pPr marL="2743200" lvl="5" indent="-298450">
               <a:spcBef>
                 <a:spcPts val="0"/>
               </a:spcBef>
@@ -6262,7 +6794,7 @@
               <a:buChar char="■"/>
               <a:defRPr/>
             </a:lvl6pPr>
-            <a:lvl7pPr indent="-298450" lvl="6" marL="3200400">
+            <a:lvl7pPr marL="3200400" lvl="6" indent="-298450">
               <a:spcBef>
                 <a:spcPts val="0"/>
               </a:spcBef>
@@ -6273,7 +6805,7 @@
               <a:buChar char="●"/>
               <a:defRPr/>
             </a:lvl7pPr>
-            <a:lvl8pPr indent="-298450" lvl="7" marL="3657600">
+            <a:lvl8pPr marL="3657600" lvl="7" indent="-298450">
               <a:spcBef>
                 <a:spcPts val="0"/>
               </a:spcBef>
@@ -6284,7 +6816,7 @@
               <a:buChar char="○"/>
               <a:defRPr/>
             </a:lvl8pPr>
-            <a:lvl9pPr indent="-298450" lvl="8" marL="4114800">
+            <a:lvl9pPr marL="4114800" lvl="8" indent="-298450">
               <a:spcBef>
                 <a:spcPts val="0"/>
               </a:spcBef>
@@ -6296,15 +6828,19 @@
               <a:defRPr/>
             </a:lvl9pPr>
           </a:lstStyle>
-          <a:p/>
+          <a:p>
+            <a:endParaRPr/>
+          </a:p>
         </p:txBody>
       </p:sp>
       <p:sp>
         <p:nvSpPr>
           <p:cNvPr id="54" name="Google Shape;54;p7"/>
-          <p:cNvSpPr txBox="1"/>
+          <p:cNvSpPr txBox="1">
+            <a:spLocks noGrp="1"/>
+          </p:cNvSpPr>
           <p:nvPr>
-            <p:ph idx="12" type="sldNum"/>
+            <p:ph type="sldNum" idx="12"/>
           </p:nvPr>
         </p:nvSpPr>
         <p:spPr>
@@ -6317,7 +6853,7 @@
           </a:prstGeom>
         </p:spPr>
         <p:txBody>
-          <a:bodyPr anchorCtr="0" anchor="ctr" bIns="91425" lIns="91425" spcFirstLastPara="1" rIns="91425" wrap="square" tIns="91425">
+          <a:bodyPr spcFirstLastPara="1" wrap="square" lIns="91425" tIns="91425" rIns="91425" bIns="91425" anchor="ctr" anchorCtr="0">
             <a:normAutofit/>
           </a:bodyPr>
           <a:lstStyle>
@@ -6359,7 +6895,7 @@
             </a:lvl9pPr>
           </a:lstStyle>
           <a:p>
-            <a:pPr indent="0" lvl="0" marL="0" rtl="0" algn="r">
+            <a:pPr marL="0" lvl="0" indent="0" algn="r" rtl="0">
               <a:spcBef>
                 <a:spcPts val="0"/>
               </a:spcBef>
@@ -6385,18 +6921,19 @@
 </file>
 
 <file path=ppt/slideLayouts/slideLayout7.xml><?xml version="1.0" encoding="utf-8"?>
-<p:sldLayout xmlns:a="http://schemas.openxmlformats.org/drawingml/2006/main" xmlns:r="http://schemas.openxmlformats.org/officeDocument/2006/relationships" xmlns:mc="http://schemas.openxmlformats.org/markup-compatibility/2006" xmlns:mv="urn:schemas-microsoft-com:mac:vml" xmlns:p="http://schemas.openxmlformats.org/presentationml/2006/main" xmlns:c="http://schemas.openxmlformats.org/drawingml/2006/chart" xmlns:dgm="http://schemas.openxmlformats.org/drawingml/2006/diagram" xmlns:o="urn:schemas-microsoft-com:office:office" xmlns:v="urn:schemas-microsoft-com:vml" xmlns:pvml="urn:schemas-microsoft-com:office:powerpoint" xmlns:com="http://schemas.openxmlformats.org/drawingml/2006/compatibility" xmlns:p14="http://schemas.microsoft.com/office/powerpoint/2010/main" xmlns:p15="http://schemas.microsoft.com/office/powerpoint/2012/main" xmlns:ahyp="http://schemas.microsoft.com/office/drawing/2018/hyperlinkcolor" matchingName="Main point">
+<p:sldLayout xmlns:a="http://schemas.openxmlformats.org/drawingml/2006/main" xmlns:r="http://schemas.openxmlformats.org/officeDocument/2006/relationships" xmlns:p="http://schemas.openxmlformats.org/presentationml/2006/main" matchingName="Main point">
   <p:cSld name="MAIN_POINT">
     <p:bg>
       <p:bgPr>
         <a:solidFill>
           <a:schemeClr val="accent3"/>
         </a:solidFill>
+        <a:effectLst/>
       </p:bgPr>
     </p:bg>
     <p:spTree>
       <p:nvGrpSpPr>
-        <p:cNvPr id="55" name="Shape 55"/>
+        <p:cNvPr id="1" name="Shape 55"/>
         <p:cNvGrpSpPr/>
         <p:nvPr/>
       </p:nvGrpSpPr>
@@ -6444,12 +6981,12 @@
             </a:ln>
           </p:spPr>
           <p:txBody>
-            <a:bodyPr anchorCtr="0" anchor="ctr" bIns="91425" lIns="91425" spcFirstLastPara="1" rIns="91425" wrap="square" tIns="91425">
+            <a:bodyPr spcFirstLastPara="1" wrap="square" lIns="91425" tIns="91425" rIns="91425" bIns="91425" anchor="ctr" anchorCtr="0">
               <a:noAutofit/>
             </a:bodyPr>
             <a:lstStyle/>
             <a:p>
-              <a:pPr indent="0" lvl="0" marL="0" rtl="0" algn="l">
+              <a:pPr marL="0" lvl="0" indent="0" algn="l" rtl="0">
                 <a:spcBef>
                   <a:spcPts val="0"/>
                 </a:spcBef>
@@ -6458,9 +6995,6 @@
                 </a:spcAft>
                 <a:buNone/>
               </a:pPr>
-              <a:r>
-                <a:t/>
-              </a:r>
               <a:endParaRPr/>
             </a:p>
           </p:txBody>
@@ -6487,12 +7021,12 @@
             </a:ln>
           </p:spPr>
           <p:txBody>
-            <a:bodyPr anchorCtr="0" anchor="ctr" bIns="91425" lIns="91425" spcFirstLastPara="1" rIns="91425" wrap="square" tIns="91425">
+            <a:bodyPr spcFirstLastPara="1" wrap="square" lIns="91425" tIns="91425" rIns="91425" bIns="91425" anchor="ctr" anchorCtr="0">
               <a:noAutofit/>
             </a:bodyPr>
             <a:lstStyle/>
             <a:p>
-              <a:pPr indent="0" lvl="0" marL="0" rtl="0" algn="l">
+              <a:pPr marL="0" lvl="0" indent="0" algn="l" rtl="0">
                 <a:spcBef>
                   <a:spcPts val="0"/>
                 </a:spcBef>
@@ -6501,9 +7035,6 @@
                 </a:spcAft>
                 <a:buNone/>
               </a:pPr>
-              <a:r>
-                <a:t/>
-              </a:r>
               <a:endParaRPr/>
             </a:p>
           </p:txBody>
@@ -6512,7 +7043,9 @@
       <p:sp>
         <p:nvSpPr>
           <p:cNvPr id="59" name="Google Shape;59;p8"/>
-          <p:cNvSpPr txBox="1"/>
+          <p:cNvSpPr txBox="1">
+            <a:spLocks noGrp="1"/>
+          </p:cNvSpPr>
           <p:nvPr>
             <p:ph type="title"/>
           </p:nvPr>
@@ -6527,7 +7060,7 @@
           </a:prstGeom>
         </p:spPr>
         <p:txBody>
-          <a:bodyPr anchorCtr="0" anchor="ctr" bIns="91425" lIns="91425" spcFirstLastPara="1" rIns="91425" wrap="square" tIns="91425">
+          <a:bodyPr spcFirstLastPara="1" wrap="square" lIns="91425" tIns="91425" rIns="91425" bIns="91425" anchor="ctr" anchorCtr="0">
             <a:normAutofit/>
           </a:bodyPr>
           <a:lstStyle>
@@ -6694,15 +7227,19 @@
               </a:defRPr>
             </a:lvl9pPr>
           </a:lstStyle>
-          <a:p/>
+          <a:p>
+            <a:endParaRPr/>
+          </a:p>
         </p:txBody>
       </p:sp>
       <p:sp>
         <p:nvSpPr>
           <p:cNvPr id="60" name="Google Shape;60;p8"/>
-          <p:cNvSpPr txBox="1"/>
+          <p:cNvSpPr txBox="1">
+            <a:spLocks noGrp="1"/>
+          </p:cNvSpPr>
           <p:nvPr>
-            <p:ph idx="12" type="sldNum"/>
+            <p:ph type="sldNum" idx="12"/>
           </p:nvPr>
         </p:nvSpPr>
         <p:spPr>
@@ -6715,7 +7252,7 @@
           </a:prstGeom>
         </p:spPr>
         <p:txBody>
-          <a:bodyPr anchorCtr="0" anchor="ctr" bIns="91425" lIns="91425" spcFirstLastPara="1" rIns="91425" wrap="square" tIns="91425">
+          <a:bodyPr spcFirstLastPara="1" wrap="square" lIns="91425" tIns="91425" rIns="91425" bIns="91425" anchor="ctr" anchorCtr="0">
             <a:normAutofit/>
           </a:bodyPr>
           <a:lstStyle>
@@ -6793,7 +7330,7 @@
             </a:lvl9pPr>
           </a:lstStyle>
           <a:p>
-            <a:pPr indent="0" lvl="0" marL="0" rtl="0" algn="r">
+            <a:pPr marL="0" lvl="0" indent="0" algn="r" rtl="0">
               <a:spcBef>
                 <a:spcPts val="0"/>
               </a:spcBef>
@@ -6819,11 +7356,11 @@
 </file>
 
 <file path=ppt/slideLayouts/slideLayout8.xml><?xml version="1.0" encoding="utf-8"?>
-<p:sldLayout xmlns:a="http://schemas.openxmlformats.org/drawingml/2006/main" xmlns:r="http://schemas.openxmlformats.org/officeDocument/2006/relationships" xmlns:mc="http://schemas.openxmlformats.org/markup-compatibility/2006" xmlns:mv="urn:schemas-microsoft-com:mac:vml" xmlns:p="http://schemas.openxmlformats.org/presentationml/2006/main" xmlns:c="http://schemas.openxmlformats.org/drawingml/2006/chart" xmlns:dgm="http://schemas.openxmlformats.org/drawingml/2006/diagram" xmlns:o="urn:schemas-microsoft-com:office:office" xmlns:v="urn:schemas-microsoft-com:vml" xmlns:pvml="urn:schemas-microsoft-com:office:powerpoint" xmlns:com="http://schemas.openxmlformats.org/drawingml/2006/compatibility" xmlns:p14="http://schemas.microsoft.com/office/powerpoint/2010/main" xmlns:p15="http://schemas.microsoft.com/office/powerpoint/2012/main" xmlns:ahyp="http://schemas.microsoft.com/office/drawing/2018/hyperlinkcolor" matchingName="Section title and description">
+<p:sldLayout xmlns:a="http://schemas.openxmlformats.org/drawingml/2006/main" xmlns:r="http://schemas.openxmlformats.org/officeDocument/2006/relationships" xmlns:p="http://schemas.openxmlformats.org/presentationml/2006/main" matchingName="Section title and description">
   <p:cSld name="SECTION_TITLE_AND_DESCRIPTION">
     <p:spTree>
       <p:nvGrpSpPr>
-        <p:cNvPr id="61" name="Shape 61"/>
+        <p:cNvPr id="1" name="Shape 61"/>
         <p:cNvGrpSpPr/>
         <p:nvPr/>
       </p:nvGrpSpPr>
@@ -6857,12 +7394,12 @@
           </a:ln>
         </p:spPr>
         <p:txBody>
-          <a:bodyPr anchorCtr="0" anchor="ctr" bIns="91425" lIns="91425" spcFirstLastPara="1" rIns="91425" wrap="square" tIns="91425">
+          <a:bodyPr spcFirstLastPara="1" wrap="square" lIns="91425" tIns="91425" rIns="91425" bIns="91425" anchor="ctr" anchorCtr="0">
             <a:noAutofit/>
           </a:bodyPr>
           <a:lstStyle/>
           <a:p>
-            <a:pPr indent="0" lvl="0" marL="0" rtl="0" algn="l">
+            <a:pPr marL="0" lvl="0" indent="0" algn="l" rtl="0">
               <a:spcBef>
                 <a:spcPts val="0"/>
               </a:spcBef>
@@ -6871,9 +7408,6 @@
               </a:spcAft>
               <a:buNone/>
             </a:pPr>
-            <a:r>
-              <a:t/>
-            </a:r>
             <a:endParaRPr/>
           </a:p>
         </p:txBody>
@@ -6914,12 +7448,12 @@
             </a:ln>
           </p:spPr>
           <p:txBody>
-            <a:bodyPr anchorCtr="0" anchor="ctr" bIns="91425" lIns="91425" spcFirstLastPara="1" rIns="91425" wrap="square" tIns="91425">
+            <a:bodyPr spcFirstLastPara="1" wrap="square" lIns="91425" tIns="91425" rIns="91425" bIns="91425" anchor="ctr" anchorCtr="0">
               <a:noAutofit/>
             </a:bodyPr>
             <a:lstStyle/>
             <a:p>
-              <a:pPr indent="0" lvl="0" marL="0" rtl="0" algn="l">
+              <a:pPr marL="0" lvl="0" indent="0" algn="l" rtl="0">
                 <a:spcBef>
                   <a:spcPts val="0"/>
                 </a:spcBef>
@@ -6928,9 +7462,6 @@
                 </a:spcAft>
                 <a:buNone/>
               </a:pPr>
-              <a:r>
-                <a:t/>
-              </a:r>
               <a:endParaRPr/>
             </a:p>
           </p:txBody>
@@ -6957,12 +7488,12 @@
             </a:ln>
           </p:spPr>
           <p:txBody>
-            <a:bodyPr anchorCtr="0" anchor="ctr" bIns="91425" lIns="91425" spcFirstLastPara="1" rIns="91425" wrap="square" tIns="91425">
+            <a:bodyPr spcFirstLastPara="1" wrap="square" lIns="91425" tIns="91425" rIns="91425" bIns="91425" anchor="ctr" anchorCtr="0">
               <a:noAutofit/>
             </a:bodyPr>
             <a:lstStyle/>
             <a:p>
-              <a:pPr indent="0" lvl="0" marL="0" rtl="0" algn="l">
+              <a:pPr marL="0" lvl="0" indent="0" algn="l" rtl="0">
                 <a:spcBef>
                   <a:spcPts val="0"/>
                 </a:spcBef>
@@ -6971,9 +7502,6 @@
                 </a:spcAft>
                 <a:buNone/>
               </a:pPr>
-              <a:r>
-                <a:t/>
-              </a:r>
               <a:endParaRPr/>
             </a:p>
           </p:txBody>
@@ -6982,7 +7510,9 @@
       <p:sp>
         <p:nvSpPr>
           <p:cNvPr id="66" name="Google Shape;66;p9"/>
-          <p:cNvSpPr txBox="1"/>
+          <p:cNvSpPr txBox="1">
+            <a:spLocks noGrp="1"/>
+          </p:cNvSpPr>
           <p:nvPr>
             <p:ph type="title"/>
           </p:nvPr>
@@ -6997,7 +7527,7 @@
           </a:prstGeom>
         </p:spPr>
         <p:txBody>
-          <a:bodyPr anchorCtr="0" anchor="t" bIns="91425" lIns="91425" spcFirstLastPara="1" rIns="91425" wrap="square" tIns="91425">
+          <a:bodyPr spcFirstLastPara="1" wrap="square" lIns="91425" tIns="91425" rIns="91425" bIns="91425" anchor="t" anchorCtr="0">
             <a:normAutofit/>
           </a:bodyPr>
           <a:lstStyle>
@@ -7101,15 +7631,19 @@
               <a:defRPr sz="2600"/>
             </a:lvl9pPr>
           </a:lstStyle>
-          <a:p/>
+          <a:p>
+            <a:endParaRPr/>
+          </a:p>
         </p:txBody>
       </p:sp>
       <p:sp>
         <p:nvSpPr>
           <p:cNvPr id="67" name="Google Shape;67;p9"/>
-          <p:cNvSpPr txBox="1"/>
+          <p:cNvSpPr txBox="1">
+            <a:spLocks noGrp="1"/>
+          </p:cNvSpPr>
           <p:nvPr>
-            <p:ph idx="1" type="subTitle"/>
+            <p:ph type="subTitle" idx="1"/>
           </p:nvPr>
         </p:nvSpPr>
         <p:spPr>
@@ -7122,7 +7656,7 @@
           </a:prstGeom>
         </p:spPr>
         <p:txBody>
-          <a:bodyPr anchorCtr="0" anchor="t" bIns="91425" lIns="91425" spcFirstLastPara="1" rIns="91425" wrap="square" tIns="91425">
+          <a:bodyPr spcFirstLastPara="1" wrap="square" lIns="91425" tIns="91425" rIns="91425" bIns="91425" anchor="t" anchorCtr="0">
             <a:normAutofit/>
           </a:bodyPr>
           <a:lstStyle>
@@ -7253,15 +7787,19 @@
               <a:defRPr sz="1600"/>
             </a:lvl9pPr>
           </a:lstStyle>
-          <a:p/>
+          <a:p>
+            <a:endParaRPr/>
+          </a:p>
         </p:txBody>
       </p:sp>
       <p:sp>
         <p:nvSpPr>
           <p:cNvPr id="68" name="Google Shape;68;p9"/>
-          <p:cNvSpPr txBox="1"/>
+          <p:cNvSpPr txBox="1">
+            <a:spLocks noGrp="1"/>
+          </p:cNvSpPr>
           <p:nvPr>
-            <p:ph idx="2" type="body"/>
+            <p:ph type="body" idx="2"/>
           </p:nvPr>
         </p:nvSpPr>
         <p:spPr>
@@ -7274,11 +7812,11 @@
           </a:prstGeom>
         </p:spPr>
         <p:txBody>
-          <a:bodyPr anchorCtr="0" anchor="t" bIns="91425" lIns="91425" spcFirstLastPara="1" rIns="91425" wrap="square" tIns="91425">
+          <a:bodyPr spcFirstLastPara="1" wrap="square" lIns="91425" tIns="91425" rIns="91425" bIns="91425" anchor="t" anchorCtr="0">
             <a:normAutofit/>
           </a:bodyPr>
           <a:lstStyle>
-            <a:lvl1pPr indent="-311150" lvl="0" marL="457200">
+            <a:lvl1pPr marL="457200" lvl="0" indent="-311150">
               <a:spcBef>
                 <a:spcPts val="0"/>
               </a:spcBef>
@@ -7289,7 +7827,7 @@
               <a:buChar char="●"/>
               <a:defRPr/>
             </a:lvl1pPr>
-            <a:lvl2pPr indent="-298450" lvl="1" marL="914400">
+            <a:lvl2pPr marL="914400" lvl="1" indent="-298450">
               <a:spcBef>
                 <a:spcPts val="0"/>
               </a:spcBef>
@@ -7300,7 +7838,7 @@
               <a:buChar char="○"/>
               <a:defRPr/>
             </a:lvl2pPr>
-            <a:lvl3pPr indent="-298450" lvl="2" marL="1371600">
+            <a:lvl3pPr marL="1371600" lvl="2" indent="-298450">
               <a:spcBef>
                 <a:spcPts val="0"/>
               </a:spcBef>
@@ -7311,7 +7849,7 @@
               <a:buChar char="■"/>
               <a:defRPr/>
             </a:lvl3pPr>
-            <a:lvl4pPr indent="-298450" lvl="3" marL="1828800">
+            <a:lvl4pPr marL="1828800" lvl="3" indent="-298450">
               <a:spcBef>
                 <a:spcPts val="0"/>
               </a:spcBef>
@@ -7322,7 +7860,7 @@
               <a:buChar char="●"/>
               <a:defRPr/>
             </a:lvl4pPr>
-            <a:lvl5pPr indent="-298450" lvl="4" marL="2286000">
+            <a:lvl5pPr marL="2286000" lvl="4" indent="-298450">
               <a:spcBef>
                 <a:spcPts val="0"/>
               </a:spcBef>
@@ -7333,7 +7871,7 @@
               <a:buChar char="○"/>
               <a:defRPr/>
             </a:lvl5pPr>
-            <a:lvl6pPr indent="-298450" lvl="5" marL="2743200">
+            <a:lvl6pPr marL="2743200" lvl="5" indent="-298450">
               <a:spcBef>
                 <a:spcPts val="0"/>
               </a:spcBef>
@@ -7344,7 +7882,7 @@
               <a:buChar char="■"/>
               <a:defRPr/>
             </a:lvl6pPr>
-            <a:lvl7pPr indent="-298450" lvl="6" marL="3200400">
+            <a:lvl7pPr marL="3200400" lvl="6" indent="-298450">
               <a:spcBef>
                 <a:spcPts val="0"/>
               </a:spcBef>
@@ -7355,7 +7893,7 @@
               <a:buChar char="●"/>
               <a:defRPr/>
             </a:lvl7pPr>
-            <a:lvl8pPr indent="-298450" lvl="7" marL="3657600">
+            <a:lvl8pPr marL="3657600" lvl="7" indent="-298450">
               <a:spcBef>
                 <a:spcPts val="0"/>
               </a:spcBef>
@@ -7366,7 +7904,7 @@
               <a:buChar char="○"/>
               <a:defRPr/>
             </a:lvl8pPr>
-            <a:lvl9pPr indent="-298450" lvl="8" marL="4114800">
+            <a:lvl9pPr marL="4114800" lvl="8" indent="-298450">
               <a:spcBef>
                 <a:spcPts val="0"/>
               </a:spcBef>
@@ -7378,15 +7916,19 @@
               <a:defRPr/>
             </a:lvl9pPr>
           </a:lstStyle>
-          <a:p/>
+          <a:p>
+            <a:endParaRPr/>
+          </a:p>
         </p:txBody>
       </p:sp>
       <p:sp>
         <p:nvSpPr>
           <p:cNvPr id="69" name="Google Shape;69;p9"/>
-          <p:cNvSpPr txBox="1"/>
+          <p:cNvSpPr txBox="1">
+            <a:spLocks noGrp="1"/>
+          </p:cNvSpPr>
           <p:nvPr>
-            <p:ph idx="12" type="sldNum"/>
+            <p:ph type="sldNum" idx="12"/>
           </p:nvPr>
         </p:nvSpPr>
         <p:spPr>
@@ -7399,7 +7941,7 @@
           </a:prstGeom>
         </p:spPr>
         <p:txBody>
-          <a:bodyPr anchorCtr="0" anchor="ctr" bIns="91425" lIns="91425" spcFirstLastPara="1" rIns="91425" wrap="square" tIns="91425">
+          <a:bodyPr spcFirstLastPara="1" wrap="square" lIns="91425" tIns="91425" rIns="91425" bIns="91425" anchor="ctr" anchorCtr="0">
             <a:normAutofit/>
           </a:bodyPr>
           <a:lstStyle>
@@ -7441,7 +7983,7 @@
             </a:lvl9pPr>
           </a:lstStyle>
           <a:p>
-            <a:pPr indent="0" lvl="0" marL="0" rtl="0" algn="r">
+            <a:pPr marL="0" lvl="0" indent="0" algn="r" rtl="0">
               <a:spcBef>
                 <a:spcPts val="0"/>
               </a:spcBef>
@@ -7467,11 +8009,11 @@
 </file>
 
 <file path=ppt/slideLayouts/slideLayout9.xml><?xml version="1.0" encoding="utf-8"?>
-<p:sldLayout xmlns:a="http://schemas.openxmlformats.org/drawingml/2006/main" xmlns:r="http://schemas.openxmlformats.org/officeDocument/2006/relationships" xmlns:mc="http://schemas.openxmlformats.org/markup-compatibility/2006" xmlns:mv="urn:schemas-microsoft-com:mac:vml" xmlns:p="http://schemas.openxmlformats.org/presentationml/2006/main" xmlns:c="http://schemas.openxmlformats.org/drawingml/2006/chart" xmlns:dgm="http://schemas.openxmlformats.org/drawingml/2006/diagram" xmlns:o="urn:schemas-microsoft-com:office:office" xmlns:v="urn:schemas-microsoft-com:vml" xmlns:pvml="urn:schemas-microsoft-com:office:powerpoint" xmlns:com="http://schemas.openxmlformats.org/drawingml/2006/compatibility" xmlns:p14="http://schemas.microsoft.com/office/powerpoint/2010/main" xmlns:p15="http://schemas.microsoft.com/office/powerpoint/2012/main" xmlns:ahyp="http://schemas.microsoft.com/office/drawing/2018/hyperlinkcolor" matchingName="Caption">
+<p:sldLayout xmlns:a="http://schemas.openxmlformats.org/drawingml/2006/main" xmlns:r="http://schemas.openxmlformats.org/officeDocument/2006/relationships" xmlns:p="http://schemas.openxmlformats.org/presentationml/2006/main" matchingName="Caption">
   <p:cSld name="CAPTION_ONLY">
     <p:spTree>
       <p:nvGrpSpPr>
-        <p:cNvPr id="70" name="Shape 70"/>
+        <p:cNvPr id="1" name="Shape 70"/>
         <p:cNvGrpSpPr/>
         <p:nvPr/>
       </p:nvGrpSpPr>
@@ -7486,9 +8028,11 @@
       <p:sp>
         <p:nvSpPr>
           <p:cNvPr id="71" name="Google Shape;71;p10"/>
-          <p:cNvSpPr txBox="1"/>
+          <p:cNvSpPr txBox="1">
+            <a:spLocks noGrp="1"/>
+          </p:cNvSpPr>
           <p:nvPr>
-            <p:ph idx="1" type="body"/>
+            <p:ph type="body" idx="1"/>
           </p:nvPr>
         </p:nvSpPr>
         <p:spPr>
@@ -7501,11 +8045,11 @@
           </a:prstGeom>
         </p:spPr>
         <p:txBody>
-          <a:bodyPr anchorCtr="0" anchor="ctr" bIns="91425" lIns="91425" spcFirstLastPara="1" rIns="91425" wrap="square" tIns="91425">
+          <a:bodyPr spcFirstLastPara="1" wrap="square" lIns="91425" tIns="91425" rIns="91425" bIns="91425" anchor="ctr" anchorCtr="0">
             <a:normAutofit/>
           </a:bodyPr>
           <a:lstStyle>
-            <a:lvl1pPr indent="-228600" lvl="0" marL="457200">
+            <a:lvl1pPr marL="457200" lvl="0" indent="-228600">
               <a:lnSpc>
                 <a:spcPct val="100000"/>
               </a:lnSpc>
@@ -7520,15 +8064,19 @@
               <a:defRPr/>
             </a:lvl1pPr>
           </a:lstStyle>
-          <a:p/>
+          <a:p>
+            <a:endParaRPr/>
+          </a:p>
         </p:txBody>
       </p:sp>
       <p:sp>
         <p:nvSpPr>
           <p:cNvPr id="72" name="Google Shape;72;p10"/>
-          <p:cNvSpPr txBox="1"/>
+          <p:cNvSpPr txBox="1">
+            <a:spLocks noGrp="1"/>
+          </p:cNvSpPr>
           <p:nvPr>
-            <p:ph idx="12" type="sldNum"/>
+            <p:ph type="sldNum" idx="12"/>
           </p:nvPr>
         </p:nvSpPr>
         <p:spPr>
@@ -7541,7 +8089,7 @@
           </a:prstGeom>
         </p:spPr>
         <p:txBody>
-          <a:bodyPr anchorCtr="0" anchor="ctr" bIns="91425" lIns="91425" spcFirstLastPara="1" rIns="91425" wrap="square" tIns="91425">
+          <a:bodyPr spcFirstLastPara="1" wrap="square" lIns="91425" tIns="91425" rIns="91425" bIns="91425" anchor="ctr" anchorCtr="0">
             <a:normAutofit/>
           </a:bodyPr>
           <a:lstStyle>
@@ -7583,7 +8131,7 @@
             </a:lvl9pPr>
           </a:lstStyle>
           <a:p>
-            <a:pPr indent="0" lvl="0" marL="0" rtl="0" algn="r">
+            <a:pPr marL="0" lvl="0" indent="0" algn="r" rtl="0">
               <a:spcBef>
                 <a:spcPts val="0"/>
               </a:spcBef>
@@ -7609,18 +8157,19 @@
 </file>
 
 <file path=ppt/slideMasters/slideMaster1.xml><?xml version="1.0" encoding="utf-8"?>
-<p:sldMaster xmlns:a="http://schemas.openxmlformats.org/drawingml/2006/main" xmlns:r="http://schemas.openxmlformats.org/officeDocument/2006/relationships" xmlns:mc="http://schemas.openxmlformats.org/markup-compatibility/2006" xmlns:mv="urn:schemas-microsoft-com:mac:vml" xmlns:p="http://schemas.openxmlformats.org/presentationml/2006/main" xmlns:c="http://schemas.openxmlformats.org/drawingml/2006/chart" xmlns:dgm="http://schemas.openxmlformats.org/drawingml/2006/diagram" xmlns:o="urn:schemas-microsoft-com:office:office" xmlns:v="urn:schemas-microsoft-com:vml" xmlns:pvml="urn:schemas-microsoft-com:office:powerpoint" xmlns:com="http://schemas.openxmlformats.org/drawingml/2006/compatibility" xmlns:p14="http://schemas.microsoft.com/office/powerpoint/2010/main" xmlns:p15="http://schemas.microsoft.com/office/powerpoint/2012/main" xmlns:ahyp="http://schemas.microsoft.com/office/drawing/2018/hyperlinkcolor">
+<p:sldMaster xmlns:a="http://schemas.openxmlformats.org/drawingml/2006/main" xmlns:r="http://schemas.openxmlformats.org/officeDocument/2006/relationships" xmlns:p="http://schemas.openxmlformats.org/presentationml/2006/main">
   <p:cSld name="streamline">
     <p:bg>
       <p:bgPr>
         <a:solidFill>
           <a:schemeClr val="lt1"/>
         </a:solidFill>
+        <a:effectLst/>
       </p:bgPr>
     </p:bg>
     <p:spTree>
       <p:nvGrpSpPr>
-        <p:cNvPr id="5" name="Shape 5"/>
+        <p:cNvPr id="1" name="Shape 5"/>
         <p:cNvGrpSpPr/>
         <p:nvPr/>
       </p:nvGrpSpPr>
@@ -7635,7 +8184,9 @@
       <p:sp>
         <p:nvSpPr>
           <p:cNvPr id="6" name="Google Shape;6;p1"/>
-          <p:cNvSpPr txBox="1"/>
+          <p:cNvSpPr txBox="1">
+            <a:spLocks noGrp="1"/>
+          </p:cNvSpPr>
           <p:nvPr>
             <p:ph type="title"/>
           </p:nvPr>
@@ -7654,7 +8205,7 @@
           </a:ln>
         </p:spPr>
         <p:txBody>
-          <a:bodyPr anchorCtr="0" anchor="t" bIns="91425" lIns="91425" spcFirstLastPara="1" rIns="91425" wrap="square" tIns="91425">
+          <a:bodyPr spcFirstLastPara="1" wrap="square" lIns="91425" tIns="91425" rIns="91425" bIns="91425" anchor="t" anchorCtr="0">
             <a:normAutofit/>
           </a:bodyPr>
           <a:lstStyle>
@@ -7671,7 +8222,7 @@
               <a:buSzPts val="2800"/>
               <a:buFont typeface="Raleway"/>
               <a:buNone/>
-              <a:defRPr b="1" sz="2800">
+              <a:defRPr sz="2800" b="1">
                 <a:solidFill>
                   <a:schemeClr val="dk2"/>
                 </a:solidFill>
@@ -7694,7 +8245,7 @@
               <a:buSzPts val="2800"/>
               <a:buFont typeface="Raleway"/>
               <a:buNone/>
-              <a:defRPr b="1" sz="2800">
+              <a:defRPr sz="2800" b="1">
                 <a:solidFill>
                   <a:schemeClr val="dk2"/>
                 </a:solidFill>
@@ -7717,7 +8268,7 @@
               <a:buSzPts val="2800"/>
               <a:buFont typeface="Raleway"/>
               <a:buNone/>
-              <a:defRPr b="1" sz="2800">
+              <a:defRPr sz="2800" b="1">
                 <a:solidFill>
                   <a:schemeClr val="dk2"/>
                 </a:solidFill>
@@ -7740,7 +8291,7 @@
               <a:buSzPts val="2800"/>
               <a:buFont typeface="Raleway"/>
               <a:buNone/>
-              <a:defRPr b="1" sz="2800">
+              <a:defRPr sz="2800" b="1">
                 <a:solidFill>
                   <a:schemeClr val="dk2"/>
                 </a:solidFill>
@@ -7763,7 +8314,7 @@
               <a:buSzPts val="2800"/>
               <a:buFont typeface="Raleway"/>
               <a:buNone/>
-              <a:defRPr b="1" sz="2800">
+              <a:defRPr sz="2800" b="1">
                 <a:solidFill>
                   <a:schemeClr val="dk2"/>
                 </a:solidFill>
@@ -7786,7 +8337,7 @@
               <a:buSzPts val="2800"/>
               <a:buFont typeface="Raleway"/>
               <a:buNone/>
-              <a:defRPr b="1" sz="2800">
+              <a:defRPr sz="2800" b="1">
                 <a:solidFill>
                   <a:schemeClr val="dk2"/>
                 </a:solidFill>
@@ -7809,7 +8360,7 @@
               <a:buSzPts val="2800"/>
               <a:buFont typeface="Raleway"/>
               <a:buNone/>
-              <a:defRPr b="1" sz="2800">
+              <a:defRPr sz="2800" b="1">
                 <a:solidFill>
                   <a:schemeClr val="dk2"/>
                 </a:solidFill>
@@ -7832,7 +8383,7 @@
               <a:buSzPts val="2800"/>
               <a:buFont typeface="Raleway"/>
               <a:buNone/>
-              <a:defRPr b="1" sz="2800">
+              <a:defRPr sz="2800" b="1">
                 <a:solidFill>
                   <a:schemeClr val="dk2"/>
                 </a:solidFill>
@@ -7855,7 +8406,7 @@
               <a:buSzPts val="2800"/>
               <a:buFont typeface="Raleway"/>
               <a:buNone/>
-              <a:defRPr b="1" sz="2800">
+              <a:defRPr sz="2800" b="1">
                 <a:solidFill>
                   <a:schemeClr val="dk2"/>
                 </a:solidFill>
@@ -7866,15 +8417,19 @@
               </a:defRPr>
             </a:lvl9pPr>
           </a:lstStyle>
-          <a:p/>
+          <a:p>
+            <a:endParaRPr/>
+          </a:p>
         </p:txBody>
       </p:sp>
       <p:sp>
         <p:nvSpPr>
           <p:cNvPr id="7" name="Google Shape;7;p1"/>
-          <p:cNvSpPr txBox="1"/>
+          <p:cNvSpPr txBox="1">
+            <a:spLocks noGrp="1"/>
+          </p:cNvSpPr>
           <p:nvPr>
-            <p:ph idx="1" type="body"/>
+            <p:ph type="body" idx="1"/>
           </p:nvPr>
         </p:nvSpPr>
         <p:spPr>
@@ -7891,11 +8446,11 @@
           </a:ln>
         </p:spPr>
         <p:txBody>
-          <a:bodyPr anchorCtr="0" anchor="t" bIns="91425" lIns="91425" spcFirstLastPara="1" rIns="91425" wrap="square" tIns="91425">
+          <a:bodyPr spcFirstLastPara="1" wrap="square" lIns="91425" tIns="91425" rIns="91425" bIns="91425" anchor="t" anchorCtr="0">
             <a:normAutofit/>
           </a:bodyPr>
           <a:lstStyle>
-            <a:lvl1pPr indent="-311150" lvl="0" marL="457200">
+            <a:lvl1pPr marL="457200" lvl="0" indent="-311150">
               <a:lnSpc>
                 <a:spcPct val="115000"/>
               </a:lnSpc>
@@ -7921,7 +8476,7 @@
                 <a:sym typeface="Lato"/>
               </a:defRPr>
             </a:lvl1pPr>
-            <a:lvl2pPr indent="-298450" lvl="1" marL="914400">
+            <a:lvl2pPr marL="914400" lvl="1" indent="-298450">
               <a:lnSpc>
                 <a:spcPct val="115000"/>
               </a:lnSpc>
@@ -7947,7 +8502,7 @@
                 <a:sym typeface="Lato"/>
               </a:defRPr>
             </a:lvl2pPr>
-            <a:lvl3pPr indent="-298450" lvl="2" marL="1371600">
+            <a:lvl3pPr marL="1371600" lvl="2" indent="-298450">
               <a:lnSpc>
                 <a:spcPct val="115000"/>
               </a:lnSpc>
@@ -7973,7 +8528,7 @@
                 <a:sym typeface="Lato"/>
               </a:defRPr>
             </a:lvl3pPr>
-            <a:lvl4pPr indent="-298450" lvl="3" marL="1828800">
+            <a:lvl4pPr marL="1828800" lvl="3" indent="-298450">
               <a:lnSpc>
                 <a:spcPct val="115000"/>
               </a:lnSpc>
@@ -7999,7 +8554,7 @@
                 <a:sym typeface="Lato"/>
               </a:defRPr>
             </a:lvl4pPr>
-            <a:lvl5pPr indent="-298450" lvl="4" marL="2286000">
+            <a:lvl5pPr marL="2286000" lvl="4" indent="-298450">
               <a:lnSpc>
                 <a:spcPct val="115000"/>
               </a:lnSpc>
@@ -8025,7 +8580,7 @@
                 <a:sym typeface="Lato"/>
               </a:defRPr>
             </a:lvl5pPr>
-            <a:lvl6pPr indent="-298450" lvl="5" marL="2743200">
+            <a:lvl6pPr marL="2743200" lvl="5" indent="-298450">
               <a:lnSpc>
                 <a:spcPct val="115000"/>
               </a:lnSpc>
@@ -8051,7 +8606,7 @@
                 <a:sym typeface="Lato"/>
               </a:defRPr>
             </a:lvl6pPr>
-            <a:lvl7pPr indent="-298450" lvl="6" marL="3200400">
+            <a:lvl7pPr marL="3200400" lvl="6" indent="-298450">
               <a:lnSpc>
                 <a:spcPct val="115000"/>
               </a:lnSpc>
@@ -8077,7 +8632,7 @@
                 <a:sym typeface="Lato"/>
               </a:defRPr>
             </a:lvl7pPr>
-            <a:lvl8pPr indent="-298450" lvl="7" marL="3657600">
+            <a:lvl8pPr marL="3657600" lvl="7" indent="-298450">
               <a:lnSpc>
                 <a:spcPct val="115000"/>
               </a:lnSpc>
@@ -8103,7 +8658,7 @@
                 <a:sym typeface="Lato"/>
               </a:defRPr>
             </a:lvl8pPr>
-            <a:lvl9pPr indent="-298450" lvl="8" marL="4114800">
+            <a:lvl9pPr marL="4114800" lvl="8" indent="-298450">
               <a:lnSpc>
                 <a:spcPct val="115000"/>
               </a:lnSpc>
@@ -8130,15 +8685,19 @@
               </a:defRPr>
             </a:lvl9pPr>
           </a:lstStyle>
-          <a:p/>
+          <a:p>
+            <a:endParaRPr/>
+          </a:p>
         </p:txBody>
       </p:sp>
       <p:sp>
         <p:nvSpPr>
           <p:cNvPr id="8" name="Google Shape;8;p1"/>
-          <p:cNvSpPr txBox="1"/>
+          <p:cNvSpPr txBox="1">
+            <a:spLocks noGrp="1"/>
+          </p:cNvSpPr>
           <p:nvPr>
-            <p:ph idx="12" type="sldNum"/>
+            <p:ph type="sldNum" idx="12"/>
           </p:nvPr>
         </p:nvSpPr>
         <p:spPr>
@@ -8155,7 +8714,7 @@
           </a:ln>
         </p:spPr>
         <p:txBody>
-          <a:bodyPr anchorCtr="0" anchor="ctr" bIns="91425" lIns="91425" spcFirstLastPara="1" rIns="91425" wrap="square" tIns="91425">
+          <a:bodyPr spcFirstLastPara="1" wrap="square" lIns="91425" tIns="91425" rIns="91425" bIns="91425" anchor="ctr" anchorCtr="0">
             <a:normAutofit/>
           </a:bodyPr>
           <a:lstStyle>
@@ -8269,7 +8828,7 @@
             </a:lvl9pPr>
           </a:lstStyle>
           <a:p>
-            <a:pPr indent="0" lvl="0" marL="0" rtl="0" algn="r">
+            <a:pPr marL="0" lvl="0" indent="0" algn="r" rtl="0">
               <a:spcBef>
                 <a:spcPts val="0"/>
               </a:spcBef>
@@ -8288,7 +8847,7 @@
       </p:sp>
     </p:spTree>
   </p:cSld>
-  <p:clrMap accent1="accent1" accent2="accent2" accent3="accent3" accent4="accent4" accent5="accent5" accent6="accent6" bg1="lt1" bg2="dk2" tx1="dk1" tx2="lt2" folHlink="folHlink" hlink="hlink"/>
+  <p:clrMap bg1="lt1" tx1="dk1" bg2="dk2" tx2="lt2" accent1="accent1" accent2="accent2" accent3="accent3" accent4="accent4" accent5="accent5" accent6="accent6" hlink="hlink" folHlink="folHlink"/>
   <p:sldLayoutIdLst>
     <p:sldLayoutId id="2147483648" r:id="rId1"/>
     <p:sldLayoutId id="2147483649" r:id="rId2"/>
@@ -8302,10 +8861,10 @@
     <p:sldLayoutId id="2147483657" r:id="rId10"/>
     <p:sldLayoutId id="2147483658" r:id="rId11"/>
   </p:sldLayoutIdLst>
-  <p:hf dt="0" ftr="0" hdr="0" sldNum="0"/>
+  <p:hf sldNum="0" hdr="0" ftr="0" dt="0"/>
   <p:txStyles>
     <p:titleStyle>
-      <a:defPPr lvl="0" marR="0" rtl="0" algn="l">
+      <a:defPPr marR="0" lvl="0" algn="l" rtl="0">
         <a:lnSpc>
           <a:spcPct val="100000"/>
         </a:lnSpc>
@@ -8316,7 +8875,7 @@
           <a:spcPts val="0"/>
         </a:spcAft>
       </a:defPPr>
-      <a:lvl1pPr lvl="0" marR="0" rtl="0" algn="l">
+      <a:lvl1pPr marR="0" lvl="0" algn="l" rtl="0">
         <a:lnSpc>
           <a:spcPct val="100000"/>
         </a:lnSpc>
@@ -8330,7 +8889,7 @@
           <a:srgbClr val="000000"/>
         </a:buClr>
         <a:buFont typeface="Arial"/>
-        <a:defRPr b="0" i="0" sz="1400" u="none" cap="none" strike="noStrike">
+        <a:defRPr sz="1400" b="0" i="0" u="none" strike="noStrike" cap="none">
           <a:solidFill>
             <a:srgbClr val="000000"/>
           </a:solidFill>
@@ -8340,7 +8899,7 @@
           <a:sym typeface="Arial"/>
         </a:defRPr>
       </a:lvl1pPr>
-      <a:lvl2pPr lvl="1" marR="0" rtl="0" algn="l">
+      <a:lvl2pPr marR="0" lvl="1" algn="l" rtl="0">
         <a:lnSpc>
           <a:spcPct val="100000"/>
         </a:lnSpc>
@@ -8354,7 +8913,7 @@
           <a:srgbClr val="000000"/>
         </a:buClr>
         <a:buFont typeface="Arial"/>
-        <a:defRPr b="0" i="0" sz="1400" u="none" cap="none" strike="noStrike">
+        <a:defRPr sz="1400" b="0" i="0" u="none" strike="noStrike" cap="none">
           <a:solidFill>
             <a:srgbClr val="000000"/>
           </a:solidFill>
@@ -8364,7 +8923,7 @@
           <a:sym typeface="Arial"/>
         </a:defRPr>
       </a:lvl2pPr>
-      <a:lvl3pPr lvl="2" marR="0" rtl="0" algn="l">
+      <a:lvl3pPr marR="0" lvl="2" algn="l" rtl="0">
         <a:lnSpc>
           <a:spcPct val="100000"/>
         </a:lnSpc>
@@ -8378,7 +8937,7 @@
           <a:srgbClr val="000000"/>
         </a:buClr>
         <a:buFont typeface="Arial"/>
-        <a:defRPr b="0" i="0" sz="1400" u="none" cap="none" strike="noStrike">
+        <a:defRPr sz="1400" b="0" i="0" u="none" strike="noStrike" cap="none">
           <a:solidFill>
             <a:srgbClr val="000000"/>
           </a:solidFill>
@@ -8388,7 +8947,7 @@
           <a:sym typeface="Arial"/>
         </a:defRPr>
       </a:lvl3pPr>
-      <a:lvl4pPr lvl="3" marR="0" rtl="0" algn="l">
+      <a:lvl4pPr marR="0" lvl="3" algn="l" rtl="0">
         <a:lnSpc>
           <a:spcPct val="100000"/>
         </a:lnSpc>
@@ -8402,7 +8961,7 @@
           <a:srgbClr val="000000"/>
         </a:buClr>
         <a:buFont typeface="Arial"/>
-        <a:defRPr b="0" i="0" sz="1400" u="none" cap="none" strike="noStrike">
+        <a:defRPr sz="1400" b="0" i="0" u="none" strike="noStrike" cap="none">
           <a:solidFill>
             <a:srgbClr val="000000"/>
           </a:solidFill>
@@ -8412,7 +8971,7 @@
           <a:sym typeface="Arial"/>
         </a:defRPr>
       </a:lvl4pPr>
-      <a:lvl5pPr lvl="4" marR="0" rtl="0" algn="l">
+      <a:lvl5pPr marR="0" lvl="4" algn="l" rtl="0">
         <a:lnSpc>
           <a:spcPct val="100000"/>
         </a:lnSpc>
@@ -8426,7 +8985,7 @@
           <a:srgbClr val="000000"/>
         </a:buClr>
         <a:buFont typeface="Arial"/>
-        <a:defRPr b="0" i="0" sz="1400" u="none" cap="none" strike="noStrike">
+        <a:defRPr sz="1400" b="0" i="0" u="none" strike="noStrike" cap="none">
           <a:solidFill>
             <a:srgbClr val="000000"/>
           </a:solidFill>
@@ -8436,7 +8995,7 @@
           <a:sym typeface="Arial"/>
         </a:defRPr>
       </a:lvl5pPr>
-      <a:lvl6pPr lvl="5" marR="0" rtl="0" algn="l">
+      <a:lvl6pPr marR="0" lvl="5" algn="l" rtl="0">
         <a:lnSpc>
           <a:spcPct val="100000"/>
         </a:lnSpc>
@@ -8450,7 +9009,7 @@
           <a:srgbClr val="000000"/>
         </a:buClr>
         <a:buFont typeface="Arial"/>
-        <a:defRPr b="0" i="0" sz="1400" u="none" cap="none" strike="noStrike">
+        <a:defRPr sz="1400" b="0" i="0" u="none" strike="noStrike" cap="none">
           <a:solidFill>
             <a:srgbClr val="000000"/>
           </a:solidFill>
@@ -8460,7 +9019,7 @@
           <a:sym typeface="Arial"/>
         </a:defRPr>
       </a:lvl6pPr>
-      <a:lvl7pPr lvl="6" marR="0" rtl="0" algn="l">
+      <a:lvl7pPr marR="0" lvl="6" algn="l" rtl="0">
         <a:lnSpc>
           <a:spcPct val="100000"/>
         </a:lnSpc>
@@ -8474,7 +9033,7 @@
           <a:srgbClr val="000000"/>
         </a:buClr>
         <a:buFont typeface="Arial"/>
-        <a:defRPr b="0" i="0" sz="1400" u="none" cap="none" strike="noStrike">
+        <a:defRPr sz="1400" b="0" i="0" u="none" strike="noStrike" cap="none">
           <a:solidFill>
             <a:srgbClr val="000000"/>
           </a:solidFill>
@@ -8484,7 +9043,7 @@
           <a:sym typeface="Arial"/>
         </a:defRPr>
       </a:lvl7pPr>
-      <a:lvl8pPr lvl="7" marR="0" rtl="0" algn="l">
+      <a:lvl8pPr marR="0" lvl="7" algn="l" rtl="0">
         <a:lnSpc>
           <a:spcPct val="100000"/>
         </a:lnSpc>
@@ -8498,7 +9057,7 @@
           <a:srgbClr val="000000"/>
         </a:buClr>
         <a:buFont typeface="Arial"/>
-        <a:defRPr b="0" i="0" sz="1400" u="none" cap="none" strike="noStrike">
+        <a:defRPr sz="1400" b="0" i="0" u="none" strike="noStrike" cap="none">
           <a:solidFill>
             <a:srgbClr val="000000"/>
           </a:solidFill>
@@ -8508,7 +9067,7 @@
           <a:sym typeface="Arial"/>
         </a:defRPr>
       </a:lvl8pPr>
-      <a:lvl9pPr lvl="8" marR="0" rtl="0" algn="l">
+      <a:lvl9pPr marR="0" lvl="8" algn="l" rtl="0">
         <a:lnSpc>
           <a:spcPct val="100000"/>
         </a:lnSpc>
@@ -8522,7 +9081,7 @@
           <a:srgbClr val="000000"/>
         </a:buClr>
         <a:buFont typeface="Arial"/>
-        <a:defRPr b="0" i="0" sz="1400" u="none" cap="none" strike="noStrike">
+        <a:defRPr sz="1400" b="0" i="0" u="none" strike="noStrike" cap="none">
           <a:solidFill>
             <a:srgbClr val="000000"/>
           </a:solidFill>
@@ -8534,7 +9093,7 @@
       </a:lvl9pPr>
     </p:titleStyle>
     <p:bodyStyle>
-      <a:defPPr lvl="0" marR="0" rtl="0" algn="l">
+      <a:defPPr marR="0" lvl="0" algn="l" rtl="0">
         <a:lnSpc>
           <a:spcPct val="100000"/>
         </a:lnSpc>
@@ -8545,7 +9104,7 @@
           <a:spcPts val="0"/>
         </a:spcAft>
       </a:defPPr>
-      <a:lvl1pPr lvl="0" marR="0" rtl="0" algn="l">
+      <a:lvl1pPr marR="0" lvl="0" algn="l" rtl="0">
         <a:lnSpc>
           <a:spcPct val="100000"/>
         </a:lnSpc>
@@ -8559,7 +9118,7 @@
           <a:srgbClr val="000000"/>
         </a:buClr>
         <a:buFont typeface="Arial"/>
-        <a:defRPr b="0" i="0" sz="1400" u="none" cap="none" strike="noStrike">
+        <a:defRPr sz="1400" b="0" i="0" u="none" strike="noStrike" cap="none">
           <a:solidFill>
             <a:srgbClr val="000000"/>
           </a:solidFill>
@@ -8569,7 +9128,7 @@
           <a:sym typeface="Arial"/>
         </a:defRPr>
       </a:lvl1pPr>
-      <a:lvl2pPr lvl="1" marR="0" rtl="0" algn="l">
+      <a:lvl2pPr marR="0" lvl="1" algn="l" rtl="0">
         <a:lnSpc>
           <a:spcPct val="100000"/>
         </a:lnSpc>
@@ -8583,7 +9142,7 @@
           <a:srgbClr val="000000"/>
         </a:buClr>
         <a:buFont typeface="Arial"/>
-        <a:defRPr b="0" i="0" sz="1400" u="none" cap="none" strike="noStrike">
+        <a:defRPr sz="1400" b="0" i="0" u="none" strike="noStrike" cap="none">
           <a:solidFill>
             <a:srgbClr val="000000"/>
           </a:solidFill>
@@ -8593,7 +9152,7 @@
           <a:sym typeface="Arial"/>
         </a:defRPr>
       </a:lvl2pPr>
-      <a:lvl3pPr lvl="2" marR="0" rtl="0" algn="l">
+      <a:lvl3pPr marR="0" lvl="2" algn="l" rtl="0">
         <a:lnSpc>
           <a:spcPct val="100000"/>
         </a:lnSpc>
@@ -8607,7 +9166,7 @@
           <a:srgbClr val="000000"/>
         </a:buClr>
         <a:buFont typeface="Arial"/>
-        <a:defRPr b="0" i="0" sz="1400" u="none" cap="none" strike="noStrike">
+        <a:defRPr sz="1400" b="0" i="0" u="none" strike="noStrike" cap="none">
           <a:solidFill>
             <a:srgbClr val="000000"/>
           </a:solidFill>
@@ -8617,7 +9176,7 @@
           <a:sym typeface="Arial"/>
         </a:defRPr>
       </a:lvl3pPr>
-      <a:lvl4pPr lvl="3" marR="0" rtl="0" algn="l">
+      <a:lvl4pPr marR="0" lvl="3" algn="l" rtl="0">
         <a:lnSpc>
           <a:spcPct val="100000"/>
         </a:lnSpc>
@@ -8631,7 +9190,7 @@
           <a:srgbClr val="000000"/>
         </a:buClr>
         <a:buFont typeface="Arial"/>
-        <a:defRPr b="0" i="0" sz="1400" u="none" cap="none" strike="noStrike">
+        <a:defRPr sz="1400" b="0" i="0" u="none" strike="noStrike" cap="none">
           <a:solidFill>
             <a:srgbClr val="000000"/>
           </a:solidFill>
@@ -8641,7 +9200,7 @@
           <a:sym typeface="Arial"/>
         </a:defRPr>
       </a:lvl4pPr>
-      <a:lvl5pPr lvl="4" marR="0" rtl="0" algn="l">
+      <a:lvl5pPr marR="0" lvl="4" algn="l" rtl="0">
         <a:lnSpc>
           <a:spcPct val="100000"/>
         </a:lnSpc>
@@ -8655,7 +9214,7 @@
           <a:srgbClr val="000000"/>
         </a:buClr>
         <a:buFont typeface="Arial"/>
-        <a:defRPr b="0" i="0" sz="1400" u="none" cap="none" strike="noStrike">
+        <a:defRPr sz="1400" b="0" i="0" u="none" strike="noStrike" cap="none">
           <a:solidFill>
             <a:srgbClr val="000000"/>
           </a:solidFill>
@@ -8665,7 +9224,7 @@
           <a:sym typeface="Arial"/>
         </a:defRPr>
       </a:lvl5pPr>
-      <a:lvl6pPr lvl="5" marR="0" rtl="0" algn="l">
+      <a:lvl6pPr marR="0" lvl="5" algn="l" rtl="0">
         <a:lnSpc>
           <a:spcPct val="100000"/>
         </a:lnSpc>
@@ -8679,7 +9238,7 @@
           <a:srgbClr val="000000"/>
         </a:buClr>
         <a:buFont typeface="Arial"/>
-        <a:defRPr b="0" i="0" sz="1400" u="none" cap="none" strike="noStrike">
+        <a:defRPr sz="1400" b="0" i="0" u="none" strike="noStrike" cap="none">
           <a:solidFill>
             <a:srgbClr val="000000"/>
           </a:solidFill>
@@ -8689,7 +9248,7 @@
           <a:sym typeface="Arial"/>
         </a:defRPr>
       </a:lvl6pPr>
-      <a:lvl7pPr lvl="6" marR="0" rtl="0" algn="l">
+      <a:lvl7pPr marR="0" lvl="6" algn="l" rtl="0">
         <a:lnSpc>
           <a:spcPct val="100000"/>
         </a:lnSpc>
@@ -8703,7 +9262,7 @@
           <a:srgbClr val="000000"/>
         </a:buClr>
         <a:buFont typeface="Arial"/>
-        <a:defRPr b="0" i="0" sz="1400" u="none" cap="none" strike="noStrike">
+        <a:defRPr sz="1400" b="0" i="0" u="none" strike="noStrike" cap="none">
           <a:solidFill>
             <a:srgbClr val="000000"/>
           </a:solidFill>
@@ -8713,7 +9272,7 @@
           <a:sym typeface="Arial"/>
         </a:defRPr>
       </a:lvl7pPr>
-      <a:lvl8pPr lvl="7" marR="0" rtl="0" algn="l">
+      <a:lvl8pPr marR="0" lvl="7" algn="l" rtl="0">
         <a:lnSpc>
           <a:spcPct val="100000"/>
         </a:lnSpc>
@@ -8727,7 +9286,7 @@
           <a:srgbClr val="000000"/>
         </a:buClr>
         <a:buFont typeface="Arial"/>
-        <a:defRPr b="0" i="0" sz="1400" u="none" cap="none" strike="noStrike">
+        <a:defRPr sz="1400" b="0" i="0" u="none" strike="noStrike" cap="none">
           <a:solidFill>
             <a:srgbClr val="000000"/>
           </a:solidFill>
@@ -8737,7 +9296,7 @@
           <a:sym typeface="Arial"/>
         </a:defRPr>
       </a:lvl8pPr>
-      <a:lvl9pPr lvl="8" marR="0" rtl="0" algn="l">
+      <a:lvl9pPr marR="0" lvl="8" algn="l" rtl="0">
         <a:lnSpc>
           <a:spcPct val="100000"/>
         </a:lnSpc>
@@ -8751,7 +9310,7 @@
           <a:srgbClr val="000000"/>
         </a:buClr>
         <a:buFont typeface="Arial"/>
-        <a:defRPr b="0" i="0" sz="1400" u="none" cap="none" strike="noStrike">
+        <a:defRPr sz="1400" b="0" i="0" u="none" strike="noStrike" cap="none">
           <a:solidFill>
             <a:srgbClr val="000000"/>
           </a:solidFill>
@@ -8763,7 +9322,7 @@
       </a:lvl9pPr>
     </p:bodyStyle>
     <p:otherStyle>
-      <a:defPPr lvl="0" marR="0" rtl="0" algn="l">
+      <a:defPPr marR="0" lvl="0" algn="l" rtl="0">
         <a:lnSpc>
           <a:spcPct val="100000"/>
         </a:lnSpc>
@@ -8774,7 +9333,7 @@
           <a:spcPts val="0"/>
         </a:spcAft>
       </a:defPPr>
-      <a:lvl1pPr lvl="0" marR="0" rtl="0" algn="l">
+      <a:lvl1pPr marR="0" lvl="0" algn="l" rtl="0">
         <a:lnSpc>
           <a:spcPct val="100000"/>
         </a:lnSpc>
@@ -8788,7 +9347,7 @@
           <a:srgbClr val="000000"/>
         </a:buClr>
         <a:buFont typeface="Arial"/>
-        <a:defRPr b="0" i="0" sz="1400" u="none" cap="none" strike="noStrike">
+        <a:defRPr sz="1400" b="0" i="0" u="none" strike="noStrike" cap="none">
           <a:solidFill>
             <a:srgbClr val="000000"/>
           </a:solidFill>
@@ -8798,7 +9357,7 @@
           <a:sym typeface="Arial"/>
         </a:defRPr>
       </a:lvl1pPr>
-      <a:lvl2pPr lvl="1" marR="0" rtl="0" algn="l">
+      <a:lvl2pPr marR="0" lvl="1" algn="l" rtl="0">
         <a:lnSpc>
           <a:spcPct val="100000"/>
         </a:lnSpc>
@@ -8812,7 +9371,7 @@
           <a:srgbClr val="000000"/>
         </a:buClr>
         <a:buFont typeface="Arial"/>
-        <a:defRPr b="0" i="0" sz="1400" u="none" cap="none" strike="noStrike">
+        <a:defRPr sz="1400" b="0" i="0" u="none" strike="noStrike" cap="none">
           <a:solidFill>
             <a:srgbClr val="000000"/>
           </a:solidFill>
@@ -8822,7 +9381,7 @@
           <a:sym typeface="Arial"/>
         </a:defRPr>
       </a:lvl2pPr>
-      <a:lvl3pPr lvl="2" marR="0" rtl="0" algn="l">
+      <a:lvl3pPr marR="0" lvl="2" algn="l" rtl="0">
         <a:lnSpc>
           <a:spcPct val="100000"/>
         </a:lnSpc>
@@ -8836,7 +9395,7 @@
           <a:srgbClr val="000000"/>
         </a:buClr>
         <a:buFont typeface="Arial"/>
-        <a:defRPr b="0" i="0" sz="1400" u="none" cap="none" strike="noStrike">
+        <a:defRPr sz="1400" b="0" i="0" u="none" strike="noStrike" cap="none">
           <a:solidFill>
             <a:srgbClr val="000000"/>
           </a:solidFill>
@@ -8846,7 +9405,7 @@
           <a:sym typeface="Arial"/>
         </a:defRPr>
       </a:lvl3pPr>
-      <a:lvl4pPr lvl="3" marR="0" rtl="0" algn="l">
+      <a:lvl4pPr marR="0" lvl="3" algn="l" rtl="0">
         <a:lnSpc>
           <a:spcPct val="100000"/>
         </a:lnSpc>
@@ -8860,7 +9419,7 @@
           <a:srgbClr val="000000"/>
         </a:buClr>
         <a:buFont typeface="Arial"/>
-        <a:defRPr b="0" i="0" sz="1400" u="none" cap="none" strike="noStrike">
+        <a:defRPr sz="1400" b="0" i="0" u="none" strike="noStrike" cap="none">
           <a:solidFill>
             <a:srgbClr val="000000"/>
           </a:solidFill>
@@ -8870,7 +9429,7 @@
           <a:sym typeface="Arial"/>
         </a:defRPr>
       </a:lvl4pPr>
-      <a:lvl5pPr lvl="4" marR="0" rtl="0" algn="l">
+      <a:lvl5pPr marR="0" lvl="4" algn="l" rtl="0">
         <a:lnSpc>
           <a:spcPct val="100000"/>
         </a:lnSpc>
@@ -8884,7 +9443,7 @@
           <a:srgbClr val="000000"/>
         </a:buClr>
         <a:buFont typeface="Arial"/>
-        <a:defRPr b="0" i="0" sz="1400" u="none" cap="none" strike="noStrike">
+        <a:defRPr sz="1400" b="0" i="0" u="none" strike="noStrike" cap="none">
           <a:solidFill>
             <a:srgbClr val="000000"/>
           </a:solidFill>
@@ -8894,7 +9453,7 @@
           <a:sym typeface="Arial"/>
         </a:defRPr>
       </a:lvl5pPr>
-      <a:lvl6pPr lvl="5" marR="0" rtl="0" algn="l">
+      <a:lvl6pPr marR="0" lvl="5" algn="l" rtl="0">
         <a:lnSpc>
           <a:spcPct val="100000"/>
         </a:lnSpc>
@@ -8908,7 +9467,7 @@
           <a:srgbClr val="000000"/>
         </a:buClr>
         <a:buFont typeface="Arial"/>
-        <a:defRPr b="0" i="0" sz="1400" u="none" cap="none" strike="noStrike">
+        <a:defRPr sz="1400" b="0" i="0" u="none" strike="noStrike" cap="none">
           <a:solidFill>
             <a:srgbClr val="000000"/>
           </a:solidFill>
@@ -8918,7 +9477,7 @@
           <a:sym typeface="Arial"/>
         </a:defRPr>
       </a:lvl6pPr>
-      <a:lvl7pPr lvl="6" marR="0" rtl="0" algn="l">
+      <a:lvl7pPr marR="0" lvl="6" algn="l" rtl="0">
         <a:lnSpc>
           <a:spcPct val="100000"/>
         </a:lnSpc>
@@ -8932,7 +9491,7 @@
           <a:srgbClr val="000000"/>
         </a:buClr>
         <a:buFont typeface="Arial"/>
-        <a:defRPr b="0" i="0" sz="1400" u="none" cap="none" strike="noStrike">
+        <a:defRPr sz="1400" b="0" i="0" u="none" strike="noStrike" cap="none">
           <a:solidFill>
             <a:srgbClr val="000000"/>
           </a:solidFill>
@@ -8942,7 +9501,7 @@
           <a:sym typeface="Arial"/>
         </a:defRPr>
       </a:lvl7pPr>
-      <a:lvl8pPr lvl="7" marR="0" rtl="0" algn="l">
+      <a:lvl8pPr marR="0" lvl="7" algn="l" rtl="0">
         <a:lnSpc>
           <a:spcPct val="100000"/>
         </a:lnSpc>
@@ -8956,7 +9515,7 @@
           <a:srgbClr val="000000"/>
         </a:buClr>
         <a:buFont typeface="Arial"/>
-        <a:defRPr b="0" i="0" sz="1400" u="none" cap="none" strike="noStrike">
+        <a:defRPr sz="1400" b="0" i="0" u="none" strike="noStrike" cap="none">
           <a:solidFill>
             <a:srgbClr val="000000"/>
           </a:solidFill>
@@ -8966,7 +9525,7 @@
           <a:sym typeface="Arial"/>
         </a:defRPr>
       </a:lvl8pPr>
-      <a:lvl9pPr lvl="8" marR="0" rtl="0" algn="l">
+      <a:lvl9pPr marR="0" lvl="8" algn="l" rtl="0">
         <a:lnSpc>
           <a:spcPct val="100000"/>
         </a:lnSpc>
@@ -8980,7 +9539,7 @@
           <a:srgbClr val="000000"/>
         </a:buClr>
         <a:buFont typeface="Arial"/>
-        <a:defRPr b="0" i="0" sz="1400" u="none" cap="none" strike="noStrike">
+        <a:defRPr sz="1400" b="0" i="0" u="none" strike="noStrike" cap="none">
           <a:solidFill>
             <a:srgbClr val="000000"/>
           </a:solidFill>
@@ -8996,11 +9555,11 @@
 </file>
 
 <file path=ppt/slides/slide1.xml><?xml version="1.0" encoding="utf-8"?>
-<p:sld xmlns:a="http://schemas.openxmlformats.org/drawingml/2006/main" xmlns:r="http://schemas.openxmlformats.org/officeDocument/2006/relationships" xmlns:mc="http://schemas.openxmlformats.org/markup-compatibility/2006" xmlns:mv="urn:schemas-microsoft-com:mac:vml" xmlns:p="http://schemas.openxmlformats.org/presentationml/2006/main" xmlns:c="http://schemas.openxmlformats.org/drawingml/2006/chart" xmlns:dgm="http://schemas.openxmlformats.org/drawingml/2006/diagram" xmlns:o="urn:schemas-microsoft-com:office:office" xmlns:v="urn:schemas-microsoft-com:vml" xmlns:pvml="urn:schemas-microsoft-com:office:powerpoint" xmlns:com="http://schemas.openxmlformats.org/drawingml/2006/compatibility" xmlns:p14="http://schemas.microsoft.com/office/powerpoint/2010/main" xmlns:p15="http://schemas.microsoft.com/office/powerpoint/2012/main" xmlns:ahyp="http://schemas.microsoft.com/office/drawing/2018/hyperlinkcolor">
+<p:sld xmlns:a="http://schemas.openxmlformats.org/drawingml/2006/main" xmlns:r="http://schemas.openxmlformats.org/officeDocument/2006/relationships" xmlns:p="http://schemas.openxmlformats.org/presentationml/2006/main">
   <p:cSld>
     <p:spTree>
       <p:nvGrpSpPr>
-        <p:cNvPr id="85" name="Shape 85"/>
+        <p:cNvPr id="1" name="Shape 85"/>
         <p:cNvGrpSpPr/>
         <p:nvPr/>
       </p:nvGrpSpPr>
@@ -9015,7 +9574,9 @@
       <p:sp>
         <p:nvSpPr>
           <p:cNvPr id="86" name="Google Shape;86;p13"/>
-          <p:cNvSpPr txBox="1"/>
+          <p:cNvSpPr txBox="1">
+            <a:spLocks noGrp="1"/>
+          </p:cNvSpPr>
           <p:nvPr>
             <p:ph type="ctrTitle"/>
           </p:nvPr>
@@ -9030,12 +9591,12 @@
           </a:prstGeom>
         </p:spPr>
         <p:txBody>
-          <a:bodyPr anchorCtr="0" anchor="t" bIns="91425" lIns="91425" spcFirstLastPara="1" rIns="91425" wrap="square" tIns="91425">
+          <a:bodyPr spcFirstLastPara="1" wrap="square" lIns="91425" tIns="91425" rIns="91425" bIns="91425" anchor="t" anchorCtr="0">
             <a:normAutofit/>
           </a:bodyPr>
           <a:lstStyle/>
           <a:p>
-            <a:pPr indent="0" lvl="0" marL="0" rtl="0" algn="l">
+            <a:pPr marL="0" lvl="0" indent="0" algn="l" rtl="0">
               <a:spcBef>
                 <a:spcPts val="0"/>
               </a:spcBef>
@@ -9046,18 +9607,24 @@
             </a:pPr>
             <a:r>
               <a:rPr lang="en"/>
-              <a:t>COMP 494 Final Project Presentation</a:t>
+              <a:t>Final </a:t>
             </a:r>
-            <a:endParaRPr/>
+            <a:r>
+              <a:rPr lang="en" dirty="0"/>
+              <a:t>Project Presentation</a:t>
+            </a:r>
+            <a:endParaRPr dirty="0"/>
           </a:p>
         </p:txBody>
       </p:sp>
       <p:sp>
         <p:nvSpPr>
           <p:cNvPr id="87" name="Google Shape;87;p13"/>
-          <p:cNvSpPr txBox="1"/>
+          <p:cNvSpPr txBox="1">
+            <a:spLocks noGrp="1"/>
+          </p:cNvSpPr>
           <p:nvPr>
-            <p:ph idx="1" type="subTitle"/>
+            <p:ph type="subTitle" idx="1"/>
           </p:nvPr>
         </p:nvSpPr>
         <p:spPr>
@@ -9070,12 +9637,12 @@
           </a:prstGeom>
         </p:spPr>
         <p:txBody>
-          <a:bodyPr anchorCtr="0" anchor="t" bIns="91425" lIns="91425" spcFirstLastPara="1" rIns="91425" wrap="square" tIns="91425">
+          <a:bodyPr spcFirstLastPara="1" wrap="square" lIns="91425" tIns="91425" rIns="91425" bIns="91425" anchor="t" anchorCtr="0">
             <a:noAutofit/>
           </a:bodyPr>
           <a:lstStyle/>
           <a:p>
-            <a:pPr indent="0" lvl="0" marL="0" rtl="0" algn="l">
+            <a:pPr marL="0" lvl="0" indent="0" algn="l" rtl="0">
               <a:spcBef>
                 <a:spcPts val="0"/>
               </a:spcBef>
@@ -9085,17 +9652,17 @@
               <a:buNone/>
             </a:pPr>
             <a:r>
-              <a:rPr b="1" lang="en" sz="2600"/>
+              <a:rPr lang="en" sz="2600" b="1" dirty="0"/>
               <a:t>Team:</a:t>
             </a:r>
             <a:r>
-              <a:rPr lang="en" sz="2600"/>
+              <a:rPr lang="en" sz="2600" dirty="0"/>
               <a:t> Daniel Matlock</a:t>
             </a:r>
-            <a:endParaRPr sz="2600"/>
-          </a:p>
-          <a:p>
-            <a:pPr indent="0" lvl="0" marL="0" rtl="0" algn="l">
+            <a:endParaRPr sz="2600" dirty="0"/>
+          </a:p>
+          <a:p>
+            <a:pPr marL="0" lvl="0" indent="0" algn="l" rtl="0">
               <a:spcBef>
                 <a:spcPts val="0"/>
               </a:spcBef>
@@ -9105,14 +9672,14 @@
               <a:buNone/>
             </a:pPr>
             <a:r>
-              <a:rPr b="1" lang="en" sz="2600"/>
+              <a:rPr lang="en" sz="2600" b="1" dirty="0"/>
               <a:t>Date:</a:t>
             </a:r>
             <a:r>
-              <a:rPr lang="en" sz="2600"/>
-              <a:t> 4/28/2022</a:t>
+              <a:rPr lang="en" sz="2600" dirty="0"/>
+              <a:t> 5/21/2024</a:t>
             </a:r>
-            <a:endParaRPr sz="2600"/>
+            <a:endParaRPr sz="2600" dirty="0"/>
           </a:p>
         </p:txBody>
       </p:sp>
@@ -9125,11 +9692,11 @@
 </file>
 
 <file path=ppt/slides/slide10.xml><?xml version="1.0" encoding="utf-8"?>
-<p:sld xmlns:a="http://schemas.openxmlformats.org/drawingml/2006/main" xmlns:r="http://schemas.openxmlformats.org/officeDocument/2006/relationships" xmlns:mc="http://schemas.openxmlformats.org/markup-compatibility/2006" xmlns:mv="urn:schemas-microsoft-com:mac:vml" xmlns:p="http://schemas.openxmlformats.org/presentationml/2006/main" xmlns:c="http://schemas.openxmlformats.org/drawingml/2006/chart" xmlns:dgm="http://schemas.openxmlformats.org/drawingml/2006/diagram" xmlns:o="urn:schemas-microsoft-com:office:office" xmlns:v="urn:schemas-microsoft-com:vml" xmlns:pvml="urn:schemas-microsoft-com:office:powerpoint" xmlns:com="http://schemas.openxmlformats.org/drawingml/2006/compatibility" xmlns:p14="http://schemas.microsoft.com/office/powerpoint/2010/main" xmlns:p15="http://schemas.microsoft.com/office/powerpoint/2012/main" xmlns:ahyp="http://schemas.microsoft.com/office/drawing/2018/hyperlinkcolor">
+<p:sld xmlns:a="http://schemas.openxmlformats.org/drawingml/2006/main" xmlns:r="http://schemas.openxmlformats.org/officeDocument/2006/relationships" xmlns:p="http://schemas.openxmlformats.org/presentationml/2006/main">
   <p:cSld>
     <p:spTree>
       <p:nvGrpSpPr>
-        <p:cNvPr id="140" name="Shape 140"/>
+        <p:cNvPr id="1" name="Shape 140"/>
         <p:cNvGrpSpPr/>
         <p:nvPr/>
       </p:nvGrpSpPr>
@@ -9144,7 +9711,9 @@
       <p:sp>
         <p:nvSpPr>
           <p:cNvPr id="141" name="Google Shape;141;p22"/>
-          <p:cNvSpPr txBox="1"/>
+          <p:cNvSpPr txBox="1">
+            <a:spLocks noGrp="1"/>
+          </p:cNvSpPr>
           <p:nvPr>
             <p:ph type="title"/>
           </p:nvPr>
@@ -9159,12 +9728,12 @@
           </a:prstGeom>
         </p:spPr>
         <p:txBody>
-          <a:bodyPr anchorCtr="0" anchor="t" bIns="91425" lIns="91425" spcFirstLastPara="1" rIns="91425" wrap="square" tIns="91425">
+          <a:bodyPr spcFirstLastPara="1" wrap="square" lIns="91425" tIns="91425" rIns="91425" bIns="91425" anchor="t" anchorCtr="0">
             <a:normAutofit fontScale="90000"/>
           </a:bodyPr>
           <a:lstStyle/>
           <a:p>
-            <a:pPr indent="0" lvl="0" marL="0" rtl="0" algn="l">
+            <a:pPr marL="0" lvl="0" indent="0" algn="l" rtl="0">
               <a:spcBef>
                 <a:spcPts val="0"/>
               </a:spcBef>
@@ -9180,7 +9749,7 @@
             <a:endParaRPr/>
           </a:p>
           <a:p>
-            <a:pPr indent="0" lvl="0" marL="0" rtl="0" algn="l">
+            <a:pPr marL="0" lvl="0" indent="0" algn="l" rtl="0">
               <a:spcBef>
                 <a:spcPts val="0"/>
               </a:spcBef>
@@ -9189,9 +9758,6 @@
               </a:spcAft>
               <a:buNone/>
             </a:pPr>
-            <a:r>
-              <a:t/>
-            </a:r>
             <a:endParaRPr/>
           </a:p>
         </p:txBody>
@@ -9199,9 +9765,11 @@
       <p:sp>
         <p:nvSpPr>
           <p:cNvPr id="142" name="Google Shape;142;p22"/>
-          <p:cNvSpPr txBox="1"/>
+          <p:cNvSpPr txBox="1">
+            <a:spLocks noGrp="1"/>
+          </p:cNvSpPr>
           <p:nvPr>
-            <p:ph idx="1" type="body"/>
+            <p:ph type="body" idx="1"/>
           </p:nvPr>
         </p:nvSpPr>
         <p:spPr>
@@ -9214,12 +9782,12 @@
           </a:prstGeom>
         </p:spPr>
         <p:txBody>
-          <a:bodyPr anchorCtr="0" anchor="t" bIns="91425" lIns="91425" spcFirstLastPara="1" rIns="91425" wrap="square" tIns="91425">
+          <a:bodyPr spcFirstLastPara="1" wrap="square" lIns="91425" tIns="91425" rIns="91425" bIns="91425" anchor="t" anchorCtr="0">
             <a:normAutofit/>
           </a:bodyPr>
           <a:lstStyle/>
           <a:p>
-            <a:pPr indent="-311150" lvl="0" marL="457200" rtl="0" algn="l">
+            <a:pPr marL="457200" lvl="0" indent="-311150" algn="l" rtl="0">
               <a:spcBef>
                 <a:spcPts val="0"/>
               </a:spcBef>
@@ -9302,11 +9870,11 @@
 </file>
 
 <file path=ppt/slides/slide11.xml><?xml version="1.0" encoding="utf-8"?>
-<p:sld xmlns:a="http://schemas.openxmlformats.org/drawingml/2006/main" xmlns:r="http://schemas.openxmlformats.org/officeDocument/2006/relationships" xmlns:mc="http://schemas.openxmlformats.org/markup-compatibility/2006" xmlns:mv="urn:schemas-microsoft-com:mac:vml" xmlns:p="http://schemas.openxmlformats.org/presentationml/2006/main" xmlns:c="http://schemas.openxmlformats.org/drawingml/2006/chart" xmlns:dgm="http://schemas.openxmlformats.org/drawingml/2006/diagram" xmlns:o="urn:schemas-microsoft-com:office:office" xmlns:v="urn:schemas-microsoft-com:vml" xmlns:pvml="urn:schemas-microsoft-com:office:powerpoint" xmlns:com="http://schemas.openxmlformats.org/drawingml/2006/compatibility" xmlns:p14="http://schemas.microsoft.com/office/powerpoint/2010/main" xmlns:p15="http://schemas.microsoft.com/office/powerpoint/2012/main" xmlns:ahyp="http://schemas.microsoft.com/office/drawing/2018/hyperlinkcolor">
+<p:sld xmlns:a="http://schemas.openxmlformats.org/drawingml/2006/main" xmlns:r="http://schemas.openxmlformats.org/officeDocument/2006/relationships" xmlns:p="http://schemas.openxmlformats.org/presentationml/2006/main">
   <p:cSld>
     <p:spTree>
       <p:nvGrpSpPr>
-        <p:cNvPr id="148" name="Shape 148"/>
+        <p:cNvPr id="1" name="Shape 148"/>
         <p:cNvGrpSpPr/>
         <p:nvPr/>
       </p:nvGrpSpPr>
@@ -9321,7 +9889,9 @@
       <p:sp>
         <p:nvSpPr>
           <p:cNvPr id="149" name="Google Shape;149;p23"/>
-          <p:cNvSpPr txBox="1"/>
+          <p:cNvSpPr txBox="1">
+            <a:spLocks noGrp="1"/>
+          </p:cNvSpPr>
           <p:nvPr>
             <p:ph type="ctrTitle"/>
           </p:nvPr>
@@ -9336,12 +9906,12 @@
           </a:prstGeom>
         </p:spPr>
         <p:txBody>
-          <a:bodyPr anchorCtr="0" anchor="t" bIns="91425" lIns="91425" spcFirstLastPara="1" rIns="91425" wrap="square" tIns="91425">
+          <a:bodyPr spcFirstLastPara="1" wrap="square" lIns="91425" tIns="91425" rIns="91425" bIns="91425" anchor="t" anchorCtr="0">
             <a:normAutofit/>
           </a:bodyPr>
           <a:lstStyle/>
           <a:p>
-            <a:pPr indent="0" lvl="0" marL="0" rtl="0" algn="l">
+            <a:pPr marL="0" lvl="0" indent="0" algn="l" rtl="0">
               <a:spcBef>
                 <a:spcPts val="0"/>
               </a:spcBef>
@@ -9361,9 +9931,11 @@
       <p:sp>
         <p:nvSpPr>
           <p:cNvPr id="150" name="Google Shape;150;p23"/>
-          <p:cNvSpPr txBox="1"/>
+          <p:cNvSpPr txBox="1">
+            <a:spLocks noGrp="1"/>
+          </p:cNvSpPr>
           <p:nvPr>
-            <p:ph idx="1" type="subTitle"/>
+            <p:ph type="subTitle" idx="1"/>
           </p:nvPr>
         </p:nvSpPr>
         <p:spPr>
@@ -9376,12 +9948,12 @@
           </a:prstGeom>
         </p:spPr>
         <p:txBody>
-          <a:bodyPr anchorCtr="0" anchor="t" bIns="91425" lIns="91425" spcFirstLastPara="1" rIns="91425" wrap="square" tIns="91425">
+          <a:bodyPr spcFirstLastPara="1" wrap="square" lIns="91425" tIns="91425" rIns="91425" bIns="91425" anchor="t" anchorCtr="0">
             <a:normAutofit/>
           </a:bodyPr>
           <a:lstStyle/>
           <a:p>
-            <a:pPr indent="0" lvl="0" marL="0" rtl="0" algn="l">
+            <a:pPr marL="0" lvl="0" indent="0" algn="l" rtl="0">
               <a:spcBef>
                 <a:spcPts val="0"/>
               </a:spcBef>
@@ -9390,9 +9962,6 @@
               </a:spcAft>
               <a:buNone/>
             </a:pPr>
-            <a:r>
-              <a:t/>
-            </a:r>
             <a:endParaRPr/>
           </a:p>
         </p:txBody>
@@ -9406,11 +9975,11 @@
 </file>
 
 <file path=ppt/slides/slide12.xml><?xml version="1.0" encoding="utf-8"?>
-<p:sld xmlns:a="http://schemas.openxmlformats.org/drawingml/2006/main" xmlns:r="http://schemas.openxmlformats.org/officeDocument/2006/relationships" xmlns:mc="http://schemas.openxmlformats.org/markup-compatibility/2006" xmlns:mv="urn:schemas-microsoft-com:mac:vml" xmlns:p="http://schemas.openxmlformats.org/presentationml/2006/main" xmlns:c="http://schemas.openxmlformats.org/drawingml/2006/chart" xmlns:dgm="http://schemas.openxmlformats.org/drawingml/2006/diagram" xmlns:o="urn:schemas-microsoft-com:office:office" xmlns:v="urn:schemas-microsoft-com:vml" xmlns:pvml="urn:schemas-microsoft-com:office:powerpoint" xmlns:com="http://schemas.openxmlformats.org/drawingml/2006/compatibility" xmlns:p14="http://schemas.microsoft.com/office/powerpoint/2010/main" xmlns:p15="http://schemas.microsoft.com/office/powerpoint/2012/main" xmlns:ahyp="http://schemas.microsoft.com/office/drawing/2018/hyperlinkcolor">
+<p:sld xmlns:a="http://schemas.openxmlformats.org/drawingml/2006/main" xmlns:r="http://schemas.openxmlformats.org/officeDocument/2006/relationships" xmlns:p="http://schemas.openxmlformats.org/presentationml/2006/main">
   <p:cSld>
     <p:spTree>
       <p:nvGrpSpPr>
-        <p:cNvPr id="154" name="Shape 154"/>
+        <p:cNvPr id="1" name="Shape 154"/>
         <p:cNvGrpSpPr/>
         <p:nvPr/>
       </p:nvGrpSpPr>
@@ -9453,7 +10022,9 @@
       <p:sp>
         <p:nvSpPr>
           <p:cNvPr id="156" name="Google Shape;156;p24"/>
-          <p:cNvSpPr txBox="1"/>
+          <p:cNvSpPr txBox="1">
+            <a:spLocks noGrp="1"/>
+          </p:cNvSpPr>
           <p:nvPr>
             <p:ph type="title"/>
           </p:nvPr>
@@ -9468,12 +10039,12 @@
           </a:prstGeom>
         </p:spPr>
         <p:txBody>
-          <a:bodyPr anchorCtr="0" anchor="t" bIns="91425" lIns="91425" spcFirstLastPara="1" rIns="91425" wrap="square" tIns="91425">
+          <a:bodyPr spcFirstLastPara="1" wrap="square" lIns="91425" tIns="91425" rIns="91425" bIns="91425" anchor="t" anchorCtr="0">
             <a:normAutofit fontScale="90000"/>
           </a:bodyPr>
           <a:lstStyle/>
           <a:p>
-            <a:pPr indent="0" lvl="0" marL="0" rtl="0" algn="l">
+            <a:pPr marL="0" lvl="0" indent="0" algn="l" rtl="0">
               <a:spcBef>
                 <a:spcPts val="0"/>
               </a:spcBef>
@@ -9493,9 +10064,11 @@
       <p:sp>
         <p:nvSpPr>
           <p:cNvPr id="157" name="Google Shape;157;p24"/>
-          <p:cNvSpPr txBox="1"/>
+          <p:cNvSpPr txBox="1">
+            <a:spLocks noGrp="1"/>
+          </p:cNvSpPr>
           <p:nvPr>
-            <p:ph idx="1" type="body"/>
+            <p:ph type="body" idx="1"/>
           </p:nvPr>
         </p:nvSpPr>
         <p:spPr>
@@ -9508,12 +10081,12 @@
           </a:prstGeom>
         </p:spPr>
         <p:txBody>
-          <a:bodyPr anchorCtr="0" anchor="t" bIns="91425" lIns="91425" spcFirstLastPara="1" rIns="91425" wrap="square" tIns="91425">
+          <a:bodyPr spcFirstLastPara="1" wrap="square" lIns="91425" tIns="91425" rIns="91425" bIns="91425" anchor="t" anchorCtr="0">
             <a:normAutofit/>
           </a:bodyPr>
           <a:lstStyle/>
           <a:p>
-            <a:pPr indent="-311150" lvl="0" marL="457200" rtl="0" algn="l">
+            <a:pPr marL="457200" lvl="0" indent="-311150" algn="l" rtl="0">
               <a:spcBef>
                 <a:spcPts val="0"/>
               </a:spcBef>
@@ -9525,16 +10098,12 @@
             </a:pPr>
             <a:r>
               <a:rPr lang="en"/>
-              <a:t>Looked at correlation matrix to determine if there were andy highly correlated </a:t>
-            </a:r>
-            <a:r>
-              <a:rPr lang="en"/>
-              <a:t>variables with our target variable</a:t>
+              <a:t>Looked at correlation matrix to determine if there were andy highly correlated variables with our target variable</a:t>
             </a:r>
             <a:endParaRPr/>
           </a:p>
           <a:p>
-            <a:pPr indent="0" lvl="0" marL="457200" rtl="0" algn="l">
+            <a:pPr marL="457200" lvl="0" indent="0" algn="l" rtl="0">
               <a:spcBef>
                 <a:spcPts val="1200"/>
               </a:spcBef>
@@ -9543,13 +10112,10 @@
               </a:spcAft>
               <a:buNone/>
             </a:pPr>
-            <a:r>
-              <a:t/>
-            </a:r>
             <a:endParaRPr/>
           </a:p>
           <a:p>
-            <a:pPr indent="-311150" lvl="0" marL="457200" rtl="0" algn="l">
+            <a:pPr marL="457200" lvl="0" indent="-311150" algn="l" rtl="0">
               <a:spcBef>
                 <a:spcPts val="1200"/>
               </a:spcBef>
@@ -9576,11 +10142,11 @@
 </file>
 
 <file path=ppt/slides/slide13.xml><?xml version="1.0" encoding="utf-8"?>
-<p:sld xmlns:a="http://schemas.openxmlformats.org/drawingml/2006/main" xmlns:r="http://schemas.openxmlformats.org/officeDocument/2006/relationships" xmlns:mc="http://schemas.openxmlformats.org/markup-compatibility/2006" xmlns:mv="urn:schemas-microsoft-com:mac:vml" xmlns:p="http://schemas.openxmlformats.org/presentationml/2006/main" xmlns:c="http://schemas.openxmlformats.org/drawingml/2006/chart" xmlns:dgm="http://schemas.openxmlformats.org/drawingml/2006/diagram" xmlns:o="urn:schemas-microsoft-com:office:office" xmlns:v="urn:schemas-microsoft-com:vml" xmlns:pvml="urn:schemas-microsoft-com:office:powerpoint" xmlns:com="http://schemas.openxmlformats.org/drawingml/2006/compatibility" xmlns:p14="http://schemas.microsoft.com/office/powerpoint/2010/main" xmlns:p15="http://schemas.microsoft.com/office/powerpoint/2012/main" xmlns:ahyp="http://schemas.microsoft.com/office/drawing/2018/hyperlinkcolor">
+<p:sld xmlns:a="http://schemas.openxmlformats.org/drawingml/2006/main" xmlns:r="http://schemas.openxmlformats.org/officeDocument/2006/relationships" xmlns:p="http://schemas.openxmlformats.org/presentationml/2006/main">
   <p:cSld>
     <p:spTree>
       <p:nvGrpSpPr>
-        <p:cNvPr id="161" name="Shape 161"/>
+        <p:cNvPr id="1" name="Shape 161"/>
         <p:cNvGrpSpPr/>
         <p:nvPr/>
       </p:nvGrpSpPr>
@@ -9595,7 +10161,9 @@
       <p:sp>
         <p:nvSpPr>
           <p:cNvPr id="162" name="Google Shape;162;p25"/>
-          <p:cNvSpPr txBox="1"/>
+          <p:cNvSpPr txBox="1">
+            <a:spLocks noGrp="1"/>
+          </p:cNvSpPr>
           <p:nvPr>
             <p:ph type="title"/>
           </p:nvPr>
@@ -9610,12 +10178,12 @@
           </a:prstGeom>
         </p:spPr>
         <p:txBody>
-          <a:bodyPr anchorCtr="0" anchor="t" bIns="91425" lIns="91425" spcFirstLastPara="1" rIns="91425" wrap="square" tIns="91425">
+          <a:bodyPr spcFirstLastPara="1" wrap="square" lIns="91425" tIns="91425" rIns="91425" bIns="91425" anchor="t" anchorCtr="0">
             <a:normAutofit fontScale="90000"/>
           </a:bodyPr>
           <a:lstStyle/>
           <a:p>
-            <a:pPr indent="0" lvl="0" marL="0" rtl="0" algn="l">
+            <a:pPr marL="0" lvl="0" indent="0" algn="l" rtl="0">
               <a:spcBef>
                 <a:spcPts val="0"/>
               </a:spcBef>
@@ -9625,13 +10193,13 @@
               <a:buNone/>
             </a:pPr>
             <a:r>
-              <a:rPr lang="en"/>
+              <a:rPr lang="en" dirty="0"/>
               <a:t>Data Analysis and Visualization</a:t>
             </a:r>
-            <a:endParaRPr/>
-          </a:p>
-          <a:p>
-            <a:pPr indent="0" lvl="0" marL="0" rtl="0" algn="l">
+            <a:endParaRPr dirty="0"/>
+          </a:p>
+          <a:p>
+            <a:pPr marL="0" lvl="0" indent="0" algn="l" rtl="0">
               <a:spcBef>
                 <a:spcPts val="0"/>
               </a:spcBef>
@@ -9640,10 +10208,7 @@
               </a:spcAft>
               <a:buNone/>
             </a:pPr>
-            <a:r>
-              <a:t/>
-            </a:r>
-            <a:endParaRPr/>
+            <a:endParaRPr dirty="0"/>
           </a:p>
         </p:txBody>
       </p:sp>
@@ -9678,9 +10243,11 @@
       <p:sp>
         <p:nvSpPr>
           <p:cNvPr id="164" name="Google Shape;164;p25"/>
-          <p:cNvSpPr txBox="1"/>
+          <p:cNvSpPr txBox="1">
+            <a:spLocks noGrp="1"/>
+          </p:cNvSpPr>
           <p:nvPr>
-            <p:ph idx="1" type="body"/>
+            <p:ph type="body" idx="1"/>
           </p:nvPr>
         </p:nvSpPr>
         <p:spPr>
@@ -9693,12 +10260,12 @@
           </a:prstGeom>
         </p:spPr>
         <p:txBody>
-          <a:bodyPr anchorCtr="0" anchor="t" bIns="91425" lIns="91425" spcFirstLastPara="1" rIns="91425" wrap="square" tIns="91425">
+          <a:bodyPr spcFirstLastPara="1" wrap="square" lIns="91425" tIns="91425" rIns="91425" bIns="91425" anchor="t" anchorCtr="0">
             <a:normAutofit/>
           </a:bodyPr>
           <a:lstStyle/>
           <a:p>
-            <a:pPr indent="-311150" lvl="0" marL="457200" rtl="0" algn="l">
+            <a:pPr marL="457200" lvl="0" indent="-311150" algn="l" rtl="0">
               <a:spcBef>
                 <a:spcPts val="0"/>
               </a:spcBef>
@@ -9715,7 +10282,7 @@
             <a:endParaRPr/>
           </a:p>
           <a:p>
-            <a:pPr indent="-298450" lvl="1" marL="914400" rtl="0" algn="l">
+            <a:pPr marL="914400" lvl="1" indent="-298450" algn="l" rtl="0">
               <a:spcBef>
                 <a:spcPts val="0"/>
               </a:spcBef>
@@ -9732,7 +10299,7 @@
             <a:endParaRPr/>
           </a:p>
           <a:p>
-            <a:pPr indent="0" lvl="0" marL="914400" rtl="0" algn="l">
+            <a:pPr marL="914400" lvl="0" indent="0" algn="l" rtl="0">
               <a:spcBef>
                 <a:spcPts val="1200"/>
               </a:spcBef>
@@ -9741,13 +10308,10 @@
               </a:spcAft>
               <a:buNone/>
             </a:pPr>
-            <a:r>
-              <a:t/>
-            </a:r>
             <a:endParaRPr/>
           </a:p>
           <a:p>
-            <a:pPr indent="-311150" lvl="0" marL="457200" rtl="0" algn="l">
+            <a:pPr marL="457200" lvl="0" indent="-311150" algn="l" rtl="0">
               <a:spcBef>
                 <a:spcPts val="1200"/>
               </a:spcBef>
@@ -9764,7 +10328,7 @@
             <a:endParaRPr/>
           </a:p>
           <a:p>
-            <a:pPr indent="-298450" lvl="1" marL="914400" rtl="0" algn="l">
+            <a:pPr marL="914400" lvl="1" indent="-298450" algn="l" rtl="0">
               <a:spcBef>
                 <a:spcPts val="0"/>
               </a:spcBef>
@@ -9781,7 +10345,7 @@
             <a:endParaRPr/>
           </a:p>
           <a:p>
-            <a:pPr indent="-298450" lvl="1" marL="914400" rtl="0" algn="l">
+            <a:pPr marL="914400" lvl="1" indent="-298450" algn="l" rtl="0">
               <a:spcBef>
                 <a:spcPts val="0"/>
               </a:spcBef>
@@ -9792,7 +10356,7 @@
               <a:buChar char="○"/>
             </a:pPr>
             <a:r>
-              <a:rPr b="1" lang="en"/>
+              <a:rPr lang="en" b="1"/>
               <a:t>Total Square Footage</a:t>
             </a:r>
             <a:r>
@@ -9812,11 +10376,265 @@
 </file>
 
 <file path=ppt/slides/slide14.xml><?xml version="1.0" encoding="utf-8"?>
-<p:sld xmlns:a="http://schemas.openxmlformats.org/drawingml/2006/main" xmlns:r="http://schemas.openxmlformats.org/officeDocument/2006/relationships" xmlns:mc="http://schemas.openxmlformats.org/markup-compatibility/2006" xmlns:mv="urn:schemas-microsoft-com:mac:vml" xmlns:p="http://schemas.openxmlformats.org/presentationml/2006/main" xmlns:c="http://schemas.openxmlformats.org/drawingml/2006/chart" xmlns:dgm="http://schemas.openxmlformats.org/drawingml/2006/diagram" xmlns:o="urn:schemas-microsoft-com:office:office" xmlns:v="urn:schemas-microsoft-com:vml" xmlns:pvml="urn:schemas-microsoft-com:office:powerpoint" xmlns:com="http://schemas.openxmlformats.org/drawingml/2006/compatibility" xmlns:p14="http://schemas.microsoft.com/office/powerpoint/2010/main" xmlns:p15="http://schemas.microsoft.com/office/powerpoint/2012/main" xmlns:ahyp="http://schemas.microsoft.com/office/drawing/2018/hyperlinkcolor">
+<p:sld xmlns:a="http://schemas.openxmlformats.org/drawingml/2006/main" xmlns:r="http://schemas.openxmlformats.org/officeDocument/2006/relationships" xmlns:p="http://schemas.openxmlformats.org/presentationml/2006/main">
   <p:cSld>
     <p:spTree>
       <p:nvGrpSpPr>
-        <p:cNvPr id="168" name="Shape 168"/>
+        <p:cNvPr id="1" name=""/>
+        <p:cNvGrpSpPr/>
+        <p:nvPr/>
+      </p:nvGrpSpPr>
+      <p:grpSpPr>
+        <a:xfrm>
+          <a:off x="0" y="0"/>
+          <a:ext cx="0" cy="0"/>
+          <a:chOff x="0" y="0"/>
+          <a:chExt cx="0" cy="0"/>
+        </a:xfrm>
+      </p:grpSpPr>
+      <p:sp>
+        <p:nvSpPr>
+          <p:cNvPr id="2" name="Title 1">
+            <a:extLst>
+              <a:ext uri="{FF2B5EF4-FFF2-40B4-BE49-F238E27FC236}">
+                <a16:creationId xmlns:a16="http://schemas.microsoft.com/office/drawing/2014/main" id="{476C611E-DD44-BD09-24BF-624DA140191B}"/>
+              </a:ext>
+            </a:extLst>
+          </p:cNvPr>
+          <p:cNvSpPr>
+            <a:spLocks noGrp="1"/>
+          </p:cNvSpPr>
+          <p:nvPr>
+            <p:ph type="title"/>
+          </p:nvPr>
+        </p:nvSpPr>
+        <p:spPr/>
+        <p:txBody>
+          <a:bodyPr>
+            <a:normAutofit fontScale="90000"/>
+          </a:bodyPr>
+          <a:lstStyle/>
+          <a:p>
+            <a:r>
+              <a:rPr lang="en" dirty="0"/>
+              <a:t>Data Analysis and Visualization</a:t>
+            </a:r>
+            <a:endParaRPr lang="en-US" dirty="0"/>
+          </a:p>
+        </p:txBody>
+      </p:sp>
+      <p:sp>
+        <p:nvSpPr>
+          <p:cNvPr id="3" name="Text Placeholder 2">
+            <a:extLst>
+              <a:ext uri="{FF2B5EF4-FFF2-40B4-BE49-F238E27FC236}">
+                <a16:creationId xmlns:a16="http://schemas.microsoft.com/office/drawing/2014/main" id="{C33D9536-E193-F507-F8A2-023C9D932E01}"/>
+              </a:ext>
+            </a:extLst>
+          </p:cNvPr>
+          <p:cNvSpPr>
+            <a:spLocks noGrp="1"/>
+          </p:cNvSpPr>
+          <p:nvPr>
+            <p:ph type="body" idx="1"/>
+          </p:nvPr>
+        </p:nvSpPr>
+        <p:spPr>
+          <a:xfrm>
+            <a:off x="729450" y="2078875"/>
+            <a:ext cx="2670203" cy="2261100"/>
+          </a:xfrm>
+        </p:spPr>
+        <p:txBody>
+          <a:bodyPr/>
+          <a:lstStyle/>
+          <a:p>
+            <a:r>
+              <a:rPr lang="en-US" dirty="0"/>
+              <a:t>We see sale price is seasonal and is inversely related with demand</a:t>
+            </a:r>
+          </a:p>
+        </p:txBody>
+      </p:sp>
+      <p:pic>
+        <p:nvPicPr>
+          <p:cNvPr id="11" name="Picture 10" descr="A graph showing sales and a number of sales&#10;&#10;Description automatically generated">
+            <a:extLst>
+              <a:ext uri="{FF2B5EF4-FFF2-40B4-BE49-F238E27FC236}">
+                <a16:creationId xmlns:a16="http://schemas.microsoft.com/office/drawing/2014/main" id="{1D537561-ACF8-544D-1A4B-2DEE0CA2BAEF}"/>
+              </a:ext>
+            </a:extLst>
+          </p:cNvPr>
+          <p:cNvPicPr>
+            <a:picLocks noChangeAspect="1"/>
+          </p:cNvPicPr>
+          <p:nvPr/>
+        </p:nvPicPr>
+        <p:blipFill>
+          <a:blip r:embed="rId2"/>
+          <a:stretch>
+            <a:fillRect/>
+          </a:stretch>
+        </p:blipFill>
+        <p:spPr>
+          <a:xfrm>
+            <a:off x="3399653" y="1768010"/>
+            <a:ext cx="5530164" cy="3244363"/>
+          </a:xfrm>
+          <a:prstGeom prst="rect">
+            <a:avLst/>
+          </a:prstGeom>
+        </p:spPr>
+      </p:pic>
+    </p:spTree>
+    <p:extLst>
+      <p:ext uri="{BB962C8B-B14F-4D97-AF65-F5344CB8AC3E}">
+        <p14:creationId xmlns:p14="http://schemas.microsoft.com/office/powerpoint/2010/main" val="2550754232"/>
+      </p:ext>
+    </p:extLst>
+  </p:cSld>
+  <p:clrMapOvr>
+    <a:masterClrMapping/>
+  </p:clrMapOvr>
+</p:sld>
+</file>
+
+<file path=ppt/slides/slide15.xml><?xml version="1.0" encoding="utf-8"?>
+<p:sld xmlns:a="http://schemas.openxmlformats.org/drawingml/2006/main" xmlns:r="http://schemas.openxmlformats.org/officeDocument/2006/relationships" xmlns:p="http://schemas.openxmlformats.org/presentationml/2006/main">
+  <p:cSld>
+    <p:spTree>
+      <p:nvGrpSpPr>
+        <p:cNvPr id="1" name="">
+          <a:extLst>
+            <a:ext uri="{FF2B5EF4-FFF2-40B4-BE49-F238E27FC236}">
+              <a16:creationId xmlns:a16="http://schemas.microsoft.com/office/drawing/2014/main" id="{65AF1AD5-282E-5177-C5B9-5B782BDF0637}"/>
+            </a:ext>
+          </a:extLst>
+        </p:cNvPr>
+        <p:cNvGrpSpPr/>
+        <p:nvPr/>
+      </p:nvGrpSpPr>
+      <p:grpSpPr>
+        <a:xfrm>
+          <a:off x="0" y="0"/>
+          <a:ext cx="0" cy="0"/>
+          <a:chOff x="0" y="0"/>
+          <a:chExt cx="0" cy="0"/>
+        </a:xfrm>
+      </p:grpSpPr>
+      <p:sp>
+        <p:nvSpPr>
+          <p:cNvPr id="2" name="Title 1">
+            <a:extLst>
+              <a:ext uri="{FF2B5EF4-FFF2-40B4-BE49-F238E27FC236}">
+                <a16:creationId xmlns:a16="http://schemas.microsoft.com/office/drawing/2014/main" id="{05040974-4C27-95CB-C2A6-ABC526C977D9}"/>
+              </a:ext>
+            </a:extLst>
+          </p:cNvPr>
+          <p:cNvSpPr>
+            <a:spLocks noGrp="1"/>
+          </p:cNvSpPr>
+          <p:nvPr>
+            <p:ph type="title"/>
+          </p:nvPr>
+        </p:nvSpPr>
+        <p:spPr/>
+        <p:txBody>
+          <a:bodyPr>
+            <a:normAutofit fontScale="90000"/>
+          </a:bodyPr>
+          <a:lstStyle/>
+          <a:p>
+            <a:r>
+              <a:rPr lang="en" dirty="0"/>
+              <a:t>Data Analysis and Visualization</a:t>
+            </a:r>
+            <a:endParaRPr lang="en-US" dirty="0"/>
+          </a:p>
+        </p:txBody>
+      </p:sp>
+      <p:sp>
+        <p:nvSpPr>
+          <p:cNvPr id="3" name="Text Placeholder 2">
+            <a:extLst>
+              <a:ext uri="{FF2B5EF4-FFF2-40B4-BE49-F238E27FC236}">
+                <a16:creationId xmlns:a16="http://schemas.microsoft.com/office/drawing/2014/main" id="{FF4AD842-ACE8-70BD-172D-F306AE8790A4}"/>
+              </a:ext>
+            </a:extLst>
+          </p:cNvPr>
+          <p:cNvSpPr>
+            <a:spLocks noGrp="1"/>
+          </p:cNvSpPr>
+          <p:nvPr>
+            <p:ph type="body" idx="1"/>
+          </p:nvPr>
+        </p:nvSpPr>
+        <p:spPr>
+          <a:xfrm>
+            <a:off x="729450" y="2078875"/>
+            <a:ext cx="2670203" cy="2261100"/>
+          </a:xfrm>
+        </p:spPr>
+        <p:txBody>
+          <a:bodyPr/>
+          <a:lstStyle/>
+          <a:p>
+            <a:r>
+              <a:rPr lang="en-US" dirty="0"/>
+              <a:t>We see newer houses usually sell for more.</a:t>
+            </a:r>
+          </a:p>
+        </p:txBody>
+      </p:sp>
+      <p:pic>
+        <p:nvPicPr>
+          <p:cNvPr id="5" name="Picture 4" descr="A graph showing a scatter plot of sale price vs. date sold&#10;&#10;Description automatically generated">
+            <a:extLst>
+              <a:ext uri="{FF2B5EF4-FFF2-40B4-BE49-F238E27FC236}">
+                <a16:creationId xmlns:a16="http://schemas.microsoft.com/office/drawing/2014/main" id="{909C3ABD-AF77-5543-22B5-25D00DE9021C}"/>
+              </a:ext>
+            </a:extLst>
+          </p:cNvPr>
+          <p:cNvPicPr>
+            <a:picLocks noChangeAspect="1"/>
+          </p:cNvPicPr>
+          <p:nvPr/>
+        </p:nvPicPr>
+        <p:blipFill>
+          <a:blip r:embed="rId2"/>
+          <a:stretch>
+            <a:fillRect/>
+          </a:stretch>
+        </p:blipFill>
+        <p:spPr>
+          <a:xfrm>
+            <a:off x="3490709" y="1705233"/>
+            <a:ext cx="5277193" cy="3130538"/>
+          </a:xfrm>
+          <a:prstGeom prst="rect">
+            <a:avLst/>
+          </a:prstGeom>
+        </p:spPr>
+      </p:pic>
+    </p:spTree>
+    <p:extLst>
+      <p:ext uri="{BB962C8B-B14F-4D97-AF65-F5344CB8AC3E}">
+        <p14:creationId xmlns:p14="http://schemas.microsoft.com/office/powerpoint/2010/main" val="1308773983"/>
+      </p:ext>
+    </p:extLst>
+  </p:cSld>
+  <p:clrMapOvr>
+    <a:masterClrMapping/>
+  </p:clrMapOvr>
+</p:sld>
+</file>
+
+<file path=ppt/slides/slide16.xml><?xml version="1.0" encoding="utf-8"?>
+<p:sld xmlns:a="http://schemas.openxmlformats.org/drawingml/2006/main" xmlns:r="http://schemas.openxmlformats.org/officeDocument/2006/relationships" xmlns:p="http://schemas.openxmlformats.org/presentationml/2006/main">
+  <p:cSld>
+    <p:spTree>
+      <p:nvGrpSpPr>
+        <p:cNvPr id="1" name="Shape 168"/>
         <p:cNvGrpSpPr/>
         <p:nvPr/>
       </p:nvGrpSpPr>
@@ -9831,7 +10649,9 @@
       <p:sp>
         <p:nvSpPr>
           <p:cNvPr id="169" name="Google Shape;169;p26"/>
-          <p:cNvSpPr txBox="1"/>
+          <p:cNvSpPr txBox="1">
+            <a:spLocks noGrp="1"/>
+          </p:cNvSpPr>
           <p:nvPr>
             <p:ph type="ctrTitle"/>
           </p:nvPr>
@@ -9846,12 +10666,12 @@
           </a:prstGeom>
         </p:spPr>
         <p:txBody>
-          <a:bodyPr anchorCtr="0" anchor="t" bIns="91425" lIns="91425" spcFirstLastPara="1" rIns="91425" wrap="square" tIns="91425">
+          <a:bodyPr spcFirstLastPara="1" wrap="square" lIns="91425" tIns="91425" rIns="91425" bIns="91425" anchor="t" anchorCtr="0">
             <a:normAutofit/>
           </a:bodyPr>
           <a:lstStyle/>
           <a:p>
-            <a:pPr indent="0" lvl="0" marL="0" rtl="0" algn="l">
+            <a:pPr marL="0" lvl="0" indent="0" algn="l" rtl="0">
               <a:spcBef>
                 <a:spcPts val="0"/>
               </a:spcBef>
@@ -9871,9 +10691,11 @@
       <p:sp>
         <p:nvSpPr>
           <p:cNvPr id="170" name="Google Shape;170;p26"/>
-          <p:cNvSpPr txBox="1"/>
+          <p:cNvSpPr txBox="1">
+            <a:spLocks noGrp="1"/>
+          </p:cNvSpPr>
           <p:nvPr>
-            <p:ph idx="1" type="subTitle"/>
+            <p:ph type="subTitle" idx="1"/>
           </p:nvPr>
         </p:nvSpPr>
         <p:spPr>
@@ -9886,12 +10708,12 @@
           </a:prstGeom>
         </p:spPr>
         <p:txBody>
-          <a:bodyPr anchorCtr="0" anchor="t" bIns="91425" lIns="91425" spcFirstLastPara="1" rIns="91425" wrap="square" tIns="91425">
+          <a:bodyPr spcFirstLastPara="1" wrap="square" lIns="91425" tIns="91425" rIns="91425" bIns="91425" anchor="t" anchorCtr="0">
             <a:normAutofit/>
           </a:bodyPr>
           <a:lstStyle/>
           <a:p>
-            <a:pPr indent="0" lvl="0" marL="0" rtl="0" algn="l">
+            <a:pPr marL="0" lvl="0" indent="0" algn="l" rtl="0">
               <a:spcBef>
                 <a:spcPts val="0"/>
               </a:spcBef>
@@ -9900,9 +10722,6 @@
               </a:spcAft>
               <a:buNone/>
             </a:pPr>
-            <a:r>
-              <a:t/>
-            </a:r>
             <a:endParaRPr/>
           </a:p>
         </p:txBody>
@@ -9915,12 +10734,12 @@
 </p:sld>
 </file>
 
-<file path=ppt/slides/slide15.xml><?xml version="1.0" encoding="utf-8"?>
-<p:sld xmlns:a="http://schemas.openxmlformats.org/drawingml/2006/main" xmlns:r="http://schemas.openxmlformats.org/officeDocument/2006/relationships" xmlns:mc="http://schemas.openxmlformats.org/markup-compatibility/2006" xmlns:mv="urn:schemas-microsoft-com:mac:vml" xmlns:p="http://schemas.openxmlformats.org/presentationml/2006/main" xmlns:c="http://schemas.openxmlformats.org/drawingml/2006/chart" xmlns:dgm="http://schemas.openxmlformats.org/drawingml/2006/diagram" xmlns:o="urn:schemas-microsoft-com:office:office" xmlns:v="urn:schemas-microsoft-com:vml" xmlns:pvml="urn:schemas-microsoft-com:office:powerpoint" xmlns:com="http://schemas.openxmlformats.org/drawingml/2006/compatibility" xmlns:p14="http://schemas.microsoft.com/office/powerpoint/2010/main" xmlns:p15="http://schemas.microsoft.com/office/powerpoint/2012/main" xmlns:ahyp="http://schemas.microsoft.com/office/drawing/2018/hyperlinkcolor">
+<file path=ppt/slides/slide17.xml><?xml version="1.0" encoding="utf-8"?>
+<p:sld xmlns:a="http://schemas.openxmlformats.org/drawingml/2006/main" xmlns:r="http://schemas.openxmlformats.org/officeDocument/2006/relationships" xmlns:p="http://schemas.openxmlformats.org/presentationml/2006/main">
   <p:cSld>
     <p:spTree>
       <p:nvGrpSpPr>
-        <p:cNvPr id="174" name="Shape 174"/>
+        <p:cNvPr id="1" name="Shape 174"/>
         <p:cNvGrpSpPr/>
         <p:nvPr/>
       </p:nvGrpSpPr>
@@ -9935,7 +10754,9 @@
       <p:sp>
         <p:nvSpPr>
           <p:cNvPr id="175" name="Google Shape;175;p27"/>
-          <p:cNvSpPr txBox="1"/>
+          <p:cNvSpPr txBox="1">
+            <a:spLocks noGrp="1"/>
+          </p:cNvSpPr>
           <p:nvPr>
             <p:ph type="title"/>
           </p:nvPr>
@@ -9950,12 +10771,12 @@
           </a:prstGeom>
         </p:spPr>
         <p:txBody>
-          <a:bodyPr anchorCtr="0" anchor="t" bIns="91425" lIns="91425" spcFirstLastPara="1" rIns="91425" wrap="square" tIns="91425">
+          <a:bodyPr spcFirstLastPara="1" wrap="square" lIns="91425" tIns="91425" rIns="91425" bIns="91425" anchor="t" anchorCtr="0">
             <a:normAutofit fontScale="90000"/>
           </a:bodyPr>
           <a:lstStyle/>
           <a:p>
-            <a:pPr indent="0" lvl="0" marL="0" rtl="0" algn="l">
+            <a:pPr marL="0" lvl="0" indent="0" algn="l" rtl="0">
               <a:spcBef>
                 <a:spcPts val="0"/>
               </a:spcBef>
@@ -9975,9 +10796,11 @@
       <p:sp>
         <p:nvSpPr>
           <p:cNvPr id="176" name="Google Shape;176;p27"/>
-          <p:cNvSpPr txBox="1"/>
+          <p:cNvSpPr txBox="1">
+            <a:spLocks noGrp="1"/>
+          </p:cNvSpPr>
           <p:nvPr>
-            <p:ph idx="1" type="body"/>
+            <p:ph type="body" idx="1"/>
           </p:nvPr>
         </p:nvSpPr>
         <p:spPr>
@@ -9990,12 +10813,12 @@
           </a:prstGeom>
         </p:spPr>
         <p:txBody>
-          <a:bodyPr anchorCtr="0" anchor="t" bIns="91425" lIns="91425" spcFirstLastPara="1" rIns="91425" wrap="square" tIns="91425">
-            <a:normAutofit/>
+          <a:bodyPr spcFirstLastPara="1" wrap="square" lIns="91425" tIns="91425" rIns="91425" bIns="91425" anchor="t" anchorCtr="0">
+            <a:normAutofit lnSpcReduction="10000"/>
           </a:bodyPr>
           <a:lstStyle/>
           <a:p>
-            <a:pPr indent="-311150" lvl="0" marL="457200" rtl="0" algn="l">
+            <a:pPr marL="457200" lvl="0" indent="-311150" algn="l" rtl="0">
               <a:spcBef>
                 <a:spcPts val="0"/>
               </a:spcBef>
@@ -10006,13 +10829,12 @@
               <a:buChar char="●"/>
             </a:pPr>
             <a:r>
-              <a:rPr lang="en"/>
-              <a:t>Used a 5 fold cross validation (80% train, 20% test split)</a:t>
+              <a:rPr lang="en" dirty="0"/>
+              <a:t>Used a 5 fold time-series cross-validation </a:t>
             </a:r>
-            <a:endParaRPr/>
-          </a:p>
-          <a:p>
-            <a:pPr indent="-311150" lvl="0" marL="457200" rtl="0" algn="l">
+          </a:p>
+          <a:p>
+            <a:pPr marL="457200" lvl="0" indent="-311150" algn="l" rtl="0">
               <a:spcBef>
                 <a:spcPts val="0"/>
               </a:spcBef>
@@ -10023,13 +10845,12 @@
               <a:buChar char="●"/>
             </a:pPr>
             <a:r>
-              <a:rPr lang="en"/>
-              <a:t>Trained 5 different algorithms</a:t>
+              <a:rPr lang="en-US" dirty="0"/>
+              <a:t>Trained different models using the following algorithms:</a:t>
             </a:r>
-            <a:endParaRPr/>
-          </a:p>
-          <a:p>
-            <a:pPr indent="-298450" lvl="1" marL="914400" rtl="0" algn="l">
+          </a:p>
+          <a:p>
+            <a:pPr marL="914400" lvl="1" indent="-298450" algn="l" rtl="0">
               <a:spcBef>
                 <a:spcPts val="0"/>
               </a:spcBef>
@@ -10040,13 +10861,12 @@
               <a:buChar char="○"/>
             </a:pPr>
             <a:r>
-              <a:rPr lang="en"/>
-              <a:t>Linear Regression (No Intercept)</a:t>
+              <a:rPr lang="en" dirty="0"/>
+              <a:t>Linear Regression (with and without intercept)</a:t>
             </a:r>
-            <a:endParaRPr/>
-          </a:p>
-          <a:p>
-            <a:pPr indent="-298450" lvl="1" marL="914400" rtl="0" algn="l">
+          </a:p>
+          <a:p>
+            <a:pPr marL="914400" lvl="1" indent="-298450" algn="l" rtl="0">
               <a:spcBef>
                 <a:spcPts val="0"/>
               </a:spcBef>
@@ -10057,13 +10877,13 @@
               <a:buChar char="○"/>
             </a:pPr>
             <a:r>
-              <a:rPr lang="en"/>
-              <a:t>K-Nearest Neighbors Regressor</a:t>
+              <a:rPr lang="en" dirty="0"/>
+              <a:t>Elastic Net</a:t>
             </a:r>
-            <a:endParaRPr/>
-          </a:p>
-          <a:p>
-            <a:pPr indent="-298450" lvl="1" marL="914400" rtl="0" algn="l">
+            <a:endParaRPr dirty="0"/>
+          </a:p>
+          <a:p>
+            <a:pPr marL="914400" lvl="1" indent="-298450" algn="l" rtl="0">
               <a:spcBef>
                 <a:spcPts val="0"/>
               </a:spcBef>
@@ -10074,13 +10894,13 @@
               <a:buChar char="○"/>
             </a:pPr>
             <a:r>
-              <a:rPr lang="en"/>
-              <a:t>Decision Tree</a:t>
+              <a:rPr lang="en" dirty="0"/>
+              <a:t>K-Nearest Neighbors Regressor</a:t>
             </a:r>
-            <a:endParaRPr/>
-          </a:p>
-          <a:p>
-            <a:pPr indent="-298450" lvl="1" marL="914400" rtl="0" algn="l">
+            <a:endParaRPr dirty="0"/>
+          </a:p>
+          <a:p>
+            <a:pPr marL="914400" lvl="1" indent="-298450" algn="l" rtl="0">
               <a:spcBef>
                 <a:spcPts val="0"/>
               </a:spcBef>
@@ -10091,13 +10911,13 @@
               <a:buChar char="○"/>
             </a:pPr>
             <a:r>
-              <a:rPr lang="en"/>
-              <a:t>Random Forest</a:t>
+              <a:rPr lang="en" dirty="0"/>
+              <a:t>Decision Tree</a:t>
             </a:r>
-            <a:endParaRPr/>
-          </a:p>
-          <a:p>
-            <a:pPr indent="-298450" lvl="1" marL="914400" rtl="0" algn="l">
+            <a:endParaRPr dirty="0"/>
+          </a:p>
+          <a:p>
+            <a:pPr marL="914400" lvl="1" indent="-298450" algn="l" rtl="0">
               <a:spcBef>
                 <a:spcPts val="0"/>
               </a:spcBef>
@@ -10108,17 +10928,30 @@
               <a:buChar char="○"/>
             </a:pPr>
             <a:r>
-              <a:rPr lang="en"/>
-              <a:t>Gradient</a:t>
+              <a:rPr lang="en" dirty="0"/>
+              <a:t>Random Forest</a:t>
             </a:r>
+            <a:endParaRPr dirty="0"/>
+          </a:p>
+          <a:p>
+            <a:pPr marL="914400" lvl="1" indent="-298450" algn="l" rtl="0">
+              <a:spcBef>
+                <a:spcPts val="0"/>
+              </a:spcBef>
+              <a:spcAft>
+                <a:spcPts val="0"/>
+              </a:spcAft>
+              <a:buSzPts val="1100"/>
+              <a:buChar char="○"/>
+            </a:pPr>
             <a:r>
-              <a:rPr lang="en"/>
-              <a:t> Boosted Machines</a:t>
+              <a:rPr lang="en" dirty="0"/>
+              <a:t>Gradient Boosted Machines</a:t>
             </a:r>
-            <a:endParaRPr/>
-          </a:p>
-          <a:p>
-            <a:pPr indent="-298450" lvl="2" marL="1371600" rtl="0" algn="l">
+            <a:endParaRPr dirty="0"/>
+          </a:p>
+          <a:p>
+            <a:pPr marL="1371600" lvl="2" indent="-298450" algn="l" rtl="0">
               <a:spcBef>
                 <a:spcPts val="0"/>
               </a:spcBef>
@@ -10129,13 +10962,13 @@
               <a:buChar char="■"/>
             </a:pPr>
             <a:r>
-              <a:rPr lang="en"/>
+              <a:rPr lang="en" dirty="0" err="1"/>
               <a:t>XGBoost</a:t>
             </a:r>
-            <a:endParaRPr/>
-          </a:p>
-          <a:p>
-            <a:pPr indent="-298450" lvl="2" marL="1371600" rtl="0" algn="l">
+            <a:endParaRPr dirty="0"/>
+          </a:p>
+          <a:p>
+            <a:pPr marL="1371600" lvl="2" indent="-298450" algn="l" rtl="0">
               <a:spcBef>
                 <a:spcPts val="0"/>
               </a:spcBef>
@@ -10146,13 +10979,31 @@
               <a:buChar char="■"/>
             </a:pPr>
             <a:r>
-              <a:rPr lang="en"/>
+              <a:rPr lang="en" dirty="0" err="1"/>
               <a:t>LightGBM</a:t>
             </a:r>
-            <a:endParaRPr/>
-          </a:p>
-          <a:p>
-            <a:pPr indent="-311150" lvl="0" marL="457200" rtl="0" algn="l">
+            <a:endParaRPr lang="en" dirty="0"/>
+          </a:p>
+          <a:p>
+            <a:pPr>
+              <a:buFont typeface="Courier New" panose="02070309020205020404" pitchFamily="49" charset="0"/>
+              <a:buChar char="o"/>
+            </a:pPr>
+            <a:r>
+              <a:rPr lang="en" dirty="0"/>
+              <a:t>We also used </a:t>
+            </a:r>
+            <a:r>
+              <a:rPr lang="en-US" dirty="0" err="1"/>
+              <a:t>th</a:t>
+            </a:r>
+            <a:r>
+              <a:rPr lang="en" dirty="0"/>
+              <a:t>e best performing models and created a meta learner model from these</a:t>
+            </a:r>
+          </a:p>
+          <a:p>
+            <a:pPr marL="457200" lvl="0" indent="-311150" algn="l" rtl="0">
               <a:spcBef>
                 <a:spcPts val="0"/>
               </a:spcBef>
@@ -10163,13 +11014,13 @@
               <a:buChar char="●"/>
             </a:pPr>
             <a:r>
-              <a:rPr lang="en"/>
+              <a:rPr lang="en" dirty="0"/>
               <a:t>Root Mean Square Error was used as evaluation metric</a:t>
             </a:r>
-            <a:endParaRPr/>
-          </a:p>
-          <a:p>
-            <a:pPr indent="-298450" lvl="1" marL="914400" rtl="0" algn="l">
+            <a:endParaRPr dirty="0"/>
+          </a:p>
+          <a:p>
+            <a:pPr marL="914400" lvl="1" indent="-298450" algn="l" rtl="0">
               <a:spcBef>
                 <a:spcPts val="0"/>
               </a:spcBef>
@@ -10180,10 +11031,10 @@
               <a:buChar char="○"/>
             </a:pPr>
             <a:r>
-              <a:rPr lang="en"/>
+              <a:rPr lang="en" dirty="0"/>
               <a:t>This was selected as the root attempts to minimize the impact of incorrect predictions on outliers</a:t>
             </a:r>
-            <a:endParaRPr/>
+            <a:endParaRPr dirty="0"/>
           </a:p>
         </p:txBody>
       </p:sp>
@@ -10195,12 +11046,18 @@
 </p:sld>
 </file>
 
-<file path=ppt/slides/slide16.xml><?xml version="1.0" encoding="utf-8"?>
-<p:sld xmlns:a="http://schemas.openxmlformats.org/drawingml/2006/main" xmlns:r="http://schemas.openxmlformats.org/officeDocument/2006/relationships" xmlns:mc="http://schemas.openxmlformats.org/markup-compatibility/2006" xmlns:mv="urn:schemas-microsoft-com:mac:vml" xmlns:p="http://schemas.openxmlformats.org/presentationml/2006/main" xmlns:c="http://schemas.openxmlformats.org/drawingml/2006/chart" xmlns:dgm="http://schemas.openxmlformats.org/drawingml/2006/diagram" xmlns:o="urn:schemas-microsoft-com:office:office" xmlns:v="urn:schemas-microsoft-com:vml" xmlns:pvml="urn:schemas-microsoft-com:office:powerpoint" xmlns:com="http://schemas.openxmlformats.org/drawingml/2006/compatibility" xmlns:p14="http://schemas.microsoft.com/office/powerpoint/2010/main" xmlns:p15="http://schemas.microsoft.com/office/powerpoint/2012/main" xmlns:ahyp="http://schemas.microsoft.com/office/drawing/2018/hyperlinkcolor">
+<file path=ppt/slides/slide18.xml><?xml version="1.0" encoding="utf-8"?>
+<p:sld xmlns:a="http://schemas.openxmlformats.org/drawingml/2006/main" xmlns:r="http://schemas.openxmlformats.org/officeDocument/2006/relationships" xmlns:p="http://schemas.openxmlformats.org/presentationml/2006/main">
   <p:cSld>
     <p:spTree>
       <p:nvGrpSpPr>
-        <p:cNvPr id="180" name="Shape 180"/>
+        <p:cNvPr id="1" name="Shape 174">
+          <a:extLst>
+            <a:ext uri="{FF2B5EF4-FFF2-40B4-BE49-F238E27FC236}">
+              <a16:creationId xmlns:a16="http://schemas.microsoft.com/office/drawing/2014/main" id="{5AD154BA-26C6-7573-1698-2DAC9CD0608D}"/>
+            </a:ext>
+          </a:extLst>
+        </p:cNvPr>
         <p:cNvGrpSpPr/>
         <p:nvPr/>
       </p:nvGrpSpPr>
@@ -10214,15 +11071,23 @@
       </p:grpSpPr>
       <p:sp>
         <p:nvSpPr>
-          <p:cNvPr id="181" name="Google Shape;181;p28"/>
-          <p:cNvSpPr txBox="1"/>
+          <p:cNvPr id="175" name="Google Shape;175;p27">
+            <a:extLst>
+              <a:ext uri="{FF2B5EF4-FFF2-40B4-BE49-F238E27FC236}">
+                <a16:creationId xmlns:a16="http://schemas.microsoft.com/office/drawing/2014/main" id="{CB082716-BAD6-F773-D054-34D7DC3ABA84}"/>
+              </a:ext>
+            </a:extLst>
+          </p:cNvPr>
+          <p:cNvSpPr txBox="1">
+            <a:spLocks noGrp="1"/>
+          </p:cNvSpPr>
           <p:nvPr>
             <p:ph type="title"/>
           </p:nvPr>
         </p:nvSpPr>
         <p:spPr>
           <a:xfrm>
-            <a:off x="729450" y="1318650"/>
+            <a:off x="729450" y="651113"/>
             <a:ext cx="7688700" cy="535200"/>
           </a:xfrm>
           <a:prstGeom prst="rect">
@@ -10230,12 +11095,12 @@
           </a:prstGeom>
         </p:spPr>
         <p:txBody>
-          <a:bodyPr anchorCtr="0" anchor="t" bIns="91425" lIns="91425" spcFirstLastPara="1" rIns="91425" wrap="square" tIns="91425">
+          <a:bodyPr spcFirstLastPara="1" wrap="square" lIns="91425" tIns="91425" rIns="91425" bIns="91425" anchor="t" anchorCtr="0">
             <a:normAutofit fontScale="90000"/>
           </a:bodyPr>
           <a:lstStyle/>
           <a:p>
-            <a:pPr indent="0" lvl="0" marL="0" rtl="0" algn="l">
+            <a:pPr marL="0" lvl="0" indent="0" algn="l" rtl="0">
               <a:spcBef>
                 <a:spcPts val="0"/>
               </a:spcBef>
@@ -10245,41 +11110,437 @@
               <a:buNone/>
             </a:pPr>
             <a:r>
-              <a:rPr lang="en"/>
+              <a:rPr lang="en" dirty="0"/>
               <a:t>Data Analytics</a:t>
             </a:r>
-            <a:endParaRPr/>
+            <a:endParaRPr dirty="0"/>
+          </a:p>
+        </p:txBody>
+      </p:sp>
+      <p:sp>
+        <p:nvSpPr>
+          <p:cNvPr id="3" name="Text Placeholder 2">
+            <a:extLst>
+              <a:ext uri="{FF2B5EF4-FFF2-40B4-BE49-F238E27FC236}">
+                <a16:creationId xmlns:a16="http://schemas.microsoft.com/office/drawing/2014/main" id="{3F1163C8-BC6B-E3AF-BA5F-C6748EA72BAF}"/>
+              </a:ext>
+            </a:extLst>
+          </p:cNvPr>
+          <p:cNvSpPr>
+            <a:spLocks noGrp="1"/>
+          </p:cNvSpPr>
+          <p:nvPr>
+            <p:ph type="body" idx="1"/>
+          </p:nvPr>
+        </p:nvSpPr>
+        <p:spPr>
+          <a:xfrm>
+            <a:off x="238898" y="1526939"/>
+            <a:ext cx="1565188" cy="3086250"/>
+          </a:xfrm>
+        </p:spPr>
+        <p:txBody>
+          <a:bodyPr>
+            <a:normAutofit fontScale="92500" lnSpcReduction="10000"/>
+          </a:bodyPr>
+          <a:lstStyle/>
+          <a:p>
+            <a:r>
+              <a:rPr lang="en" dirty="0"/>
+              <a:t>5 fold time-series cross-validated results</a:t>
+            </a:r>
+          </a:p>
+          <a:p>
+            <a:pPr marL="146050" indent="0">
+              <a:buNone/>
+            </a:pPr>
+            <a:endParaRPr lang="en" dirty="0"/>
+          </a:p>
+          <a:p>
+            <a:r>
+              <a:rPr lang="en" dirty="0"/>
+              <a:t>Linear models had extremely high RMSE in the first fold due to a small amount of training data</a:t>
+            </a:r>
+            <a:endParaRPr lang="en-US" dirty="0"/>
           </a:p>
         </p:txBody>
       </p:sp>
       <p:pic>
         <p:nvPicPr>
-          <p:cNvPr id="182" name="Google Shape;182;p28"/>
-          <p:cNvPicPr preferRelativeResize="0"/>
+          <p:cNvPr id="7" name="Picture 6" descr="A graph of different colored bars&#10;&#10;Description automatically generated with medium confidence">
+            <a:extLst>
+              <a:ext uri="{FF2B5EF4-FFF2-40B4-BE49-F238E27FC236}">
+                <a16:creationId xmlns:a16="http://schemas.microsoft.com/office/drawing/2014/main" id="{65E9D22F-3BDB-5262-EEA4-6A915230C6FD}"/>
+              </a:ext>
+            </a:extLst>
+          </p:cNvPr>
+          <p:cNvPicPr>
+            <a:picLocks noChangeAspect="1"/>
+          </p:cNvPicPr>
           <p:nvPr/>
         </p:nvPicPr>
         <p:blipFill>
-          <a:blip r:embed="rId3">
-            <a:alphaModFix/>
-          </a:blip>
+          <a:blip r:embed="rId3"/>
           <a:stretch>
             <a:fillRect/>
           </a:stretch>
         </p:blipFill>
         <p:spPr>
           <a:xfrm>
-            <a:off x="1495725" y="1755825"/>
-            <a:ext cx="6152550" cy="3210700"/>
+            <a:off x="1886063" y="1186313"/>
+            <a:ext cx="7019039" cy="3712501"/>
           </a:xfrm>
           <a:prstGeom prst="rect">
             <a:avLst/>
           </a:prstGeom>
-          <a:noFill/>
-          <a:ln>
-            <a:noFill/>
-          </a:ln>
         </p:spPr>
       </p:pic>
+    </p:spTree>
+    <p:extLst>
+      <p:ext uri="{BB962C8B-B14F-4D97-AF65-F5344CB8AC3E}">
+        <p14:creationId xmlns:p14="http://schemas.microsoft.com/office/powerpoint/2010/main" val="199528420"/>
+      </p:ext>
+    </p:extLst>
+  </p:cSld>
+  <p:clrMapOvr>
+    <a:masterClrMapping/>
+  </p:clrMapOvr>
+</p:sld>
+</file>
+
+<file path=ppt/slides/slide19.xml><?xml version="1.0" encoding="utf-8"?>
+<p:sld xmlns:a="http://schemas.openxmlformats.org/drawingml/2006/main" xmlns:r="http://schemas.openxmlformats.org/officeDocument/2006/relationships" xmlns:p="http://schemas.openxmlformats.org/presentationml/2006/main">
+  <p:cSld>
+    <p:spTree>
+      <p:nvGrpSpPr>
+        <p:cNvPr id="1" name="Shape 174">
+          <a:extLst>
+            <a:ext uri="{FF2B5EF4-FFF2-40B4-BE49-F238E27FC236}">
+              <a16:creationId xmlns:a16="http://schemas.microsoft.com/office/drawing/2014/main" id="{9BD0AFBA-2857-7DB6-6119-D25D6CFD5B18}"/>
+            </a:ext>
+          </a:extLst>
+        </p:cNvPr>
+        <p:cNvGrpSpPr/>
+        <p:nvPr/>
+      </p:nvGrpSpPr>
+      <p:grpSpPr>
+        <a:xfrm>
+          <a:off x="0" y="0"/>
+          <a:ext cx="0" cy="0"/>
+          <a:chOff x="0" y="0"/>
+          <a:chExt cx="0" cy="0"/>
+        </a:xfrm>
+      </p:grpSpPr>
+      <p:sp>
+        <p:nvSpPr>
+          <p:cNvPr id="175" name="Google Shape;175;p27">
+            <a:extLst>
+              <a:ext uri="{FF2B5EF4-FFF2-40B4-BE49-F238E27FC236}">
+                <a16:creationId xmlns:a16="http://schemas.microsoft.com/office/drawing/2014/main" id="{6E40AB05-97FE-4026-46B1-6B32190A0678}"/>
+              </a:ext>
+            </a:extLst>
+          </p:cNvPr>
+          <p:cNvSpPr txBox="1">
+            <a:spLocks noGrp="1"/>
+          </p:cNvSpPr>
+          <p:nvPr>
+            <p:ph type="title"/>
+          </p:nvPr>
+        </p:nvSpPr>
+        <p:spPr>
+          <a:xfrm>
+            <a:off x="729450" y="651113"/>
+            <a:ext cx="7688700" cy="535200"/>
+          </a:xfrm>
+          <a:prstGeom prst="rect">
+            <a:avLst/>
+          </a:prstGeom>
+        </p:spPr>
+        <p:txBody>
+          <a:bodyPr spcFirstLastPara="1" wrap="square" lIns="91425" tIns="91425" rIns="91425" bIns="91425" anchor="t" anchorCtr="0">
+            <a:normAutofit fontScale="90000"/>
+          </a:bodyPr>
+          <a:lstStyle/>
+          <a:p>
+            <a:pPr marL="0" lvl="0" indent="0" algn="l" rtl="0">
+              <a:spcBef>
+                <a:spcPts val="0"/>
+              </a:spcBef>
+              <a:spcAft>
+                <a:spcPts val="0"/>
+              </a:spcAft>
+              <a:buNone/>
+            </a:pPr>
+            <a:r>
+              <a:rPr lang="en" dirty="0"/>
+              <a:t>Data Analytics</a:t>
+            </a:r>
+            <a:endParaRPr dirty="0"/>
+          </a:p>
+        </p:txBody>
+      </p:sp>
+      <p:sp>
+        <p:nvSpPr>
+          <p:cNvPr id="3" name="Text Placeholder 2">
+            <a:extLst>
+              <a:ext uri="{FF2B5EF4-FFF2-40B4-BE49-F238E27FC236}">
+                <a16:creationId xmlns:a16="http://schemas.microsoft.com/office/drawing/2014/main" id="{79A70822-EC12-2085-AC9E-227AC7FD0148}"/>
+              </a:ext>
+            </a:extLst>
+          </p:cNvPr>
+          <p:cNvSpPr>
+            <a:spLocks noGrp="1"/>
+          </p:cNvSpPr>
+          <p:nvPr>
+            <p:ph type="body" idx="1"/>
+          </p:nvPr>
+        </p:nvSpPr>
+        <p:spPr>
+          <a:xfrm>
+            <a:off x="238898" y="1526939"/>
+            <a:ext cx="1565188" cy="3086250"/>
+          </a:xfrm>
+        </p:spPr>
+        <p:txBody>
+          <a:bodyPr>
+            <a:normAutofit/>
+          </a:bodyPr>
+          <a:lstStyle/>
+          <a:p>
+            <a:r>
+              <a:rPr lang="en" dirty="0"/>
+              <a:t>Top 3 fold results</a:t>
+            </a:r>
+          </a:p>
+          <a:p>
+            <a:pPr marL="146050" indent="0">
+              <a:buNone/>
+            </a:pPr>
+            <a:endParaRPr lang="en" dirty="0"/>
+          </a:p>
+          <a:p>
+            <a:r>
+              <a:rPr lang="en" dirty="0"/>
+              <a:t>We tuned the hyper parameters of </a:t>
+            </a:r>
+            <a:r>
+              <a:rPr lang="en" dirty="0" err="1"/>
+              <a:t>XGBoost</a:t>
+            </a:r>
+            <a:r>
+              <a:rPr lang="en" dirty="0"/>
+              <a:t> and </a:t>
+            </a:r>
+            <a:r>
+              <a:rPr lang="en" dirty="0" err="1"/>
+              <a:t>LightGBM</a:t>
+            </a:r>
+            <a:endParaRPr lang="en" dirty="0"/>
+          </a:p>
+          <a:p>
+            <a:pPr marL="146050" indent="0">
+              <a:buNone/>
+            </a:pPr>
+            <a:endParaRPr lang="en" dirty="0"/>
+          </a:p>
+        </p:txBody>
+      </p:sp>
+      <p:pic>
+        <p:nvPicPr>
+          <p:cNvPr id="4" name="Picture 3" descr="A graph of multiple colored bars&#10;&#10;Description automatically generated">
+            <a:extLst>
+              <a:ext uri="{FF2B5EF4-FFF2-40B4-BE49-F238E27FC236}">
+                <a16:creationId xmlns:a16="http://schemas.microsoft.com/office/drawing/2014/main" id="{0BB1DA83-8E4C-59A1-97B9-5A1DC0557647}"/>
+              </a:ext>
+            </a:extLst>
+          </p:cNvPr>
+          <p:cNvPicPr>
+            <a:picLocks noChangeAspect="1"/>
+          </p:cNvPicPr>
+          <p:nvPr/>
+        </p:nvPicPr>
+        <p:blipFill>
+          <a:blip r:embed="rId3"/>
+          <a:stretch>
+            <a:fillRect/>
+          </a:stretch>
+        </p:blipFill>
+        <p:spPr>
+          <a:xfrm>
+            <a:off x="1971238" y="1186313"/>
+            <a:ext cx="6933864" cy="3667450"/>
+          </a:xfrm>
+          <a:prstGeom prst="rect">
+            <a:avLst/>
+          </a:prstGeom>
+        </p:spPr>
+      </p:pic>
+    </p:spTree>
+    <p:extLst>
+      <p:ext uri="{BB962C8B-B14F-4D97-AF65-F5344CB8AC3E}">
+        <p14:creationId xmlns:p14="http://schemas.microsoft.com/office/powerpoint/2010/main" val="2480715659"/>
+      </p:ext>
+    </p:extLst>
+  </p:cSld>
+  <p:clrMapOvr>
+    <a:masterClrMapping/>
+  </p:clrMapOvr>
+</p:sld>
+</file>
+
+<file path=ppt/slides/slide2.xml><?xml version="1.0" encoding="utf-8"?>
+<p:sld xmlns:a="http://schemas.openxmlformats.org/drawingml/2006/main" xmlns:r="http://schemas.openxmlformats.org/officeDocument/2006/relationships" xmlns:p="http://schemas.openxmlformats.org/presentationml/2006/main">
+  <p:cSld>
+    <p:spTree>
+      <p:nvGrpSpPr>
+        <p:cNvPr id="1" name="Shape 91"/>
+        <p:cNvGrpSpPr/>
+        <p:nvPr/>
+      </p:nvGrpSpPr>
+      <p:grpSpPr>
+        <a:xfrm>
+          <a:off x="0" y="0"/>
+          <a:ext cx="0" cy="0"/>
+          <a:chOff x="0" y="0"/>
+          <a:chExt cx="0" cy="0"/>
+        </a:xfrm>
+      </p:grpSpPr>
+      <p:sp>
+        <p:nvSpPr>
+          <p:cNvPr id="92" name="Google Shape;92;p14"/>
+          <p:cNvSpPr txBox="1">
+            <a:spLocks noGrp="1"/>
+          </p:cNvSpPr>
+          <p:nvPr>
+            <p:ph type="title"/>
+          </p:nvPr>
+        </p:nvSpPr>
+        <p:spPr>
+          <a:xfrm>
+            <a:off x="729450" y="1318650"/>
+            <a:ext cx="7688700" cy="535200"/>
+          </a:xfrm>
+          <a:prstGeom prst="rect">
+            <a:avLst/>
+          </a:prstGeom>
+        </p:spPr>
+        <p:txBody>
+          <a:bodyPr spcFirstLastPara="1" wrap="square" lIns="91425" tIns="91425" rIns="91425" bIns="91425" anchor="t" anchorCtr="0">
+            <a:normAutofit fontScale="90000"/>
+          </a:bodyPr>
+          <a:lstStyle/>
+          <a:p>
+            <a:pPr marL="0" lvl="0" indent="0" algn="l" rtl="0">
+              <a:spcBef>
+                <a:spcPts val="0"/>
+              </a:spcBef>
+              <a:spcAft>
+                <a:spcPts val="0"/>
+              </a:spcAft>
+              <a:buNone/>
+            </a:pPr>
+            <a:r>
+              <a:rPr lang="en"/>
+              <a:t>Table Of Contents</a:t>
+            </a:r>
+            <a:endParaRPr/>
+          </a:p>
+        </p:txBody>
+      </p:sp>
+      <p:sp>
+        <p:nvSpPr>
+          <p:cNvPr id="93" name="Google Shape;93;p14"/>
+          <p:cNvSpPr txBox="1">
+            <a:spLocks noGrp="1"/>
+          </p:cNvSpPr>
+          <p:nvPr>
+            <p:ph type="body" idx="1"/>
+          </p:nvPr>
+        </p:nvSpPr>
+        <p:spPr>
+          <a:xfrm>
+            <a:off x="729450" y="2078875"/>
+            <a:ext cx="7688700" cy="2261100"/>
+          </a:xfrm>
+          <a:prstGeom prst="rect">
+            <a:avLst/>
+          </a:prstGeom>
+        </p:spPr>
+        <p:txBody>
+          <a:bodyPr spcFirstLastPara="1" wrap="square" lIns="91425" tIns="91425" rIns="91425" bIns="91425" anchor="t" anchorCtr="0">
+            <a:normAutofit/>
+          </a:bodyPr>
+          <a:lstStyle/>
+          <a:p>
+            <a:pPr marL="457200" lvl="0" indent="-355600" algn="l" rtl="0">
+              <a:spcBef>
+                <a:spcPts val="0"/>
+              </a:spcBef>
+              <a:spcAft>
+                <a:spcPts val="0"/>
+              </a:spcAft>
+              <a:buSzPts val="2000"/>
+              <a:buChar char="●"/>
+            </a:pPr>
+            <a:r>
+              <a:rPr lang="en" sz="2000"/>
+              <a:t>Data Description and Problem Definition</a:t>
+            </a:r>
+            <a:endParaRPr sz="2000"/>
+          </a:p>
+          <a:p>
+            <a:pPr marL="457200" lvl="0" indent="-355600" algn="l" rtl="0">
+              <a:spcBef>
+                <a:spcPts val="0"/>
+              </a:spcBef>
+              <a:spcAft>
+                <a:spcPts val="0"/>
+              </a:spcAft>
+              <a:buSzPts val="2000"/>
+              <a:buChar char="●"/>
+            </a:pPr>
+            <a:r>
+              <a:rPr lang="en" sz="2000"/>
+              <a:t>Data Importing and Processing</a:t>
+            </a:r>
+            <a:endParaRPr sz="2000"/>
+          </a:p>
+          <a:p>
+            <a:pPr marL="457200" lvl="0" indent="-355600" algn="l" rtl="0">
+              <a:spcBef>
+                <a:spcPts val="0"/>
+              </a:spcBef>
+              <a:spcAft>
+                <a:spcPts val="0"/>
+              </a:spcAft>
+              <a:buSzPts val="2000"/>
+              <a:buChar char="●"/>
+            </a:pPr>
+            <a:r>
+              <a:rPr lang="en" sz="2000"/>
+              <a:t>Data Analysis and Visualization</a:t>
+            </a:r>
+            <a:endParaRPr sz="2000"/>
+          </a:p>
+          <a:p>
+            <a:pPr marL="457200" lvl="0" indent="-355600" algn="l" rtl="0">
+              <a:spcBef>
+                <a:spcPts val="0"/>
+              </a:spcBef>
+              <a:spcAft>
+                <a:spcPts val="0"/>
+              </a:spcAft>
+              <a:buSzPts val="2000"/>
+              <a:buChar char="●"/>
+            </a:pPr>
+            <a:r>
+              <a:rPr lang="en" sz="2000"/>
+              <a:t>Data Analytics</a:t>
+            </a:r>
+            <a:endParaRPr sz="2000"/>
+          </a:p>
+        </p:txBody>
+      </p:sp>
     </p:spTree>
   </p:cSld>
   <p:clrMapOvr>
@@ -10288,12 +11549,354 @@
 </p:sld>
 </file>
 
-<file path=ppt/slides/slide17.xml><?xml version="1.0" encoding="utf-8"?>
-<p:sld xmlns:a="http://schemas.openxmlformats.org/drawingml/2006/main" xmlns:r="http://schemas.openxmlformats.org/officeDocument/2006/relationships" xmlns:mc="http://schemas.openxmlformats.org/markup-compatibility/2006" xmlns:mv="urn:schemas-microsoft-com:mac:vml" xmlns:p="http://schemas.openxmlformats.org/presentationml/2006/main" xmlns:c="http://schemas.openxmlformats.org/drawingml/2006/chart" xmlns:dgm="http://schemas.openxmlformats.org/drawingml/2006/diagram" xmlns:o="urn:schemas-microsoft-com:office:office" xmlns:v="urn:schemas-microsoft-com:vml" xmlns:pvml="urn:schemas-microsoft-com:office:powerpoint" xmlns:com="http://schemas.openxmlformats.org/drawingml/2006/compatibility" xmlns:p14="http://schemas.microsoft.com/office/powerpoint/2010/main" xmlns:p15="http://schemas.microsoft.com/office/powerpoint/2012/main" xmlns:ahyp="http://schemas.microsoft.com/office/drawing/2018/hyperlinkcolor">
+<file path=ppt/slides/slide20.xml><?xml version="1.0" encoding="utf-8"?>
+<p:sld xmlns:a="http://schemas.openxmlformats.org/drawingml/2006/main" xmlns:r="http://schemas.openxmlformats.org/officeDocument/2006/relationships" xmlns:p="http://schemas.openxmlformats.org/presentationml/2006/main">
   <p:cSld>
     <p:spTree>
       <p:nvGrpSpPr>
-        <p:cNvPr id="186" name="Shape 186"/>
+        <p:cNvPr id="1" name="Shape 174">
+          <a:extLst>
+            <a:ext uri="{FF2B5EF4-FFF2-40B4-BE49-F238E27FC236}">
+              <a16:creationId xmlns:a16="http://schemas.microsoft.com/office/drawing/2014/main" id="{5FB5A815-E581-19B5-6603-23D5BA6BA475}"/>
+            </a:ext>
+          </a:extLst>
+        </p:cNvPr>
+        <p:cNvGrpSpPr/>
+        <p:nvPr/>
+      </p:nvGrpSpPr>
+      <p:grpSpPr>
+        <a:xfrm>
+          <a:off x="0" y="0"/>
+          <a:ext cx="0" cy="0"/>
+          <a:chOff x="0" y="0"/>
+          <a:chExt cx="0" cy="0"/>
+        </a:xfrm>
+      </p:grpSpPr>
+      <p:sp>
+        <p:nvSpPr>
+          <p:cNvPr id="175" name="Google Shape;175;p27">
+            <a:extLst>
+              <a:ext uri="{FF2B5EF4-FFF2-40B4-BE49-F238E27FC236}">
+                <a16:creationId xmlns:a16="http://schemas.microsoft.com/office/drawing/2014/main" id="{497ED8C8-B663-B0A0-11B8-0996E8CF5614}"/>
+              </a:ext>
+            </a:extLst>
+          </p:cNvPr>
+          <p:cNvSpPr txBox="1">
+            <a:spLocks noGrp="1"/>
+          </p:cNvSpPr>
+          <p:nvPr>
+            <p:ph type="title"/>
+          </p:nvPr>
+        </p:nvSpPr>
+        <p:spPr>
+          <a:xfrm>
+            <a:off x="729450" y="651113"/>
+            <a:ext cx="7688700" cy="535200"/>
+          </a:xfrm>
+          <a:prstGeom prst="rect">
+            <a:avLst/>
+          </a:prstGeom>
+        </p:spPr>
+        <p:txBody>
+          <a:bodyPr spcFirstLastPara="1" wrap="square" lIns="91425" tIns="91425" rIns="91425" bIns="91425" anchor="t" anchorCtr="0">
+            <a:normAutofit fontScale="90000"/>
+          </a:bodyPr>
+          <a:lstStyle/>
+          <a:p>
+            <a:pPr marL="0" lvl="0" indent="0" algn="l" rtl="0">
+              <a:spcBef>
+                <a:spcPts val="0"/>
+              </a:spcBef>
+              <a:spcAft>
+                <a:spcPts val="0"/>
+              </a:spcAft>
+              <a:buNone/>
+            </a:pPr>
+            <a:r>
+              <a:rPr lang="en" dirty="0"/>
+              <a:t>Data Analytics</a:t>
+            </a:r>
+            <a:endParaRPr dirty="0"/>
+          </a:p>
+        </p:txBody>
+      </p:sp>
+      <p:sp>
+        <p:nvSpPr>
+          <p:cNvPr id="5" name="Text Placeholder 4">
+            <a:extLst>
+              <a:ext uri="{FF2B5EF4-FFF2-40B4-BE49-F238E27FC236}">
+                <a16:creationId xmlns:a16="http://schemas.microsoft.com/office/drawing/2014/main" id="{5897922B-137A-AC90-BC9D-F1981CA03335}"/>
+              </a:ext>
+            </a:extLst>
+          </p:cNvPr>
+          <p:cNvSpPr>
+            <a:spLocks noGrp="1"/>
+          </p:cNvSpPr>
+          <p:nvPr>
+            <p:ph type="body" idx="1"/>
+          </p:nvPr>
+        </p:nvSpPr>
+        <p:spPr>
+          <a:xfrm>
+            <a:off x="729450" y="1441200"/>
+            <a:ext cx="7688700" cy="2261100"/>
+          </a:xfrm>
+        </p:spPr>
+        <p:txBody>
+          <a:bodyPr/>
+          <a:lstStyle/>
+          <a:p>
+            <a:r>
+              <a:rPr lang="en-US" dirty="0"/>
+              <a:t>We create a stacked ensemble meta-learner model from our best performing models:</a:t>
+            </a:r>
+          </a:p>
+          <a:p>
+            <a:pPr lvl="1"/>
+            <a:r>
+              <a:rPr lang="en-US" dirty="0"/>
+              <a:t>Base models:</a:t>
+            </a:r>
+          </a:p>
+          <a:p>
+            <a:pPr lvl="2"/>
+            <a:r>
+              <a:rPr lang="en-US" dirty="0" err="1"/>
+              <a:t>XGBoost</a:t>
+            </a:r>
+            <a:r>
+              <a:rPr lang="en-US" dirty="0"/>
+              <a:t>, </a:t>
+            </a:r>
+            <a:r>
+              <a:rPr lang="en-US" dirty="0" err="1"/>
+              <a:t>LightGBM</a:t>
+            </a:r>
+            <a:r>
+              <a:rPr lang="en-US" dirty="0"/>
+              <a:t>, Linear model with intercept</a:t>
+            </a:r>
+          </a:p>
+          <a:p>
+            <a:pPr lvl="1"/>
+            <a:r>
+              <a:rPr lang="en-US" dirty="0"/>
+              <a:t>Meta model:</a:t>
+            </a:r>
+          </a:p>
+          <a:p>
+            <a:pPr lvl="2"/>
+            <a:r>
+              <a:rPr lang="en-US" dirty="0"/>
+              <a:t>Elastic Net</a:t>
+            </a:r>
+          </a:p>
+        </p:txBody>
+      </p:sp>
+      <p:pic>
+        <p:nvPicPr>
+          <p:cNvPr id="7" name="Picture 6" descr="A diagram of a model&#10;&#10;Description automatically generated">
+            <a:extLst>
+              <a:ext uri="{FF2B5EF4-FFF2-40B4-BE49-F238E27FC236}">
+                <a16:creationId xmlns:a16="http://schemas.microsoft.com/office/drawing/2014/main" id="{BB809BCB-1DD2-EA66-A15E-E02251B2B571}"/>
+              </a:ext>
+            </a:extLst>
+          </p:cNvPr>
+          <p:cNvPicPr>
+            <a:picLocks noChangeAspect="1"/>
+          </p:cNvPicPr>
+          <p:nvPr/>
+        </p:nvPicPr>
+        <p:blipFill>
+          <a:blip r:embed="rId3"/>
+          <a:stretch>
+            <a:fillRect/>
+          </a:stretch>
+        </p:blipFill>
+        <p:spPr>
+          <a:xfrm>
+            <a:off x="580767" y="2571750"/>
+            <a:ext cx="7772400" cy="1955094"/>
+          </a:xfrm>
+          <a:prstGeom prst="rect">
+            <a:avLst/>
+          </a:prstGeom>
+        </p:spPr>
+      </p:pic>
+    </p:spTree>
+    <p:extLst>
+      <p:ext uri="{BB962C8B-B14F-4D97-AF65-F5344CB8AC3E}">
+        <p14:creationId xmlns:p14="http://schemas.microsoft.com/office/powerpoint/2010/main" val="1022647316"/>
+      </p:ext>
+    </p:extLst>
+  </p:cSld>
+  <p:clrMapOvr>
+    <a:masterClrMapping/>
+  </p:clrMapOvr>
+</p:sld>
+</file>
+
+<file path=ppt/slides/slide21.xml><?xml version="1.0" encoding="utf-8"?>
+<p:sld xmlns:a="http://schemas.openxmlformats.org/drawingml/2006/main" xmlns:r="http://schemas.openxmlformats.org/officeDocument/2006/relationships" xmlns:p="http://schemas.openxmlformats.org/presentationml/2006/main">
+  <p:cSld>
+    <p:spTree>
+      <p:nvGrpSpPr>
+        <p:cNvPr id="1" name="Shape 174">
+          <a:extLst>
+            <a:ext uri="{FF2B5EF4-FFF2-40B4-BE49-F238E27FC236}">
+              <a16:creationId xmlns:a16="http://schemas.microsoft.com/office/drawing/2014/main" id="{3C7D7191-1963-D919-358F-1DC8562483CC}"/>
+            </a:ext>
+          </a:extLst>
+        </p:cNvPr>
+        <p:cNvGrpSpPr/>
+        <p:nvPr/>
+      </p:nvGrpSpPr>
+      <p:grpSpPr>
+        <a:xfrm>
+          <a:off x="0" y="0"/>
+          <a:ext cx="0" cy="0"/>
+          <a:chOff x="0" y="0"/>
+          <a:chExt cx="0" cy="0"/>
+        </a:xfrm>
+      </p:grpSpPr>
+      <p:sp>
+        <p:nvSpPr>
+          <p:cNvPr id="175" name="Google Shape;175;p27">
+            <a:extLst>
+              <a:ext uri="{FF2B5EF4-FFF2-40B4-BE49-F238E27FC236}">
+                <a16:creationId xmlns:a16="http://schemas.microsoft.com/office/drawing/2014/main" id="{DA6B1B30-8F94-8824-CCC6-94D744C06CA1}"/>
+              </a:ext>
+            </a:extLst>
+          </p:cNvPr>
+          <p:cNvSpPr txBox="1">
+            <a:spLocks noGrp="1"/>
+          </p:cNvSpPr>
+          <p:nvPr>
+            <p:ph type="title"/>
+          </p:nvPr>
+        </p:nvSpPr>
+        <p:spPr>
+          <a:xfrm>
+            <a:off x="729450" y="651113"/>
+            <a:ext cx="7688700" cy="535200"/>
+          </a:xfrm>
+          <a:prstGeom prst="rect">
+            <a:avLst/>
+          </a:prstGeom>
+        </p:spPr>
+        <p:txBody>
+          <a:bodyPr spcFirstLastPara="1" wrap="square" lIns="91425" tIns="91425" rIns="91425" bIns="91425" anchor="t" anchorCtr="0">
+            <a:normAutofit fontScale="90000"/>
+          </a:bodyPr>
+          <a:lstStyle/>
+          <a:p>
+            <a:pPr marL="0" lvl="0" indent="0" algn="l" rtl="0">
+              <a:spcBef>
+                <a:spcPts val="0"/>
+              </a:spcBef>
+              <a:spcAft>
+                <a:spcPts val="0"/>
+              </a:spcAft>
+              <a:buNone/>
+            </a:pPr>
+            <a:r>
+              <a:rPr lang="en" dirty="0"/>
+              <a:t>Data Analytics</a:t>
+            </a:r>
+            <a:endParaRPr dirty="0"/>
+          </a:p>
+        </p:txBody>
+      </p:sp>
+      <p:sp>
+        <p:nvSpPr>
+          <p:cNvPr id="3" name="Text Placeholder 2">
+            <a:extLst>
+              <a:ext uri="{FF2B5EF4-FFF2-40B4-BE49-F238E27FC236}">
+                <a16:creationId xmlns:a16="http://schemas.microsoft.com/office/drawing/2014/main" id="{5ABAC3ED-FF4B-6EFB-2F31-3160B319FEBC}"/>
+              </a:ext>
+            </a:extLst>
+          </p:cNvPr>
+          <p:cNvSpPr>
+            <a:spLocks noGrp="1"/>
+          </p:cNvSpPr>
+          <p:nvPr>
+            <p:ph type="body" idx="1"/>
+          </p:nvPr>
+        </p:nvSpPr>
+        <p:spPr>
+          <a:xfrm>
+            <a:off x="238898" y="1526939"/>
+            <a:ext cx="1565188" cy="3086250"/>
+          </a:xfrm>
+        </p:spPr>
+        <p:txBody>
+          <a:bodyPr>
+            <a:normAutofit/>
+          </a:bodyPr>
+          <a:lstStyle/>
+          <a:p>
+            <a:r>
+              <a:rPr lang="en" dirty="0"/>
+              <a:t>Top 3 fold results with meta model learning</a:t>
+            </a:r>
+          </a:p>
+          <a:p>
+            <a:pPr marL="146050" indent="0">
+              <a:buNone/>
+            </a:pPr>
+            <a:endParaRPr lang="en" dirty="0"/>
+          </a:p>
+        </p:txBody>
+      </p:sp>
+      <p:pic>
+        <p:nvPicPr>
+          <p:cNvPr id="5" name="Picture 4" descr="A graph of multiple blue and orange bars&#10;&#10;Description automatically generated">
+            <a:extLst>
+              <a:ext uri="{FF2B5EF4-FFF2-40B4-BE49-F238E27FC236}">
+                <a16:creationId xmlns:a16="http://schemas.microsoft.com/office/drawing/2014/main" id="{E1F29DB2-5287-1227-04EC-303997B17412}"/>
+              </a:ext>
+            </a:extLst>
+          </p:cNvPr>
+          <p:cNvPicPr>
+            <a:picLocks noChangeAspect="1"/>
+          </p:cNvPicPr>
+          <p:nvPr/>
+        </p:nvPicPr>
+        <p:blipFill>
+          <a:blip r:embed="rId3"/>
+          <a:stretch>
+            <a:fillRect/>
+          </a:stretch>
+        </p:blipFill>
+        <p:spPr>
+          <a:xfrm>
+            <a:off x="1894702" y="1280355"/>
+            <a:ext cx="7088659" cy="3749325"/>
+          </a:xfrm>
+          <a:prstGeom prst="rect">
+            <a:avLst/>
+          </a:prstGeom>
+        </p:spPr>
+      </p:pic>
+    </p:spTree>
+    <p:extLst>
+      <p:ext uri="{BB962C8B-B14F-4D97-AF65-F5344CB8AC3E}">
+        <p14:creationId xmlns:p14="http://schemas.microsoft.com/office/powerpoint/2010/main" val="3802093303"/>
+      </p:ext>
+    </p:extLst>
+  </p:cSld>
+  <p:clrMapOvr>
+    <a:masterClrMapping/>
+  </p:clrMapOvr>
+</p:sld>
+</file>
+
+<file path=ppt/slides/slide22.xml><?xml version="1.0" encoding="utf-8"?>
+<p:sld xmlns:a="http://schemas.openxmlformats.org/drawingml/2006/main" xmlns:r="http://schemas.openxmlformats.org/officeDocument/2006/relationships" xmlns:p="http://schemas.openxmlformats.org/presentationml/2006/main">
+  <p:cSld>
+    <p:spTree>
+      <p:nvGrpSpPr>
+        <p:cNvPr id="1" name="Shape 186"/>
         <p:cNvGrpSpPr/>
         <p:nvPr/>
       </p:nvGrpSpPr>
@@ -10308,7 +11911,9 @@
       <p:sp>
         <p:nvSpPr>
           <p:cNvPr id="187" name="Google Shape;187;p29"/>
-          <p:cNvSpPr txBox="1"/>
+          <p:cNvSpPr txBox="1">
+            <a:spLocks noGrp="1"/>
+          </p:cNvSpPr>
           <p:nvPr>
             <p:ph type="title"/>
           </p:nvPr>
@@ -10323,12 +11928,12 @@
           </a:prstGeom>
         </p:spPr>
         <p:txBody>
-          <a:bodyPr anchorCtr="0" anchor="t" bIns="91425" lIns="91425" spcFirstLastPara="1" rIns="91425" wrap="square" tIns="91425">
+          <a:bodyPr spcFirstLastPara="1" wrap="square" lIns="91425" tIns="91425" rIns="91425" bIns="91425" anchor="t" anchorCtr="0">
             <a:normAutofit fontScale="90000"/>
           </a:bodyPr>
           <a:lstStyle/>
           <a:p>
-            <a:pPr indent="0" lvl="0" marL="0" rtl="0" algn="l">
+            <a:pPr marL="0" lvl="0" indent="0" algn="l" rtl="0">
               <a:spcBef>
                 <a:spcPts val="0"/>
               </a:spcBef>
@@ -10348,9 +11953,11 @@
       <p:sp>
         <p:nvSpPr>
           <p:cNvPr id="188" name="Google Shape;188;p29"/>
-          <p:cNvSpPr txBox="1"/>
+          <p:cNvSpPr txBox="1">
+            <a:spLocks noGrp="1"/>
+          </p:cNvSpPr>
           <p:nvPr>
-            <p:ph idx="1" type="body"/>
+            <p:ph type="body" idx="1"/>
           </p:nvPr>
         </p:nvSpPr>
         <p:spPr>
@@ -10363,12 +11970,12 @@
           </a:prstGeom>
         </p:spPr>
         <p:txBody>
-          <a:bodyPr anchorCtr="0" anchor="t" bIns="91425" lIns="91425" spcFirstLastPara="1" rIns="91425" wrap="square" tIns="91425">
+          <a:bodyPr spcFirstLastPara="1" wrap="square" lIns="91425" tIns="91425" rIns="91425" bIns="91425" anchor="t" anchorCtr="0">
             <a:normAutofit/>
           </a:bodyPr>
           <a:lstStyle/>
           <a:p>
-            <a:pPr indent="-311150" lvl="0" marL="457200" rtl="0" algn="l">
+            <a:pPr marL="457200" lvl="0" indent="-311150" algn="l" rtl="0">
               <a:spcBef>
                 <a:spcPts val="0"/>
               </a:spcBef>
@@ -10379,30 +11986,27 @@
               <a:buChar char="●"/>
             </a:pPr>
             <a:r>
-              <a:rPr lang="en"/>
-              <a:t>We see that the Gradient Boosted Machine models perform the best</a:t>
+              <a:rPr lang="en" sz="1400" dirty="0"/>
+              <a:t>We see that the meta learner model performs the best as expected</a:t>
             </a:r>
-            <a:endParaRPr/>
-          </a:p>
-          <a:p>
-            <a:pPr indent="0" lvl="0" marL="457200" rtl="0" algn="l">
-              <a:spcBef>
-                <a:spcPts val="1200"/>
-              </a:spcBef>
-              <a:spcAft>
-                <a:spcPts val="0"/>
-              </a:spcAft>
+          </a:p>
+          <a:p>
+            <a:pPr marL="146050" lvl="0" indent="0" algn="l" rtl="0">
+              <a:spcBef>
+                <a:spcPts val="0"/>
+              </a:spcBef>
+              <a:spcAft>
+                <a:spcPts val="0"/>
+              </a:spcAft>
+              <a:buSzPts val="1300"/>
               <a:buNone/>
             </a:pPr>
-            <a:r>
-              <a:t/>
-            </a:r>
-            <a:endParaRPr/>
-          </a:p>
-          <a:p>
-            <a:pPr indent="-311150" lvl="0" marL="457200" rtl="0" algn="l">
-              <a:spcBef>
-                <a:spcPts val="1200"/>
+            <a:endParaRPr lang="en" sz="1400" dirty="0"/>
+          </a:p>
+          <a:p>
+            <a:pPr marL="457200" lvl="0" indent="-311150" algn="l" rtl="0">
+              <a:spcBef>
+                <a:spcPts val="0"/>
               </a:spcBef>
               <a:spcAft>
                 <a:spcPts val="0"/>
@@ -10411,14 +12015,72 @@
               <a:buChar char="●"/>
             </a:pPr>
             <a:r>
-              <a:rPr lang="en"/>
-              <a:t>We notice that although the Linear Model with no intercept performed slightly better </a:t>
+              <a:rPr lang="en" sz="1400" dirty="0"/>
+              <a:t>We will select this model for </a:t>
             </a:r>
             <a:r>
-              <a:rPr lang="en"/>
-              <a:t>than the Random Forest, it had a higher standard deviation between folds</a:t>
+              <a:rPr lang="en-US" sz="1400" dirty="0"/>
+              <a:t>implementation </a:t>
             </a:r>
-            <a:endParaRPr/>
+            <a:r>
+              <a:rPr lang="en" sz="1400" dirty="0"/>
+              <a:t>but acknowledging</a:t>
+            </a:r>
+            <a:r>
+              <a:rPr lang="en-US" sz="1400" dirty="0"/>
+              <a:t>g</a:t>
+            </a:r>
+            <a:r>
+              <a:rPr lang="en" sz="1400" dirty="0"/>
+              <a:t> the following:</a:t>
+            </a:r>
+          </a:p>
+          <a:p>
+            <a:pPr lvl="1" indent="-311150">
+              <a:buSzPts val="1300"/>
+              <a:buChar char="●"/>
+            </a:pPr>
+            <a:r>
+              <a:rPr lang="en" sz="1400" dirty="0"/>
+              <a:t>This is the most complex model for </a:t>
+            </a:r>
+            <a:r>
+              <a:rPr lang="en-US" sz="1400" dirty="0"/>
+              <a:t>implementation</a:t>
+            </a:r>
+            <a:r>
+              <a:rPr lang="en" sz="1400" dirty="0"/>
+              <a:t> and would need to consult with our </a:t>
+            </a:r>
+            <a:r>
+              <a:rPr lang="en-US" sz="1400" dirty="0"/>
+              <a:t>implementation</a:t>
+            </a:r>
+            <a:r>
+              <a:rPr lang="en" sz="1400" dirty="0"/>
+              <a:t> team about the tradeoffs of </a:t>
+            </a:r>
+            <a:r>
+              <a:rPr lang="en-US" sz="1400" dirty="0"/>
+              <a:t>implementation</a:t>
+            </a:r>
+            <a:r>
+              <a:rPr lang="en" sz="1400" dirty="0"/>
+              <a:t> this mode, versus something more simplistic</a:t>
+            </a:r>
+            <a:endParaRPr sz="1400" dirty="0"/>
+          </a:p>
+          <a:p>
+            <a:pPr marL="457200" lvl="0" indent="0" algn="l" rtl="0">
+              <a:spcBef>
+                <a:spcPts val="1200"/>
+              </a:spcBef>
+              <a:spcAft>
+                <a:spcPts val="0"/>
+              </a:spcAft>
+              <a:buNone/>
+            </a:pPr>
+            <a:endParaRPr dirty="0"/>
           </a:p>
         </p:txBody>
       </p:sp>
@@ -10430,12 +12092,12 @@
 </p:sld>
 </file>
 
-<file path=ppt/slides/slide18.xml><?xml version="1.0" encoding="utf-8"?>
-<p:sld xmlns:a="http://schemas.openxmlformats.org/drawingml/2006/main" xmlns:r="http://schemas.openxmlformats.org/officeDocument/2006/relationships" xmlns:mc="http://schemas.openxmlformats.org/markup-compatibility/2006" xmlns:mv="urn:schemas-microsoft-com:mac:vml" xmlns:p="http://schemas.openxmlformats.org/presentationml/2006/main" xmlns:c="http://schemas.openxmlformats.org/drawingml/2006/chart" xmlns:dgm="http://schemas.openxmlformats.org/drawingml/2006/diagram" xmlns:o="urn:schemas-microsoft-com:office:office" xmlns:v="urn:schemas-microsoft-com:vml" xmlns:pvml="urn:schemas-microsoft-com:office:powerpoint" xmlns:com="http://schemas.openxmlformats.org/drawingml/2006/compatibility" xmlns:p14="http://schemas.microsoft.com/office/powerpoint/2010/main" xmlns:p15="http://schemas.microsoft.com/office/powerpoint/2012/main" xmlns:ahyp="http://schemas.microsoft.com/office/drawing/2018/hyperlinkcolor">
+<file path=ppt/slides/slide23.xml><?xml version="1.0" encoding="utf-8"?>
+<p:sld xmlns:a="http://schemas.openxmlformats.org/drawingml/2006/main" xmlns:r="http://schemas.openxmlformats.org/officeDocument/2006/relationships" xmlns:p="http://schemas.openxmlformats.org/presentationml/2006/main">
   <p:cSld>
     <p:spTree>
       <p:nvGrpSpPr>
-        <p:cNvPr id="192" name="Shape 192"/>
+        <p:cNvPr id="1" name="Shape 192"/>
         <p:cNvGrpSpPr/>
         <p:nvPr/>
       </p:nvGrpSpPr>
@@ -10450,7 +12112,9 @@
       <p:sp>
         <p:nvSpPr>
           <p:cNvPr id="193" name="Google Shape;193;p30"/>
-          <p:cNvSpPr txBox="1"/>
+          <p:cNvSpPr txBox="1">
+            <a:spLocks noGrp="1"/>
+          </p:cNvSpPr>
           <p:nvPr>
             <p:ph type="ctrTitle"/>
           </p:nvPr>
@@ -10465,12 +12129,12 @@
           </a:prstGeom>
         </p:spPr>
         <p:txBody>
-          <a:bodyPr anchorCtr="0" anchor="t" bIns="91425" lIns="91425" spcFirstLastPara="1" rIns="91425" wrap="square" tIns="91425">
+          <a:bodyPr spcFirstLastPara="1" wrap="square" lIns="91425" tIns="91425" rIns="91425" bIns="91425" anchor="t" anchorCtr="0">
             <a:normAutofit/>
           </a:bodyPr>
           <a:lstStyle/>
           <a:p>
-            <a:pPr indent="0" lvl="0" marL="0" rtl="0" algn="l">
+            <a:pPr marL="0" lvl="0" indent="0" algn="l" rtl="0">
               <a:spcBef>
                 <a:spcPts val="0"/>
               </a:spcBef>
@@ -10490,9 +12154,11 @@
       <p:sp>
         <p:nvSpPr>
           <p:cNvPr id="194" name="Google Shape;194;p30"/>
-          <p:cNvSpPr txBox="1"/>
+          <p:cNvSpPr txBox="1">
+            <a:spLocks noGrp="1"/>
+          </p:cNvSpPr>
           <p:nvPr>
-            <p:ph idx="1" type="subTitle"/>
+            <p:ph type="subTitle" idx="1"/>
           </p:nvPr>
         </p:nvSpPr>
         <p:spPr>
@@ -10505,12 +12171,12 @@
           </a:prstGeom>
         </p:spPr>
         <p:txBody>
-          <a:bodyPr anchorCtr="0" anchor="t" bIns="91425" lIns="91425" spcFirstLastPara="1" rIns="91425" wrap="square" tIns="91425">
+          <a:bodyPr spcFirstLastPara="1" wrap="square" lIns="91425" tIns="91425" rIns="91425" bIns="91425" anchor="t" anchorCtr="0">
             <a:normAutofit/>
           </a:bodyPr>
           <a:lstStyle/>
           <a:p>
-            <a:pPr indent="0" lvl="0" marL="0" rtl="0" algn="l">
+            <a:pPr marL="0" lvl="0" indent="0" algn="l" rtl="0">
               <a:spcBef>
                 <a:spcPts val="0"/>
               </a:spcBef>
@@ -10519,9 +12185,6 @@
               </a:spcAft>
               <a:buNone/>
             </a:pPr>
-            <a:r>
-              <a:t/>
-            </a:r>
             <a:endParaRPr/>
           </a:p>
         </p:txBody>
@@ -10534,12 +12197,12 @@
 </p:sld>
 </file>
 
-<file path=ppt/slides/slide19.xml><?xml version="1.0" encoding="utf-8"?>
-<p:sld xmlns:a="http://schemas.openxmlformats.org/drawingml/2006/main" xmlns:r="http://schemas.openxmlformats.org/officeDocument/2006/relationships" xmlns:mc="http://schemas.openxmlformats.org/markup-compatibility/2006" xmlns:mv="urn:schemas-microsoft-com:mac:vml" xmlns:p="http://schemas.openxmlformats.org/presentationml/2006/main" xmlns:c="http://schemas.openxmlformats.org/drawingml/2006/chart" xmlns:dgm="http://schemas.openxmlformats.org/drawingml/2006/diagram" xmlns:o="urn:schemas-microsoft-com:office:office" xmlns:v="urn:schemas-microsoft-com:vml" xmlns:pvml="urn:schemas-microsoft-com:office:powerpoint" xmlns:com="http://schemas.openxmlformats.org/drawingml/2006/compatibility" xmlns:p14="http://schemas.microsoft.com/office/powerpoint/2010/main" xmlns:p15="http://schemas.microsoft.com/office/powerpoint/2012/main" xmlns:ahyp="http://schemas.microsoft.com/office/drawing/2018/hyperlinkcolor">
+<file path=ppt/slides/slide24.xml><?xml version="1.0" encoding="utf-8"?>
+<p:sld xmlns:a="http://schemas.openxmlformats.org/drawingml/2006/main" xmlns:r="http://schemas.openxmlformats.org/officeDocument/2006/relationships" xmlns:p="http://schemas.openxmlformats.org/presentationml/2006/main">
   <p:cSld>
     <p:spTree>
       <p:nvGrpSpPr>
-        <p:cNvPr id="198" name="Shape 198"/>
+        <p:cNvPr id="1" name="Shape 198"/>
         <p:cNvGrpSpPr/>
         <p:nvPr/>
       </p:nvGrpSpPr>
@@ -10554,7 +12217,9 @@
       <p:sp>
         <p:nvSpPr>
           <p:cNvPr id="199" name="Google Shape;199;p31"/>
-          <p:cNvSpPr txBox="1"/>
+          <p:cNvSpPr txBox="1">
+            <a:spLocks noGrp="1"/>
+          </p:cNvSpPr>
           <p:nvPr>
             <p:ph type="ctrTitle"/>
           </p:nvPr>
@@ -10569,12 +12234,12 @@
           </a:prstGeom>
         </p:spPr>
         <p:txBody>
-          <a:bodyPr anchorCtr="0" anchor="t" bIns="91425" lIns="91425" spcFirstLastPara="1" rIns="91425" wrap="square" tIns="91425">
+          <a:bodyPr spcFirstLastPara="1" wrap="square" lIns="91425" tIns="91425" rIns="91425" bIns="91425" anchor="t" anchorCtr="0">
             <a:normAutofit/>
           </a:bodyPr>
           <a:lstStyle/>
           <a:p>
-            <a:pPr indent="0" lvl="0" marL="0" rtl="0" algn="l">
+            <a:pPr marL="0" lvl="0" indent="0" algn="l" rtl="0">
               <a:spcBef>
                 <a:spcPts val="0"/>
               </a:spcBef>
@@ -10594,9 +12259,11 @@
       <p:sp>
         <p:nvSpPr>
           <p:cNvPr id="200" name="Google Shape;200;p31"/>
-          <p:cNvSpPr txBox="1"/>
+          <p:cNvSpPr txBox="1">
+            <a:spLocks noGrp="1"/>
+          </p:cNvSpPr>
           <p:nvPr>
-            <p:ph idx="1" type="subTitle"/>
+            <p:ph type="subTitle" idx="1"/>
           </p:nvPr>
         </p:nvSpPr>
         <p:spPr>
@@ -10609,12 +12276,12 @@
           </a:prstGeom>
         </p:spPr>
         <p:txBody>
-          <a:bodyPr anchorCtr="0" anchor="t" bIns="91425" lIns="91425" spcFirstLastPara="1" rIns="91425" wrap="square" tIns="91425">
+          <a:bodyPr spcFirstLastPara="1" wrap="square" lIns="91425" tIns="91425" rIns="91425" bIns="91425" anchor="t" anchorCtr="0">
             <a:normAutofit/>
           </a:bodyPr>
           <a:lstStyle/>
           <a:p>
-            <a:pPr indent="0" lvl="0" marL="0" rtl="0" algn="l">
+            <a:pPr marL="0" lvl="0" indent="0" algn="l" rtl="0">
               <a:spcBef>
                 <a:spcPts val="0"/>
               </a:spcBef>
@@ -10623,9 +12290,6 @@
               </a:spcAft>
               <a:buNone/>
             </a:pPr>
-            <a:r>
-              <a:t/>
-            </a:r>
             <a:endParaRPr/>
           </a:p>
         </p:txBody>
@@ -10638,173 +12302,12 @@
 </p:sld>
 </file>
 
-<file path=ppt/slides/slide2.xml><?xml version="1.0" encoding="utf-8"?>
-<p:sld xmlns:a="http://schemas.openxmlformats.org/drawingml/2006/main" xmlns:r="http://schemas.openxmlformats.org/officeDocument/2006/relationships" xmlns:mc="http://schemas.openxmlformats.org/markup-compatibility/2006" xmlns:mv="urn:schemas-microsoft-com:mac:vml" xmlns:p="http://schemas.openxmlformats.org/presentationml/2006/main" xmlns:c="http://schemas.openxmlformats.org/drawingml/2006/chart" xmlns:dgm="http://schemas.openxmlformats.org/drawingml/2006/diagram" xmlns:o="urn:schemas-microsoft-com:office:office" xmlns:v="urn:schemas-microsoft-com:vml" xmlns:pvml="urn:schemas-microsoft-com:office:powerpoint" xmlns:com="http://schemas.openxmlformats.org/drawingml/2006/compatibility" xmlns:p14="http://schemas.microsoft.com/office/powerpoint/2010/main" xmlns:p15="http://schemas.microsoft.com/office/powerpoint/2012/main" xmlns:ahyp="http://schemas.microsoft.com/office/drawing/2018/hyperlinkcolor">
+<file path=ppt/slides/slide25.xml><?xml version="1.0" encoding="utf-8"?>
+<p:sld xmlns:a="http://schemas.openxmlformats.org/drawingml/2006/main" xmlns:r="http://schemas.openxmlformats.org/officeDocument/2006/relationships" xmlns:p="http://schemas.openxmlformats.org/presentationml/2006/main">
   <p:cSld>
     <p:spTree>
       <p:nvGrpSpPr>
-        <p:cNvPr id="91" name="Shape 91"/>
-        <p:cNvGrpSpPr/>
-        <p:nvPr/>
-      </p:nvGrpSpPr>
-      <p:grpSpPr>
-        <a:xfrm>
-          <a:off x="0" y="0"/>
-          <a:ext cx="0" cy="0"/>
-          <a:chOff x="0" y="0"/>
-          <a:chExt cx="0" cy="0"/>
-        </a:xfrm>
-      </p:grpSpPr>
-      <p:sp>
-        <p:nvSpPr>
-          <p:cNvPr id="92" name="Google Shape;92;p14"/>
-          <p:cNvSpPr txBox="1"/>
-          <p:nvPr>
-            <p:ph type="title"/>
-          </p:nvPr>
-        </p:nvSpPr>
-        <p:spPr>
-          <a:xfrm>
-            <a:off x="729450" y="1318650"/>
-            <a:ext cx="7688700" cy="535200"/>
-          </a:xfrm>
-          <a:prstGeom prst="rect">
-            <a:avLst/>
-          </a:prstGeom>
-        </p:spPr>
-        <p:txBody>
-          <a:bodyPr anchorCtr="0" anchor="t" bIns="91425" lIns="91425" spcFirstLastPara="1" rIns="91425" wrap="square" tIns="91425">
-            <a:normAutofit fontScale="90000"/>
-          </a:bodyPr>
-          <a:lstStyle/>
-          <a:p>
-            <a:pPr indent="0" lvl="0" marL="0" rtl="0" algn="l">
-              <a:spcBef>
-                <a:spcPts val="0"/>
-              </a:spcBef>
-              <a:spcAft>
-                <a:spcPts val="0"/>
-              </a:spcAft>
-              <a:buNone/>
-            </a:pPr>
-            <a:r>
-              <a:rPr lang="en"/>
-              <a:t>Table Of Contents</a:t>
-            </a:r>
-            <a:endParaRPr/>
-          </a:p>
-        </p:txBody>
-      </p:sp>
-      <p:sp>
-        <p:nvSpPr>
-          <p:cNvPr id="93" name="Google Shape;93;p14"/>
-          <p:cNvSpPr txBox="1"/>
-          <p:nvPr>
-            <p:ph idx="1" type="body"/>
-          </p:nvPr>
-        </p:nvSpPr>
-        <p:spPr>
-          <a:xfrm>
-            <a:off x="729450" y="2078875"/>
-            <a:ext cx="7688700" cy="2261100"/>
-          </a:xfrm>
-          <a:prstGeom prst="rect">
-            <a:avLst/>
-          </a:prstGeom>
-        </p:spPr>
-        <p:txBody>
-          <a:bodyPr anchorCtr="0" anchor="t" bIns="91425" lIns="91425" spcFirstLastPara="1" rIns="91425" wrap="square" tIns="91425">
-            <a:normAutofit/>
-          </a:bodyPr>
-          <a:lstStyle/>
-          <a:p>
-            <a:pPr indent="-355600" lvl="0" marL="457200" rtl="0" algn="l">
-              <a:spcBef>
-                <a:spcPts val="0"/>
-              </a:spcBef>
-              <a:spcAft>
-                <a:spcPts val="0"/>
-              </a:spcAft>
-              <a:buSzPts val="2000"/>
-              <a:buChar char="●"/>
-            </a:pPr>
-            <a:r>
-              <a:rPr lang="en" sz="2000"/>
-              <a:t>Data Description and Problem Definition</a:t>
-            </a:r>
-            <a:endParaRPr sz="2000"/>
-          </a:p>
-          <a:p>
-            <a:pPr indent="-355600" lvl="0" marL="457200" rtl="0" algn="l">
-              <a:spcBef>
-                <a:spcPts val="0"/>
-              </a:spcBef>
-              <a:spcAft>
-                <a:spcPts val="0"/>
-              </a:spcAft>
-              <a:buSzPts val="2000"/>
-              <a:buChar char="●"/>
-            </a:pPr>
-            <a:r>
-              <a:rPr lang="en" sz="2000"/>
-              <a:t>Data Importing and </a:t>
-            </a:r>
-            <a:r>
-              <a:rPr lang="en" sz="2000"/>
-              <a:t>Processing</a:t>
-            </a:r>
-            <a:endParaRPr sz="2000"/>
-          </a:p>
-          <a:p>
-            <a:pPr indent="-355600" lvl="0" marL="457200" rtl="0" algn="l">
-              <a:spcBef>
-                <a:spcPts val="0"/>
-              </a:spcBef>
-              <a:spcAft>
-                <a:spcPts val="0"/>
-              </a:spcAft>
-              <a:buSzPts val="2000"/>
-              <a:buChar char="●"/>
-            </a:pPr>
-            <a:r>
-              <a:rPr lang="en" sz="2000"/>
-              <a:t>Data Analysis and Visualization</a:t>
-            </a:r>
-            <a:endParaRPr sz="2000"/>
-          </a:p>
-          <a:p>
-            <a:pPr indent="-355600" lvl="0" marL="457200" rtl="0" algn="l">
-              <a:spcBef>
-                <a:spcPts val="0"/>
-              </a:spcBef>
-              <a:spcAft>
-                <a:spcPts val="0"/>
-              </a:spcAft>
-              <a:buSzPts val="2000"/>
-              <a:buChar char="●"/>
-            </a:pPr>
-            <a:r>
-              <a:rPr lang="en" sz="2000"/>
-              <a:t>Data Analytics</a:t>
-            </a:r>
-            <a:endParaRPr sz="2000"/>
-          </a:p>
-        </p:txBody>
-      </p:sp>
-    </p:spTree>
-  </p:cSld>
-  <p:clrMapOvr>
-    <a:masterClrMapping/>
-  </p:clrMapOvr>
-</p:sld>
-</file>
-
-<file path=ppt/slides/slide20.xml><?xml version="1.0" encoding="utf-8"?>
-<p:sld xmlns:a="http://schemas.openxmlformats.org/drawingml/2006/main" xmlns:r="http://schemas.openxmlformats.org/officeDocument/2006/relationships" xmlns:mc="http://schemas.openxmlformats.org/markup-compatibility/2006" xmlns:mv="urn:schemas-microsoft-com:mac:vml" xmlns:p="http://schemas.openxmlformats.org/presentationml/2006/main" xmlns:c="http://schemas.openxmlformats.org/drawingml/2006/chart" xmlns:dgm="http://schemas.openxmlformats.org/drawingml/2006/diagram" xmlns:o="urn:schemas-microsoft-com:office:office" xmlns:v="urn:schemas-microsoft-com:vml" xmlns:pvml="urn:schemas-microsoft-com:office:powerpoint" xmlns:com="http://schemas.openxmlformats.org/drawingml/2006/compatibility" xmlns:p14="http://schemas.microsoft.com/office/powerpoint/2010/main" xmlns:p15="http://schemas.microsoft.com/office/powerpoint/2012/main" xmlns:ahyp="http://schemas.microsoft.com/office/drawing/2018/hyperlinkcolor">
-  <p:cSld>
-    <p:spTree>
-      <p:nvGrpSpPr>
-        <p:cNvPr id="204" name="Shape 204"/>
+        <p:cNvPr id="1" name="Shape 204"/>
         <p:cNvGrpSpPr/>
         <p:nvPr/>
       </p:nvGrpSpPr>
@@ -10819,7 +12322,9 @@
       <p:sp>
         <p:nvSpPr>
           <p:cNvPr id="205" name="Google Shape;205;p32"/>
-          <p:cNvSpPr txBox="1"/>
+          <p:cNvSpPr txBox="1">
+            <a:spLocks noGrp="1"/>
+          </p:cNvSpPr>
           <p:nvPr>
             <p:ph type="title"/>
           </p:nvPr>
@@ -10834,12 +12339,12 @@
           </a:prstGeom>
         </p:spPr>
         <p:txBody>
-          <a:bodyPr anchorCtr="0" anchor="t" bIns="91425" lIns="91425" spcFirstLastPara="1" rIns="91425" wrap="square" tIns="91425">
+          <a:bodyPr spcFirstLastPara="1" wrap="square" lIns="91425" tIns="91425" rIns="91425" bIns="91425" anchor="t" anchorCtr="0">
             <a:normAutofit fontScale="90000"/>
           </a:bodyPr>
           <a:lstStyle/>
           <a:p>
-            <a:pPr indent="0" lvl="0" marL="0" rtl="0" algn="l">
+            <a:pPr marL="0" lvl="0" indent="0" algn="l" rtl="0">
               <a:spcBef>
                 <a:spcPts val="0"/>
               </a:spcBef>
@@ -10893,11 +12398,11 @@
 </file>
 
 <file path=ppt/slides/slide3.xml><?xml version="1.0" encoding="utf-8"?>
-<p:sld xmlns:a="http://schemas.openxmlformats.org/drawingml/2006/main" xmlns:r="http://schemas.openxmlformats.org/officeDocument/2006/relationships" xmlns:mc="http://schemas.openxmlformats.org/markup-compatibility/2006" xmlns:mv="urn:schemas-microsoft-com:mac:vml" xmlns:p="http://schemas.openxmlformats.org/presentationml/2006/main" xmlns:c="http://schemas.openxmlformats.org/drawingml/2006/chart" xmlns:dgm="http://schemas.openxmlformats.org/drawingml/2006/diagram" xmlns:o="urn:schemas-microsoft-com:office:office" xmlns:v="urn:schemas-microsoft-com:vml" xmlns:pvml="urn:schemas-microsoft-com:office:powerpoint" xmlns:com="http://schemas.openxmlformats.org/drawingml/2006/compatibility" xmlns:p14="http://schemas.microsoft.com/office/powerpoint/2010/main" xmlns:p15="http://schemas.microsoft.com/office/powerpoint/2012/main" xmlns:ahyp="http://schemas.microsoft.com/office/drawing/2018/hyperlinkcolor">
+<p:sld xmlns:a="http://schemas.openxmlformats.org/drawingml/2006/main" xmlns:r="http://schemas.openxmlformats.org/officeDocument/2006/relationships" xmlns:p="http://schemas.openxmlformats.org/presentationml/2006/main">
   <p:cSld>
     <p:spTree>
       <p:nvGrpSpPr>
-        <p:cNvPr id="97" name="Shape 97"/>
+        <p:cNvPr id="1" name="Shape 97"/>
         <p:cNvGrpSpPr/>
         <p:nvPr/>
       </p:nvGrpSpPr>
@@ -10912,7 +12417,9 @@
       <p:sp>
         <p:nvSpPr>
           <p:cNvPr id="98" name="Google Shape;98;p15"/>
-          <p:cNvSpPr txBox="1"/>
+          <p:cNvSpPr txBox="1">
+            <a:spLocks noGrp="1"/>
+          </p:cNvSpPr>
           <p:nvPr>
             <p:ph type="ctrTitle"/>
           </p:nvPr>
@@ -10927,12 +12434,12 @@
           </a:prstGeom>
         </p:spPr>
         <p:txBody>
-          <a:bodyPr anchorCtr="0" anchor="t" bIns="91425" lIns="91425" spcFirstLastPara="1" rIns="91425" wrap="square" tIns="91425">
+          <a:bodyPr spcFirstLastPara="1" wrap="square" lIns="91425" tIns="91425" rIns="91425" bIns="91425" anchor="t" anchorCtr="0">
             <a:normAutofit/>
           </a:bodyPr>
           <a:lstStyle/>
           <a:p>
-            <a:pPr indent="0" lvl="0" marL="0" rtl="0" algn="l">
+            <a:pPr marL="0" lvl="0" indent="0" algn="l" rtl="0">
               <a:spcBef>
                 <a:spcPts val="0"/>
               </a:spcBef>
@@ -10952,9 +12459,11 @@
       <p:sp>
         <p:nvSpPr>
           <p:cNvPr id="99" name="Google Shape;99;p15"/>
-          <p:cNvSpPr txBox="1"/>
+          <p:cNvSpPr txBox="1">
+            <a:spLocks noGrp="1"/>
+          </p:cNvSpPr>
           <p:nvPr>
-            <p:ph idx="1" type="subTitle"/>
+            <p:ph type="subTitle" idx="1"/>
           </p:nvPr>
         </p:nvSpPr>
         <p:spPr>
@@ -10967,12 +12476,12 @@
           </a:prstGeom>
         </p:spPr>
         <p:txBody>
-          <a:bodyPr anchorCtr="0" anchor="t" bIns="91425" lIns="91425" spcFirstLastPara="1" rIns="91425" wrap="square" tIns="91425">
+          <a:bodyPr spcFirstLastPara="1" wrap="square" lIns="91425" tIns="91425" rIns="91425" bIns="91425" anchor="t" anchorCtr="0">
             <a:normAutofit/>
           </a:bodyPr>
           <a:lstStyle/>
           <a:p>
-            <a:pPr indent="0" lvl="0" marL="0" rtl="0" algn="l">
+            <a:pPr marL="0" lvl="0" indent="0" algn="l" rtl="0">
               <a:spcBef>
                 <a:spcPts val="0"/>
               </a:spcBef>
@@ -10981,9 +12490,6 @@
               </a:spcAft>
               <a:buNone/>
             </a:pPr>
-            <a:r>
-              <a:t/>
-            </a:r>
             <a:endParaRPr/>
           </a:p>
         </p:txBody>
@@ -10997,11 +12503,11 @@
 </file>
 
 <file path=ppt/slides/slide4.xml><?xml version="1.0" encoding="utf-8"?>
-<p:sld xmlns:a="http://schemas.openxmlformats.org/drawingml/2006/main" xmlns:r="http://schemas.openxmlformats.org/officeDocument/2006/relationships" xmlns:mc="http://schemas.openxmlformats.org/markup-compatibility/2006" xmlns:mv="urn:schemas-microsoft-com:mac:vml" xmlns:p="http://schemas.openxmlformats.org/presentationml/2006/main" xmlns:c="http://schemas.openxmlformats.org/drawingml/2006/chart" xmlns:dgm="http://schemas.openxmlformats.org/drawingml/2006/diagram" xmlns:o="urn:schemas-microsoft-com:office:office" xmlns:v="urn:schemas-microsoft-com:vml" xmlns:pvml="urn:schemas-microsoft-com:office:powerpoint" xmlns:com="http://schemas.openxmlformats.org/drawingml/2006/compatibility" xmlns:p14="http://schemas.microsoft.com/office/powerpoint/2010/main" xmlns:p15="http://schemas.microsoft.com/office/powerpoint/2012/main" xmlns:ahyp="http://schemas.microsoft.com/office/drawing/2018/hyperlinkcolor">
+<p:sld xmlns:a="http://schemas.openxmlformats.org/drawingml/2006/main" xmlns:r="http://schemas.openxmlformats.org/officeDocument/2006/relationships" xmlns:p="http://schemas.openxmlformats.org/presentationml/2006/main">
   <p:cSld>
     <p:spTree>
       <p:nvGrpSpPr>
-        <p:cNvPr id="103" name="Shape 103"/>
+        <p:cNvPr id="1" name="Shape 103"/>
         <p:cNvGrpSpPr/>
         <p:nvPr/>
       </p:nvGrpSpPr>
@@ -11016,7 +12522,9 @@
       <p:sp>
         <p:nvSpPr>
           <p:cNvPr id="104" name="Google Shape;104;p16"/>
-          <p:cNvSpPr txBox="1"/>
+          <p:cNvSpPr txBox="1">
+            <a:spLocks noGrp="1"/>
+          </p:cNvSpPr>
           <p:nvPr>
             <p:ph type="title"/>
           </p:nvPr>
@@ -11031,12 +12539,12 @@
           </a:prstGeom>
         </p:spPr>
         <p:txBody>
-          <a:bodyPr anchorCtr="0" anchor="t" bIns="91425" lIns="91425" spcFirstLastPara="1" rIns="91425" wrap="square" tIns="91425">
+          <a:bodyPr spcFirstLastPara="1" wrap="square" lIns="91425" tIns="91425" rIns="91425" bIns="91425" anchor="t" anchorCtr="0">
             <a:normAutofit fontScale="90000"/>
           </a:bodyPr>
           <a:lstStyle/>
           <a:p>
-            <a:pPr indent="0" lvl="0" marL="0" rtl="0" algn="l">
+            <a:pPr marL="0" lvl="0" indent="0" algn="l" rtl="0">
               <a:spcBef>
                 <a:spcPts val="0"/>
               </a:spcBef>
@@ -11056,9 +12564,11 @@
       <p:sp>
         <p:nvSpPr>
           <p:cNvPr id="105" name="Google Shape;105;p16"/>
-          <p:cNvSpPr txBox="1"/>
+          <p:cNvSpPr txBox="1">
+            <a:spLocks noGrp="1"/>
+          </p:cNvSpPr>
           <p:nvPr>
-            <p:ph idx="1" type="body"/>
+            <p:ph type="body" idx="1"/>
           </p:nvPr>
         </p:nvSpPr>
         <p:spPr>
@@ -11071,12 +12581,12 @@
           </a:prstGeom>
         </p:spPr>
         <p:txBody>
-          <a:bodyPr anchorCtr="0" anchor="t" bIns="91425" lIns="91425" spcFirstLastPara="1" rIns="91425" wrap="square" tIns="91425">
-            <a:normAutofit lnSpcReduction="20000"/>
+          <a:bodyPr spcFirstLastPara="1" wrap="square" lIns="91425" tIns="91425" rIns="91425" bIns="91425" anchor="t" anchorCtr="0">
+            <a:normAutofit fontScale="92500"/>
           </a:bodyPr>
           <a:lstStyle/>
           <a:p>
-            <a:pPr indent="-349250" lvl="0" marL="457200" rtl="0" algn="l">
+            <a:pPr marL="457200" lvl="0" indent="-349250" algn="l" rtl="0">
               <a:spcBef>
                 <a:spcPts val="0"/>
               </a:spcBef>
@@ -11100,22 +12610,7 @@
                 <a:cs typeface="Helvetica Neue"/>
                 <a:sym typeface="Helvetica Neue"/>
               </a:rPr>
-              <a:t>D</a:t>
-            </a:r>
-            <a:r>
-              <a:rPr lang="en" sz="1900">
-                <a:solidFill>
-                  <a:srgbClr val="000000"/>
-                </a:solidFill>
-                <a:highlight>
-                  <a:srgbClr val="FFFFFF"/>
-                </a:highlight>
-                <a:latin typeface="Helvetica Neue"/>
-                <a:ea typeface="Helvetica Neue"/>
-                <a:cs typeface="Helvetica Neue"/>
-                <a:sym typeface="Helvetica Neue"/>
-              </a:rPr>
-              <a:t>escribes (almost) every aspect of residential homes in Ames, Iowa</a:t>
+              <a:t>Describes (almost) every aspect of residential homes in Ames, Iowa</a:t>
             </a:r>
             <a:endParaRPr sz="1900">
               <a:solidFill>
@@ -11131,7 +12626,7 @@
             </a:endParaRPr>
           </a:p>
           <a:p>
-            <a:pPr indent="-349250" lvl="0" marL="457200" rtl="0" algn="l">
+            <a:pPr marL="457200" lvl="0" indent="-349250" algn="l" rtl="0">
               <a:spcBef>
                 <a:spcPts val="0"/>
               </a:spcBef>
@@ -11155,37 +12650,7 @@
                 <a:cs typeface="Helvetica Neue"/>
                 <a:sym typeface="Helvetica Neue"/>
               </a:rPr>
-              <a:t>79 </a:t>
-            </a:r>
-            <a:r>
-              <a:rPr lang="en" sz="1900">
-                <a:solidFill>
-                  <a:srgbClr val="000000"/>
-                </a:solidFill>
-                <a:highlight>
-                  <a:srgbClr val="FFFFFF"/>
-                </a:highlight>
-                <a:latin typeface="Helvetica Neue"/>
-                <a:ea typeface="Helvetica Neue"/>
-                <a:cs typeface="Helvetica Neue"/>
-                <a:sym typeface="Helvetica Neue"/>
-              </a:rPr>
-              <a:t>explanatory </a:t>
-            </a:r>
-            <a:r>
-              <a:rPr lang="en" sz="1900">
-                <a:solidFill>
-                  <a:srgbClr val="000000"/>
-                </a:solidFill>
-                <a:highlight>
-                  <a:srgbClr val="FFFFFF"/>
-                </a:highlight>
-                <a:latin typeface="Helvetica Neue"/>
-                <a:ea typeface="Helvetica Neue"/>
-                <a:cs typeface="Helvetica Neue"/>
-                <a:sym typeface="Helvetica Neue"/>
-              </a:rPr>
-              <a:t>variables</a:t>
+              <a:t>79 explanatory variables</a:t>
             </a:r>
             <a:endParaRPr sz="1900">
               <a:solidFill>
@@ -11201,7 +12666,7 @@
             </a:endParaRPr>
           </a:p>
           <a:p>
-            <a:pPr indent="-349250" lvl="0" marL="457200" rtl="0" algn="l">
+            <a:pPr marL="457200" lvl="0" indent="-349250" algn="l" rtl="0">
               <a:spcBef>
                 <a:spcPts val="0"/>
               </a:spcBef>
@@ -11213,7 +12678,7 @@
               <a:buChar char="●"/>
             </a:pPr>
             <a:r>
-              <a:rPr b="1" lang="en" sz="1900">
+              <a:rPr lang="en" sz="1900" b="1">
                 <a:solidFill>
                   <a:srgbClr val="000000"/>
                 </a:solidFill>
@@ -11256,7 +12721,7 @@
             </a:endParaRPr>
           </a:p>
           <a:p>
-            <a:pPr indent="0" lvl="0" marL="0" rtl="0" algn="l">
+            <a:pPr marL="0" lvl="0" indent="0" algn="l" rtl="0">
               <a:spcBef>
                 <a:spcPts val="1200"/>
               </a:spcBef>
@@ -11265,9 +12730,6 @@
               </a:spcAft>
               <a:buNone/>
             </a:pPr>
-            <a:r>
-              <a:t/>
-            </a:r>
             <a:endParaRPr sz="1900">
               <a:solidFill>
                 <a:srgbClr val="000000"/>
@@ -11282,7 +12744,7 @@
             </a:endParaRPr>
           </a:p>
           <a:p>
-            <a:pPr indent="0" lvl="0" marL="0" rtl="0" algn="l">
+            <a:pPr marL="0" lvl="0" indent="0" algn="l" rtl="0">
               <a:spcBef>
                 <a:spcPts val="1200"/>
               </a:spcBef>
@@ -11346,11 +12808,11 @@
 </file>
 
 <file path=ppt/slides/slide5.xml><?xml version="1.0" encoding="utf-8"?>
-<p:sld xmlns:a="http://schemas.openxmlformats.org/drawingml/2006/main" xmlns:r="http://schemas.openxmlformats.org/officeDocument/2006/relationships" xmlns:mc="http://schemas.openxmlformats.org/markup-compatibility/2006" xmlns:mv="urn:schemas-microsoft-com:mac:vml" xmlns:p="http://schemas.openxmlformats.org/presentationml/2006/main" xmlns:c="http://schemas.openxmlformats.org/drawingml/2006/chart" xmlns:dgm="http://schemas.openxmlformats.org/drawingml/2006/diagram" xmlns:o="urn:schemas-microsoft-com:office:office" xmlns:v="urn:schemas-microsoft-com:vml" xmlns:pvml="urn:schemas-microsoft-com:office:powerpoint" xmlns:com="http://schemas.openxmlformats.org/drawingml/2006/compatibility" xmlns:p14="http://schemas.microsoft.com/office/powerpoint/2010/main" xmlns:p15="http://schemas.microsoft.com/office/powerpoint/2012/main" xmlns:ahyp="http://schemas.microsoft.com/office/drawing/2018/hyperlinkcolor">
+<p:sld xmlns:a="http://schemas.openxmlformats.org/drawingml/2006/main" xmlns:r="http://schemas.openxmlformats.org/officeDocument/2006/relationships" xmlns:p="http://schemas.openxmlformats.org/presentationml/2006/main">
   <p:cSld>
     <p:spTree>
       <p:nvGrpSpPr>
-        <p:cNvPr id="109" name="Shape 109"/>
+        <p:cNvPr id="1" name="Shape 109"/>
         <p:cNvGrpSpPr/>
         <p:nvPr/>
       </p:nvGrpSpPr>
@@ -11365,7 +12827,9 @@
       <p:sp>
         <p:nvSpPr>
           <p:cNvPr id="110" name="Google Shape;110;p17"/>
-          <p:cNvSpPr txBox="1"/>
+          <p:cNvSpPr txBox="1">
+            <a:spLocks noGrp="1"/>
+          </p:cNvSpPr>
           <p:nvPr>
             <p:ph type="ctrTitle"/>
           </p:nvPr>
@@ -11380,12 +12844,12 @@
           </a:prstGeom>
         </p:spPr>
         <p:txBody>
-          <a:bodyPr anchorCtr="0" anchor="t" bIns="91425" lIns="91425" spcFirstLastPara="1" rIns="91425" wrap="square" tIns="91425">
+          <a:bodyPr spcFirstLastPara="1" wrap="square" lIns="91425" tIns="91425" rIns="91425" bIns="91425" anchor="t" anchorCtr="0">
             <a:normAutofit/>
           </a:bodyPr>
           <a:lstStyle/>
           <a:p>
-            <a:pPr indent="0" lvl="0" marL="0" rtl="0" algn="l">
+            <a:pPr marL="0" lvl="0" indent="0" algn="l" rtl="0">
               <a:spcBef>
                 <a:spcPts val="0"/>
               </a:spcBef>
@@ -11405,9 +12869,11 @@
       <p:sp>
         <p:nvSpPr>
           <p:cNvPr id="111" name="Google Shape;111;p17"/>
-          <p:cNvSpPr txBox="1"/>
+          <p:cNvSpPr txBox="1">
+            <a:spLocks noGrp="1"/>
+          </p:cNvSpPr>
           <p:nvPr>
-            <p:ph idx="1" type="subTitle"/>
+            <p:ph type="subTitle" idx="1"/>
           </p:nvPr>
         </p:nvSpPr>
         <p:spPr>
@@ -11420,12 +12886,12 @@
           </a:prstGeom>
         </p:spPr>
         <p:txBody>
-          <a:bodyPr anchorCtr="0" anchor="t" bIns="91425" lIns="91425" spcFirstLastPara="1" rIns="91425" wrap="square" tIns="91425">
+          <a:bodyPr spcFirstLastPara="1" wrap="square" lIns="91425" tIns="91425" rIns="91425" bIns="91425" anchor="t" anchorCtr="0">
             <a:normAutofit/>
           </a:bodyPr>
           <a:lstStyle/>
           <a:p>
-            <a:pPr indent="0" lvl="0" marL="0" rtl="0" algn="l">
+            <a:pPr marL="0" lvl="0" indent="0" algn="l" rtl="0">
               <a:spcBef>
                 <a:spcPts val="0"/>
               </a:spcBef>
@@ -11434,9 +12900,6 @@
               </a:spcAft>
               <a:buNone/>
             </a:pPr>
-            <a:r>
-              <a:t/>
-            </a:r>
             <a:endParaRPr/>
           </a:p>
         </p:txBody>
@@ -11450,11 +12913,11 @@
 </file>
 
 <file path=ppt/slides/slide6.xml><?xml version="1.0" encoding="utf-8"?>
-<p:sld xmlns:a="http://schemas.openxmlformats.org/drawingml/2006/main" xmlns:r="http://schemas.openxmlformats.org/officeDocument/2006/relationships" xmlns:mc="http://schemas.openxmlformats.org/markup-compatibility/2006" xmlns:mv="urn:schemas-microsoft-com:mac:vml" xmlns:p="http://schemas.openxmlformats.org/presentationml/2006/main" xmlns:c="http://schemas.openxmlformats.org/drawingml/2006/chart" xmlns:dgm="http://schemas.openxmlformats.org/drawingml/2006/diagram" xmlns:o="urn:schemas-microsoft-com:office:office" xmlns:v="urn:schemas-microsoft-com:vml" xmlns:pvml="urn:schemas-microsoft-com:office:powerpoint" xmlns:com="http://schemas.openxmlformats.org/drawingml/2006/compatibility" xmlns:p14="http://schemas.microsoft.com/office/powerpoint/2010/main" xmlns:p15="http://schemas.microsoft.com/office/powerpoint/2012/main" xmlns:ahyp="http://schemas.microsoft.com/office/drawing/2018/hyperlinkcolor">
+<p:sld xmlns:a="http://schemas.openxmlformats.org/drawingml/2006/main" xmlns:r="http://schemas.openxmlformats.org/officeDocument/2006/relationships" xmlns:p="http://schemas.openxmlformats.org/presentationml/2006/main">
   <p:cSld>
     <p:spTree>
       <p:nvGrpSpPr>
-        <p:cNvPr id="115" name="Shape 115"/>
+        <p:cNvPr id="1" name="Shape 115"/>
         <p:cNvGrpSpPr/>
         <p:nvPr/>
       </p:nvGrpSpPr>
@@ -11469,7 +12932,9 @@
       <p:sp>
         <p:nvSpPr>
           <p:cNvPr id="116" name="Google Shape;116;p18"/>
-          <p:cNvSpPr txBox="1"/>
+          <p:cNvSpPr txBox="1">
+            <a:spLocks noGrp="1"/>
+          </p:cNvSpPr>
           <p:nvPr>
             <p:ph type="title"/>
           </p:nvPr>
@@ -11484,12 +12949,12 @@
           </a:prstGeom>
         </p:spPr>
         <p:txBody>
-          <a:bodyPr anchorCtr="0" anchor="t" bIns="91425" lIns="91425" spcFirstLastPara="1" rIns="91425" wrap="square" tIns="91425">
+          <a:bodyPr spcFirstLastPara="1" wrap="square" lIns="91425" tIns="91425" rIns="91425" bIns="91425" anchor="t" anchorCtr="0">
             <a:normAutofit fontScale="90000"/>
           </a:bodyPr>
           <a:lstStyle/>
           <a:p>
-            <a:pPr indent="0" lvl="0" marL="0" rtl="0" algn="l">
+            <a:pPr marL="0" lvl="0" indent="0" algn="l" rtl="0">
               <a:spcBef>
                 <a:spcPts val="0"/>
               </a:spcBef>
@@ -11509,9 +12974,11 @@
       <p:sp>
         <p:nvSpPr>
           <p:cNvPr id="117" name="Google Shape;117;p18"/>
-          <p:cNvSpPr txBox="1"/>
+          <p:cNvSpPr txBox="1">
+            <a:spLocks noGrp="1"/>
+          </p:cNvSpPr>
           <p:nvPr>
-            <p:ph idx="1" type="body"/>
+            <p:ph type="body" idx="1"/>
           </p:nvPr>
         </p:nvSpPr>
         <p:spPr>
@@ -11524,12 +12991,12 @@
           </a:prstGeom>
         </p:spPr>
         <p:txBody>
-          <a:bodyPr anchorCtr="0" anchor="t" bIns="91425" lIns="91425" spcFirstLastPara="1" rIns="91425" wrap="square" tIns="91425">
+          <a:bodyPr spcFirstLastPara="1" wrap="square" lIns="91425" tIns="91425" rIns="91425" bIns="91425" anchor="t" anchorCtr="0">
             <a:noAutofit/>
           </a:bodyPr>
           <a:lstStyle/>
           <a:p>
-            <a:pPr indent="-324008" lvl="0" marL="457200" rtl="0" algn="l">
+            <a:pPr marL="457200" lvl="0" indent="-324008" algn="l" rtl="0">
               <a:lnSpc>
                 <a:spcPct val="95000"/>
               </a:lnSpc>
@@ -11543,7 +13010,7 @@
               <a:buChar char="●"/>
             </a:pPr>
             <a:r>
-              <a:rPr b="1" lang="en" sz="1502"/>
+              <a:rPr lang="en" sz="1502" b="1"/>
               <a:t>Target Variable:</a:t>
             </a:r>
             <a:r>
@@ -11553,7 +13020,7 @@
             <a:endParaRPr sz="1502"/>
           </a:p>
           <a:p>
-            <a:pPr indent="-324008" lvl="0" marL="457200" rtl="0" algn="l">
+            <a:pPr marL="457200" lvl="0" indent="-324008" algn="l" rtl="0">
               <a:lnSpc>
                 <a:spcPct val="95000"/>
               </a:lnSpc>
@@ -11573,7 +13040,7 @@
             <a:endParaRPr sz="1502"/>
           </a:p>
           <a:p>
-            <a:pPr indent="0" lvl="0" marL="457200" rtl="0" algn="l">
+            <a:pPr marL="457200" lvl="0" indent="0" algn="l" rtl="0">
               <a:lnSpc>
                 <a:spcPct val="95000"/>
               </a:lnSpc>
@@ -11586,13 +13053,10 @@
               <a:buSzPts val="1018"/>
               <a:buNone/>
             </a:pPr>
-            <a:r>
-              <a:t/>
-            </a:r>
             <a:endParaRPr sz="1502"/>
           </a:p>
           <a:p>
-            <a:pPr indent="-324008" lvl="0" marL="457200" rtl="0" algn="l">
+            <a:pPr marL="457200" lvl="0" indent="-324008" algn="l" rtl="0">
               <a:lnSpc>
                 <a:spcPct val="95000"/>
               </a:lnSpc>
@@ -11612,7 +13076,7 @@
             <a:endParaRPr sz="1502"/>
           </a:p>
           <a:p>
-            <a:pPr indent="-324008" lvl="0" marL="457200" rtl="0" algn="l">
+            <a:pPr marL="457200" lvl="0" indent="-324008" algn="l" rtl="0">
               <a:lnSpc>
                 <a:spcPct val="95000"/>
               </a:lnSpc>
@@ -11627,20 +13091,12 @@
             </a:pPr>
             <a:r>
               <a:rPr lang="en" sz="1502"/>
-              <a:t>37 </a:t>
-            </a:r>
-            <a:r>
-              <a:rPr lang="en" sz="1502"/>
-              <a:t>Continuous</a:t>
-            </a:r>
-            <a:r>
-              <a:rPr lang="en" sz="1502"/>
-              <a:t> Variables (including Sale Price)</a:t>
+              <a:t>37 Continuous Variables (including Sale Price)</a:t>
             </a:r>
             <a:endParaRPr sz="1502"/>
           </a:p>
           <a:p>
-            <a:pPr indent="0" lvl="0" marL="457200" rtl="0" algn="l">
+            <a:pPr marL="457200" lvl="0" indent="0" algn="l" rtl="0">
               <a:lnSpc>
                 <a:spcPct val="95000"/>
               </a:lnSpc>
@@ -11653,13 +13109,10 @@
               <a:buSzPts val="1018"/>
               <a:buNone/>
             </a:pPr>
-            <a:r>
-              <a:t/>
-            </a:r>
             <a:endParaRPr sz="1502"/>
           </a:p>
           <a:p>
-            <a:pPr indent="-324008" lvl="0" marL="457200" rtl="0" algn="l">
+            <a:pPr marL="457200" lvl="0" indent="-324008" algn="l" rtl="0">
               <a:lnSpc>
                 <a:spcPct val="95000"/>
               </a:lnSpc>
@@ -11673,7 +13126,7 @@
               <a:buChar char="●"/>
             </a:pPr>
             <a:r>
-              <a:rPr b="1" lang="en" sz="1502"/>
+              <a:rPr lang="en" sz="1502" b="1"/>
               <a:t>Variables: </a:t>
             </a:r>
             <a:r>
@@ -11693,11 +13146,11 @@
 </file>
 
 <file path=ppt/slides/slide7.xml><?xml version="1.0" encoding="utf-8"?>
-<p:sld xmlns:a="http://schemas.openxmlformats.org/drawingml/2006/main" xmlns:r="http://schemas.openxmlformats.org/officeDocument/2006/relationships" xmlns:mc="http://schemas.openxmlformats.org/markup-compatibility/2006" xmlns:mv="urn:schemas-microsoft-com:mac:vml" xmlns:p="http://schemas.openxmlformats.org/presentationml/2006/main" xmlns:c="http://schemas.openxmlformats.org/drawingml/2006/chart" xmlns:dgm="http://schemas.openxmlformats.org/drawingml/2006/diagram" xmlns:o="urn:schemas-microsoft-com:office:office" xmlns:v="urn:schemas-microsoft-com:vml" xmlns:pvml="urn:schemas-microsoft-com:office:powerpoint" xmlns:com="http://schemas.openxmlformats.org/drawingml/2006/compatibility" xmlns:p14="http://schemas.microsoft.com/office/powerpoint/2010/main" xmlns:p15="http://schemas.microsoft.com/office/powerpoint/2012/main" xmlns:ahyp="http://schemas.microsoft.com/office/drawing/2018/hyperlinkcolor">
+<p:sld xmlns:a="http://schemas.openxmlformats.org/drawingml/2006/main" xmlns:r="http://schemas.openxmlformats.org/officeDocument/2006/relationships" xmlns:p="http://schemas.openxmlformats.org/presentationml/2006/main">
   <p:cSld>
     <p:spTree>
       <p:nvGrpSpPr>
-        <p:cNvPr id="121" name="Shape 121"/>
+        <p:cNvPr id="1" name="Shape 121"/>
         <p:cNvGrpSpPr/>
         <p:nvPr/>
       </p:nvGrpSpPr>
@@ -11712,7 +13165,9 @@
       <p:sp>
         <p:nvSpPr>
           <p:cNvPr id="122" name="Google Shape;122;p19"/>
-          <p:cNvSpPr txBox="1"/>
+          <p:cNvSpPr txBox="1">
+            <a:spLocks noGrp="1"/>
+          </p:cNvSpPr>
           <p:nvPr>
             <p:ph type="title"/>
           </p:nvPr>
@@ -11727,12 +13182,12 @@
           </a:prstGeom>
         </p:spPr>
         <p:txBody>
-          <a:bodyPr anchorCtr="0" anchor="t" bIns="91425" lIns="91425" spcFirstLastPara="1" rIns="91425" wrap="square" tIns="91425">
+          <a:bodyPr spcFirstLastPara="1" wrap="square" lIns="91425" tIns="91425" rIns="91425" bIns="91425" anchor="t" anchorCtr="0">
             <a:normAutofit fontScale="90000"/>
           </a:bodyPr>
           <a:lstStyle/>
           <a:p>
-            <a:pPr indent="0" lvl="0" marL="0" rtl="0" algn="l">
+            <a:pPr marL="0" lvl="0" indent="0" algn="l" rtl="0">
               <a:spcBef>
                 <a:spcPts val="0"/>
               </a:spcBef>
@@ -11748,7 +13203,7 @@
             <a:endParaRPr/>
           </a:p>
           <a:p>
-            <a:pPr indent="0" lvl="0" marL="0" rtl="0" algn="l">
+            <a:pPr marL="0" lvl="0" indent="0" algn="l" rtl="0">
               <a:spcBef>
                 <a:spcPts val="0"/>
               </a:spcBef>
@@ -11757,9 +13212,6 @@
               </a:spcAft>
               <a:buNone/>
             </a:pPr>
-            <a:r>
-              <a:t/>
-            </a:r>
             <a:endParaRPr/>
           </a:p>
         </p:txBody>
@@ -11801,11 +13253,11 @@
 </file>
 
 <file path=ppt/slides/slide8.xml><?xml version="1.0" encoding="utf-8"?>
-<p:sld xmlns:a="http://schemas.openxmlformats.org/drawingml/2006/main" xmlns:r="http://schemas.openxmlformats.org/officeDocument/2006/relationships" xmlns:mc="http://schemas.openxmlformats.org/markup-compatibility/2006" xmlns:mv="urn:schemas-microsoft-com:mac:vml" xmlns:p="http://schemas.openxmlformats.org/presentationml/2006/main" xmlns:c="http://schemas.openxmlformats.org/drawingml/2006/chart" xmlns:dgm="http://schemas.openxmlformats.org/drawingml/2006/diagram" xmlns:o="urn:schemas-microsoft-com:office:office" xmlns:v="urn:schemas-microsoft-com:vml" xmlns:pvml="urn:schemas-microsoft-com:office:powerpoint" xmlns:com="http://schemas.openxmlformats.org/drawingml/2006/compatibility" xmlns:p14="http://schemas.microsoft.com/office/powerpoint/2010/main" xmlns:p15="http://schemas.microsoft.com/office/powerpoint/2012/main" xmlns:ahyp="http://schemas.microsoft.com/office/drawing/2018/hyperlinkcolor">
+<p:sld xmlns:a="http://schemas.openxmlformats.org/drawingml/2006/main" xmlns:r="http://schemas.openxmlformats.org/officeDocument/2006/relationships" xmlns:p="http://schemas.openxmlformats.org/presentationml/2006/main">
   <p:cSld>
     <p:spTree>
       <p:nvGrpSpPr>
-        <p:cNvPr id="127" name="Shape 127"/>
+        <p:cNvPr id="1" name="Shape 127"/>
         <p:cNvGrpSpPr/>
         <p:nvPr/>
       </p:nvGrpSpPr>
@@ -11820,7 +13272,9 @@
       <p:sp>
         <p:nvSpPr>
           <p:cNvPr id="128" name="Google Shape;128;p20"/>
-          <p:cNvSpPr txBox="1"/>
+          <p:cNvSpPr txBox="1">
+            <a:spLocks noGrp="1"/>
+          </p:cNvSpPr>
           <p:nvPr>
             <p:ph type="title"/>
           </p:nvPr>
@@ -11835,12 +13289,12 @@
           </a:prstGeom>
         </p:spPr>
         <p:txBody>
-          <a:bodyPr anchorCtr="0" anchor="t" bIns="91425" lIns="91425" spcFirstLastPara="1" rIns="91425" wrap="square" tIns="91425">
+          <a:bodyPr spcFirstLastPara="1" wrap="square" lIns="91425" tIns="91425" rIns="91425" bIns="91425" anchor="t" anchorCtr="0">
             <a:normAutofit fontScale="90000"/>
           </a:bodyPr>
           <a:lstStyle/>
           <a:p>
-            <a:pPr indent="0" lvl="0" marL="0" rtl="0" algn="l">
+            <a:pPr marL="0" lvl="0" indent="0" algn="l" rtl="0">
               <a:spcBef>
                 <a:spcPts val="0"/>
               </a:spcBef>
@@ -11856,7 +13310,7 @@
             <a:endParaRPr/>
           </a:p>
           <a:p>
-            <a:pPr indent="0" lvl="0" marL="0" rtl="0" algn="l">
+            <a:pPr marL="0" lvl="0" indent="0" algn="l" rtl="0">
               <a:spcBef>
                 <a:spcPts val="0"/>
               </a:spcBef>
@@ -11865,9 +13319,6 @@
               </a:spcAft>
               <a:buNone/>
             </a:pPr>
-            <a:r>
-              <a:t/>
-            </a:r>
             <a:endParaRPr/>
           </a:p>
         </p:txBody>
@@ -11875,9 +13326,11 @@
       <p:sp>
         <p:nvSpPr>
           <p:cNvPr id="129" name="Google Shape;129;p20"/>
-          <p:cNvSpPr txBox="1"/>
+          <p:cNvSpPr txBox="1">
+            <a:spLocks noGrp="1"/>
+          </p:cNvSpPr>
           <p:nvPr>
-            <p:ph idx="1" type="body"/>
+            <p:ph type="body" idx="1"/>
           </p:nvPr>
         </p:nvSpPr>
         <p:spPr>
@@ -11890,12 +13343,12 @@
           </a:prstGeom>
         </p:spPr>
         <p:txBody>
-          <a:bodyPr anchorCtr="0" anchor="t" bIns="91425" lIns="91425" spcFirstLastPara="1" rIns="91425" wrap="square" tIns="91425">
+          <a:bodyPr spcFirstLastPara="1" wrap="square" lIns="91425" tIns="91425" rIns="91425" bIns="91425" anchor="t" anchorCtr="0">
             <a:normAutofit/>
           </a:bodyPr>
           <a:lstStyle/>
           <a:p>
-            <a:pPr indent="-311150" lvl="0" marL="457200" rtl="0" algn="l">
+            <a:pPr marL="457200" lvl="0" indent="-311150" algn="l" rtl="0">
               <a:spcBef>
                 <a:spcPts val="0"/>
               </a:spcBef>
@@ -11912,7 +13365,7 @@
             <a:endParaRPr/>
           </a:p>
           <a:p>
-            <a:pPr indent="-311150" lvl="0" marL="457200" rtl="0" algn="l">
+            <a:pPr marL="457200" lvl="0" indent="-311150" algn="l" rtl="0">
               <a:spcBef>
                 <a:spcPts val="0"/>
               </a:spcBef>
@@ -11929,7 +13382,7 @@
             <a:endParaRPr/>
           </a:p>
           <a:p>
-            <a:pPr indent="-311150" lvl="0" marL="457200" rtl="0" algn="l">
+            <a:pPr marL="457200" lvl="0" indent="-311150" algn="l" rtl="0">
               <a:spcBef>
                 <a:spcPts val="0"/>
               </a:spcBef>
@@ -11941,20 +13394,12 @@
             </a:pPr>
             <a:r>
               <a:rPr lang="en"/>
-              <a:t>Imputed some </a:t>
-            </a:r>
-            <a:r>
-              <a:rPr lang="en"/>
-              <a:t>contentious</a:t>
-            </a:r>
-            <a:r>
-              <a:rPr lang="en"/>
-              <a:t> variables with the Median (Lot footage by neighborhood)</a:t>
+              <a:t>Imputed some contentious variables with the Median (Lot footage by neighborhood)</a:t>
             </a:r>
             <a:endParaRPr/>
           </a:p>
           <a:p>
-            <a:pPr indent="-311150" lvl="0" marL="457200" rtl="0" algn="l">
+            <a:pPr marL="457200" lvl="0" indent="-311150" algn="l" rtl="0">
               <a:spcBef>
                 <a:spcPts val="0"/>
               </a:spcBef>
@@ -11966,20 +13411,12 @@
             </a:pPr>
             <a:r>
               <a:rPr lang="en"/>
-              <a:t>Imputed Sale Type and Kitchen </a:t>
-            </a:r>
-            <a:r>
-              <a:rPr lang="en"/>
-              <a:t>variables</a:t>
-            </a:r>
-            <a:r>
-              <a:rPr lang="en"/>
-              <a:t> quality with the mode</a:t>
+              <a:t>Imputed Sale Type and Kitchen variables quality with the mode</a:t>
             </a:r>
             <a:endParaRPr/>
           </a:p>
           <a:p>
-            <a:pPr indent="-311150" lvl="0" marL="457200" rtl="0" algn="l">
+            <a:pPr marL="457200" lvl="0" indent="-311150" algn="l" rtl="0">
               <a:spcBef>
                 <a:spcPts val="0"/>
               </a:spcBef>
@@ -11996,7 +13433,7 @@
             <a:endParaRPr/>
           </a:p>
           <a:p>
-            <a:pPr indent="0" lvl="0" marL="0" rtl="0" algn="l">
+            <a:pPr marL="0" lvl="0" indent="0" algn="l" rtl="0">
               <a:spcBef>
                 <a:spcPts val="1200"/>
               </a:spcBef>
@@ -12022,11 +13459,11 @@
 </file>
 
 <file path=ppt/slides/slide9.xml><?xml version="1.0" encoding="utf-8"?>
-<p:sld xmlns:a="http://schemas.openxmlformats.org/drawingml/2006/main" xmlns:r="http://schemas.openxmlformats.org/officeDocument/2006/relationships" xmlns:mc="http://schemas.openxmlformats.org/markup-compatibility/2006" xmlns:mv="urn:schemas-microsoft-com:mac:vml" xmlns:p="http://schemas.openxmlformats.org/presentationml/2006/main" xmlns:c="http://schemas.openxmlformats.org/drawingml/2006/chart" xmlns:dgm="http://schemas.openxmlformats.org/drawingml/2006/diagram" xmlns:o="urn:schemas-microsoft-com:office:office" xmlns:v="urn:schemas-microsoft-com:vml" xmlns:pvml="urn:schemas-microsoft-com:office:powerpoint" xmlns:com="http://schemas.openxmlformats.org/drawingml/2006/compatibility" xmlns:p14="http://schemas.microsoft.com/office/powerpoint/2010/main" xmlns:p15="http://schemas.microsoft.com/office/powerpoint/2012/main" xmlns:ahyp="http://schemas.microsoft.com/office/drawing/2018/hyperlinkcolor">
+<p:sld xmlns:a="http://schemas.openxmlformats.org/drawingml/2006/main" xmlns:r="http://schemas.openxmlformats.org/officeDocument/2006/relationships" xmlns:p="http://schemas.openxmlformats.org/presentationml/2006/main">
   <p:cSld>
     <p:spTree>
       <p:nvGrpSpPr>
-        <p:cNvPr id="133" name="Shape 133"/>
+        <p:cNvPr id="1" name="Shape 133"/>
         <p:cNvGrpSpPr/>
         <p:nvPr/>
       </p:nvGrpSpPr>
@@ -12041,7 +13478,9 @@
       <p:sp>
         <p:nvSpPr>
           <p:cNvPr id="134" name="Google Shape;134;p21"/>
-          <p:cNvSpPr txBox="1"/>
+          <p:cNvSpPr txBox="1">
+            <a:spLocks noGrp="1"/>
+          </p:cNvSpPr>
           <p:nvPr>
             <p:ph type="title"/>
           </p:nvPr>
@@ -12056,12 +13495,12 @@
           </a:prstGeom>
         </p:spPr>
         <p:txBody>
-          <a:bodyPr anchorCtr="0" anchor="t" bIns="91425" lIns="91425" spcFirstLastPara="1" rIns="91425" wrap="square" tIns="91425">
+          <a:bodyPr spcFirstLastPara="1" wrap="square" lIns="91425" tIns="91425" rIns="91425" bIns="91425" anchor="t" anchorCtr="0">
             <a:normAutofit fontScale="90000"/>
           </a:bodyPr>
           <a:lstStyle/>
           <a:p>
-            <a:pPr indent="0" lvl="0" marL="0" rtl="0" algn="l">
+            <a:pPr marL="0" lvl="0" indent="0" algn="l" rtl="0">
               <a:spcBef>
                 <a:spcPts val="0"/>
               </a:spcBef>
@@ -12077,7 +13516,7 @@
             <a:endParaRPr/>
           </a:p>
           <a:p>
-            <a:pPr indent="0" lvl="0" marL="0" rtl="0" algn="l">
+            <a:pPr marL="0" lvl="0" indent="0" algn="l" rtl="0">
               <a:spcBef>
                 <a:spcPts val="0"/>
               </a:spcBef>
@@ -12086,9 +13525,6 @@
               </a:spcAft>
               <a:buNone/>
             </a:pPr>
-            <a:r>
-              <a:t/>
-            </a:r>
             <a:endParaRPr/>
           </a:p>
         </p:txBody>
@@ -12096,9 +13532,11 @@
       <p:sp>
         <p:nvSpPr>
           <p:cNvPr id="135" name="Google Shape;135;p21"/>
-          <p:cNvSpPr txBox="1"/>
+          <p:cNvSpPr txBox="1">
+            <a:spLocks noGrp="1"/>
+          </p:cNvSpPr>
           <p:nvPr>
-            <p:ph idx="1" type="body"/>
+            <p:ph type="body" idx="1"/>
           </p:nvPr>
         </p:nvSpPr>
         <p:spPr>
@@ -12111,12 +13549,12 @@
           </a:prstGeom>
         </p:spPr>
         <p:txBody>
-          <a:bodyPr anchorCtr="0" anchor="t" bIns="91425" lIns="91425" spcFirstLastPara="1" rIns="91425" wrap="square" tIns="91425">
+          <a:bodyPr spcFirstLastPara="1" wrap="square" lIns="91425" tIns="91425" rIns="91425" bIns="91425" anchor="t" anchorCtr="0">
             <a:normAutofit/>
           </a:bodyPr>
           <a:lstStyle/>
           <a:p>
-            <a:pPr indent="0" lvl="0" marL="0" rtl="0" algn="l">
+            <a:pPr marL="0" lvl="0" indent="0" algn="l" rtl="0">
               <a:spcBef>
                 <a:spcPts val="0"/>
               </a:spcBef>
@@ -12127,16 +13565,12 @@
             </a:pPr>
             <a:r>
               <a:rPr lang="en"/>
-              <a:t>Handling</a:t>
-            </a:r>
-            <a:r>
-              <a:rPr lang="en"/>
-              <a:t> outliers</a:t>
+              <a:t>Handling outliers</a:t>
             </a:r>
             <a:endParaRPr/>
           </a:p>
           <a:p>
-            <a:pPr indent="-311150" lvl="0" marL="457200" rtl="0" algn="l">
+            <a:pPr marL="457200" lvl="0" indent="-311150" algn="l" rtl="0">
               <a:spcBef>
                 <a:spcPts val="1200"/>
               </a:spcBef>
@@ -12191,7 +13625,288 @@
 </file>
 
 <file path=ppt/theme/theme1.xml><?xml version="1.0" encoding="utf-8"?>
-<a:theme xmlns:a="http://schemas.openxmlformats.org/drawingml/2006/main" xmlns:r="http://schemas.openxmlformats.org/officeDocument/2006/relationships">
+<a:theme xmlns:a="http://schemas.openxmlformats.org/drawingml/2006/main" name="Streamline">
+  <a:themeElements>
+    <a:clrScheme name="Streamline">
+      <a:dk1>
+        <a:srgbClr val="1A9988"/>
+      </a:dk1>
+      <a:lt1>
+        <a:srgbClr val="FFFFFF"/>
+      </a:lt1>
+      <a:dk2>
+        <a:srgbClr val="1A1A1A"/>
+      </a:dk2>
+      <a:lt2>
+        <a:srgbClr val="E9EDEE"/>
+      </a:lt2>
+      <a:accent1>
+        <a:srgbClr val="595959"/>
+      </a:accent1>
+      <a:accent2>
+        <a:srgbClr val="6AA4C8"/>
+      </a:accent2>
+      <a:accent3>
+        <a:srgbClr val="EB5600"/>
+      </a:accent3>
+      <a:accent4>
+        <a:srgbClr val="A2FFE8"/>
+      </a:accent4>
+      <a:accent5>
+        <a:srgbClr val="1C3678"/>
+      </a:accent5>
+      <a:accent6>
+        <a:srgbClr val="FFB8A2"/>
+      </a:accent6>
+      <a:hlink>
+        <a:srgbClr val="1C3678"/>
+      </a:hlink>
+      <a:folHlink>
+        <a:srgbClr val="1C3678"/>
+      </a:folHlink>
+    </a:clrScheme>
+    <a:fontScheme name="Office">
+      <a:majorFont>
+        <a:latin typeface="Arial"/>
+        <a:ea typeface=""/>
+        <a:cs typeface=""/>
+        <a:font script="Jpan" typeface="ＭＳ Ｐゴシック"/>
+        <a:font script="Hang" typeface="맑은 고딕"/>
+        <a:font script="Hans" typeface="宋体"/>
+        <a:font script="Hant" typeface="新細明體"/>
+        <a:font script="Arab" typeface="Times New Roman"/>
+        <a:font script="Hebr" typeface="Times New Roman"/>
+        <a:font script="Thai" typeface="Angsana New"/>
+        <a:font script="Ethi" typeface="Nyala"/>
+        <a:font script="Beng" typeface="Vrinda"/>
+        <a:font script="Gujr" typeface="Shruti"/>
+        <a:font script="Khmr" typeface="MoolBoran"/>
+        <a:font script="Knda" typeface="Tunga"/>
+        <a:font script="Guru" typeface="Raavi"/>
+        <a:font script="Cans" typeface="Euphemia"/>
+        <a:font script="Cher" typeface="Plantagenet Cherokee"/>
+        <a:font script="Yiii" typeface="Microsoft Yi Baiti"/>
+        <a:font script="Tibt" typeface="Microsoft Himalaya"/>
+        <a:font script="Thaa" typeface="MV Boli"/>
+        <a:font script="Deva" typeface="Mangal"/>
+        <a:font script="Telu" typeface="Gautami"/>
+        <a:font script="Taml" typeface="Latha"/>
+        <a:font script="Syrc" typeface="Estrangelo Edessa"/>
+        <a:font script="Orya" typeface="Kalinga"/>
+        <a:font script="Mlym" typeface="Kartika"/>
+        <a:font script="Laoo" typeface="DokChampa"/>
+        <a:font script="Sinh" typeface="Iskoola Pota"/>
+        <a:font script="Mong" typeface="Mongolian Baiti"/>
+        <a:font script="Viet" typeface="Times New Roman"/>
+        <a:font script="Uigh" typeface="Microsoft Uighur"/>
+        <a:font script="Geor" typeface="Sylfaen"/>
+      </a:majorFont>
+      <a:minorFont>
+        <a:latin typeface="Arial"/>
+        <a:ea typeface=""/>
+        <a:cs typeface=""/>
+        <a:font script="Jpan" typeface="ＭＳ Ｐゴシック"/>
+        <a:font script="Hang" typeface="맑은 고딕"/>
+        <a:font script="Hans" typeface="宋体"/>
+        <a:font script="Hant" typeface="新細明體"/>
+        <a:font script="Arab" typeface="Arial"/>
+        <a:font script="Hebr" typeface="Arial"/>
+        <a:font script="Thai" typeface="Cordia New"/>
+        <a:font script="Ethi" typeface="Nyala"/>
+        <a:font script="Beng" typeface="Vrinda"/>
+        <a:font script="Gujr" typeface="Shruti"/>
+        <a:font script="Khmr" typeface="DaunPenh"/>
+        <a:font script="Knda" typeface="Tunga"/>
+        <a:font script="Guru" typeface="Raavi"/>
+        <a:font script="Cans" typeface="Euphemia"/>
+        <a:font script="Cher" typeface="Plantagenet Cherokee"/>
+        <a:font script="Yiii" typeface="Microsoft Yi Baiti"/>
+        <a:font script="Tibt" typeface="Microsoft Himalaya"/>
+        <a:font script="Thaa" typeface="MV Boli"/>
+        <a:font script="Deva" typeface="Mangal"/>
+        <a:font script="Telu" typeface="Gautami"/>
+        <a:font script="Taml" typeface="Latha"/>
+        <a:font script="Syrc" typeface="Estrangelo Edessa"/>
+        <a:font script="Orya" typeface="Kalinga"/>
+        <a:font script="Mlym" typeface="Kartika"/>
+        <a:font script="Laoo" typeface="DokChampa"/>
+        <a:font script="Sinh" typeface="Iskoola Pota"/>
+        <a:font script="Mong" typeface="Mongolian Baiti"/>
+        <a:font script="Viet" typeface="Arial"/>
+        <a:font script="Uigh" typeface="Microsoft Uighur"/>
+        <a:font script="Geor" typeface="Sylfaen"/>
+      </a:minorFont>
+    </a:fontScheme>
+    <a:fmtScheme name="Office">
+      <a:fillStyleLst>
+        <a:solidFill>
+          <a:schemeClr val="phClr"/>
+        </a:solidFill>
+        <a:gradFill rotWithShape="1">
+          <a:gsLst>
+            <a:gs pos="0">
+              <a:schemeClr val="phClr">
+                <a:tint val="50000"/>
+                <a:satMod val="300000"/>
+              </a:schemeClr>
+            </a:gs>
+            <a:gs pos="35000">
+              <a:schemeClr val="phClr">
+                <a:tint val="37000"/>
+                <a:satMod val="300000"/>
+              </a:schemeClr>
+            </a:gs>
+            <a:gs pos="100000">
+              <a:schemeClr val="phClr">
+                <a:tint val="15000"/>
+                <a:satMod val="350000"/>
+              </a:schemeClr>
+            </a:gs>
+          </a:gsLst>
+          <a:lin ang="16200000" scaled="1"/>
+        </a:gradFill>
+        <a:gradFill rotWithShape="1">
+          <a:gsLst>
+            <a:gs pos="0">
+              <a:schemeClr val="phClr">
+                <a:tint val="100000"/>
+                <a:shade val="100000"/>
+                <a:satMod val="130000"/>
+              </a:schemeClr>
+            </a:gs>
+            <a:gs pos="100000">
+              <a:schemeClr val="phClr">
+                <a:tint val="50000"/>
+                <a:shade val="100000"/>
+                <a:satMod val="350000"/>
+              </a:schemeClr>
+            </a:gs>
+          </a:gsLst>
+          <a:lin ang="16200000" scaled="0"/>
+        </a:gradFill>
+      </a:fillStyleLst>
+      <a:lnStyleLst>
+        <a:ln w="9525" cap="flat" cmpd="sng" algn="ctr">
+          <a:solidFill>
+            <a:schemeClr val="phClr">
+              <a:shade val="95000"/>
+              <a:satMod val="105000"/>
+            </a:schemeClr>
+          </a:solidFill>
+          <a:prstDash val="solid"/>
+        </a:ln>
+        <a:ln w="25400" cap="flat" cmpd="sng" algn="ctr">
+          <a:solidFill>
+            <a:schemeClr val="phClr"/>
+          </a:solidFill>
+          <a:prstDash val="solid"/>
+        </a:ln>
+        <a:ln w="38100" cap="flat" cmpd="sng" algn="ctr">
+          <a:solidFill>
+            <a:schemeClr val="phClr"/>
+          </a:solidFill>
+          <a:prstDash val="solid"/>
+        </a:ln>
+      </a:lnStyleLst>
+      <a:effectStyleLst>
+        <a:effectStyle>
+          <a:effectLst>
+            <a:outerShdw blurRad="40000" dist="20000" dir="5400000" rotWithShape="0">
+              <a:srgbClr val="000000">
+                <a:alpha val="38000"/>
+              </a:srgbClr>
+            </a:outerShdw>
+          </a:effectLst>
+        </a:effectStyle>
+        <a:effectStyle>
+          <a:effectLst>
+            <a:outerShdw blurRad="40000" dist="23000" dir="5400000" rotWithShape="0">
+              <a:srgbClr val="000000">
+                <a:alpha val="35000"/>
+              </a:srgbClr>
+            </a:outerShdw>
+          </a:effectLst>
+        </a:effectStyle>
+        <a:effectStyle>
+          <a:effectLst>
+            <a:outerShdw blurRad="40000" dist="23000" dir="5400000" rotWithShape="0">
+              <a:srgbClr val="000000">
+                <a:alpha val="35000"/>
+              </a:srgbClr>
+            </a:outerShdw>
+          </a:effectLst>
+          <a:scene3d>
+            <a:camera prst="orthographicFront">
+              <a:rot lat="0" lon="0" rev="0"/>
+            </a:camera>
+            <a:lightRig rig="threePt" dir="t">
+              <a:rot lat="0" lon="0" rev="1200000"/>
+            </a:lightRig>
+          </a:scene3d>
+          <a:sp3d>
+            <a:bevelT w="63500" h="25400"/>
+          </a:sp3d>
+        </a:effectStyle>
+      </a:effectStyleLst>
+      <a:bgFillStyleLst>
+        <a:solidFill>
+          <a:schemeClr val="phClr"/>
+        </a:solidFill>
+        <a:gradFill rotWithShape="1">
+          <a:gsLst>
+            <a:gs pos="0">
+              <a:schemeClr val="phClr">
+                <a:tint val="40000"/>
+                <a:satMod val="350000"/>
+              </a:schemeClr>
+            </a:gs>
+            <a:gs pos="40000">
+              <a:schemeClr val="phClr">
+                <a:tint val="45000"/>
+                <a:shade val="99000"/>
+                <a:satMod val="350000"/>
+              </a:schemeClr>
+            </a:gs>
+            <a:gs pos="100000">
+              <a:schemeClr val="phClr">
+                <a:shade val="20000"/>
+                <a:satMod val="255000"/>
+              </a:schemeClr>
+            </a:gs>
+          </a:gsLst>
+          <a:path path="circle">
+            <a:fillToRect l="50000" t="-80000" r="50000" b="180000"/>
+          </a:path>
+        </a:gradFill>
+        <a:gradFill rotWithShape="1">
+          <a:gsLst>
+            <a:gs pos="0">
+              <a:schemeClr val="phClr">
+                <a:tint val="80000"/>
+                <a:satMod val="300000"/>
+              </a:schemeClr>
+            </a:gs>
+            <a:gs pos="100000">
+              <a:schemeClr val="phClr">
+                <a:shade val="30000"/>
+                <a:satMod val="200000"/>
+              </a:schemeClr>
+            </a:gs>
+          </a:gsLst>
+          <a:path path="circle">
+            <a:fillToRect l="50000" t="50000" r="50000" b="50000"/>
+          </a:path>
+        </a:gradFill>
+      </a:bgFillStyleLst>
+    </a:fmtScheme>
+  </a:themeElements>
+  <a:objectDefaults/>
+  <a:extraClrSchemeLst/>
+</a:theme>
+</file>
+
+<file path=ppt/theme/theme2.xml><?xml version="1.0" encoding="utf-8"?>
+<a:theme xmlns:a="http://schemas.openxmlformats.org/drawingml/2006/main">
   <a:themeElements>
     <a:clrScheme name="Default">
       <a:dk1>
@@ -12466,284 +14181,7 @@
       </a:bgFillStyleLst>
     </a:fmtScheme>
   </a:themeElements>
-</a:theme>
-</file>
-
-<file path=ppt/theme/theme2.xml><?xml version="1.0" encoding="utf-8"?>
-<a:theme xmlns:a="http://schemas.openxmlformats.org/drawingml/2006/main" xmlns:r="http://schemas.openxmlformats.org/officeDocument/2006/relationships" name="Streamline">
-  <a:themeElements>
-    <a:clrScheme name="Streamline">
-      <a:dk1>
-        <a:srgbClr val="1A9988"/>
-      </a:dk1>
-      <a:lt1>
-        <a:srgbClr val="FFFFFF"/>
-      </a:lt1>
-      <a:dk2>
-        <a:srgbClr val="1A1A1A"/>
-      </a:dk2>
-      <a:lt2>
-        <a:srgbClr val="E9EDEE"/>
-      </a:lt2>
-      <a:accent1>
-        <a:srgbClr val="595959"/>
-      </a:accent1>
-      <a:accent2>
-        <a:srgbClr val="6AA4C8"/>
-      </a:accent2>
-      <a:accent3>
-        <a:srgbClr val="EB5600"/>
-      </a:accent3>
-      <a:accent4>
-        <a:srgbClr val="A2FFE8"/>
-      </a:accent4>
-      <a:accent5>
-        <a:srgbClr val="1C3678"/>
-      </a:accent5>
-      <a:accent6>
-        <a:srgbClr val="FFB8A2"/>
-      </a:accent6>
-      <a:hlink>
-        <a:srgbClr val="1C3678"/>
-      </a:hlink>
-      <a:folHlink>
-        <a:srgbClr val="1C3678"/>
-      </a:folHlink>
-    </a:clrScheme>
-    <a:fontScheme name="Office">
-      <a:majorFont>
-        <a:latin typeface="Arial"/>
-        <a:ea typeface=""/>
-        <a:cs typeface=""/>
-        <a:font script="Jpan" typeface="ＭＳ Ｐゴシック"/>
-        <a:font script="Hang" typeface="맑은 고딕"/>
-        <a:font script="Hans" typeface="宋体"/>
-        <a:font script="Hant" typeface="新細明體"/>
-        <a:font script="Arab" typeface="Times New Roman"/>
-        <a:font script="Hebr" typeface="Times New Roman"/>
-        <a:font script="Thai" typeface="Angsana New"/>
-        <a:font script="Ethi" typeface="Nyala"/>
-        <a:font script="Beng" typeface="Vrinda"/>
-        <a:font script="Gujr" typeface="Shruti"/>
-        <a:font script="Khmr" typeface="MoolBoran"/>
-        <a:font script="Knda" typeface="Tunga"/>
-        <a:font script="Guru" typeface="Raavi"/>
-        <a:font script="Cans" typeface="Euphemia"/>
-        <a:font script="Cher" typeface="Plantagenet Cherokee"/>
-        <a:font script="Yiii" typeface="Microsoft Yi Baiti"/>
-        <a:font script="Tibt" typeface="Microsoft Himalaya"/>
-        <a:font script="Thaa" typeface="MV Boli"/>
-        <a:font script="Deva" typeface="Mangal"/>
-        <a:font script="Telu" typeface="Gautami"/>
-        <a:font script="Taml" typeface="Latha"/>
-        <a:font script="Syrc" typeface="Estrangelo Edessa"/>
-        <a:font script="Orya" typeface="Kalinga"/>
-        <a:font script="Mlym" typeface="Kartika"/>
-        <a:font script="Laoo" typeface="DokChampa"/>
-        <a:font script="Sinh" typeface="Iskoola Pota"/>
-        <a:font script="Mong" typeface="Mongolian Baiti"/>
-        <a:font script="Viet" typeface="Times New Roman"/>
-        <a:font script="Uigh" typeface="Microsoft Uighur"/>
-        <a:font script="Geor" typeface="Sylfaen"/>
-      </a:majorFont>
-      <a:minorFont>
-        <a:latin typeface="Arial"/>
-        <a:ea typeface=""/>
-        <a:cs typeface=""/>
-        <a:font script="Jpan" typeface="ＭＳ Ｐゴシック"/>
-        <a:font script="Hang" typeface="맑은 고딕"/>
-        <a:font script="Hans" typeface="宋体"/>
-        <a:font script="Hant" typeface="新細明體"/>
-        <a:font script="Arab" typeface="Arial"/>
-        <a:font script="Hebr" typeface="Arial"/>
-        <a:font script="Thai" typeface="Cordia New"/>
-        <a:font script="Ethi" typeface="Nyala"/>
-        <a:font script="Beng" typeface="Vrinda"/>
-        <a:font script="Gujr" typeface="Shruti"/>
-        <a:font script="Khmr" typeface="DaunPenh"/>
-        <a:font script="Knda" typeface="Tunga"/>
-        <a:font script="Guru" typeface="Raavi"/>
-        <a:font script="Cans" typeface="Euphemia"/>
-        <a:font script="Cher" typeface="Plantagenet Cherokee"/>
-        <a:font script="Yiii" typeface="Microsoft Yi Baiti"/>
-        <a:font script="Tibt" typeface="Microsoft Himalaya"/>
-        <a:font script="Thaa" typeface="MV Boli"/>
-        <a:font script="Deva" typeface="Mangal"/>
-        <a:font script="Telu" typeface="Gautami"/>
-        <a:font script="Taml" typeface="Latha"/>
-        <a:font script="Syrc" typeface="Estrangelo Edessa"/>
-        <a:font script="Orya" typeface="Kalinga"/>
-        <a:font script="Mlym" typeface="Kartika"/>
-        <a:font script="Laoo" typeface="DokChampa"/>
-        <a:font script="Sinh" typeface="Iskoola Pota"/>
-        <a:font script="Mong" typeface="Mongolian Baiti"/>
-        <a:font script="Viet" typeface="Arial"/>
-        <a:font script="Uigh" typeface="Microsoft Uighur"/>
-        <a:font script="Geor" typeface="Sylfaen"/>
-      </a:minorFont>
-    </a:fontScheme>
-    <a:fmtScheme name="Office">
-      <a:fillStyleLst>
-        <a:solidFill>
-          <a:schemeClr val="phClr"/>
-        </a:solidFill>
-        <a:gradFill rotWithShape="1">
-          <a:gsLst>
-            <a:gs pos="0">
-              <a:schemeClr val="phClr">
-                <a:tint val="50000"/>
-                <a:satMod val="300000"/>
-              </a:schemeClr>
-            </a:gs>
-            <a:gs pos="35000">
-              <a:schemeClr val="phClr">
-                <a:tint val="37000"/>
-                <a:satMod val="300000"/>
-              </a:schemeClr>
-            </a:gs>
-            <a:gs pos="100000">
-              <a:schemeClr val="phClr">
-                <a:tint val="15000"/>
-                <a:satMod val="350000"/>
-              </a:schemeClr>
-            </a:gs>
-          </a:gsLst>
-          <a:lin ang="16200000" scaled="1"/>
-        </a:gradFill>
-        <a:gradFill rotWithShape="1">
-          <a:gsLst>
-            <a:gs pos="0">
-              <a:schemeClr val="phClr">
-                <a:tint val="100000"/>
-                <a:shade val="100000"/>
-                <a:satMod val="130000"/>
-              </a:schemeClr>
-            </a:gs>
-            <a:gs pos="100000">
-              <a:schemeClr val="phClr">
-                <a:tint val="50000"/>
-                <a:shade val="100000"/>
-                <a:satMod val="350000"/>
-              </a:schemeClr>
-            </a:gs>
-          </a:gsLst>
-          <a:lin ang="16200000" scaled="0"/>
-        </a:gradFill>
-      </a:fillStyleLst>
-      <a:lnStyleLst>
-        <a:ln w="9525" cap="flat" cmpd="sng" algn="ctr">
-          <a:solidFill>
-            <a:schemeClr val="phClr">
-              <a:shade val="95000"/>
-              <a:satMod val="105000"/>
-            </a:schemeClr>
-          </a:solidFill>
-          <a:prstDash val="solid"/>
-        </a:ln>
-        <a:ln w="25400" cap="flat" cmpd="sng" algn="ctr">
-          <a:solidFill>
-            <a:schemeClr val="phClr"/>
-          </a:solidFill>
-          <a:prstDash val="solid"/>
-        </a:ln>
-        <a:ln w="38100" cap="flat" cmpd="sng" algn="ctr">
-          <a:solidFill>
-            <a:schemeClr val="phClr"/>
-          </a:solidFill>
-          <a:prstDash val="solid"/>
-        </a:ln>
-      </a:lnStyleLst>
-      <a:effectStyleLst>
-        <a:effectStyle>
-          <a:effectLst>
-            <a:outerShdw blurRad="40000" dist="20000" dir="5400000" rotWithShape="0">
-              <a:srgbClr val="000000">
-                <a:alpha val="38000"/>
-              </a:srgbClr>
-            </a:outerShdw>
-          </a:effectLst>
-        </a:effectStyle>
-        <a:effectStyle>
-          <a:effectLst>
-            <a:outerShdw blurRad="40000" dist="23000" dir="5400000" rotWithShape="0">
-              <a:srgbClr val="000000">
-                <a:alpha val="35000"/>
-              </a:srgbClr>
-            </a:outerShdw>
-          </a:effectLst>
-        </a:effectStyle>
-        <a:effectStyle>
-          <a:effectLst>
-            <a:outerShdw blurRad="40000" dist="23000" dir="5400000" rotWithShape="0">
-              <a:srgbClr val="000000">
-                <a:alpha val="35000"/>
-              </a:srgbClr>
-            </a:outerShdw>
-          </a:effectLst>
-          <a:scene3d>
-            <a:camera prst="orthographicFront">
-              <a:rot lat="0" lon="0" rev="0"/>
-            </a:camera>
-            <a:lightRig rig="threePt" dir="t">
-              <a:rot lat="0" lon="0" rev="1200000"/>
-            </a:lightRig>
-          </a:scene3d>
-          <a:sp3d>
-            <a:bevelT w="63500" h="25400"/>
-          </a:sp3d>
-        </a:effectStyle>
-      </a:effectStyleLst>
-      <a:bgFillStyleLst>
-        <a:solidFill>
-          <a:schemeClr val="phClr"/>
-        </a:solidFill>
-        <a:gradFill rotWithShape="1">
-          <a:gsLst>
-            <a:gs pos="0">
-              <a:schemeClr val="phClr">
-                <a:tint val="40000"/>
-                <a:satMod val="350000"/>
-              </a:schemeClr>
-            </a:gs>
-            <a:gs pos="40000">
-              <a:schemeClr val="phClr">
-                <a:tint val="45000"/>
-                <a:shade val="99000"/>
-                <a:satMod val="350000"/>
-              </a:schemeClr>
-            </a:gs>
-            <a:gs pos="100000">
-              <a:schemeClr val="phClr">
-                <a:shade val="20000"/>
-                <a:satMod val="255000"/>
-              </a:schemeClr>
-            </a:gs>
-          </a:gsLst>
-          <a:path path="circle">
-            <a:fillToRect l="50000" t="-80000" r="50000" b="180000"/>
-          </a:path>
-        </a:gradFill>
-        <a:gradFill rotWithShape="1">
-          <a:gsLst>
-            <a:gs pos="0">
-              <a:schemeClr val="phClr">
-                <a:tint val="80000"/>
-                <a:satMod val="300000"/>
-              </a:schemeClr>
-            </a:gs>
-            <a:gs pos="100000">
-              <a:schemeClr val="phClr">
-                <a:shade val="30000"/>
-                <a:satMod val="200000"/>
-              </a:schemeClr>
-            </a:gs>
-          </a:gsLst>
-          <a:path path="circle">
-            <a:fillToRect l="50000" t="50000" r="50000" b="50000"/>
-          </a:path>
-        </a:gradFill>
-      </a:bgFillStyleLst>
-    </a:fmtScheme>
-  </a:themeElements>
+  <a:objectDefaults/>
+  <a:extraClrSchemeLst/>
 </a:theme>
 </file>